--- a/MIT_PhD/ZGS/ZGS-Sep-01-2023/BUI_ZGS_2023_Sep_01.pptx
+++ b/MIT_PhD/ZGS/ZGS-Sep-01-2023/BUI_ZGS_2023_Sep_01.pptx
@@ -5,7 +5,7 @@
     <p:sldMasterId id="2147483648" r:id="rId1"/>
   </p:sldMasterIdLst>
   <p:notesMasterIdLst>
-    <p:notesMasterId r:id="rId8"/>
+    <p:notesMasterId r:id="rId11"/>
   </p:notesMasterIdLst>
   <p:sldIdLst>
     <p:sldId id="256" r:id="rId2"/>
@@ -13,7 +13,10 @@
     <p:sldId id="258" r:id="rId4"/>
     <p:sldId id="259" r:id="rId5"/>
     <p:sldId id="260" r:id="rId6"/>
-    <p:sldId id="261" r:id="rId7"/>
+    <p:sldId id="262" r:id="rId7"/>
+    <p:sldId id="261" r:id="rId8"/>
+    <p:sldId id="263" r:id="rId9"/>
+    <p:sldId id="264" r:id="rId10"/>
   </p:sldIdLst>
   <p:sldSz cx="12192000" cy="6858000"/>
   <p:notesSz cx="6858000" cy="9144000"/>
@@ -118,6 +121,3088 @@
     </p:ext>
   </p:extLst>
 </p:presentation>
+</file>
+
+<file path=ppt/diagrams/colors1.xml><?xml version="1.0" encoding="utf-8"?>
+<dgm:colorsDef xmlns:dgm="http://schemas.openxmlformats.org/drawingml/2006/diagram" xmlns:a="http://schemas.openxmlformats.org/drawingml/2006/main" uniqueId="urn:microsoft.com/office/officeart/2005/8/colors/accent0_2">
+  <dgm:title val=""/>
+  <dgm:desc val=""/>
+  <dgm:catLst>
+    <dgm:cat type="mainScheme" pri="10200"/>
+  </dgm:catLst>
+  <dgm:styleLbl name="node0">
+    <dgm:fillClrLst meth="repeat">
+      <a:schemeClr val="lt1"/>
+    </dgm:fillClrLst>
+    <dgm:linClrLst meth="repeat">
+      <a:schemeClr val="dk2">
+        <a:shade val="80000"/>
+      </a:schemeClr>
+    </dgm:linClrLst>
+    <dgm:effectClrLst/>
+    <dgm:txLinClrLst/>
+    <dgm:txFillClrLst meth="repeat">
+      <a:schemeClr val="dk2"/>
+    </dgm:txFillClrLst>
+    <dgm:txEffectClrLst/>
+  </dgm:styleLbl>
+  <dgm:styleLbl name="node1">
+    <dgm:fillClrLst meth="repeat">
+      <a:schemeClr val="lt1"/>
+    </dgm:fillClrLst>
+    <dgm:linClrLst meth="repeat">
+      <a:schemeClr val="dk2">
+        <a:shade val="80000"/>
+      </a:schemeClr>
+    </dgm:linClrLst>
+    <dgm:effectClrLst/>
+    <dgm:txLinClrLst/>
+    <dgm:txFillClrLst meth="repeat">
+      <a:schemeClr val="dk2"/>
+    </dgm:txFillClrLst>
+    <dgm:txEffectClrLst/>
+  </dgm:styleLbl>
+  <dgm:styleLbl name="alignNode1">
+    <dgm:fillClrLst meth="repeat">
+      <a:schemeClr val="lt1"/>
+    </dgm:fillClrLst>
+    <dgm:linClrLst meth="repeat">
+      <a:schemeClr val="dk2">
+        <a:shade val="80000"/>
+      </a:schemeClr>
+    </dgm:linClrLst>
+    <dgm:effectClrLst/>
+    <dgm:txLinClrLst/>
+    <dgm:txFillClrLst meth="repeat">
+      <a:schemeClr val="dk2"/>
+    </dgm:txFillClrLst>
+    <dgm:txEffectClrLst/>
+  </dgm:styleLbl>
+  <dgm:styleLbl name="lnNode1">
+    <dgm:fillClrLst meth="repeat">
+      <a:schemeClr val="lt1"/>
+    </dgm:fillClrLst>
+    <dgm:linClrLst meth="repeat">
+      <a:schemeClr val="dk2">
+        <a:shade val="80000"/>
+      </a:schemeClr>
+    </dgm:linClrLst>
+    <dgm:effectClrLst/>
+    <dgm:txLinClrLst/>
+    <dgm:txFillClrLst meth="repeat">
+      <a:schemeClr val="dk2"/>
+    </dgm:txFillClrLst>
+    <dgm:txEffectClrLst/>
+  </dgm:styleLbl>
+  <dgm:styleLbl name="vennNode1">
+    <dgm:fillClrLst meth="repeat">
+      <a:schemeClr val="lt1">
+        <a:alpha val="50000"/>
+      </a:schemeClr>
+    </dgm:fillClrLst>
+    <dgm:linClrLst meth="repeat">
+      <a:schemeClr val="dk2">
+        <a:shade val="80000"/>
+      </a:schemeClr>
+    </dgm:linClrLst>
+    <dgm:effectClrLst/>
+    <dgm:txLinClrLst/>
+    <dgm:txFillClrLst/>
+    <dgm:txEffectClrLst/>
+  </dgm:styleLbl>
+  <dgm:styleLbl name="node2">
+    <dgm:fillClrLst meth="repeat">
+      <a:schemeClr val="lt1"/>
+    </dgm:fillClrLst>
+    <dgm:linClrLst meth="repeat">
+      <a:schemeClr val="dk2">
+        <a:shade val="80000"/>
+      </a:schemeClr>
+    </dgm:linClrLst>
+    <dgm:effectClrLst/>
+    <dgm:txLinClrLst/>
+    <dgm:txFillClrLst meth="repeat">
+      <a:schemeClr val="dk2"/>
+    </dgm:txFillClrLst>
+    <dgm:txEffectClrLst/>
+  </dgm:styleLbl>
+  <dgm:styleLbl name="node3">
+    <dgm:fillClrLst meth="repeat">
+      <a:schemeClr val="lt1"/>
+    </dgm:fillClrLst>
+    <dgm:linClrLst meth="repeat">
+      <a:schemeClr val="dk2">
+        <a:shade val="80000"/>
+      </a:schemeClr>
+    </dgm:linClrLst>
+    <dgm:effectClrLst/>
+    <dgm:txLinClrLst/>
+    <dgm:txFillClrLst meth="repeat">
+      <a:schemeClr val="dk2"/>
+    </dgm:txFillClrLst>
+    <dgm:txEffectClrLst/>
+  </dgm:styleLbl>
+  <dgm:styleLbl name="node4">
+    <dgm:fillClrLst meth="repeat">
+      <a:schemeClr val="lt1"/>
+    </dgm:fillClrLst>
+    <dgm:linClrLst meth="repeat">
+      <a:schemeClr val="dk2">
+        <a:shade val="80000"/>
+      </a:schemeClr>
+    </dgm:linClrLst>
+    <dgm:effectClrLst/>
+    <dgm:txLinClrLst/>
+    <dgm:txFillClrLst meth="repeat">
+      <a:schemeClr val="dk2"/>
+    </dgm:txFillClrLst>
+    <dgm:txEffectClrLst/>
+  </dgm:styleLbl>
+  <dgm:styleLbl name="fgImgPlace1">
+    <dgm:fillClrLst meth="repeat">
+      <a:schemeClr val="dk2">
+        <a:tint val="40000"/>
+      </a:schemeClr>
+    </dgm:fillClrLst>
+    <dgm:linClrLst meth="repeat">
+      <a:schemeClr val="dk2">
+        <a:shade val="80000"/>
+      </a:schemeClr>
+    </dgm:linClrLst>
+    <dgm:effectClrLst/>
+    <dgm:txLinClrLst/>
+    <dgm:txFillClrLst meth="repeat">
+      <a:schemeClr val="lt1"/>
+    </dgm:txFillClrLst>
+    <dgm:txEffectClrLst/>
+  </dgm:styleLbl>
+  <dgm:styleLbl name="alignImgPlace1">
+    <dgm:fillClrLst meth="repeat">
+      <a:schemeClr val="dk2">
+        <a:tint val="40000"/>
+      </a:schemeClr>
+    </dgm:fillClrLst>
+    <dgm:linClrLst meth="repeat">
+      <a:schemeClr val="dk2">
+        <a:shade val="80000"/>
+      </a:schemeClr>
+    </dgm:linClrLst>
+    <dgm:effectClrLst/>
+    <dgm:txLinClrLst/>
+    <dgm:txFillClrLst meth="repeat">
+      <a:schemeClr val="lt1"/>
+    </dgm:txFillClrLst>
+    <dgm:txEffectClrLst/>
+  </dgm:styleLbl>
+  <dgm:styleLbl name="bgImgPlace1">
+    <dgm:fillClrLst meth="repeat">
+      <a:schemeClr val="dk2">
+        <a:tint val="40000"/>
+      </a:schemeClr>
+    </dgm:fillClrLst>
+    <dgm:linClrLst meth="repeat">
+      <a:schemeClr val="dk2">
+        <a:shade val="80000"/>
+      </a:schemeClr>
+    </dgm:linClrLst>
+    <dgm:effectClrLst/>
+    <dgm:txLinClrLst/>
+    <dgm:txFillClrLst meth="repeat">
+      <a:schemeClr val="lt1"/>
+    </dgm:txFillClrLst>
+    <dgm:txEffectClrLst/>
+  </dgm:styleLbl>
+  <dgm:styleLbl name="sibTrans2D1">
+    <dgm:fillClrLst meth="repeat">
+      <a:schemeClr val="dk2">
+        <a:tint val="60000"/>
+      </a:schemeClr>
+    </dgm:fillClrLst>
+    <dgm:linClrLst meth="repeat">
+      <a:schemeClr val="dk2">
+        <a:tint val="60000"/>
+      </a:schemeClr>
+    </dgm:linClrLst>
+    <dgm:effectClrLst/>
+    <dgm:txLinClrLst/>
+    <dgm:txFillClrLst meth="repeat">
+      <a:schemeClr val="dk2"/>
+    </dgm:txFillClrLst>
+    <dgm:txEffectClrLst/>
+  </dgm:styleLbl>
+  <dgm:styleLbl name="fgSibTrans2D1">
+    <dgm:fillClrLst meth="repeat">
+      <a:schemeClr val="dk2">
+        <a:tint val="60000"/>
+      </a:schemeClr>
+    </dgm:fillClrLst>
+    <dgm:linClrLst meth="repeat">
+      <a:schemeClr val="dk2">
+        <a:tint val="60000"/>
+      </a:schemeClr>
+    </dgm:linClrLst>
+    <dgm:effectClrLst/>
+    <dgm:txLinClrLst/>
+    <dgm:txFillClrLst meth="repeat">
+      <a:schemeClr val="dk2"/>
+    </dgm:txFillClrLst>
+    <dgm:txEffectClrLst/>
+  </dgm:styleLbl>
+  <dgm:styleLbl name="bgSibTrans2D1">
+    <dgm:fillClrLst meth="repeat">
+      <a:schemeClr val="dk2">
+        <a:tint val="60000"/>
+      </a:schemeClr>
+    </dgm:fillClrLst>
+    <dgm:linClrLst meth="repeat">
+      <a:schemeClr val="dk2">
+        <a:tint val="60000"/>
+      </a:schemeClr>
+    </dgm:linClrLst>
+    <dgm:effectClrLst/>
+    <dgm:txLinClrLst/>
+    <dgm:txFillClrLst meth="repeat">
+      <a:schemeClr val="dk2"/>
+    </dgm:txFillClrLst>
+    <dgm:txEffectClrLst/>
+  </dgm:styleLbl>
+  <dgm:styleLbl name="sibTrans1D1">
+    <dgm:fillClrLst meth="repeat">
+      <a:schemeClr val="dk2"/>
+    </dgm:fillClrLst>
+    <dgm:linClrLst meth="repeat">
+      <a:schemeClr val="dk2"/>
+    </dgm:linClrLst>
+    <dgm:effectClrLst/>
+    <dgm:txLinClrLst/>
+    <dgm:txFillClrLst meth="repeat">
+      <a:schemeClr val="tx1"/>
+    </dgm:txFillClrLst>
+    <dgm:txEffectClrLst/>
+  </dgm:styleLbl>
+  <dgm:styleLbl name="callout">
+    <dgm:fillClrLst meth="repeat">
+      <a:schemeClr val="dk2"/>
+    </dgm:fillClrLst>
+    <dgm:linClrLst meth="repeat">
+      <a:schemeClr val="dk2"/>
+    </dgm:linClrLst>
+    <dgm:effectClrLst/>
+    <dgm:txLinClrLst/>
+    <dgm:txFillClrLst meth="repeat">
+      <a:schemeClr val="tx1"/>
+    </dgm:txFillClrLst>
+    <dgm:txEffectClrLst/>
+  </dgm:styleLbl>
+  <dgm:styleLbl name="asst0">
+    <dgm:fillClrLst meth="repeat">
+      <a:schemeClr val="lt1"/>
+    </dgm:fillClrLst>
+    <dgm:linClrLst meth="repeat">
+      <a:schemeClr val="dk2">
+        <a:shade val="80000"/>
+      </a:schemeClr>
+    </dgm:linClrLst>
+    <dgm:effectClrLst/>
+    <dgm:txLinClrLst/>
+    <dgm:txFillClrLst meth="repeat">
+      <a:schemeClr val="dk2"/>
+    </dgm:txFillClrLst>
+    <dgm:txEffectClrLst/>
+  </dgm:styleLbl>
+  <dgm:styleLbl name="asst1">
+    <dgm:fillClrLst meth="repeat">
+      <a:schemeClr val="lt1"/>
+    </dgm:fillClrLst>
+    <dgm:linClrLst meth="repeat">
+      <a:schemeClr val="dk2">
+        <a:shade val="80000"/>
+      </a:schemeClr>
+    </dgm:linClrLst>
+    <dgm:effectClrLst/>
+    <dgm:txLinClrLst/>
+    <dgm:txFillClrLst meth="repeat">
+      <a:schemeClr val="dk2"/>
+    </dgm:txFillClrLst>
+    <dgm:txEffectClrLst/>
+  </dgm:styleLbl>
+  <dgm:styleLbl name="asst2">
+    <dgm:fillClrLst meth="repeat">
+      <a:schemeClr val="lt1"/>
+    </dgm:fillClrLst>
+    <dgm:linClrLst meth="repeat">
+      <a:schemeClr val="dk2">
+        <a:shade val="80000"/>
+      </a:schemeClr>
+    </dgm:linClrLst>
+    <dgm:effectClrLst/>
+    <dgm:txLinClrLst/>
+    <dgm:txFillClrLst meth="repeat">
+      <a:schemeClr val="dk2"/>
+    </dgm:txFillClrLst>
+    <dgm:txEffectClrLst/>
+  </dgm:styleLbl>
+  <dgm:styleLbl name="asst3">
+    <dgm:fillClrLst meth="repeat">
+      <a:schemeClr val="lt1"/>
+    </dgm:fillClrLst>
+    <dgm:linClrLst meth="repeat">
+      <a:schemeClr val="dk2">
+        <a:shade val="80000"/>
+      </a:schemeClr>
+    </dgm:linClrLst>
+    <dgm:effectClrLst/>
+    <dgm:txLinClrLst/>
+    <dgm:txFillClrLst meth="repeat">
+      <a:schemeClr val="dk2"/>
+    </dgm:txFillClrLst>
+    <dgm:txEffectClrLst/>
+  </dgm:styleLbl>
+  <dgm:styleLbl name="asst4">
+    <dgm:fillClrLst meth="repeat">
+      <a:schemeClr val="lt1"/>
+    </dgm:fillClrLst>
+    <dgm:linClrLst meth="repeat">
+      <a:schemeClr val="dk2">
+        <a:shade val="80000"/>
+      </a:schemeClr>
+    </dgm:linClrLst>
+    <dgm:effectClrLst/>
+    <dgm:txLinClrLst/>
+    <dgm:txFillClrLst meth="repeat">
+      <a:schemeClr val="dk2"/>
+    </dgm:txFillClrLst>
+    <dgm:txEffectClrLst/>
+  </dgm:styleLbl>
+  <dgm:styleLbl name="parChTrans2D1">
+    <dgm:fillClrLst meth="repeat">
+      <a:schemeClr val="dk2">
+        <a:tint val="60000"/>
+      </a:schemeClr>
+    </dgm:fillClrLst>
+    <dgm:linClrLst meth="repeat">
+      <a:schemeClr val="dk2">
+        <a:tint val="60000"/>
+      </a:schemeClr>
+    </dgm:linClrLst>
+    <dgm:effectClrLst/>
+    <dgm:txLinClrLst/>
+    <dgm:txFillClrLst/>
+    <dgm:txEffectClrLst/>
+  </dgm:styleLbl>
+  <dgm:styleLbl name="parChTrans2D2">
+    <dgm:fillClrLst meth="repeat">
+      <a:schemeClr val="dk2"/>
+    </dgm:fillClrLst>
+    <dgm:linClrLst meth="repeat">
+      <a:schemeClr val="dk2"/>
+    </dgm:linClrLst>
+    <dgm:effectClrLst/>
+    <dgm:txLinClrLst/>
+    <dgm:txFillClrLst/>
+    <dgm:txEffectClrLst/>
+  </dgm:styleLbl>
+  <dgm:styleLbl name="parChTrans2D3">
+    <dgm:fillClrLst meth="repeat">
+      <a:schemeClr val="dk2"/>
+    </dgm:fillClrLst>
+    <dgm:linClrLst meth="repeat">
+      <a:schemeClr val="dk2"/>
+    </dgm:linClrLst>
+    <dgm:effectClrLst/>
+    <dgm:txLinClrLst/>
+    <dgm:txFillClrLst/>
+    <dgm:txEffectClrLst/>
+  </dgm:styleLbl>
+  <dgm:styleLbl name="parChTrans2D4">
+    <dgm:fillClrLst meth="repeat">
+      <a:schemeClr val="dk2"/>
+    </dgm:fillClrLst>
+    <dgm:linClrLst meth="repeat">
+      <a:schemeClr val="dk2"/>
+    </dgm:linClrLst>
+    <dgm:effectClrLst/>
+    <dgm:txLinClrLst/>
+    <dgm:txFillClrLst meth="repeat">
+      <a:schemeClr val="lt1"/>
+    </dgm:txFillClrLst>
+    <dgm:txEffectClrLst/>
+  </dgm:styleLbl>
+  <dgm:styleLbl name="parChTrans1D1">
+    <dgm:fillClrLst meth="repeat">
+      <a:schemeClr val="dk2"/>
+    </dgm:fillClrLst>
+    <dgm:linClrLst meth="repeat">
+      <a:schemeClr val="dk2">
+        <a:shade val="60000"/>
+      </a:schemeClr>
+    </dgm:linClrLst>
+    <dgm:effectClrLst/>
+    <dgm:txLinClrLst/>
+    <dgm:txFillClrLst meth="repeat">
+      <a:schemeClr val="tx1"/>
+    </dgm:txFillClrLst>
+    <dgm:txEffectClrLst/>
+  </dgm:styleLbl>
+  <dgm:styleLbl name="parChTrans1D2">
+    <dgm:fillClrLst meth="repeat">
+      <a:schemeClr val="dk2"/>
+    </dgm:fillClrLst>
+    <dgm:linClrLst meth="repeat">
+      <a:schemeClr val="dk2">
+        <a:shade val="60000"/>
+      </a:schemeClr>
+    </dgm:linClrLst>
+    <dgm:effectClrLst/>
+    <dgm:txLinClrLst/>
+    <dgm:txFillClrLst meth="repeat">
+      <a:schemeClr val="tx1"/>
+    </dgm:txFillClrLst>
+    <dgm:txEffectClrLst/>
+  </dgm:styleLbl>
+  <dgm:styleLbl name="parChTrans1D3">
+    <dgm:fillClrLst meth="repeat">
+      <a:schemeClr val="dk2"/>
+    </dgm:fillClrLst>
+    <dgm:linClrLst meth="repeat">
+      <a:schemeClr val="dk2">
+        <a:shade val="80000"/>
+      </a:schemeClr>
+    </dgm:linClrLst>
+    <dgm:effectClrLst/>
+    <dgm:txLinClrLst/>
+    <dgm:txFillClrLst meth="repeat">
+      <a:schemeClr val="tx1"/>
+    </dgm:txFillClrLst>
+    <dgm:txEffectClrLst/>
+  </dgm:styleLbl>
+  <dgm:styleLbl name="parChTrans1D4">
+    <dgm:fillClrLst meth="repeat">
+      <a:schemeClr val="dk2"/>
+    </dgm:fillClrLst>
+    <dgm:linClrLst meth="repeat">
+      <a:schemeClr val="dk2">
+        <a:shade val="80000"/>
+      </a:schemeClr>
+    </dgm:linClrLst>
+    <dgm:effectClrLst/>
+    <dgm:txLinClrLst/>
+    <dgm:txFillClrLst meth="repeat">
+      <a:schemeClr val="tx1"/>
+    </dgm:txFillClrLst>
+    <dgm:txEffectClrLst/>
+  </dgm:styleLbl>
+  <dgm:styleLbl name="fgAcc1">
+    <dgm:fillClrLst meth="repeat">
+      <a:schemeClr val="dk2">
+        <a:alpha val="90000"/>
+        <a:tint val="40000"/>
+      </a:schemeClr>
+    </dgm:fillClrLst>
+    <dgm:linClrLst meth="repeat">
+      <a:schemeClr val="dk2"/>
+    </dgm:linClrLst>
+    <dgm:effectClrLst/>
+    <dgm:txLinClrLst/>
+    <dgm:txFillClrLst meth="repeat">
+      <a:schemeClr val="dk2"/>
+    </dgm:txFillClrLst>
+    <dgm:txEffectClrLst/>
+  </dgm:styleLbl>
+  <dgm:styleLbl name="conFgAcc1">
+    <dgm:fillClrLst meth="repeat">
+      <a:schemeClr val="dk2">
+        <a:alpha val="90000"/>
+        <a:tint val="40000"/>
+      </a:schemeClr>
+    </dgm:fillClrLst>
+    <dgm:linClrLst meth="repeat">
+      <a:schemeClr val="dk2"/>
+    </dgm:linClrLst>
+    <dgm:effectClrLst/>
+    <dgm:txLinClrLst/>
+    <dgm:txFillClrLst meth="repeat">
+      <a:schemeClr val="dk2"/>
+    </dgm:txFillClrLst>
+    <dgm:txEffectClrLst/>
+  </dgm:styleLbl>
+  <dgm:styleLbl name="alignAcc1">
+    <dgm:fillClrLst meth="repeat">
+      <a:schemeClr val="dk2">
+        <a:alpha val="90000"/>
+        <a:tint val="40000"/>
+      </a:schemeClr>
+    </dgm:fillClrLst>
+    <dgm:linClrLst meth="repeat">
+      <a:schemeClr val="dk2"/>
+    </dgm:linClrLst>
+    <dgm:effectClrLst/>
+    <dgm:txLinClrLst/>
+    <dgm:txFillClrLst meth="repeat">
+      <a:schemeClr val="dk2"/>
+    </dgm:txFillClrLst>
+    <dgm:txEffectClrLst/>
+  </dgm:styleLbl>
+  <dgm:styleLbl name="trAlignAcc1">
+    <dgm:fillClrLst meth="repeat">
+      <a:schemeClr val="dk2">
+        <a:alpha val="40000"/>
+        <a:tint val="40000"/>
+      </a:schemeClr>
+    </dgm:fillClrLst>
+    <dgm:linClrLst meth="repeat">
+      <a:schemeClr val="dk2"/>
+    </dgm:linClrLst>
+    <dgm:effectClrLst/>
+    <dgm:txLinClrLst/>
+    <dgm:txFillClrLst meth="repeat">
+      <a:schemeClr val="dk2"/>
+    </dgm:txFillClrLst>
+    <dgm:txEffectClrLst/>
+  </dgm:styleLbl>
+  <dgm:styleLbl name="bgAcc1">
+    <dgm:fillClrLst meth="repeat">
+      <a:schemeClr val="dk2">
+        <a:alpha val="90000"/>
+        <a:tint val="40000"/>
+      </a:schemeClr>
+    </dgm:fillClrLst>
+    <dgm:linClrLst meth="repeat">
+      <a:schemeClr val="dk2"/>
+    </dgm:linClrLst>
+    <dgm:effectClrLst/>
+    <dgm:txLinClrLst/>
+    <dgm:txFillClrLst meth="repeat">
+      <a:schemeClr val="dk2"/>
+    </dgm:txFillClrLst>
+    <dgm:txEffectClrLst/>
+  </dgm:styleLbl>
+  <dgm:styleLbl name="solidFgAcc1">
+    <dgm:fillClrLst meth="repeat">
+      <a:schemeClr val="lt1"/>
+    </dgm:fillClrLst>
+    <dgm:linClrLst meth="repeat">
+      <a:schemeClr val="dk2"/>
+    </dgm:linClrLst>
+    <dgm:effectClrLst/>
+    <dgm:txLinClrLst/>
+    <dgm:txFillClrLst meth="repeat">
+      <a:schemeClr val="dk2"/>
+    </dgm:txFillClrLst>
+    <dgm:txEffectClrLst/>
+  </dgm:styleLbl>
+  <dgm:styleLbl name="solidAlignAcc1">
+    <dgm:fillClrLst meth="repeat">
+      <a:schemeClr val="lt1"/>
+    </dgm:fillClrLst>
+    <dgm:linClrLst meth="repeat">
+      <a:schemeClr val="dk2"/>
+    </dgm:linClrLst>
+    <dgm:effectClrLst/>
+    <dgm:txLinClrLst/>
+    <dgm:txFillClrLst meth="repeat">
+      <a:schemeClr val="dk2"/>
+    </dgm:txFillClrLst>
+    <dgm:txEffectClrLst/>
+  </dgm:styleLbl>
+  <dgm:styleLbl name="solidBgAcc1">
+    <dgm:fillClrLst meth="repeat">
+      <a:schemeClr val="lt1"/>
+    </dgm:fillClrLst>
+    <dgm:linClrLst meth="repeat">
+      <a:schemeClr val="dk2"/>
+    </dgm:linClrLst>
+    <dgm:effectClrLst/>
+    <dgm:txLinClrLst/>
+    <dgm:txFillClrLst meth="repeat">
+      <a:schemeClr val="dk2"/>
+    </dgm:txFillClrLst>
+    <dgm:txEffectClrLst/>
+  </dgm:styleLbl>
+  <dgm:styleLbl name="fgAccFollowNode1">
+    <dgm:fillClrLst meth="repeat">
+      <a:schemeClr val="lt1">
+        <a:alpha val="90000"/>
+        <a:tint val="40000"/>
+      </a:schemeClr>
+    </dgm:fillClrLst>
+    <dgm:linClrLst meth="repeat">
+      <a:schemeClr val="dk2">
+        <a:alpha val="90000"/>
+      </a:schemeClr>
+    </dgm:linClrLst>
+    <dgm:effectClrLst/>
+    <dgm:txLinClrLst/>
+    <dgm:txFillClrLst meth="repeat">
+      <a:schemeClr val="dk2"/>
+    </dgm:txFillClrLst>
+    <dgm:txEffectClrLst/>
+  </dgm:styleLbl>
+  <dgm:styleLbl name="alignAccFollowNode1">
+    <dgm:fillClrLst meth="repeat">
+      <a:schemeClr val="lt1">
+        <a:alpha val="90000"/>
+        <a:tint val="40000"/>
+      </a:schemeClr>
+    </dgm:fillClrLst>
+    <dgm:linClrLst meth="repeat">
+      <a:schemeClr val="dk2">
+        <a:alpha val="90000"/>
+      </a:schemeClr>
+    </dgm:linClrLst>
+    <dgm:effectClrLst/>
+    <dgm:txLinClrLst/>
+    <dgm:txFillClrLst meth="repeat">
+      <a:schemeClr val="dk2"/>
+    </dgm:txFillClrLst>
+    <dgm:txEffectClrLst/>
+  </dgm:styleLbl>
+  <dgm:styleLbl name="bgAccFollowNode1">
+    <dgm:fillClrLst meth="repeat">
+      <a:schemeClr val="lt1">
+        <a:alpha val="90000"/>
+        <a:tint val="40000"/>
+      </a:schemeClr>
+    </dgm:fillClrLst>
+    <dgm:linClrLst meth="repeat">
+      <a:schemeClr val="dk2">
+        <a:alpha val="90000"/>
+      </a:schemeClr>
+    </dgm:linClrLst>
+    <dgm:effectClrLst/>
+    <dgm:txLinClrLst/>
+    <dgm:txFillClrLst meth="repeat">
+      <a:schemeClr val="dk2"/>
+    </dgm:txFillClrLst>
+    <dgm:txEffectClrLst/>
+  </dgm:styleLbl>
+  <dgm:styleLbl name="fgAcc0">
+    <dgm:fillClrLst meth="repeat">
+      <a:schemeClr val="dk2">
+        <a:alpha val="90000"/>
+        <a:tint val="40000"/>
+      </a:schemeClr>
+    </dgm:fillClrLst>
+    <dgm:linClrLst meth="repeat">
+      <a:schemeClr val="dk2"/>
+    </dgm:linClrLst>
+    <dgm:effectClrLst/>
+    <dgm:txLinClrLst/>
+    <dgm:txFillClrLst meth="repeat">
+      <a:schemeClr val="dk2"/>
+    </dgm:txFillClrLst>
+    <dgm:txEffectClrLst/>
+  </dgm:styleLbl>
+  <dgm:styleLbl name="fgAcc2">
+    <dgm:fillClrLst meth="repeat">
+      <a:schemeClr val="dk2">
+        <a:alpha val="90000"/>
+        <a:tint val="40000"/>
+      </a:schemeClr>
+    </dgm:fillClrLst>
+    <dgm:linClrLst meth="repeat">
+      <a:schemeClr val="dk2"/>
+    </dgm:linClrLst>
+    <dgm:effectClrLst/>
+    <dgm:txLinClrLst/>
+    <dgm:txFillClrLst meth="repeat">
+      <a:schemeClr val="dk2"/>
+    </dgm:txFillClrLst>
+    <dgm:txEffectClrLst/>
+  </dgm:styleLbl>
+  <dgm:styleLbl name="fgAcc3">
+    <dgm:fillClrLst meth="repeat">
+      <a:schemeClr val="dk2">
+        <a:alpha val="90000"/>
+        <a:tint val="40000"/>
+      </a:schemeClr>
+    </dgm:fillClrLst>
+    <dgm:linClrLst meth="repeat">
+      <a:schemeClr val="dk2"/>
+    </dgm:linClrLst>
+    <dgm:effectClrLst/>
+    <dgm:txLinClrLst/>
+    <dgm:txFillClrLst meth="repeat">
+      <a:schemeClr val="dk2"/>
+    </dgm:txFillClrLst>
+    <dgm:txEffectClrLst/>
+  </dgm:styleLbl>
+  <dgm:styleLbl name="fgAcc4">
+    <dgm:fillClrLst meth="repeat">
+      <a:schemeClr val="dk2">
+        <a:alpha val="90000"/>
+        <a:tint val="40000"/>
+      </a:schemeClr>
+    </dgm:fillClrLst>
+    <dgm:linClrLst meth="repeat">
+      <a:schemeClr val="dk2"/>
+    </dgm:linClrLst>
+    <dgm:effectClrLst/>
+    <dgm:txLinClrLst/>
+    <dgm:txFillClrLst meth="repeat">
+      <a:schemeClr val="dk2"/>
+    </dgm:txFillClrLst>
+    <dgm:txEffectClrLst/>
+  </dgm:styleLbl>
+  <dgm:styleLbl name="bgShp">
+    <dgm:fillClrLst meth="repeat">
+      <a:schemeClr val="dk2">
+        <a:tint val="40000"/>
+      </a:schemeClr>
+    </dgm:fillClrLst>
+    <dgm:linClrLst meth="repeat">
+      <a:schemeClr val="dk2"/>
+    </dgm:linClrLst>
+    <dgm:effectClrLst/>
+    <dgm:txLinClrLst/>
+    <dgm:txFillClrLst meth="repeat">
+      <a:schemeClr val="dk1"/>
+    </dgm:txFillClrLst>
+    <dgm:txEffectClrLst/>
+  </dgm:styleLbl>
+  <dgm:styleLbl name="dkBgShp">
+    <dgm:fillClrLst meth="repeat">
+      <a:schemeClr val="dk2">
+        <a:shade val="80000"/>
+      </a:schemeClr>
+    </dgm:fillClrLst>
+    <dgm:linClrLst meth="repeat">
+      <a:schemeClr val="dk2"/>
+    </dgm:linClrLst>
+    <dgm:effectClrLst/>
+    <dgm:txLinClrLst/>
+    <dgm:txFillClrLst meth="repeat">
+      <a:schemeClr val="lt2"/>
+    </dgm:txFillClrLst>
+    <dgm:txEffectClrLst/>
+  </dgm:styleLbl>
+  <dgm:styleLbl name="trBgShp">
+    <dgm:fillClrLst meth="repeat">
+      <a:schemeClr val="dk2">
+        <a:tint val="50000"/>
+        <a:alpha val="40000"/>
+      </a:schemeClr>
+    </dgm:fillClrLst>
+    <dgm:linClrLst meth="repeat">
+      <a:schemeClr val="dk2"/>
+    </dgm:linClrLst>
+    <dgm:effectClrLst/>
+    <dgm:txLinClrLst/>
+    <dgm:txFillClrLst meth="repeat">
+      <a:schemeClr val="lt2"/>
+    </dgm:txFillClrLst>
+    <dgm:txEffectClrLst/>
+  </dgm:styleLbl>
+  <dgm:styleLbl name="fgShp">
+    <dgm:fillClrLst meth="repeat">
+      <a:schemeClr val="dk2">
+        <a:tint val="60000"/>
+      </a:schemeClr>
+    </dgm:fillClrLst>
+    <dgm:linClrLst meth="repeat">
+      <a:schemeClr val="lt1"/>
+    </dgm:linClrLst>
+    <dgm:effectClrLst/>
+    <dgm:txLinClrLst/>
+    <dgm:txFillClrLst meth="repeat">
+      <a:schemeClr val="dk2"/>
+    </dgm:txFillClrLst>
+    <dgm:txEffectClrLst/>
+  </dgm:styleLbl>
+  <dgm:styleLbl name="revTx">
+    <dgm:fillClrLst meth="repeat">
+      <a:schemeClr val="lt1">
+        <a:alpha val="0"/>
+      </a:schemeClr>
+    </dgm:fillClrLst>
+    <dgm:linClrLst meth="repeat">
+      <a:schemeClr val="dk2">
+        <a:alpha val="0"/>
+      </a:schemeClr>
+    </dgm:linClrLst>
+    <dgm:effectClrLst/>
+    <dgm:txLinClrLst/>
+    <dgm:txFillClrLst meth="repeat">
+      <a:schemeClr val="tx1"/>
+    </dgm:txFillClrLst>
+    <dgm:txEffectClrLst/>
+  </dgm:styleLbl>
+</dgm:colorsDef>
+</file>
+
+<file path=ppt/diagrams/data1.xml><?xml version="1.0" encoding="utf-8"?>
+<dgm:dataModel xmlns:dgm="http://schemas.openxmlformats.org/drawingml/2006/diagram" xmlns:a="http://schemas.openxmlformats.org/drawingml/2006/main">
+  <dgm:ptLst>
+    <dgm:pt modelId="{440BA32E-A8F1-0E45-B695-4DAC4407557B}" type="doc">
+      <dgm:prSet loTypeId="urn:microsoft.com/office/officeart/2005/8/layout/process1" loCatId="" qsTypeId="urn:microsoft.com/office/officeart/2005/8/quickstyle/simple3" qsCatId="simple" csTypeId="urn:microsoft.com/office/officeart/2005/8/colors/accent0_2" csCatId="mainScheme" phldr="1"/>
+      <dgm:spPr/>
+      <dgm:t>
+        <a:bodyPr/>
+        <a:lstStyle/>
+        <a:p>
+          <a:endParaRPr lang="en-US"/>
+        </a:p>
+      </dgm:t>
+    </dgm:pt>
+    <dgm:pt modelId="{03BD2EC7-E3D0-7544-8DE0-A7843BF6B116}">
+      <dgm:prSet phldrT="[Text]" custT="1"/>
+      <dgm:spPr/>
+      <dgm:t>
+        <a:bodyPr/>
+        <a:lstStyle/>
+        <a:p>
+          <a:pPr>
+            <a:lnSpc>
+              <a:spcPct val="150000"/>
+            </a:lnSpc>
+          </a:pPr>
+          <a:r>
+            <a:rPr lang="en-US" sz="1600" dirty="0">
+              <a:latin typeface="Helvetica" pitchFamily="2" charset="0"/>
+            </a:rPr>
+            <a:t>Model description</a:t>
+          </a:r>
+        </a:p>
+      </dgm:t>
+    </dgm:pt>
+    <dgm:pt modelId="{118DA849-0EC0-0349-9FF8-FD4A3A49C19A}" type="parTrans" cxnId="{C60A1E3C-0373-1E4D-B724-42CF00EEFCCE}">
+      <dgm:prSet/>
+      <dgm:spPr/>
+      <dgm:t>
+        <a:bodyPr/>
+        <a:lstStyle/>
+        <a:p>
+          <a:endParaRPr lang="en-US"/>
+        </a:p>
+      </dgm:t>
+    </dgm:pt>
+    <dgm:pt modelId="{45962A78-EC93-C943-8E1C-62EF2EB5A639}" type="sibTrans" cxnId="{C60A1E3C-0373-1E4D-B724-42CF00EEFCCE}">
+      <dgm:prSet/>
+      <dgm:spPr/>
+      <dgm:t>
+        <a:bodyPr/>
+        <a:lstStyle/>
+        <a:p>
+          <a:endParaRPr lang="en-US"/>
+        </a:p>
+      </dgm:t>
+    </dgm:pt>
+    <dgm:pt modelId="{A44353B7-5003-714B-B19C-463FD4C735B8}">
+      <dgm:prSet phldrT="[Text]" custT="1"/>
+      <dgm:spPr/>
+      <dgm:t>
+        <a:bodyPr/>
+        <a:lstStyle/>
+        <a:p>
+          <a:pPr>
+            <a:lnSpc>
+              <a:spcPct val="150000"/>
+            </a:lnSpc>
+          </a:pPr>
+          <a:r>
+            <a:rPr lang="en-US" sz="1600" dirty="0">
+              <a:latin typeface="Helvetica" pitchFamily="2" charset="0"/>
+            </a:rPr>
+            <a:t>Obtaining input parameters</a:t>
+          </a:r>
+        </a:p>
+      </dgm:t>
+    </dgm:pt>
+    <dgm:pt modelId="{657CC16B-B06E-5B41-A6E3-34B9A6B55F0C}" type="parTrans" cxnId="{22244A54-FFF4-1943-8168-B0D733FAEAA4}">
+      <dgm:prSet/>
+      <dgm:spPr/>
+      <dgm:t>
+        <a:bodyPr/>
+        <a:lstStyle/>
+        <a:p>
+          <a:endParaRPr lang="en-US"/>
+        </a:p>
+      </dgm:t>
+    </dgm:pt>
+    <dgm:pt modelId="{92AF4264-E382-2545-B11F-FA87D3498F2B}" type="sibTrans" cxnId="{22244A54-FFF4-1943-8168-B0D733FAEAA4}">
+      <dgm:prSet/>
+      <dgm:spPr/>
+      <dgm:t>
+        <a:bodyPr/>
+        <a:lstStyle/>
+        <a:p>
+          <a:endParaRPr lang="en-US"/>
+        </a:p>
+      </dgm:t>
+    </dgm:pt>
+    <dgm:pt modelId="{D0066E4C-D69E-9648-80F6-CD987E7FA6BF}">
+      <dgm:prSet phldrT="[Text]" custT="1"/>
+      <dgm:spPr/>
+      <dgm:t>
+        <a:bodyPr/>
+        <a:lstStyle/>
+        <a:p>
+          <a:pPr>
+            <a:lnSpc>
+              <a:spcPct val="150000"/>
+            </a:lnSpc>
+          </a:pPr>
+          <a:r>
+            <a:rPr lang="en-US" sz="1600" dirty="0">
+              <a:latin typeface="Helvetica" pitchFamily="2" charset="0"/>
+            </a:rPr>
+            <a:t>Implementation</a:t>
+          </a:r>
+          <a:br>
+            <a:rPr lang="en-US" sz="1600" dirty="0">
+              <a:latin typeface="Helvetica" pitchFamily="2" charset="0"/>
+            </a:rPr>
+          </a:br>
+          <a:r>
+            <a:rPr lang="en-US" sz="1600" dirty="0">
+              <a:latin typeface="Helvetica" pitchFamily="2" charset="0"/>
+            </a:rPr>
+            <a:t>(examples)</a:t>
+          </a:r>
+        </a:p>
+      </dgm:t>
+    </dgm:pt>
+    <dgm:pt modelId="{A7B5C5B6-71AC-B647-867F-6B9F1A27A428}" type="parTrans" cxnId="{F76E3184-E11B-EB4D-8607-135DECC550FF}">
+      <dgm:prSet/>
+      <dgm:spPr/>
+      <dgm:t>
+        <a:bodyPr/>
+        <a:lstStyle/>
+        <a:p>
+          <a:endParaRPr lang="en-US"/>
+        </a:p>
+      </dgm:t>
+    </dgm:pt>
+    <dgm:pt modelId="{3EB7FFBA-53AB-3747-A1EE-3F78CC3FA0A0}" type="sibTrans" cxnId="{F76E3184-E11B-EB4D-8607-135DECC550FF}">
+      <dgm:prSet/>
+      <dgm:spPr/>
+      <dgm:t>
+        <a:bodyPr/>
+        <a:lstStyle/>
+        <a:p>
+          <a:endParaRPr lang="en-US"/>
+        </a:p>
+      </dgm:t>
+    </dgm:pt>
+    <dgm:pt modelId="{99E1747B-CA53-C745-B34A-A3D63778E42F}">
+      <dgm:prSet custT="1"/>
+      <dgm:spPr/>
+      <dgm:t>
+        <a:bodyPr/>
+        <a:lstStyle/>
+        <a:p>
+          <a:pPr>
+            <a:lnSpc>
+              <a:spcPct val="150000"/>
+            </a:lnSpc>
+          </a:pPr>
+          <a:r>
+            <a:rPr lang="en-US" sz="1600" dirty="0">
+              <a:latin typeface="Helvetica" pitchFamily="2" charset="0"/>
+            </a:rPr>
+            <a:t>Extensions</a:t>
+          </a:r>
+        </a:p>
+      </dgm:t>
+    </dgm:pt>
+    <dgm:pt modelId="{4B7C1CB1-1B21-F741-809D-FA8B8B889235}" type="parTrans" cxnId="{197C39D0-ADB4-F749-8D0A-F8EA07B230E2}">
+      <dgm:prSet/>
+      <dgm:spPr/>
+      <dgm:t>
+        <a:bodyPr/>
+        <a:lstStyle/>
+        <a:p>
+          <a:endParaRPr lang="en-US"/>
+        </a:p>
+      </dgm:t>
+    </dgm:pt>
+    <dgm:pt modelId="{BF21131A-EADB-824B-A4F2-D48F6B6C89F9}" type="sibTrans" cxnId="{197C39D0-ADB4-F749-8D0A-F8EA07B230E2}">
+      <dgm:prSet/>
+      <dgm:spPr/>
+      <dgm:t>
+        <a:bodyPr/>
+        <a:lstStyle/>
+        <a:p>
+          <a:endParaRPr lang="en-US"/>
+        </a:p>
+      </dgm:t>
+    </dgm:pt>
+    <dgm:pt modelId="{757E812E-2B02-6F42-8A13-A10A24B7542C}" type="pres">
+      <dgm:prSet presAssocID="{440BA32E-A8F1-0E45-B695-4DAC4407557B}" presName="Name0" presStyleCnt="0">
+        <dgm:presLayoutVars>
+          <dgm:dir/>
+          <dgm:resizeHandles val="exact"/>
+        </dgm:presLayoutVars>
+      </dgm:prSet>
+      <dgm:spPr/>
+    </dgm:pt>
+    <dgm:pt modelId="{27EA88A7-381E-F543-AE78-C83647AC4FC3}" type="pres">
+      <dgm:prSet presAssocID="{03BD2EC7-E3D0-7544-8DE0-A7843BF6B116}" presName="node" presStyleLbl="node1" presStyleIdx="0" presStyleCnt="4" custLinFactY="33698" custLinFactNeighborX="6136" custLinFactNeighborY="100000">
+        <dgm:presLayoutVars>
+          <dgm:bulletEnabled val="1"/>
+        </dgm:presLayoutVars>
+      </dgm:prSet>
+      <dgm:spPr/>
+    </dgm:pt>
+    <dgm:pt modelId="{D09DECCC-496F-7047-9EB9-6536F402C725}" type="pres">
+      <dgm:prSet presAssocID="{45962A78-EC93-C943-8E1C-62EF2EB5A639}" presName="sibTrans" presStyleLbl="sibTrans2D1" presStyleIdx="0" presStyleCnt="3"/>
+      <dgm:spPr/>
+    </dgm:pt>
+    <dgm:pt modelId="{F5D3A653-889A-1D4D-A148-F2915BB6906D}" type="pres">
+      <dgm:prSet presAssocID="{45962A78-EC93-C943-8E1C-62EF2EB5A639}" presName="connectorText" presStyleLbl="sibTrans2D1" presStyleIdx="0" presStyleCnt="3"/>
+      <dgm:spPr/>
+    </dgm:pt>
+    <dgm:pt modelId="{6D72B0FE-ADB6-B542-B7C2-1CB1B363CFB7}" type="pres">
+      <dgm:prSet presAssocID="{A44353B7-5003-714B-B19C-463FD4C735B8}" presName="node" presStyleLbl="node1" presStyleIdx="1" presStyleCnt="4" custLinFactY="33698" custLinFactNeighborX="6136" custLinFactNeighborY="100000">
+        <dgm:presLayoutVars>
+          <dgm:bulletEnabled val="1"/>
+        </dgm:presLayoutVars>
+      </dgm:prSet>
+      <dgm:spPr/>
+    </dgm:pt>
+    <dgm:pt modelId="{E01EA1B5-E996-1E45-B92F-06739D2C32C0}" type="pres">
+      <dgm:prSet presAssocID="{92AF4264-E382-2545-B11F-FA87D3498F2B}" presName="sibTrans" presStyleLbl="sibTrans2D1" presStyleIdx="1" presStyleCnt="3"/>
+      <dgm:spPr/>
+    </dgm:pt>
+    <dgm:pt modelId="{B024E512-A167-3A46-9D59-9C7A92694613}" type="pres">
+      <dgm:prSet presAssocID="{92AF4264-E382-2545-B11F-FA87D3498F2B}" presName="connectorText" presStyleLbl="sibTrans2D1" presStyleIdx="1" presStyleCnt="3"/>
+      <dgm:spPr/>
+    </dgm:pt>
+    <dgm:pt modelId="{A31F368D-1090-3F43-83E4-80C0D1985C64}" type="pres">
+      <dgm:prSet presAssocID="{D0066E4C-D69E-9648-80F6-CD987E7FA6BF}" presName="node" presStyleLbl="node1" presStyleIdx="2" presStyleCnt="4" custLinFactY="33698" custLinFactNeighborX="6136" custLinFactNeighborY="100000">
+        <dgm:presLayoutVars>
+          <dgm:bulletEnabled val="1"/>
+        </dgm:presLayoutVars>
+      </dgm:prSet>
+      <dgm:spPr/>
+    </dgm:pt>
+    <dgm:pt modelId="{1576DE6D-32C3-454C-8B7A-6BBB391BFB83}" type="pres">
+      <dgm:prSet presAssocID="{3EB7FFBA-53AB-3747-A1EE-3F78CC3FA0A0}" presName="sibTrans" presStyleLbl="sibTrans2D1" presStyleIdx="2" presStyleCnt="3"/>
+      <dgm:spPr/>
+    </dgm:pt>
+    <dgm:pt modelId="{0A932429-5987-4C4A-A52D-5801B93F2870}" type="pres">
+      <dgm:prSet presAssocID="{3EB7FFBA-53AB-3747-A1EE-3F78CC3FA0A0}" presName="connectorText" presStyleLbl="sibTrans2D1" presStyleIdx="2" presStyleCnt="3"/>
+      <dgm:spPr/>
+    </dgm:pt>
+    <dgm:pt modelId="{D8B52708-B6F8-7447-936B-0EE364675897}" type="pres">
+      <dgm:prSet presAssocID="{99E1747B-CA53-C745-B34A-A3D63778E42F}" presName="node" presStyleLbl="node1" presStyleIdx="3" presStyleCnt="4" custLinFactY="33698" custLinFactNeighborX="-5206" custLinFactNeighborY="100000">
+        <dgm:presLayoutVars>
+          <dgm:bulletEnabled val="1"/>
+        </dgm:presLayoutVars>
+      </dgm:prSet>
+      <dgm:spPr/>
+    </dgm:pt>
+  </dgm:ptLst>
+  <dgm:cxnLst>
+    <dgm:cxn modelId="{F6962B2B-1960-1E47-A776-1D96FA61C20F}" type="presOf" srcId="{92AF4264-E382-2545-B11F-FA87D3498F2B}" destId="{E01EA1B5-E996-1E45-B92F-06739D2C32C0}" srcOrd="0" destOrd="0" presId="urn:microsoft.com/office/officeart/2005/8/layout/process1"/>
+    <dgm:cxn modelId="{50B3AE2D-6C5F-E941-82A9-41983A99B66F}" type="presOf" srcId="{99E1747B-CA53-C745-B34A-A3D63778E42F}" destId="{D8B52708-B6F8-7447-936B-0EE364675897}" srcOrd="0" destOrd="0" presId="urn:microsoft.com/office/officeart/2005/8/layout/process1"/>
+    <dgm:cxn modelId="{C60A1E3C-0373-1E4D-B724-42CF00EEFCCE}" srcId="{440BA32E-A8F1-0E45-B695-4DAC4407557B}" destId="{03BD2EC7-E3D0-7544-8DE0-A7843BF6B116}" srcOrd="0" destOrd="0" parTransId="{118DA849-0EC0-0349-9FF8-FD4A3A49C19A}" sibTransId="{45962A78-EC93-C943-8E1C-62EF2EB5A639}"/>
+    <dgm:cxn modelId="{6AFAC34E-EA7A-7345-BFC5-5C5A560C4662}" type="presOf" srcId="{03BD2EC7-E3D0-7544-8DE0-A7843BF6B116}" destId="{27EA88A7-381E-F543-AE78-C83647AC4FC3}" srcOrd="0" destOrd="0" presId="urn:microsoft.com/office/officeart/2005/8/layout/process1"/>
+    <dgm:cxn modelId="{22244A54-FFF4-1943-8168-B0D733FAEAA4}" srcId="{440BA32E-A8F1-0E45-B695-4DAC4407557B}" destId="{A44353B7-5003-714B-B19C-463FD4C735B8}" srcOrd="1" destOrd="0" parTransId="{657CC16B-B06E-5B41-A6E3-34B9A6B55F0C}" sibTransId="{92AF4264-E382-2545-B11F-FA87D3498F2B}"/>
+    <dgm:cxn modelId="{A95E2E68-7CE9-794E-AAEB-0E5679E87BC5}" type="presOf" srcId="{3EB7FFBA-53AB-3747-A1EE-3F78CC3FA0A0}" destId="{1576DE6D-32C3-454C-8B7A-6BBB391BFB83}" srcOrd="0" destOrd="0" presId="urn:microsoft.com/office/officeart/2005/8/layout/process1"/>
+    <dgm:cxn modelId="{C7604274-C5AC-FA45-8147-44A8363E8D52}" type="presOf" srcId="{45962A78-EC93-C943-8E1C-62EF2EB5A639}" destId="{F5D3A653-889A-1D4D-A148-F2915BB6906D}" srcOrd="1" destOrd="0" presId="urn:microsoft.com/office/officeart/2005/8/layout/process1"/>
+    <dgm:cxn modelId="{CA9E3179-BA95-A040-9069-ADAA4B506825}" type="presOf" srcId="{440BA32E-A8F1-0E45-B695-4DAC4407557B}" destId="{757E812E-2B02-6F42-8A13-A10A24B7542C}" srcOrd="0" destOrd="0" presId="urn:microsoft.com/office/officeart/2005/8/layout/process1"/>
+    <dgm:cxn modelId="{F76E3184-E11B-EB4D-8607-135DECC550FF}" srcId="{440BA32E-A8F1-0E45-B695-4DAC4407557B}" destId="{D0066E4C-D69E-9648-80F6-CD987E7FA6BF}" srcOrd="2" destOrd="0" parTransId="{A7B5C5B6-71AC-B647-867F-6B9F1A27A428}" sibTransId="{3EB7FFBA-53AB-3747-A1EE-3F78CC3FA0A0}"/>
+    <dgm:cxn modelId="{19DFF891-EB2C-4D41-AF74-E13654D08460}" type="presOf" srcId="{92AF4264-E382-2545-B11F-FA87D3498F2B}" destId="{B024E512-A167-3A46-9D59-9C7A92694613}" srcOrd="1" destOrd="0" presId="urn:microsoft.com/office/officeart/2005/8/layout/process1"/>
+    <dgm:cxn modelId="{31F57F92-375C-8A47-BD31-23E9742CB726}" type="presOf" srcId="{D0066E4C-D69E-9648-80F6-CD987E7FA6BF}" destId="{A31F368D-1090-3F43-83E4-80C0D1985C64}" srcOrd="0" destOrd="0" presId="urn:microsoft.com/office/officeart/2005/8/layout/process1"/>
+    <dgm:cxn modelId="{ACB2C192-76F5-5E4E-9A3F-454B5CA56050}" type="presOf" srcId="{3EB7FFBA-53AB-3747-A1EE-3F78CC3FA0A0}" destId="{0A932429-5987-4C4A-A52D-5801B93F2870}" srcOrd="1" destOrd="0" presId="urn:microsoft.com/office/officeart/2005/8/layout/process1"/>
+    <dgm:cxn modelId="{B69144AA-D9D0-774E-A8A7-28A53EDD879D}" type="presOf" srcId="{A44353B7-5003-714B-B19C-463FD4C735B8}" destId="{6D72B0FE-ADB6-B542-B7C2-1CB1B363CFB7}" srcOrd="0" destOrd="0" presId="urn:microsoft.com/office/officeart/2005/8/layout/process1"/>
+    <dgm:cxn modelId="{197C39D0-ADB4-F749-8D0A-F8EA07B230E2}" srcId="{440BA32E-A8F1-0E45-B695-4DAC4407557B}" destId="{99E1747B-CA53-C745-B34A-A3D63778E42F}" srcOrd="3" destOrd="0" parTransId="{4B7C1CB1-1B21-F741-809D-FA8B8B889235}" sibTransId="{BF21131A-EADB-824B-A4F2-D48F6B6C89F9}"/>
+    <dgm:cxn modelId="{1D0EE4E2-8919-AC4F-9CA7-C9A453A8E6B7}" type="presOf" srcId="{45962A78-EC93-C943-8E1C-62EF2EB5A639}" destId="{D09DECCC-496F-7047-9EB9-6536F402C725}" srcOrd="0" destOrd="0" presId="urn:microsoft.com/office/officeart/2005/8/layout/process1"/>
+    <dgm:cxn modelId="{09408A58-8C81-ED46-A3A4-5FD44418EF17}" type="presParOf" srcId="{757E812E-2B02-6F42-8A13-A10A24B7542C}" destId="{27EA88A7-381E-F543-AE78-C83647AC4FC3}" srcOrd="0" destOrd="0" presId="urn:microsoft.com/office/officeart/2005/8/layout/process1"/>
+    <dgm:cxn modelId="{EFADDA39-BC99-B74A-987D-F0AA298AF278}" type="presParOf" srcId="{757E812E-2B02-6F42-8A13-A10A24B7542C}" destId="{D09DECCC-496F-7047-9EB9-6536F402C725}" srcOrd="1" destOrd="0" presId="urn:microsoft.com/office/officeart/2005/8/layout/process1"/>
+    <dgm:cxn modelId="{4CA925BE-C60B-7D47-AEEC-D7DE0CFEB564}" type="presParOf" srcId="{D09DECCC-496F-7047-9EB9-6536F402C725}" destId="{F5D3A653-889A-1D4D-A148-F2915BB6906D}" srcOrd="0" destOrd="0" presId="urn:microsoft.com/office/officeart/2005/8/layout/process1"/>
+    <dgm:cxn modelId="{6DBF10A8-8C28-F84C-984B-53FCD8E37AAD}" type="presParOf" srcId="{757E812E-2B02-6F42-8A13-A10A24B7542C}" destId="{6D72B0FE-ADB6-B542-B7C2-1CB1B363CFB7}" srcOrd="2" destOrd="0" presId="urn:microsoft.com/office/officeart/2005/8/layout/process1"/>
+    <dgm:cxn modelId="{A13C7A65-C866-FB46-B097-EC6C797B8A51}" type="presParOf" srcId="{757E812E-2B02-6F42-8A13-A10A24B7542C}" destId="{E01EA1B5-E996-1E45-B92F-06739D2C32C0}" srcOrd="3" destOrd="0" presId="urn:microsoft.com/office/officeart/2005/8/layout/process1"/>
+    <dgm:cxn modelId="{BF25CB18-9661-AF4C-945A-33708FCE2662}" type="presParOf" srcId="{E01EA1B5-E996-1E45-B92F-06739D2C32C0}" destId="{B024E512-A167-3A46-9D59-9C7A92694613}" srcOrd="0" destOrd="0" presId="urn:microsoft.com/office/officeart/2005/8/layout/process1"/>
+    <dgm:cxn modelId="{999A4B49-6C7E-DE4A-AF67-B1B2A7C3CFCD}" type="presParOf" srcId="{757E812E-2B02-6F42-8A13-A10A24B7542C}" destId="{A31F368D-1090-3F43-83E4-80C0D1985C64}" srcOrd="4" destOrd="0" presId="urn:microsoft.com/office/officeart/2005/8/layout/process1"/>
+    <dgm:cxn modelId="{1C25B664-48E1-BB40-A27C-920B88D3DFFF}" type="presParOf" srcId="{757E812E-2B02-6F42-8A13-A10A24B7542C}" destId="{1576DE6D-32C3-454C-8B7A-6BBB391BFB83}" srcOrd="5" destOrd="0" presId="urn:microsoft.com/office/officeart/2005/8/layout/process1"/>
+    <dgm:cxn modelId="{905FB557-D6D7-C244-BDDA-A85FC9D00CAB}" type="presParOf" srcId="{1576DE6D-32C3-454C-8B7A-6BBB391BFB83}" destId="{0A932429-5987-4C4A-A52D-5801B93F2870}" srcOrd="0" destOrd="0" presId="urn:microsoft.com/office/officeart/2005/8/layout/process1"/>
+    <dgm:cxn modelId="{E71DC53F-1581-4045-A24F-5B52E5A32B79}" type="presParOf" srcId="{757E812E-2B02-6F42-8A13-A10A24B7542C}" destId="{D8B52708-B6F8-7447-936B-0EE364675897}" srcOrd="6" destOrd="0" presId="urn:microsoft.com/office/officeart/2005/8/layout/process1"/>
+  </dgm:cxnLst>
+  <dgm:bg/>
+  <dgm:whole/>
+  <dgm:extLst>
+    <a:ext uri="http://schemas.microsoft.com/office/drawing/2008/diagram">
+      <dsp:dataModelExt xmlns:dsp="http://schemas.microsoft.com/office/drawing/2008/diagram" relId="rId6" minVer="http://schemas.openxmlformats.org/drawingml/2006/diagram"/>
+    </a:ext>
+  </dgm:extLst>
+</dgm:dataModel>
+</file>
+
+<file path=ppt/diagrams/drawing1.xml><?xml version="1.0" encoding="utf-8"?>
+<dsp:drawing xmlns:dgm="http://schemas.openxmlformats.org/drawingml/2006/diagram" xmlns:dsp="http://schemas.microsoft.com/office/drawing/2008/diagram" xmlns:a="http://schemas.openxmlformats.org/drawingml/2006/main">
+  <dsp:spTree>
+    <dsp:nvGrpSpPr>
+      <dsp:cNvPr id="0" name=""/>
+      <dsp:cNvGrpSpPr/>
+    </dsp:nvGrpSpPr>
+    <dsp:grpSpPr/>
+    <dsp:sp modelId="{27EA88A7-381E-F543-AE78-C83647AC4FC3}">
+      <dsp:nvSpPr>
+        <dsp:cNvPr id="0" name=""/>
+        <dsp:cNvSpPr/>
+      </dsp:nvSpPr>
+      <dsp:spPr>
+        <a:xfrm>
+          <a:off x="43115" y="207102"/>
+          <a:ext cx="1606910" cy="964146"/>
+        </a:xfrm>
+        <a:prstGeom prst="roundRect">
+          <a:avLst>
+            <a:gd name="adj" fmla="val 10000"/>
+          </a:avLst>
+        </a:prstGeom>
+        <a:gradFill rotWithShape="0">
+          <a:gsLst>
+            <a:gs pos="0">
+              <a:schemeClr val="lt1">
+                <a:hueOff val="0"/>
+                <a:satOff val="0"/>
+                <a:lumOff val="0"/>
+                <a:alphaOff val="0"/>
+                <a:lumMod val="110000"/>
+                <a:satMod val="105000"/>
+                <a:tint val="67000"/>
+              </a:schemeClr>
+            </a:gs>
+            <a:gs pos="50000">
+              <a:schemeClr val="lt1">
+                <a:hueOff val="0"/>
+                <a:satOff val="0"/>
+                <a:lumOff val="0"/>
+                <a:alphaOff val="0"/>
+                <a:lumMod val="105000"/>
+                <a:satMod val="103000"/>
+                <a:tint val="73000"/>
+              </a:schemeClr>
+            </a:gs>
+            <a:gs pos="100000">
+              <a:schemeClr val="lt1">
+                <a:hueOff val="0"/>
+                <a:satOff val="0"/>
+                <a:lumOff val="0"/>
+                <a:alphaOff val="0"/>
+                <a:lumMod val="105000"/>
+                <a:satMod val="109000"/>
+                <a:tint val="81000"/>
+              </a:schemeClr>
+            </a:gs>
+          </a:gsLst>
+          <a:lin ang="5400000" scaled="0"/>
+        </a:gradFill>
+        <a:ln>
+          <a:noFill/>
+        </a:ln>
+        <a:effectLst/>
+        <a:scene3d>
+          <a:camera prst="orthographicFront"/>
+          <a:lightRig rig="flat" dir="t"/>
+        </a:scene3d>
+        <a:sp3d prstMaterial="dkEdge">
+          <a:bevelT w="8200" h="38100"/>
+        </a:sp3d>
+      </dsp:spPr>
+      <dsp:style>
+        <a:lnRef idx="0">
+          <a:scrgbClr r="0" g="0" b="0"/>
+        </a:lnRef>
+        <a:fillRef idx="2">
+          <a:scrgbClr r="0" g="0" b="0"/>
+        </a:fillRef>
+        <a:effectRef idx="1">
+          <a:scrgbClr r="0" g="0" b="0"/>
+        </a:effectRef>
+        <a:fontRef idx="minor">
+          <a:schemeClr val="dk1"/>
+        </a:fontRef>
+      </dsp:style>
+      <dsp:txBody>
+        <a:bodyPr spcFirstLastPara="0" vert="horz" wrap="square" lIns="60960" tIns="60960" rIns="60960" bIns="60960" numCol="1" spcCol="1270" anchor="ctr" anchorCtr="0">
+          <a:noAutofit/>
+        </a:bodyPr>
+        <a:lstStyle/>
+        <a:p>
+          <a:pPr marL="0" lvl="0" indent="0" algn="ctr" defTabSz="711200">
+            <a:lnSpc>
+              <a:spcPct val="150000"/>
+            </a:lnSpc>
+            <a:spcBef>
+              <a:spcPct val="0"/>
+            </a:spcBef>
+            <a:spcAft>
+              <a:spcPct val="35000"/>
+            </a:spcAft>
+            <a:buNone/>
+          </a:pPr>
+          <a:r>
+            <a:rPr lang="en-US" sz="1600" kern="1200" dirty="0">
+              <a:latin typeface="Helvetica" pitchFamily="2" charset="0"/>
+            </a:rPr>
+            <a:t>Model description</a:t>
+          </a:r>
+        </a:p>
+      </dsp:txBody>
+      <dsp:txXfrm>
+        <a:off x="71354" y="235341"/>
+        <a:ext cx="1550432" cy="907668"/>
+      </dsp:txXfrm>
+    </dsp:sp>
+    <dsp:sp modelId="{D09DECCC-496F-7047-9EB9-6536F402C725}">
+      <dsp:nvSpPr>
+        <dsp:cNvPr id="0" name=""/>
+        <dsp:cNvSpPr/>
+      </dsp:nvSpPr>
+      <dsp:spPr>
+        <a:xfrm>
+          <a:off x="1810716" y="489919"/>
+          <a:ext cx="340664" cy="398513"/>
+        </a:xfrm>
+        <a:prstGeom prst="rightArrow">
+          <a:avLst>
+            <a:gd name="adj1" fmla="val 60000"/>
+            <a:gd name="adj2" fmla="val 50000"/>
+          </a:avLst>
+        </a:prstGeom>
+        <a:gradFill rotWithShape="0">
+          <a:gsLst>
+            <a:gs pos="0">
+              <a:schemeClr val="dk2">
+                <a:tint val="60000"/>
+                <a:hueOff val="0"/>
+                <a:satOff val="0"/>
+                <a:lumOff val="0"/>
+                <a:alphaOff val="0"/>
+                <a:lumMod val="110000"/>
+                <a:satMod val="105000"/>
+                <a:tint val="67000"/>
+              </a:schemeClr>
+            </a:gs>
+            <a:gs pos="50000">
+              <a:schemeClr val="dk2">
+                <a:tint val="60000"/>
+                <a:hueOff val="0"/>
+                <a:satOff val="0"/>
+                <a:lumOff val="0"/>
+                <a:alphaOff val="0"/>
+                <a:lumMod val="105000"/>
+                <a:satMod val="103000"/>
+                <a:tint val="73000"/>
+              </a:schemeClr>
+            </a:gs>
+            <a:gs pos="100000">
+              <a:schemeClr val="dk2">
+                <a:tint val="60000"/>
+                <a:hueOff val="0"/>
+                <a:satOff val="0"/>
+                <a:lumOff val="0"/>
+                <a:alphaOff val="0"/>
+                <a:lumMod val="105000"/>
+                <a:satMod val="109000"/>
+                <a:tint val="81000"/>
+              </a:schemeClr>
+            </a:gs>
+          </a:gsLst>
+          <a:lin ang="5400000" scaled="0"/>
+        </a:gradFill>
+        <a:ln>
+          <a:noFill/>
+        </a:ln>
+        <a:effectLst/>
+      </dsp:spPr>
+      <dsp:style>
+        <a:lnRef idx="0">
+          <a:scrgbClr r="0" g="0" b="0"/>
+        </a:lnRef>
+        <a:fillRef idx="2">
+          <a:scrgbClr r="0" g="0" b="0"/>
+        </a:fillRef>
+        <a:effectRef idx="1">
+          <a:scrgbClr r="0" g="0" b="0"/>
+        </a:effectRef>
+        <a:fontRef idx="minor">
+          <a:schemeClr val="dk1"/>
+        </a:fontRef>
+      </dsp:style>
+      <dsp:txBody>
+        <a:bodyPr spcFirstLastPara="0" vert="horz" wrap="square" lIns="0" tIns="0" rIns="0" bIns="0" numCol="1" spcCol="1270" anchor="ctr" anchorCtr="0">
+          <a:noAutofit/>
+        </a:bodyPr>
+        <a:lstStyle/>
+        <a:p>
+          <a:pPr marL="0" lvl="0" indent="0" algn="ctr" defTabSz="755650">
+            <a:lnSpc>
+              <a:spcPct val="90000"/>
+            </a:lnSpc>
+            <a:spcBef>
+              <a:spcPct val="0"/>
+            </a:spcBef>
+            <a:spcAft>
+              <a:spcPct val="35000"/>
+            </a:spcAft>
+            <a:buNone/>
+          </a:pPr>
+          <a:endParaRPr lang="en-US" sz="1700" kern="1200"/>
+        </a:p>
+      </dsp:txBody>
+      <dsp:txXfrm>
+        <a:off x="1810716" y="569622"/>
+        <a:ext cx="238465" cy="239107"/>
+      </dsp:txXfrm>
+    </dsp:sp>
+    <dsp:sp modelId="{6D72B0FE-ADB6-B542-B7C2-1CB1B363CFB7}">
+      <dsp:nvSpPr>
+        <dsp:cNvPr id="0" name=""/>
+        <dsp:cNvSpPr/>
+      </dsp:nvSpPr>
+      <dsp:spPr>
+        <a:xfrm>
+          <a:off x="2292789" y="207102"/>
+          <a:ext cx="1606910" cy="964146"/>
+        </a:xfrm>
+        <a:prstGeom prst="roundRect">
+          <a:avLst>
+            <a:gd name="adj" fmla="val 10000"/>
+          </a:avLst>
+        </a:prstGeom>
+        <a:gradFill rotWithShape="0">
+          <a:gsLst>
+            <a:gs pos="0">
+              <a:schemeClr val="lt1">
+                <a:hueOff val="0"/>
+                <a:satOff val="0"/>
+                <a:lumOff val="0"/>
+                <a:alphaOff val="0"/>
+                <a:lumMod val="110000"/>
+                <a:satMod val="105000"/>
+                <a:tint val="67000"/>
+              </a:schemeClr>
+            </a:gs>
+            <a:gs pos="50000">
+              <a:schemeClr val="lt1">
+                <a:hueOff val="0"/>
+                <a:satOff val="0"/>
+                <a:lumOff val="0"/>
+                <a:alphaOff val="0"/>
+                <a:lumMod val="105000"/>
+                <a:satMod val="103000"/>
+                <a:tint val="73000"/>
+              </a:schemeClr>
+            </a:gs>
+            <a:gs pos="100000">
+              <a:schemeClr val="lt1">
+                <a:hueOff val="0"/>
+                <a:satOff val="0"/>
+                <a:lumOff val="0"/>
+                <a:alphaOff val="0"/>
+                <a:lumMod val="105000"/>
+                <a:satMod val="109000"/>
+                <a:tint val="81000"/>
+              </a:schemeClr>
+            </a:gs>
+          </a:gsLst>
+          <a:lin ang="5400000" scaled="0"/>
+        </a:gradFill>
+        <a:ln>
+          <a:noFill/>
+        </a:ln>
+        <a:effectLst/>
+        <a:scene3d>
+          <a:camera prst="orthographicFront"/>
+          <a:lightRig rig="flat" dir="t"/>
+        </a:scene3d>
+        <a:sp3d prstMaterial="dkEdge">
+          <a:bevelT w="8200" h="38100"/>
+        </a:sp3d>
+      </dsp:spPr>
+      <dsp:style>
+        <a:lnRef idx="0">
+          <a:scrgbClr r="0" g="0" b="0"/>
+        </a:lnRef>
+        <a:fillRef idx="2">
+          <a:scrgbClr r="0" g="0" b="0"/>
+        </a:fillRef>
+        <a:effectRef idx="1">
+          <a:scrgbClr r="0" g="0" b="0"/>
+        </a:effectRef>
+        <a:fontRef idx="minor">
+          <a:schemeClr val="dk1"/>
+        </a:fontRef>
+      </dsp:style>
+      <dsp:txBody>
+        <a:bodyPr spcFirstLastPara="0" vert="horz" wrap="square" lIns="60960" tIns="60960" rIns="60960" bIns="60960" numCol="1" spcCol="1270" anchor="ctr" anchorCtr="0">
+          <a:noAutofit/>
+        </a:bodyPr>
+        <a:lstStyle/>
+        <a:p>
+          <a:pPr marL="0" lvl="0" indent="0" algn="ctr" defTabSz="711200">
+            <a:lnSpc>
+              <a:spcPct val="150000"/>
+            </a:lnSpc>
+            <a:spcBef>
+              <a:spcPct val="0"/>
+            </a:spcBef>
+            <a:spcAft>
+              <a:spcPct val="35000"/>
+            </a:spcAft>
+            <a:buNone/>
+          </a:pPr>
+          <a:r>
+            <a:rPr lang="en-US" sz="1600" kern="1200" dirty="0">
+              <a:latin typeface="Helvetica" pitchFamily="2" charset="0"/>
+            </a:rPr>
+            <a:t>Obtaining input parameters</a:t>
+          </a:r>
+        </a:p>
+      </dsp:txBody>
+      <dsp:txXfrm>
+        <a:off x="2321028" y="235341"/>
+        <a:ext cx="1550432" cy="907668"/>
+      </dsp:txXfrm>
+    </dsp:sp>
+    <dsp:sp modelId="{E01EA1B5-E996-1E45-B92F-06739D2C32C0}">
+      <dsp:nvSpPr>
+        <dsp:cNvPr id="0" name=""/>
+        <dsp:cNvSpPr/>
+      </dsp:nvSpPr>
+      <dsp:spPr>
+        <a:xfrm>
+          <a:off x="4060390" y="489919"/>
+          <a:ext cx="340664" cy="398513"/>
+        </a:xfrm>
+        <a:prstGeom prst="rightArrow">
+          <a:avLst>
+            <a:gd name="adj1" fmla="val 60000"/>
+            <a:gd name="adj2" fmla="val 50000"/>
+          </a:avLst>
+        </a:prstGeom>
+        <a:gradFill rotWithShape="0">
+          <a:gsLst>
+            <a:gs pos="0">
+              <a:schemeClr val="dk2">
+                <a:tint val="60000"/>
+                <a:hueOff val="0"/>
+                <a:satOff val="0"/>
+                <a:lumOff val="0"/>
+                <a:alphaOff val="0"/>
+                <a:lumMod val="110000"/>
+                <a:satMod val="105000"/>
+                <a:tint val="67000"/>
+              </a:schemeClr>
+            </a:gs>
+            <a:gs pos="50000">
+              <a:schemeClr val="dk2">
+                <a:tint val="60000"/>
+                <a:hueOff val="0"/>
+                <a:satOff val="0"/>
+                <a:lumOff val="0"/>
+                <a:alphaOff val="0"/>
+                <a:lumMod val="105000"/>
+                <a:satMod val="103000"/>
+                <a:tint val="73000"/>
+              </a:schemeClr>
+            </a:gs>
+            <a:gs pos="100000">
+              <a:schemeClr val="dk2">
+                <a:tint val="60000"/>
+                <a:hueOff val="0"/>
+                <a:satOff val="0"/>
+                <a:lumOff val="0"/>
+                <a:alphaOff val="0"/>
+                <a:lumMod val="105000"/>
+                <a:satMod val="109000"/>
+                <a:tint val="81000"/>
+              </a:schemeClr>
+            </a:gs>
+          </a:gsLst>
+          <a:lin ang="5400000" scaled="0"/>
+        </a:gradFill>
+        <a:ln>
+          <a:noFill/>
+        </a:ln>
+        <a:effectLst/>
+      </dsp:spPr>
+      <dsp:style>
+        <a:lnRef idx="0">
+          <a:scrgbClr r="0" g="0" b="0"/>
+        </a:lnRef>
+        <a:fillRef idx="2">
+          <a:scrgbClr r="0" g="0" b="0"/>
+        </a:fillRef>
+        <a:effectRef idx="1">
+          <a:scrgbClr r="0" g="0" b="0"/>
+        </a:effectRef>
+        <a:fontRef idx="minor">
+          <a:schemeClr val="dk1"/>
+        </a:fontRef>
+      </dsp:style>
+      <dsp:txBody>
+        <a:bodyPr spcFirstLastPara="0" vert="horz" wrap="square" lIns="0" tIns="0" rIns="0" bIns="0" numCol="1" spcCol="1270" anchor="ctr" anchorCtr="0">
+          <a:noAutofit/>
+        </a:bodyPr>
+        <a:lstStyle/>
+        <a:p>
+          <a:pPr marL="0" lvl="0" indent="0" algn="ctr" defTabSz="755650">
+            <a:lnSpc>
+              <a:spcPct val="90000"/>
+            </a:lnSpc>
+            <a:spcBef>
+              <a:spcPct val="0"/>
+            </a:spcBef>
+            <a:spcAft>
+              <a:spcPct val="35000"/>
+            </a:spcAft>
+            <a:buNone/>
+          </a:pPr>
+          <a:endParaRPr lang="en-US" sz="1700" kern="1200"/>
+        </a:p>
+      </dsp:txBody>
+      <dsp:txXfrm>
+        <a:off x="4060390" y="569622"/>
+        <a:ext cx="238465" cy="239107"/>
+      </dsp:txXfrm>
+    </dsp:sp>
+    <dsp:sp modelId="{A31F368D-1090-3F43-83E4-80C0D1985C64}">
+      <dsp:nvSpPr>
+        <dsp:cNvPr id="0" name=""/>
+        <dsp:cNvSpPr/>
+      </dsp:nvSpPr>
+      <dsp:spPr>
+        <a:xfrm>
+          <a:off x="4542464" y="207102"/>
+          <a:ext cx="1606910" cy="964146"/>
+        </a:xfrm>
+        <a:prstGeom prst="roundRect">
+          <a:avLst>
+            <a:gd name="adj" fmla="val 10000"/>
+          </a:avLst>
+        </a:prstGeom>
+        <a:gradFill rotWithShape="0">
+          <a:gsLst>
+            <a:gs pos="0">
+              <a:schemeClr val="lt1">
+                <a:hueOff val="0"/>
+                <a:satOff val="0"/>
+                <a:lumOff val="0"/>
+                <a:alphaOff val="0"/>
+                <a:lumMod val="110000"/>
+                <a:satMod val="105000"/>
+                <a:tint val="67000"/>
+              </a:schemeClr>
+            </a:gs>
+            <a:gs pos="50000">
+              <a:schemeClr val="lt1">
+                <a:hueOff val="0"/>
+                <a:satOff val="0"/>
+                <a:lumOff val="0"/>
+                <a:alphaOff val="0"/>
+                <a:lumMod val="105000"/>
+                <a:satMod val="103000"/>
+                <a:tint val="73000"/>
+              </a:schemeClr>
+            </a:gs>
+            <a:gs pos="100000">
+              <a:schemeClr val="lt1">
+                <a:hueOff val="0"/>
+                <a:satOff val="0"/>
+                <a:lumOff val="0"/>
+                <a:alphaOff val="0"/>
+                <a:lumMod val="105000"/>
+                <a:satMod val="109000"/>
+                <a:tint val="81000"/>
+              </a:schemeClr>
+            </a:gs>
+          </a:gsLst>
+          <a:lin ang="5400000" scaled="0"/>
+        </a:gradFill>
+        <a:ln>
+          <a:noFill/>
+        </a:ln>
+        <a:effectLst/>
+        <a:scene3d>
+          <a:camera prst="orthographicFront"/>
+          <a:lightRig rig="flat" dir="t"/>
+        </a:scene3d>
+        <a:sp3d prstMaterial="dkEdge">
+          <a:bevelT w="8200" h="38100"/>
+        </a:sp3d>
+      </dsp:spPr>
+      <dsp:style>
+        <a:lnRef idx="0">
+          <a:scrgbClr r="0" g="0" b="0"/>
+        </a:lnRef>
+        <a:fillRef idx="2">
+          <a:scrgbClr r="0" g="0" b="0"/>
+        </a:fillRef>
+        <a:effectRef idx="1">
+          <a:scrgbClr r="0" g="0" b="0"/>
+        </a:effectRef>
+        <a:fontRef idx="minor">
+          <a:schemeClr val="dk1"/>
+        </a:fontRef>
+      </dsp:style>
+      <dsp:txBody>
+        <a:bodyPr spcFirstLastPara="0" vert="horz" wrap="square" lIns="60960" tIns="60960" rIns="60960" bIns="60960" numCol="1" spcCol="1270" anchor="ctr" anchorCtr="0">
+          <a:noAutofit/>
+        </a:bodyPr>
+        <a:lstStyle/>
+        <a:p>
+          <a:pPr marL="0" lvl="0" indent="0" algn="ctr" defTabSz="711200">
+            <a:lnSpc>
+              <a:spcPct val="150000"/>
+            </a:lnSpc>
+            <a:spcBef>
+              <a:spcPct val="0"/>
+            </a:spcBef>
+            <a:spcAft>
+              <a:spcPct val="35000"/>
+            </a:spcAft>
+            <a:buNone/>
+          </a:pPr>
+          <a:r>
+            <a:rPr lang="en-US" sz="1600" kern="1200" dirty="0">
+              <a:latin typeface="Helvetica" pitchFamily="2" charset="0"/>
+            </a:rPr>
+            <a:t>Implementation</a:t>
+          </a:r>
+          <a:br>
+            <a:rPr lang="en-US" sz="1600" kern="1200" dirty="0">
+              <a:latin typeface="Helvetica" pitchFamily="2" charset="0"/>
+            </a:rPr>
+          </a:br>
+          <a:r>
+            <a:rPr lang="en-US" sz="1600" kern="1200" dirty="0">
+              <a:latin typeface="Helvetica" pitchFamily="2" charset="0"/>
+            </a:rPr>
+            <a:t>(examples)</a:t>
+          </a:r>
+        </a:p>
+      </dsp:txBody>
+      <dsp:txXfrm>
+        <a:off x="4570703" y="235341"/>
+        <a:ext cx="1550432" cy="907668"/>
+      </dsp:txXfrm>
+    </dsp:sp>
+    <dsp:sp modelId="{1576DE6D-32C3-454C-8B7A-6BBB391BFB83}">
+      <dsp:nvSpPr>
+        <dsp:cNvPr id="0" name=""/>
+        <dsp:cNvSpPr/>
+      </dsp:nvSpPr>
+      <dsp:spPr>
+        <a:xfrm>
+          <a:off x="6291839" y="489919"/>
+          <a:ext cx="302026" cy="398513"/>
+        </a:xfrm>
+        <a:prstGeom prst="rightArrow">
+          <a:avLst>
+            <a:gd name="adj1" fmla="val 60000"/>
+            <a:gd name="adj2" fmla="val 50000"/>
+          </a:avLst>
+        </a:prstGeom>
+        <a:gradFill rotWithShape="0">
+          <a:gsLst>
+            <a:gs pos="0">
+              <a:schemeClr val="dk2">
+                <a:tint val="60000"/>
+                <a:hueOff val="0"/>
+                <a:satOff val="0"/>
+                <a:lumOff val="0"/>
+                <a:alphaOff val="0"/>
+                <a:lumMod val="110000"/>
+                <a:satMod val="105000"/>
+                <a:tint val="67000"/>
+              </a:schemeClr>
+            </a:gs>
+            <a:gs pos="50000">
+              <a:schemeClr val="dk2">
+                <a:tint val="60000"/>
+                <a:hueOff val="0"/>
+                <a:satOff val="0"/>
+                <a:lumOff val="0"/>
+                <a:alphaOff val="0"/>
+                <a:lumMod val="105000"/>
+                <a:satMod val="103000"/>
+                <a:tint val="73000"/>
+              </a:schemeClr>
+            </a:gs>
+            <a:gs pos="100000">
+              <a:schemeClr val="dk2">
+                <a:tint val="60000"/>
+                <a:hueOff val="0"/>
+                <a:satOff val="0"/>
+                <a:lumOff val="0"/>
+                <a:alphaOff val="0"/>
+                <a:lumMod val="105000"/>
+                <a:satMod val="109000"/>
+                <a:tint val="81000"/>
+              </a:schemeClr>
+            </a:gs>
+          </a:gsLst>
+          <a:lin ang="5400000" scaled="0"/>
+        </a:gradFill>
+        <a:ln>
+          <a:noFill/>
+        </a:ln>
+        <a:effectLst/>
+      </dsp:spPr>
+      <dsp:style>
+        <a:lnRef idx="0">
+          <a:scrgbClr r="0" g="0" b="0"/>
+        </a:lnRef>
+        <a:fillRef idx="2">
+          <a:scrgbClr r="0" g="0" b="0"/>
+        </a:fillRef>
+        <a:effectRef idx="1">
+          <a:scrgbClr r="0" g="0" b="0"/>
+        </a:effectRef>
+        <a:fontRef idx="minor">
+          <a:schemeClr val="dk1"/>
+        </a:fontRef>
+      </dsp:style>
+      <dsp:txBody>
+        <a:bodyPr spcFirstLastPara="0" vert="horz" wrap="square" lIns="0" tIns="0" rIns="0" bIns="0" numCol="1" spcCol="1270" anchor="ctr" anchorCtr="0">
+          <a:noAutofit/>
+        </a:bodyPr>
+        <a:lstStyle/>
+        <a:p>
+          <a:pPr marL="0" lvl="0" indent="0" algn="ctr" defTabSz="755650">
+            <a:lnSpc>
+              <a:spcPct val="90000"/>
+            </a:lnSpc>
+            <a:spcBef>
+              <a:spcPct val="0"/>
+            </a:spcBef>
+            <a:spcAft>
+              <a:spcPct val="35000"/>
+            </a:spcAft>
+            <a:buNone/>
+          </a:pPr>
+          <a:endParaRPr lang="en-US" sz="1700" kern="1200"/>
+        </a:p>
+      </dsp:txBody>
+      <dsp:txXfrm>
+        <a:off x="6291839" y="569622"/>
+        <a:ext cx="211418" cy="239107"/>
+      </dsp:txXfrm>
+    </dsp:sp>
+    <dsp:sp modelId="{D8B52708-B6F8-7447-936B-0EE364675897}">
+      <dsp:nvSpPr>
+        <dsp:cNvPr id="0" name=""/>
+        <dsp:cNvSpPr/>
+      </dsp:nvSpPr>
+      <dsp:spPr>
+        <a:xfrm>
+          <a:off x="6719236" y="207102"/>
+          <a:ext cx="1606910" cy="964146"/>
+        </a:xfrm>
+        <a:prstGeom prst="roundRect">
+          <a:avLst>
+            <a:gd name="adj" fmla="val 10000"/>
+          </a:avLst>
+        </a:prstGeom>
+        <a:gradFill rotWithShape="0">
+          <a:gsLst>
+            <a:gs pos="0">
+              <a:schemeClr val="lt1">
+                <a:hueOff val="0"/>
+                <a:satOff val="0"/>
+                <a:lumOff val="0"/>
+                <a:alphaOff val="0"/>
+                <a:lumMod val="110000"/>
+                <a:satMod val="105000"/>
+                <a:tint val="67000"/>
+              </a:schemeClr>
+            </a:gs>
+            <a:gs pos="50000">
+              <a:schemeClr val="lt1">
+                <a:hueOff val="0"/>
+                <a:satOff val="0"/>
+                <a:lumOff val="0"/>
+                <a:alphaOff val="0"/>
+                <a:lumMod val="105000"/>
+                <a:satMod val="103000"/>
+                <a:tint val="73000"/>
+              </a:schemeClr>
+            </a:gs>
+            <a:gs pos="100000">
+              <a:schemeClr val="lt1">
+                <a:hueOff val="0"/>
+                <a:satOff val="0"/>
+                <a:lumOff val="0"/>
+                <a:alphaOff val="0"/>
+                <a:lumMod val="105000"/>
+                <a:satMod val="109000"/>
+                <a:tint val="81000"/>
+              </a:schemeClr>
+            </a:gs>
+          </a:gsLst>
+          <a:lin ang="5400000" scaled="0"/>
+        </a:gradFill>
+        <a:ln>
+          <a:noFill/>
+        </a:ln>
+        <a:effectLst/>
+        <a:scene3d>
+          <a:camera prst="orthographicFront"/>
+          <a:lightRig rig="flat" dir="t"/>
+        </a:scene3d>
+        <a:sp3d prstMaterial="dkEdge">
+          <a:bevelT w="8200" h="38100"/>
+        </a:sp3d>
+      </dsp:spPr>
+      <dsp:style>
+        <a:lnRef idx="0">
+          <a:scrgbClr r="0" g="0" b="0"/>
+        </a:lnRef>
+        <a:fillRef idx="2">
+          <a:scrgbClr r="0" g="0" b="0"/>
+        </a:fillRef>
+        <a:effectRef idx="1">
+          <a:scrgbClr r="0" g="0" b="0"/>
+        </a:effectRef>
+        <a:fontRef idx="minor">
+          <a:schemeClr val="dk1"/>
+        </a:fontRef>
+      </dsp:style>
+      <dsp:txBody>
+        <a:bodyPr spcFirstLastPara="0" vert="horz" wrap="square" lIns="60960" tIns="60960" rIns="60960" bIns="60960" numCol="1" spcCol="1270" anchor="ctr" anchorCtr="0">
+          <a:noAutofit/>
+        </a:bodyPr>
+        <a:lstStyle/>
+        <a:p>
+          <a:pPr marL="0" lvl="0" indent="0" algn="ctr" defTabSz="711200">
+            <a:lnSpc>
+              <a:spcPct val="150000"/>
+            </a:lnSpc>
+            <a:spcBef>
+              <a:spcPct val="0"/>
+            </a:spcBef>
+            <a:spcAft>
+              <a:spcPct val="35000"/>
+            </a:spcAft>
+            <a:buNone/>
+          </a:pPr>
+          <a:r>
+            <a:rPr lang="en-US" sz="1600" kern="1200" dirty="0">
+              <a:latin typeface="Helvetica" pitchFamily="2" charset="0"/>
+            </a:rPr>
+            <a:t>Extensions</a:t>
+          </a:r>
+        </a:p>
+      </dsp:txBody>
+      <dsp:txXfrm>
+        <a:off x="6747475" y="235341"/>
+        <a:ext cx="1550432" cy="907668"/>
+      </dsp:txXfrm>
+    </dsp:sp>
+  </dsp:spTree>
+</dsp:drawing>
+</file>
+
+<file path=ppt/diagrams/layout1.xml><?xml version="1.0" encoding="utf-8"?>
+<dgm:layoutDef xmlns:dgm="http://schemas.openxmlformats.org/drawingml/2006/diagram" xmlns:a="http://schemas.openxmlformats.org/drawingml/2006/main" uniqueId="urn:microsoft.com/office/officeart/2005/8/layout/process1">
+  <dgm:title val=""/>
+  <dgm:desc val=""/>
+  <dgm:catLst>
+    <dgm:cat type="process" pri="1000"/>
+    <dgm:cat type="convert" pri="15000"/>
+  </dgm:catLst>
+  <dgm:sampData useDef="1">
+    <dgm:dataModel>
+      <dgm:ptLst/>
+      <dgm:bg/>
+      <dgm:whole/>
+    </dgm:dataModel>
+  </dgm:sampData>
+  <dgm:styleData>
+    <dgm:dataModel>
+      <dgm:ptLst>
+        <dgm:pt modelId="0" type="doc"/>
+        <dgm:pt modelId="1"/>
+        <dgm:pt modelId="2"/>
+      </dgm:ptLst>
+      <dgm:cxnLst>
+        <dgm:cxn modelId="3" srcId="0" destId="1" srcOrd="0" destOrd="0"/>
+        <dgm:cxn modelId="4" srcId="0" destId="2" srcOrd="1" destOrd="0"/>
+      </dgm:cxnLst>
+      <dgm:bg/>
+      <dgm:whole/>
+    </dgm:dataModel>
+  </dgm:styleData>
+  <dgm:clrData>
+    <dgm:dataModel>
+      <dgm:ptLst>
+        <dgm:pt modelId="0" type="doc"/>
+        <dgm:pt modelId="1"/>
+        <dgm:pt modelId="2"/>
+        <dgm:pt modelId="3"/>
+        <dgm:pt modelId="4"/>
+      </dgm:ptLst>
+      <dgm:cxnLst>
+        <dgm:cxn modelId="5" srcId="0" destId="1" srcOrd="0" destOrd="0"/>
+        <dgm:cxn modelId="6" srcId="0" destId="2" srcOrd="1" destOrd="0"/>
+        <dgm:cxn modelId="7" srcId="0" destId="3" srcOrd="2" destOrd="0"/>
+        <dgm:cxn modelId="8" srcId="0" destId="4" srcOrd="3" destOrd="0"/>
+      </dgm:cxnLst>
+      <dgm:bg/>
+      <dgm:whole/>
+    </dgm:dataModel>
+  </dgm:clrData>
+  <dgm:layoutNode name="Name0">
+    <dgm:varLst>
+      <dgm:dir/>
+      <dgm:resizeHandles val="exact"/>
+    </dgm:varLst>
+    <dgm:choose name="Name1">
+      <dgm:if name="Name2" func="var" arg="dir" op="equ" val="norm">
+        <dgm:alg type="lin"/>
+      </dgm:if>
+      <dgm:else name="Name3">
+        <dgm:alg type="lin">
+          <dgm:param type="linDir" val="fromR"/>
+        </dgm:alg>
+      </dgm:else>
+    </dgm:choose>
+    <dgm:shape xmlns:r="http://schemas.openxmlformats.org/officeDocument/2006/relationships" r:blip="">
+      <dgm:adjLst/>
+    </dgm:shape>
+    <dgm:presOf/>
+    <dgm:constrLst>
+      <dgm:constr type="w" for="ch" ptType="node" refType="w"/>
+      <dgm:constr type="h" for="ch" ptType="node" op="equ"/>
+      <dgm:constr type="primFontSz" for="ch" ptType="node" op="equ" val="65"/>
+      <dgm:constr type="w" for="ch" ptType="sibTrans" refType="w" refFor="ch" refPtType="node" op="equ" fact="0.4"/>
+      <dgm:constr type="h" for="ch" ptType="sibTrans" op="equ"/>
+      <dgm:constr type="primFontSz" for="des" forName="connectorText" op="equ" val="55"/>
+      <dgm:constr type="primFontSz" for="des" forName="connectorText" refType="primFontSz" refFor="ch" refPtType="node" op="lte" fact="0.8"/>
+    </dgm:constrLst>
+    <dgm:ruleLst/>
+    <dgm:forEach name="nodesForEach" axis="ch" ptType="node">
+      <dgm:layoutNode name="node">
+        <dgm:varLst>
+          <dgm:bulletEnabled val="1"/>
+        </dgm:varLst>
+        <dgm:alg type="tx"/>
+        <dgm:shape xmlns:r="http://schemas.openxmlformats.org/officeDocument/2006/relationships" type="roundRect" r:blip="">
+          <dgm:adjLst>
+            <dgm:adj idx="1" val="0.1"/>
+          </dgm:adjLst>
+        </dgm:shape>
+        <dgm:presOf axis="desOrSelf" ptType="node"/>
+        <dgm:constrLst>
+          <dgm:constr type="h" refType="w" fact="0.6"/>
+          <dgm:constr type="tMarg" refType="primFontSz" fact="0.3"/>
+          <dgm:constr type="bMarg" refType="primFontSz" fact="0.3"/>
+          <dgm:constr type="lMarg" refType="primFontSz" fact="0.3"/>
+          <dgm:constr type="rMarg" refType="primFontSz" fact="0.3"/>
+        </dgm:constrLst>
+        <dgm:ruleLst>
+          <dgm:rule type="primFontSz" val="18" fact="NaN" max="NaN"/>
+          <dgm:rule type="h" val="NaN" fact="1.5" max="NaN"/>
+          <dgm:rule type="primFontSz" val="5" fact="NaN" max="NaN"/>
+          <dgm:rule type="h" val="INF" fact="NaN" max="NaN"/>
+        </dgm:ruleLst>
+      </dgm:layoutNode>
+      <dgm:forEach name="sibTransForEach" axis="followSib" ptType="sibTrans" cnt="1">
+        <dgm:layoutNode name="sibTrans">
+          <dgm:alg type="conn">
+            <dgm:param type="begPts" val="auto"/>
+            <dgm:param type="endPts" val="auto"/>
+          </dgm:alg>
+          <dgm:shape xmlns:r="http://schemas.openxmlformats.org/officeDocument/2006/relationships" type="conn" r:blip="">
+            <dgm:adjLst/>
+          </dgm:shape>
+          <dgm:presOf axis="self"/>
+          <dgm:constrLst>
+            <dgm:constr type="h" refType="w" fact="0.62"/>
+            <dgm:constr type="connDist"/>
+            <dgm:constr type="begPad" refType="connDist" fact="0.25"/>
+            <dgm:constr type="endPad" refType="connDist" fact="0.22"/>
+          </dgm:constrLst>
+          <dgm:ruleLst/>
+          <dgm:layoutNode name="connectorText">
+            <dgm:alg type="tx">
+              <dgm:param type="autoTxRot" val="grav"/>
+            </dgm:alg>
+            <dgm:shape xmlns:r="http://schemas.openxmlformats.org/officeDocument/2006/relationships" type="conn" r:blip="" hideGeom="1">
+              <dgm:adjLst/>
+            </dgm:shape>
+            <dgm:presOf axis="self"/>
+            <dgm:constrLst>
+              <dgm:constr type="lMarg"/>
+              <dgm:constr type="rMarg"/>
+              <dgm:constr type="tMarg"/>
+              <dgm:constr type="bMarg"/>
+            </dgm:constrLst>
+            <dgm:ruleLst>
+              <dgm:rule type="primFontSz" val="5" fact="NaN" max="NaN"/>
+            </dgm:ruleLst>
+          </dgm:layoutNode>
+        </dgm:layoutNode>
+      </dgm:forEach>
+    </dgm:forEach>
+  </dgm:layoutNode>
+</dgm:layoutDef>
+</file>
+
+<file path=ppt/diagrams/quickStyle1.xml><?xml version="1.0" encoding="utf-8"?>
+<dgm:styleDef xmlns:dgm="http://schemas.openxmlformats.org/drawingml/2006/diagram" xmlns:a="http://schemas.openxmlformats.org/drawingml/2006/main" uniqueId="urn:microsoft.com/office/officeart/2005/8/quickstyle/simple3">
+  <dgm:title val=""/>
+  <dgm:desc val=""/>
+  <dgm:catLst>
+    <dgm:cat type="simple" pri="10300"/>
+  </dgm:catLst>
+  <dgm:scene3d>
+    <a:camera prst="orthographicFront"/>
+    <a:lightRig rig="threePt" dir="t"/>
+  </dgm:scene3d>
+  <dgm:styleLbl name="node0">
+    <dgm:scene3d>
+      <a:camera prst="orthographicFront"/>
+      <a:lightRig rig="flat" dir="t"/>
+    </dgm:scene3d>
+    <dgm:sp3d prstMaterial="dkEdge">
+      <a:bevelT w="8200" h="38100"/>
+    </dgm:sp3d>
+    <dgm:txPr/>
+    <dgm:style>
+      <a:lnRef idx="0">
+        <a:scrgbClr r="0" g="0" b="0"/>
+      </a:lnRef>
+      <a:fillRef idx="2">
+        <a:scrgbClr r="0" g="0" b="0"/>
+      </a:fillRef>
+      <a:effectRef idx="1">
+        <a:scrgbClr r="0" g="0" b="0"/>
+      </a:effectRef>
+      <a:fontRef idx="minor">
+        <a:schemeClr val="dk1"/>
+      </a:fontRef>
+    </dgm:style>
+  </dgm:styleLbl>
+  <dgm:styleLbl name="lnNode1">
+    <dgm:scene3d>
+      <a:camera prst="orthographicFront"/>
+      <a:lightRig rig="flat" dir="t"/>
+    </dgm:scene3d>
+    <dgm:sp3d prstMaterial="dkEdge">
+      <a:bevelT w="8200" h="38100"/>
+    </dgm:sp3d>
+    <dgm:txPr/>
+    <dgm:style>
+      <a:lnRef idx="1">
+        <a:scrgbClr r="0" g="0" b="0"/>
+      </a:lnRef>
+      <a:fillRef idx="2">
+        <a:scrgbClr r="0" g="0" b="0"/>
+      </a:fillRef>
+      <a:effectRef idx="0">
+        <a:scrgbClr r="0" g="0" b="0"/>
+      </a:effectRef>
+      <a:fontRef idx="minor">
+        <a:schemeClr val="dk1"/>
+      </a:fontRef>
+    </dgm:style>
+  </dgm:styleLbl>
+  <dgm:styleLbl name="vennNode1">
+    <dgm:scene3d>
+      <a:camera prst="orthographicFront"/>
+      <a:lightRig rig="flat" dir="t"/>
+    </dgm:scene3d>
+    <dgm:sp3d prstMaterial="dkEdge">
+      <a:bevelT w="8200" h="38100"/>
+    </dgm:sp3d>
+    <dgm:txPr/>
+    <dgm:style>
+      <a:lnRef idx="0">
+        <a:scrgbClr r="0" g="0" b="0"/>
+      </a:lnRef>
+      <a:fillRef idx="2">
+        <a:scrgbClr r="0" g="0" b="0"/>
+      </a:fillRef>
+      <a:effectRef idx="0">
+        <a:scrgbClr r="0" g="0" b="0"/>
+      </a:effectRef>
+      <a:fontRef idx="minor">
+        <a:schemeClr val="tx1"/>
+      </a:fontRef>
+    </dgm:style>
+  </dgm:styleLbl>
+  <dgm:styleLbl name="alignNode1">
+    <dgm:scene3d>
+      <a:camera prst="orthographicFront"/>
+      <a:lightRig rig="threePt" dir="t"/>
+    </dgm:scene3d>
+    <dgm:sp3d/>
+    <dgm:txPr/>
+    <dgm:style>
+      <a:lnRef idx="1">
+        <a:scrgbClr r="0" g="0" b="0"/>
+      </a:lnRef>
+      <a:fillRef idx="2">
+        <a:scrgbClr r="0" g="0" b="0"/>
+      </a:fillRef>
+      <a:effectRef idx="1">
+        <a:scrgbClr r="0" g="0" b="0"/>
+      </a:effectRef>
+      <a:fontRef idx="minor">
+        <a:schemeClr val="dk1"/>
+      </a:fontRef>
+    </dgm:style>
+  </dgm:styleLbl>
+  <dgm:styleLbl name="node1">
+    <dgm:scene3d>
+      <a:camera prst="orthographicFront"/>
+      <a:lightRig rig="flat" dir="t"/>
+    </dgm:scene3d>
+    <dgm:sp3d prstMaterial="dkEdge">
+      <a:bevelT w="8200" h="38100"/>
+    </dgm:sp3d>
+    <dgm:txPr/>
+    <dgm:style>
+      <a:lnRef idx="0">
+        <a:scrgbClr r="0" g="0" b="0"/>
+      </a:lnRef>
+      <a:fillRef idx="2">
+        <a:scrgbClr r="0" g="0" b="0"/>
+      </a:fillRef>
+      <a:effectRef idx="1">
+        <a:scrgbClr r="0" g="0" b="0"/>
+      </a:effectRef>
+      <a:fontRef idx="minor">
+        <a:schemeClr val="dk1"/>
+      </a:fontRef>
+    </dgm:style>
+  </dgm:styleLbl>
+  <dgm:styleLbl name="node2">
+    <dgm:scene3d>
+      <a:camera prst="orthographicFront"/>
+      <a:lightRig rig="flat" dir="t"/>
+    </dgm:scene3d>
+    <dgm:sp3d prstMaterial="dkEdge">
+      <a:bevelT w="8200" h="38100"/>
+    </dgm:sp3d>
+    <dgm:txPr/>
+    <dgm:style>
+      <a:lnRef idx="0">
+        <a:scrgbClr r="0" g="0" b="0"/>
+      </a:lnRef>
+      <a:fillRef idx="2">
+        <a:scrgbClr r="0" g="0" b="0"/>
+      </a:fillRef>
+      <a:effectRef idx="1">
+        <a:scrgbClr r="0" g="0" b="0"/>
+      </a:effectRef>
+      <a:fontRef idx="minor">
+        <a:schemeClr val="dk1"/>
+      </a:fontRef>
+    </dgm:style>
+  </dgm:styleLbl>
+  <dgm:styleLbl name="node3">
+    <dgm:scene3d>
+      <a:camera prst="orthographicFront"/>
+      <a:lightRig rig="flat" dir="t"/>
+    </dgm:scene3d>
+    <dgm:sp3d prstMaterial="dkEdge">
+      <a:bevelT w="8200" h="38100"/>
+    </dgm:sp3d>
+    <dgm:txPr/>
+    <dgm:style>
+      <a:lnRef idx="0">
+        <a:scrgbClr r="0" g="0" b="0"/>
+      </a:lnRef>
+      <a:fillRef idx="2">
+        <a:scrgbClr r="0" g="0" b="0"/>
+      </a:fillRef>
+      <a:effectRef idx="1">
+        <a:scrgbClr r="0" g="0" b="0"/>
+      </a:effectRef>
+      <a:fontRef idx="minor">
+        <a:schemeClr val="dk1"/>
+      </a:fontRef>
+    </dgm:style>
+  </dgm:styleLbl>
+  <dgm:styleLbl name="node4">
+    <dgm:scene3d>
+      <a:camera prst="orthographicFront"/>
+      <a:lightRig rig="flat" dir="t"/>
+    </dgm:scene3d>
+    <dgm:sp3d prstMaterial="dkEdge">
+      <a:bevelT w="8200" h="38100"/>
+    </dgm:sp3d>
+    <dgm:txPr/>
+    <dgm:style>
+      <a:lnRef idx="0">
+        <a:scrgbClr r="0" g="0" b="0"/>
+      </a:lnRef>
+      <a:fillRef idx="2">
+        <a:scrgbClr r="0" g="0" b="0"/>
+      </a:fillRef>
+      <a:effectRef idx="1">
+        <a:scrgbClr r="0" g="0" b="0"/>
+      </a:effectRef>
+      <a:fontRef idx="minor">
+        <a:schemeClr val="dk1"/>
+      </a:fontRef>
+    </dgm:style>
+  </dgm:styleLbl>
+  <dgm:styleLbl name="fgImgPlace1">
+    <dgm:scene3d>
+      <a:camera prst="orthographicFront"/>
+      <a:lightRig rig="threePt" dir="t"/>
+    </dgm:scene3d>
+    <dgm:sp3d/>
+    <dgm:txPr/>
+    <dgm:style>
+      <a:lnRef idx="1">
+        <a:scrgbClr r="0" g="0" b="0"/>
+      </a:lnRef>
+      <a:fillRef idx="1">
+        <a:scrgbClr r="0" g="0" b="0"/>
+      </a:fillRef>
+      <a:effectRef idx="1">
+        <a:scrgbClr r="0" g="0" b="0"/>
+      </a:effectRef>
+      <a:fontRef idx="minor"/>
+    </dgm:style>
+  </dgm:styleLbl>
+  <dgm:styleLbl name="alignImgPlace1">
+    <dgm:scene3d>
+      <a:camera prst="orthographicFront"/>
+      <a:lightRig rig="threePt" dir="t"/>
+    </dgm:scene3d>
+    <dgm:sp3d/>
+    <dgm:txPr/>
+    <dgm:style>
+      <a:lnRef idx="1">
+        <a:scrgbClr r="0" g="0" b="0"/>
+      </a:lnRef>
+      <a:fillRef idx="1">
+        <a:scrgbClr r="0" g="0" b="0"/>
+      </a:fillRef>
+      <a:effectRef idx="1">
+        <a:scrgbClr r="0" g="0" b="0"/>
+      </a:effectRef>
+      <a:fontRef idx="minor"/>
+    </dgm:style>
+  </dgm:styleLbl>
+  <dgm:styleLbl name="bgImgPlace1">
+    <dgm:scene3d>
+      <a:camera prst="orthographicFront"/>
+      <a:lightRig rig="threePt" dir="t"/>
+    </dgm:scene3d>
+    <dgm:sp3d/>
+    <dgm:txPr/>
+    <dgm:style>
+      <a:lnRef idx="1">
+        <a:scrgbClr r="0" g="0" b="0"/>
+      </a:lnRef>
+      <a:fillRef idx="1">
+        <a:scrgbClr r="0" g="0" b="0"/>
+      </a:fillRef>
+      <a:effectRef idx="1">
+        <a:scrgbClr r="0" g="0" b="0"/>
+      </a:effectRef>
+      <a:fontRef idx="minor"/>
+    </dgm:style>
+  </dgm:styleLbl>
+  <dgm:styleLbl name="sibTrans2D1">
+    <dgm:scene3d>
+      <a:camera prst="orthographicFront"/>
+      <a:lightRig rig="threePt" dir="t"/>
+    </dgm:scene3d>
+    <dgm:sp3d/>
+    <dgm:txPr/>
+    <dgm:style>
+      <a:lnRef idx="0">
+        <a:scrgbClr r="0" g="0" b="0"/>
+      </a:lnRef>
+      <a:fillRef idx="2">
+        <a:scrgbClr r="0" g="0" b="0"/>
+      </a:fillRef>
+      <a:effectRef idx="1">
+        <a:scrgbClr r="0" g="0" b="0"/>
+      </a:effectRef>
+      <a:fontRef idx="minor">
+        <a:schemeClr val="dk1"/>
+      </a:fontRef>
+    </dgm:style>
+  </dgm:styleLbl>
+  <dgm:styleLbl name="fgSibTrans2D1">
+    <dgm:scene3d>
+      <a:camera prst="orthographicFront"/>
+      <a:lightRig rig="threePt" dir="t"/>
+    </dgm:scene3d>
+    <dgm:sp3d/>
+    <dgm:txPr/>
+    <dgm:style>
+      <a:lnRef idx="0">
+        <a:scrgbClr r="0" g="0" b="0"/>
+      </a:lnRef>
+      <a:fillRef idx="2">
+        <a:scrgbClr r="0" g="0" b="0"/>
+      </a:fillRef>
+      <a:effectRef idx="1">
+        <a:scrgbClr r="0" g="0" b="0"/>
+      </a:effectRef>
+      <a:fontRef idx="minor">
+        <a:schemeClr val="dk1"/>
+      </a:fontRef>
+    </dgm:style>
+  </dgm:styleLbl>
+  <dgm:styleLbl name="bgSibTrans2D1">
+    <dgm:scene3d>
+      <a:camera prst="orthographicFront"/>
+      <a:lightRig rig="threePt" dir="t"/>
+    </dgm:scene3d>
+    <dgm:sp3d/>
+    <dgm:txPr/>
+    <dgm:style>
+      <a:lnRef idx="0">
+        <a:scrgbClr r="0" g="0" b="0"/>
+      </a:lnRef>
+      <a:fillRef idx="2">
+        <a:scrgbClr r="0" g="0" b="0"/>
+      </a:fillRef>
+      <a:effectRef idx="1">
+        <a:scrgbClr r="0" g="0" b="0"/>
+      </a:effectRef>
+      <a:fontRef idx="minor">
+        <a:schemeClr val="dk1"/>
+      </a:fontRef>
+    </dgm:style>
+  </dgm:styleLbl>
+  <dgm:styleLbl name="sibTrans1D1">
+    <dgm:scene3d>
+      <a:camera prst="orthographicFront"/>
+      <a:lightRig rig="threePt" dir="t"/>
+    </dgm:scene3d>
+    <dgm:sp3d/>
+    <dgm:txPr/>
+    <dgm:style>
+      <a:lnRef idx="1">
+        <a:scrgbClr r="0" g="0" b="0"/>
+      </a:lnRef>
+      <a:fillRef idx="0">
+        <a:scrgbClr r="0" g="0" b="0"/>
+      </a:fillRef>
+      <a:effectRef idx="0">
+        <a:scrgbClr r="0" g="0" b="0"/>
+      </a:effectRef>
+      <a:fontRef idx="minor"/>
+    </dgm:style>
+  </dgm:styleLbl>
+  <dgm:styleLbl name="callout">
+    <dgm:scene3d>
+      <a:camera prst="orthographicFront"/>
+      <a:lightRig rig="threePt" dir="t"/>
+    </dgm:scene3d>
+    <dgm:sp3d/>
+    <dgm:txPr/>
+    <dgm:style>
+      <a:lnRef idx="1">
+        <a:scrgbClr r="0" g="0" b="0"/>
+      </a:lnRef>
+      <a:fillRef idx="2">
+        <a:scrgbClr r="0" g="0" b="0"/>
+      </a:fillRef>
+      <a:effectRef idx="1">
+        <a:scrgbClr r="0" g="0" b="0"/>
+      </a:effectRef>
+      <a:fontRef idx="minor"/>
+    </dgm:style>
+  </dgm:styleLbl>
+  <dgm:styleLbl name="asst0">
+    <dgm:scene3d>
+      <a:camera prst="orthographicFront"/>
+      <a:lightRig rig="flat" dir="t"/>
+    </dgm:scene3d>
+    <dgm:sp3d prstMaterial="dkEdge">
+      <a:bevelT w="8200" h="38100"/>
+    </dgm:sp3d>
+    <dgm:txPr/>
+    <dgm:style>
+      <a:lnRef idx="0">
+        <a:scrgbClr r="0" g="0" b="0"/>
+      </a:lnRef>
+      <a:fillRef idx="2">
+        <a:scrgbClr r="0" g="0" b="0"/>
+      </a:fillRef>
+      <a:effectRef idx="1">
+        <a:scrgbClr r="0" g="0" b="0"/>
+      </a:effectRef>
+      <a:fontRef idx="minor">
+        <a:schemeClr val="dk1"/>
+      </a:fontRef>
+    </dgm:style>
+  </dgm:styleLbl>
+  <dgm:styleLbl name="asst1">
+    <dgm:scene3d>
+      <a:camera prst="orthographicFront"/>
+      <a:lightRig rig="flat" dir="t"/>
+    </dgm:scene3d>
+    <dgm:sp3d prstMaterial="dkEdge">
+      <a:bevelT w="8200" h="38100"/>
+    </dgm:sp3d>
+    <dgm:txPr/>
+    <dgm:style>
+      <a:lnRef idx="0">
+        <a:scrgbClr r="0" g="0" b="0"/>
+      </a:lnRef>
+      <a:fillRef idx="2">
+        <a:scrgbClr r="0" g="0" b="0"/>
+      </a:fillRef>
+      <a:effectRef idx="1">
+        <a:scrgbClr r="0" g="0" b="0"/>
+      </a:effectRef>
+      <a:fontRef idx="minor">
+        <a:schemeClr val="dk1"/>
+      </a:fontRef>
+    </dgm:style>
+  </dgm:styleLbl>
+  <dgm:styleLbl name="asst2">
+    <dgm:scene3d>
+      <a:camera prst="orthographicFront"/>
+      <a:lightRig rig="flat" dir="t"/>
+    </dgm:scene3d>
+    <dgm:sp3d prstMaterial="dkEdge">
+      <a:bevelT w="8200" h="38100"/>
+    </dgm:sp3d>
+    <dgm:txPr/>
+    <dgm:style>
+      <a:lnRef idx="0">
+        <a:scrgbClr r="0" g="0" b="0"/>
+      </a:lnRef>
+      <a:fillRef idx="2">
+        <a:scrgbClr r="0" g="0" b="0"/>
+      </a:fillRef>
+      <a:effectRef idx="1">
+        <a:scrgbClr r="0" g="0" b="0"/>
+      </a:effectRef>
+      <a:fontRef idx="minor">
+        <a:schemeClr val="dk1"/>
+      </a:fontRef>
+    </dgm:style>
+  </dgm:styleLbl>
+  <dgm:styleLbl name="asst3">
+    <dgm:scene3d>
+      <a:camera prst="orthographicFront"/>
+      <a:lightRig rig="flat" dir="t"/>
+    </dgm:scene3d>
+    <dgm:sp3d prstMaterial="dkEdge">
+      <a:bevelT w="8200" h="38100"/>
+    </dgm:sp3d>
+    <dgm:txPr/>
+    <dgm:style>
+      <a:lnRef idx="0">
+        <a:scrgbClr r="0" g="0" b="0"/>
+      </a:lnRef>
+      <a:fillRef idx="2">
+        <a:scrgbClr r="0" g="0" b="0"/>
+      </a:fillRef>
+      <a:effectRef idx="1">
+        <a:scrgbClr r="0" g="0" b="0"/>
+      </a:effectRef>
+      <a:fontRef idx="minor">
+        <a:schemeClr val="dk1"/>
+      </a:fontRef>
+    </dgm:style>
+  </dgm:styleLbl>
+  <dgm:styleLbl name="asst4">
+    <dgm:scene3d>
+      <a:camera prst="orthographicFront"/>
+      <a:lightRig rig="flat" dir="t"/>
+    </dgm:scene3d>
+    <dgm:sp3d prstMaterial="dkEdge">
+      <a:bevelT w="8200" h="38100"/>
+    </dgm:sp3d>
+    <dgm:txPr/>
+    <dgm:style>
+      <a:lnRef idx="0">
+        <a:scrgbClr r="0" g="0" b="0"/>
+      </a:lnRef>
+      <a:fillRef idx="2">
+        <a:scrgbClr r="0" g="0" b="0"/>
+      </a:fillRef>
+      <a:effectRef idx="1">
+        <a:scrgbClr r="0" g="0" b="0"/>
+      </a:effectRef>
+      <a:fontRef idx="minor">
+        <a:schemeClr val="dk1"/>
+      </a:fontRef>
+    </dgm:style>
+  </dgm:styleLbl>
+  <dgm:styleLbl name="parChTrans2D1">
+    <dgm:scene3d>
+      <a:camera prst="orthographicFront"/>
+      <a:lightRig rig="threePt" dir="t"/>
+    </dgm:scene3d>
+    <dgm:sp3d/>
+    <dgm:txPr/>
+    <dgm:style>
+      <a:lnRef idx="1">
+        <a:scrgbClr r="0" g="0" b="0"/>
+      </a:lnRef>
+      <a:fillRef idx="2">
+        <a:scrgbClr r="0" g="0" b="0"/>
+      </a:fillRef>
+      <a:effectRef idx="1">
+        <a:scrgbClr r="0" g="0" b="0"/>
+      </a:effectRef>
+      <a:fontRef idx="minor">
+        <a:schemeClr val="dk1"/>
+      </a:fontRef>
+    </dgm:style>
+  </dgm:styleLbl>
+  <dgm:styleLbl name="parChTrans2D2">
+    <dgm:scene3d>
+      <a:camera prst="orthographicFront"/>
+      <a:lightRig rig="threePt" dir="t"/>
+    </dgm:scene3d>
+    <dgm:sp3d/>
+    <dgm:txPr/>
+    <dgm:style>
+      <a:lnRef idx="1">
+        <a:scrgbClr r="0" g="0" b="0"/>
+      </a:lnRef>
+      <a:fillRef idx="2">
+        <a:scrgbClr r="0" g="0" b="0"/>
+      </a:fillRef>
+      <a:effectRef idx="1">
+        <a:scrgbClr r="0" g="0" b="0"/>
+      </a:effectRef>
+      <a:fontRef idx="minor">
+        <a:schemeClr val="dk1"/>
+      </a:fontRef>
+    </dgm:style>
+  </dgm:styleLbl>
+  <dgm:styleLbl name="parChTrans2D3">
+    <dgm:scene3d>
+      <a:camera prst="orthographicFront"/>
+      <a:lightRig rig="threePt" dir="t"/>
+    </dgm:scene3d>
+    <dgm:sp3d/>
+    <dgm:txPr/>
+    <dgm:style>
+      <a:lnRef idx="1">
+        <a:scrgbClr r="0" g="0" b="0"/>
+      </a:lnRef>
+      <a:fillRef idx="2">
+        <a:scrgbClr r="0" g="0" b="0"/>
+      </a:fillRef>
+      <a:effectRef idx="1">
+        <a:scrgbClr r="0" g="0" b="0"/>
+      </a:effectRef>
+      <a:fontRef idx="minor">
+        <a:schemeClr val="dk1"/>
+      </a:fontRef>
+    </dgm:style>
+  </dgm:styleLbl>
+  <dgm:styleLbl name="parChTrans2D4">
+    <dgm:scene3d>
+      <a:camera prst="orthographicFront"/>
+      <a:lightRig rig="threePt" dir="t"/>
+    </dgm:scene3d>
+    <dgm:sp3d/>
+    <dgm:txPr/>
+    <dgm:style>
+      <a:lnRef idx="1">
+        <a:scrgbClr r="0" g="0" b="0"/>
+      </a:lnRef>
+      <a:fillRef idx="2">
+        <a:scrgbClr r="0" g="0" b="0"/>
+      </a:fillRef>
+      <a:effectRef idx="1">
+        <a:scrgbClr r="0" g="0" b="0"/>
+      </a:effectRef>
+      <a:fontRef idx="minor">
+        <a:schemeClr val="dk1"/>
+      </a:fontRef>
+    </dgm:style>
+  </dgm:styleLbl>
+  <dgm:styleLbl name="parChTrans1D1">
+    <dgm:scene3d>
+      <a:camera prst="orthographicFront"/>
+      <a:lightRig rig="threePt" dir="t"/>
+    </dgm:scene3d>
+    <dgm:sp3d/>
+    <dgm:txPr/>
+    <dgm:style>
+      <a:lnRef idx="2">
+        <a:scrgbClr r="0" g="0" b="0"/>
+      </a:lnRef>
+      <a:fillRef idx="0">
+        <a:scrgbClr r="0" g="0" b="0"/>
+      </a:fillRef>
+      <a:effectRef idx="0">
+        <a:scrgbClr r="0" g="0" b="0"/>
+      </a:effectRef>
+      <a:fontRef idx="minor"/>
+    </dgm:style>
+  </dgm:styleLbl>
+  <dgm:styleLbl name="parChTrans1D2">
+    <dgm:scene3d>
+      <a:camera prst="orthographicFront"/>
+      <a:lightRig rig="threePt" dir="t"/>
+    </dgm:scene3d>
+    <dgm:sp3d/>
+    <dgm:txPr/>
+    <dgm:style>
+      <a:lnRef idx="2">
+        <a:scrgbClr r="0" g="0" b="0"/>
+      </a:lnRef>
+      <a:fillRef idx="0">
+        <a:scrgbClr r="0" g="0" b="0"/>
+      </a:fillRef>
+      <a:effectRef idx="0">
+        <a:scrgbClr r="0" g="0" b="0"/>
+      </a:effectRef>
+      <a:fontRef idx="minor"/>
+    </dgm:style>
+  </dgm:styleLbl>
+  <dgm:styleLbl name="parChTrans1D3">
+    <dgm:scene3d>
+      <a:camera prst="orthographicFront"/>
+      <a:lightRig rig="threePt" dir="t"/>
+    </dgm:scene3d>
+    <dgm:sp3d/>
+    <dgm:txPr/>
+    <dgm:style>
+      <a:lnRef idx="2">
+        <a:scrgbClr r="0" g="0" b="0"/>
+      </a:lnRef>
+      <a:fillRef idx="0">
+        <a:scrgbClr r="0" g="0" b="0"/>
+      </a:fillRef>
+      <a:effectRef idx="0">
+        <a:scrgbClr r="0" g="0" b="0"/>
+      </a:effectRef>
+      <a:fontRef idx="minor"/>
+    </dgm:style>
+  </dgm:styleLbl>
+  <dgm:styleLbl name="parChTrans1D4">
+    <dgm:scene3d>
+      <a:camera prst="orthographicFront"/>
+      <a:lightRig rig="threePt" dir="t"/>
+    </dgm:scene3d>
+    <dgm:sp3d/>
+    <dgm:txPr/>
+    <dgm:style>
+      <a:lnRef idx="2">
+        <a:scrgbClr r="0" g="0" b="0"/>
+      </a:lnRef>
+      <a:fillRef idx="0">
+        <a:scrgbClr r="0" g="0" b="0"/>
+      </a:fillRef>
+      <a:effectRef idx="0">
+        <a:scrgbClr r="0" g="0" b="0"/>
+      </a:effectRef>
+      <a:fontRef idx="minor"/>
+    </dgm:style>
+  </dgm:styleLbl>
+  <dgm:styleLbl name="fgAcc1">
+    <dgm:scene3d>
+      <a:camera prst="orthographicFront"/>
+      <a:lightRig rig="threePt" dir="t"/>
+    </dgm:scene3d>
+    <dgm:sp3d/>
+    <dgm:txPr/>
+    <dgm:style>
+      <a:lnRef idx="1">
+        <a:scrgbClr r="0" g="0" b="0"/>
+      </a:lnRef>
+      <a:fillRef idx="1">
+        <a:scrgbClr r="0" g="0" b="0"/>
+      </a:fillRef>
+      <a:effectRef idx="0">
+        <a:scrgbClr r="0" g="0" b="0"/>
+      </a:effectRef>
+      <a:fontRef idx="minor"/>
+    </dgm:style>
+  </dgm:styleLbl>
+  <dgm:styleLbl name="conFgAcc1">
+    <dgm:scene3d>
+      <a:camera prst="orthographicFront"/>
+      <a:lightRig rig="threePt" dir="t"/>
+    </dgm:scene3d>
+    <dgm:sp3d/>
+    <dgm:txPr/>
+    <dgm:style>
+      <a:lnRef idx="1">
+        <a:scrgbClr r="0" g="0" b="0"/>
+      </a:lnRef>
+      <a:fillRef idx="1">
+        <a:scrgbClr r="0" g="0" b="0"/>
+      </a:fillRef>
+      <a:effectRef idx="0">
+        <a:scrgbClr r="0" g="0" b="0"/>
+      </a:effectRef>
+      <a:fontRef idx="minor"/>
+    </dgm:style>
+  </dgm:styleLbl>
+  <dgm:styleLbl name="alignAcc1">
+    <dgm:scene3d>
+      <a:camera prst="orthographicFront"/>
+      <a:lightRig rig="threePt" dir="t"/>
+    </dgm:scene3d>
+    <dgm:sp3d/>
+    <dgm:txPr/>
+    <dgm:style>
+      <a:lnRef idx="1">
+        <a:scrgbClr r="0" g="0" b="0"/>
+      </a:lnRef>
+      <a:fillRef idx="1">
+        <a:scrgbClr r="0" g="0" b="0"/>
+      </a:fillRef>
+      <a:effectRef idx="0">
+        <a:scrgbClr r="0" g="0" b="0"/>
+      </a:effectRef>
+      <a:fontRef idx="minor"/>
+    </dgm:style>
+  </dgm:styleLbl>
+  <dgm:styleLbl name="trAlignAcc1">
+    <dgm:scene3d>
+      <a:camera prst="orthographicFront"/>
+      <a:lightRig rig="threePt" dir="t"/>
+    </dgm:scene3d>
+    <dgm:sp3d/>
+    <dgm:txPr/>
+    <dgm:style>
+      <a:lnRef idx="1">
+        <a:scrgbClr r="0" g="0" b="0"/>
+      </a:lnRef>
+      <a:fillRef idx="1">
+        <a:scrgbClr r="0" g="0" b="0"/>
+      </a:fillRef>
+      <a:effectRef idx="0">
+        <a:scrgbClr r="0" g="0" b="0"/>
+      </a:effectRef>
+      <a:fontRef idx="minor"/>
+    </dgm:style>
+  </dgm:styleLbl>
+  <dgm:styleLbl name="bgAcc1">
+    <dgm:scene3d>
+      <a:camera prst="orthographicFront"/>
+      <a:lightRig rig="threePt" dir="t"/>
+    </dgm:scene3d>
+    <dgm:sp3d/>
+    <dgm:txPr/>
+    <dgm:style>
+      <a:lnRef idx="1">
+        <a:scrgbClr r="0" g="0" b="0"/>
+      </a:lnRef>
+      <a:fillRef idx="1">
+        <a:scrgbClr r="0" g="0" b="0"/>
+      </a:fillRef>
+      <a:effectRef idx="0">
+        <a:scrgbClr r="0" g="0" b="0"/>
+      </a:effectRef>
+      <a:fontRef idx="minor"/>
+    </dgm:style>
+  </dgm:styleLbl>
+  <dgm:styleLbl name="solidFgAcc1">
+    <dgm:scene3d>
+      <a:camera prst="orthographicFront"/>
+      <a:lightRig rig="threePt" dir="t"/>
+    </dgm:scene3d>
+    <dgm:sp3d/>
+    <dgm:txPr/>
+    <dgm:style>
+      <a:lnRef idx="1">
+        <a:scrgbClr r="0" g="0" b="0"/>
+      </a:lnRef>
+      <a:fillRef idx="2">
+        <a:scrgbClr r="0" g="0" b="0"/>
+      </a:fillRef>
+      <a:effectRef idx="0">
+        <a:scrgbClr r="0" g="0" b="0"/>
+      </a:effectRef>
+      <a:fontRef idx="minor"/>
+    </dgm:style>
+  </dgm:styleLbl>
+  <dgm:styleLbl name="solidAlignAcc1">
+    <dgm:scene3d>
+      <a:camera prst="orthographicFront"/>
+      <a:lightRig rig="threePt" dir="t"/>
+    </dgm:scene3d>
+    <dgm:sp3d/>
+    <dgm:txPr/>
+    <dgm:style>
+      <a:lnRef idx="1">
+        <a:scrgbClr r="0" g="0" b="0"/>
+      </a:lnRef>
+      <a:fillRef idx="1">
+        <a:scrgbClr r="0" g="0" b="0"/>
+      </a:fillRef>
+      <a:effectRef idx="0">
+        <a:scrgbClr r="0" g="0" b="0"/>
+      </a:effectRef>
+      <a:fontRef idx="minor"/>
+    </dgm:style>
+  </dgm:styleLbl>
+  <dgm:styleLbl name="solidBgAcc1">
+    <dgm:scene3d>
+      <a:camera prst="orthographicFront"/>
+      <a:lightRig rig="threePt" dir="t"/>
+    </dgm:scene3d>
+    <dgm:sp3d/>
+    <dgm:txPr/>
+    <dgm:style>
+      <a:lnRef idx="1">
+        <a:scrgbClr r="0" g="0" b="0"/>
+      </a:lnRef>
+      <a:fillRef idx="1">
+        <a:scrgbClr r="0" g="0" b="0"/>
+      </a:fillRef>
+      <a:effectRef idx="0">
+        <a:scrgbClr r="0" g="0" b="0"/>
+      </a:effectRef>
+      <a:fontRef idx="minor"/>
+    </dgm:style>
+  </dgm:styleLbl>
+  <dgm:styleLbl name="fgAccFollowNode1">
+    <dgm:scene3d>
+      <a:camera prst="orthographicFront"/>
+      <a:lightRig rig="threePt" dir="t"/>
+    </dgm:scene3d>
+    <dgm:sp3d/>
+    <dgm:txPr/>
+    <dgm:style>
+      <a:lnRef idx="1">
+        <a:scrgbClr r="0" g="0" b="0"/>
+      </a:lnRef>
+      <a:fillRef idx="1">
+        <a:scrgbClr r="0" g="0" b="0"/>
+      </a:fillRef>
+      <a:effectRef idx="0">
+        <a:scrgbClr r="0" g="0" b="0"/>
+      </a:effectRef>
+      <a:fontRef idx="minor"/>
+    </dgm:style>
+  </dgm:styleLbl>
+  <dgm:styleLbl name="alignAccFollowNode1">
+    <dgm:scene3d>
+      <a:camera prst="orthographicFront"/>
+      <a:lightRig rig="threePt" dir="t"/>
+    </dgm:scene3d>
+    <dgm:sp3d/>
+    <dgm:txPr/>
+    <dgm:style>
+      <a:lnRef idx="1">
+        <a:scrgbClr r="0" g="0" b="0"/>
+      </a:lnRef>
+      <a:fillRef idx="1">
+        <a:scrgbClr r="0" g="0" b="0"/>
+      </a:fillRef>
+      <a:effectRef idx="0">
+        <a:scrgbClr r="0" g="0" b="0"/>
+      </a:effectRef>
+      <a:fontRef idx="minor"/>
+    </dgm:style>
+  </dgm:styleLbl>
+  <dgm:styleLbl name="bgAccFollowNode1">
+    <dgm:scene3d>
+      <a:camera prst="orthographicFront"/>
+      <a:lightRig rig="threePt" dir="t"/>
+    </dgm:scene3d>
+    <dgm:sp3d/>
+    <dgm:txPr/>
+    <dgm:style>
+      <a:lnRef idx="1">
+        <a:scrgbClr r="0" g="0" b="0"/>
+      </a:lnRef>
+      <a:fillRef idx="1">
+        <a:scrgbClr r="0" g="0" b="0"/>
+      </a:fillRef>
+      <a:effectRef idx="0">
+        <a:scrgbClr r="0" g="0" b="0"/>
+      </a:effectRef>
+      <a:fontRef idx="minor"/>
+    </dgm:style>
+  </dgm:styleLbl>
+  <dgm:styleLbl name="fgAcc0">
+    <dgm:scene3d>
+      <a:camera prst="orthographicFront"/>
+      <a:lightRig rig="threePt" dir="t"/>
+    </dgm:scene3d>
+    <dgm:sp3d/>
+    <dgm:txPr/>
+    <dgm:style>
+      <a:lnRef idx="1">
+        <a:scrgbClr r="0" g="0" b="0"/>
+      </a:lnRef>
+      <a:fillRef idx="1">
+        <a:scrgbClr r="0" g="0" b="0"/>
+      </a:fillRef>
+      <a:effectRef idx="0">
+        <a:scrgbClr r="0" g="0" b="0"/>
+      </a:effectRef>
+      <a:fontRef idx="minor"/>
+    </dgm:style>
+  </dgm:styleLbl>
+  <dgm:styleLbl name="fgAcc2">
+    <dgm:scene3d>
+      <a:camera prst="orthographicFront"/>
+      <a:lightRig rig="threePt" dir="t"/>
+    </dgm:scene3d>
+    <dgm:sp3d/>
+    <dgm:txPr/>
+    <dgm:style>
+      <a:lnRef idx="1">
+        <a:scrgbClr r="0" g="0" b="0"/>
+      </a:lnRef>
+      <a:fillRef idx="1">
+        <a:scrgbClr r="0" g="0" b="0"/>
+      </a:fillRef>
+      <a:effectRef idx="0">
+        <a:scrgbClr r="0" g="0" b="0"/>
+      </a:effectRef>
+      <a:fontRef idx="minor"/>
+    </dgm:style>
+  </dgm:styleLbl>
+  <dgm:styleLbl name="fgAcc3">
+    <dgm:scene3d>
+      <a:camera prst="orthographicFront"/>
+      <a:lightRig rig="threePt" dir="t"/>
+    </dgm:scene3d>
+    <dgm:sp3d/>
+    <dgm:txPr/>
+    <dgm:style>
+      <a:lnRef idx="1">
+        <a:scrgbClr r="0" g="0" b="0"/>
+      </a:lnRef>
+      <a:fillRef idx="1">
+        <a:scrgbClr r="0" g="0" b="0"/>
+      </a:fillRef>
+      <a:effectRef idx="0">
+        <a:scrgbClr r="0" g="0" b="0"/>
+      </a:effectRef>
+      <a:fontRef idx="minor"/>
+    </dgm:style>
+  </dgm:styleLbl>
+  <dgm:styleLbl name="fgAcc4">
+    <dgm:scene3d>
+      <a:camera prst="orthographicFront"/>
+      <a:lightRig rig="threePt" dir="t"/>
+    </dgm:scene3d>
+    <dgm:sp3d/>
+    <dgm:txPr/>
+    <dgm:style>
+      <a:lnRef idx="1">
+        <a:scrgbClr r="0" g="0" b="0"/>
+      </a:lnRef>
+      <a:fillRef idx="1">
+        <a:scrgbClr r="0" g="0" b="0"/>
+      </a:fillRef>
+      <a:effectRef idx="0">
+        <a:scrgbClr r="0" g="0" b="0"/>
+      </a:effectRef>
+      <a:fontRef idx="minor"/>
+    </dgm:style>
+  </dgm:styleLbl>
+  <dgm:styleLbl name="bgShp">
+    <dgm:scene3d>
+      <a:camera prst="orthographicFront"/>
+      <a:lightRig rig="threePt" dir="t"/>
+    </dgm:scene3d>
+    <dgm:sp3d/>
+    <dgm:txPr/>
+    <dgm:style>
+      <a:lnRef idx="0">
+        <a:scrgbClr r="0" g="0" b="0"/>
+      </a:lnRef>
+      <a:fillRef idx="1">
+        <a:scrgbClr r="0" g="0" b="0"/>
+      </a:fillRef>
+      <a:effectRef idx="1">
+        <a:scrgbClr r="0" g="0" b="0"/>
+      </a:effectRef>
+      <a:fontRef idx="minor"/>
+    </dgm:style>
+  </dgm:styleLbl>
+  <dgm:styleLbl name="dkBgShp">
+    <dgm:scene3d>
+      <a:camera prst="orthographicFront"/>
+      <a:lightRig rig="threePt" dir="t"/>
+    </dgm:scene3d>
+    <dgm:sp3d/>
+    <dgm:txPr/>
+    <dgm:style>
+      <a:lnRef idx="0">
+        <a:scrgbClr r="0" g="0" b="0"/>
+      </a:lnRef>
+      <a:fillRef idx="1">
+        <a:scrgbClr r="0" g="0" b="0"/>
+      </a:fillRef>
+      <a:effectRef idx="1">
+        <a:scrgbClr r="0" g="0" b="0"/>
+      </a:effectRef>
+      <a:fontRef idx="minor"/>
+    </dgm:style>
+  </dgm:styleLbl>
+  <dgm:styleLbl name="trBgShp">
+    <dgm:scene3d>
+      <a:camera prst="orthographicFront"/>
+      <a:lightRig rig="threePt" dir="t"/>
+    </dgm:scene3d>
+    <dgm:sp3d/>
+    <dgm:txPr/>
+    <dgm:style>
+      <a:lnRef idx="0">
+        <a:scrgbClr r="0" g="0" b="0"/>
+      </a:lnRef>
+      <a:fillRef idx="1">
+        <a:scrgbClr r="0" g="0" b="0"/>
+      </a:fillRef>
+      <a:effectRef idx="0">
+        <a:scrgbClr r="0" g="0" b="0"/>
+      </a:effectRef>
+      <a:fontRef idx="minor"/>
+    </dgm:style>
+  </dgm:styleLbl>
+  <dgm:styleLbl name="fgShp">
+    <dgm:scene3d>
+      <a:camera prst="orthographicFront"/>
+      <a:lightRig rig="flat" dir="t"/>
+    </dgm:scene3d>
+    <dgm:sp3d prstMaterial="dkEdge">
+      <a:bevelT w="8200" h="38100"/>
+    </dgm:sp3d>
+    <dgm:txPr/>
+    <dgm:style>
+      <a:lnRef idx="1">
+        <a:scrgbClr r="0" g="0" b="0"/>
+      </a:lnRef>
+      <a:fillRef idx="2">
+        <a:scrgbClr r="0" g="0" b="0"/>
+      </a:fillRef>
+      <a:effectRef idx="1">
+        <a:scrgbClr r="0" g="0" b="0"/>
+      </a:effectRef>
+      <a:fontRef idx="minor"/>
+    </dgm:style>
+  </dgm:styleLbl>
+  <dgm:styleLbl name="revTx">
+    <dgm:scene3d>
+      <a:camera prst="orthographicFront"/>
+      <a:lightRig rig="threePt" dir="t"/>
+    </dgm:scene3d>
+    <dgm:sp3d/>
+    <dgm:txPr/>
+    <dgm:style>
+      <a:lnRef idx="0">
+        <a:scrgbClr r="0" g="0" b="0"/>
+      </a:lnRef>
+      <a:fillRef idx="0">
+        <a:scrgbClr r="0" g="0" b="0"/>
+      </a:fillRef>
+      <a:effectRef idx="0">
+        <a:scrgbClr r="0" g="0" b="0"/>
+      </a:effectRef>
+      <a:fontRef idx="minor"/>
+    </dgm:style>
+  </dgm:styleLbl>
+</dgm:styleDef>
 </file>
 
 <file path=ppt/notesMasters/notesMaster1.xml><?xml version="1.0" encoding="utf-8"?>
@@ -3799,7 +6884,7 @@
                 </a:solidFill>
                 <a:latin typeface="Helvetica" pitchFamily="2" charset="0"/>
               </a:rPr>
-              <a:t>Finding Feshbach resonances fast</a:t>
+              <a:t>How to quickly find Feshbach resonances</a:t>
             </a:r>
           </a:p>
         </p:txBody>
@@ -3923,7 +7008,7 @@
         </p:nvSpPr>
         <p:spPr>
           <a:xfrm>
-            <a:off x="628878" y="390556"/>
+            <a:off x="628878" y="270236"/>
             <a:ext cx="4413175" cy="1111134"/>
           </a:xfrm>
         </p:spPr>
@@ -3991,8 +7076,8 @@
         </p:nvSpPr>
         <p:spPr>
           <a:xfrm>
-            <a:off x="484742" y="1641332"/>
-            <a:ext cx="6235547" cy="2980431"/>
+            <a:off x="496772" y="1617268"/>
+            <a:ext cx="6965188" cy="3341492"/>
           </a:xfrm>
           <a:prstGeom prst="rect">
             <a:avLst/>
@@ -4013,7 +7098,7 @@
               <a:buChar char="Ø"/>
             </a:pPr>
             <a:r>
-              <a:rPr lang="en-US" sz="1600" dirty="0">
+              <a:rPr lang="en-US" dirty="0">
                 <a:latin typeface="Helvetica" pitchFamily="2" charset="0"/>
               </a:rPr>
               <a:t>Ground-state alkali atoms collide</a:t>
@@ -4028,7 +7113,7 @@
               <a:buChar char="Ø"/>
             </a:pPr>
             <a:r>
-              <a:rPr lang="en-US" sz="1600" dirty="0">
+              <a:rPr lang="en-US" dirty="0">
                 <a:latin typeface="Helvetica" pitchFamily="2" charset="0"/>
               </a:rPr>
               <a:t>Collisions occur within singlet and triplet electronic potentials</a:t>
@@ -4043,7 +7128,7 @@
               <a:buChar char="Ø"/>
             </a:pPr>
             <a:r>
-              <a:rPr lang="en-US" sz="1600" dirty="0">
+              <a:rPr lang="en-US" dirty="0">
                 <a:latin typeface="Helvetica" pitchFamily="2" charset="0"/>
               </a:rPr>
               <a:t>A Feshbach resonance occurs when e.g.</a:t>
@@ -4056,7 +7141,7 @@
               </a:lnSpc>
             </a:pPr>
             <a:r>
-              <a:rPr lang="en-US" sz="1600" dirty="0">
+              <a:rPr lang="en-US" dirty="0">
                 <a:latin typeface="Helvetica" pitchFamily="2" charset="0"/>
               </a:rPr>
               <a:t>Energy </a:t>
@@ -4065,16 +7150,10 @@
               <a:rPr lang="en-US" baseline="-25000" dirty="0">
                 <a:latin typeface="Helvetica" pitchFamily="2" charset="0"/>
               </a:rPr>
-              <a:t>two atoms in triplet channel</a:t>
-            </a:r>
-            <a:r>
-              <a:rPr lang="en-US" sz="1600" baseline="-25000" dirty="0">
-                <a:latin typeface="Helvetica" pitchFamily="2" charset="0"/>
-              </a:rPr>
-              <a:t> </a:t>
-            </a:r>
-            <a:r>
-              <a:rPr lang="en-US" sz="1600" dirty="0">
+              <a:t>two atoms in triplet channel </a:t>
+            </a:r>
+            <a:r>
+              <a:rPr lang="en-US" dirty="0">
                 <a:latin typeface="Helvetica" pitchFamily="2" charset="0"/>
               </a:rPr>
               <a:t>= Energy </a:t>
@@ -4095,7 +7174,7 @@
               <a:buChar char="Ø"/>
             </a:pPr>
             <a:r>
-              <a:rPr lang="en-US" sz="1600" dirty="0">
+              <a:rPr lang="en-US" dirty="0">
                 <a:latin typeface="Helvetica" pitchFamily="2" charset="0"/>
               </a:rPr>
               <a:t>Singlet-triplet coupling due to hyperfine interaction</a:t>
@@ -4110,7 +7189,7 @@
               <a:buChar char="Ø"/>
             </a:pPr>
             <a:r>
-              <a:rPr lang="en-US" sz="1600" dirty="0">
+              <a:rPr lang="en-US" dirty="0">
                 <a:latin typeface="Helvetica" pitchFamily="2" charset="0"/>
               </a:rPr>
               <a:t>Tunable resonance due to differential magnetic moment</a:t>
@@ -4140,7 +7219,7 @@
         </p:blipFill>
         <p:spPr>
           <a:xfrm>
-            <a:off x="6720290" y="70007"/>
+            <a:off x="7177494" y="70007"/>
             <a:ext cx="4975952" cy="4404004"/>
           </a:xfrm>
           <a:prstGeom prst="rect">
@@ -4164,7 +7243,7 @@
         </p:nvCxnSpPr>
         <p:spPr>
           <a:xfrm flipH="1">
-            <a:off x="8632328" y="2215920"/>
+            <a:off x="9089532" y="2215920"/>
             <a:ext cx="482905" cy="363557"/>
           </a:xfrm>
           <a:prstGeom prst="straightConnector1">
@@ -4206,7 +7285,7 @@
         </p:nvSpPr>
         <p:spPr>
           <a:xfrm>
-            <a:off x="9094882" y="1995418"/>
+            <a:off x="9552086" y="1995418"/>
             <a:ext cx="748923" cy="369332"/>
           </a:xfrm>
           <a:prstGeom prst="rect">
@@ -4248,7 +7327,7 @@
         </p:nvCxnSpPr>
         <p:spPr>
           <a:xfrm flipH="1" flipV="1">
-            <a:off x="9542228" y="3018817"/>
+            <a:off x="9999432" y="3018817"/>
             <a:ext cx="509062" cy="257907"/>
           </a:xfrm>
           <a:prstGeom prst="straightConnector1">
@@ -4290,7 +7369,7 @@
         </p:nvSpPr>
         <p:spPr>
           <a:xfrm>
-            <a:off x="10025890" y="3079068"/>
+            <a:off x="10483094" y="3079068"/>
             <a:ext cx="851515" cy="369332"/>
           </a:xfrm>
           <a:prstGeom prst="rect">
@@ -4330,7 +7409,7 @@
         </p:nvSpPr>
         <p:spPr>
           <a:xfrm>
-            <a:off x="10385231" y="987832"/>
+            <a:off x="10842435" y="987832"/>
             <a:ext cx="973343" cy="369332"/>
           </a:xfrm>
           <a:prstGeom prst="rect">
@@ -4518,7 +7597,7 @@
             <p:spPr>
               <a:xfrm>
                 <a:off x="498144" y="1336003"/>
-                <a:ext cx="7108001" cy="4572790"/>
+                <a:ext cx="7108001" cy="4809778"/>
               </a:xfrm>
               <a:prstGeom prst="rect">
                 <a:avLst/>
@@ -4539,7 +7618,7 @@
                   <a:buChar char="Ø"/>
                 </a:pPr>
                 <a:r>
-                  <a:rPr lang="en-US" sz="1600" dirty="0">
+                  <a:rPr lang="en-US" dirty="0">
                     <a:latin typeface="Helvetica" pitchFamily="2" charset="0"/>
                   </a:rPr>
                   <a:t>A discrete state </a:t>
@@ -4551,14 +7630,14 @@
                         <m:begChr m:val="|"/>
                         <m:endChr m:val="⟩"/>
                         <m:ctrlPr>
-                          <a:rPr lang="en-US" sz="1600" b="0" i="1" smtClean="0">
+                          <a:rPr lang="en-US" b="0" i="1" smtClean="0">
                             <a:latin typeface="Cambria Math" panose="02040503050406030204" pitchFamily="18" charset="0"/>
                           </a:rPr>
                         </m:ctrlPr>
                       </m:dPr>
                       <m:e>
                         <m:r>
-                          <a:rPr lang="en-US" sz="1600" b="0" i="1" smtClean="0">
+                          <a:rPr lang="en-US" b="0" i="1" smtClean="0">
                             <a:latin typeface="Cambria Math" panose="02040503050406030204" pitchFamily="18" charset="0"/>
                           </a:rPr>
                           <m:t>𝑚</m:t>
@@ -4568,7 +7647,7 @@
                   </m:oMath>
                 </a14:m>
                 <a:r>
-                  <a:rPr lang="en-US" sz="1600" dirty="0">
+                  <a:rPr lang="en-US" dirty="0">
                     <a:latin typeface="Helvetica" pitchFamily="2" charset="0"/>
                   </a:rPr>
                   <a:t> coupled to a continuum of states</a:t>
@@ -4576,7 +7655,7 @@
                 <a14:m>
                   <m:oMath xmlns:m="http://schemas.openxmlformats.org/officeDocument/2006/math">
                     <m:r>
-                      <a:rPr lang="en-US" sz="1600" dirty="0">
+                      <a:rPr lang="en-US" dirty="0">
                         <a:latin typeface="Cambria Math" panose="02040503050406030204" pitchFamily="18" charset="0"/>
                       </a:rPr>
                       <m:t> </m:t>
@@ -4586,7 +7665,7 @@
                         <m:begChr m:val="|"/>
                         <m:endChr m:val="⟩"/>
                         <m:ctrlPr>
-                          <a:rPr lang="en-US" sz="1600" i="1">
+                          <a:rPr lang="en-US" i="1">
                             <a:latin typeface="Cambria Math" panose="02040503050406030204" pitchFamily="18" charset="0"/>
                           </a:rPr>
                         </m:ctrlPr>
@@ -4596,14 +7675,14 @@
                           <m:accPr>
                             <m:chr m:val="⃗"/>
                             <m:ctrlPr>
-                              <a:rPr lang="en-US" sz="1600" b="0" i="1" smtClean="0">
+                              <a:rPr lang="en-US" b="0" i="1" smtClean="0">
                                 <a:latin typeface="Cambria Math" panose="02040503050406030204" pitchFamily="18" charset="0"/>
                               </a:rPr>
                             </m:ctrlPr>
                           </m:accPr>
                           <m:e>
                             <m:r>
-                              <a:rPr lang="en-US" sz="1600" b="0" i="1" smtClean="0">
+                              <a:rPr lang="en-US" b="0" i="1" smtClean="0">
                                 <a:latin typeface="Cambria Math" panose="02040503050406030204" pitchFamily="18" charset="0"/>
                               </a:rPr>
                               <m:t>𝑘</m:t>
@@ -4615,7 +7694,7 @@
                   </m:oMath>
                 </a14:m>
                 <a:r>
-                  <a:rPr lang="en-US" sz="1600" dirty="0">
+                  <a:rPr lang="en-US" dirty="0">
                     <a:latin typeface="Helvetica" pitchFamily="2" charset="0"/>
                   </a:rPr>
                   <a:t>:</a:t>
@@ -4674,7 +7753,7 @@
                   <a:buChar char="Ø"/>
                 </a:pPr>
                 <a:r>
-                  <a:rPr lang="en-US" sz="1600" dirty="0">
+                  <a:rPr lang="en-US" dirty="0">
                     <a:latin typeface="Helvetica" pitchFamily="2" charset="0"/>
                   </a:rPr>
                   <a:t>Solve:</a:t>
@@ -4723,7 +7802,7 @@
                   <a:buChar char="Ø"/>
                 </a:pPr>
                 <a:r>
-                  <a:rPr lang="en-US" sz="1600" dirty="0">
+                  <a:rPr lang="en-US" dirty="0">
                     <a:latin typeface="Helvetica" pitchFamily="2" charset="0"/>
                   </a:rPr>
                   <a:t>Result: </a:t>
@@ -4738,10 +7817,10 @@
                   <a:buChar char="•"/>
                 </a:pPr>
                 <a:r>
-                  <a:rPr lang="en-US" sz="1600" dirty="0">
+                  <a:rPr lang="en-US" dirty="0">
                     <a:latin typeface="Helvetica" pitchFamily="2" charset="0"/>
                   </a:rPr>
-                  <a:t>Binding energy of molecular state varies quadratically</a:t>
+                  <a:t>Molecular binding energy quadratically</a:t>
                 </a:r>
               </a:p>
               <a:p>
@@ -4753,13 +7832,13 @@
                   <a:buChar char="•"/>
                 </a:pPr>
                 <a:r>
-                  <a:rPr lang="en-US" sz="1600" dirty="0">
+                  <a:rPr lang="en-US" dirty="0">
                     <a:latin typeface="Helvetica" pitchFamily="2" charset="0"/>
                   </a:rPr>
                   <a:t>Coupling to continuum gives: </a:t>
                 </a:r>
                 <a:r>
-                  <a:rPr lang="en-US" sz="1600" dirty="0">
+                  <a:rPr lang="en-US" dirty="0">
                     <a:solidFill>
                       <a:schemeClr val="accent5">
                         <a:lumMod val="50000"/>
@@ -4770,13 +7849,13 @@
                   <a:t>shift</a:t>
                 </a:r>
                 <a:r>
-                  <a:rPr lang="en-US" sz="1600" dirty="0">
+                  <a:rPr lang="en-US" dirty="0">
                     <a:latin typeface="Helvetica" pitchFamily="2" charset="0"/>
                   </a:rPr>
                   <a:t> + </a:t>
                 </a:r>
                 <a:r>
-                  <a:rPr lang="en-US" sz="1600" dirty="0">
+                  <a:rPr lang="en-US" dirty="0">
                     <a:solidFill>
                       <a:schemeClr val="accent5">
                         <a:lumMod val="50000"/>
@@ -4808,7 +7887,7 @@
             <p:spPr>
               <a:xfrm>
                 <a:off x="498144" y="1336003"/>
-                <a:ext cx="7108001" cy="4572790"/>
+                <a:ext cx="7108001" cy="4809778"/>
               </a:xfrm>
               <a:prstGeom prst="rect">
                 <a:avLst/>
@@ -4816,7 +7895,7 @@
               <a:blipFill>
                 <a:blip r:embed="rId4"/>
                 <a:stretch>
-                  <a:fillRect l="-535" b="-554"/>
+                  <a:fillRect l="-535" b="-1319"/>
                 </a:stretch>
               </a:blipFill>
             </p:spPr>
@@ -4853,7 +7932,7 @@
         </p:nvSpPr>
         <p:spPr>
           <a:xfrm>
-            <a:off x="628878" y="390556"/>
+            <a:off x="628878" y="270236"/>
             <a:ext cx="8784063" cy="1111134"/>
           </a:xfrm>
         </p:spPr>
@@ -4899,7 +7978,7 @@
         </p:blipFill>
         <p:spPr>
           <a:xfrm>
-            <a:off x="6368463" y="1562568"/>
+            <a:off x="6622475" y="1497959"/>
             <a:ext cx="5440219" cy="4350991"/>
           </a:xfrm>
           <a:prstGeom prst="rect">
@@ -5085,7 +8164,7 @@
         </p:nvSpPr>
         <p:spPr>
           <a:xfrm>
-            <a:off x="628878" y="390556"/>
+            <a:off x="628878" y="270236"/>
             <a:ext cx="10123585" cy="1111134"/>
           </a:xfrm>
         </p:spPr>
@@ -5123,8 +8202,8 @@
         </p:nvSpPr>
         <p:spPr>
           <a:xfrm>
-            <a:off x="484742" y="1434555"/>
-            <a:ext cx="11078380" cy="5227200"/>
+            <a:off x="388486" y="1157827"/>
+            <a:ext cx="11078380" cy="4945778"/>
           </a:xfrm>
           <a:prstGeom prst="rect">
             <a:avLst/>
@@ -5145,95 +8224,88 @@
               <a:buChar char="Ø"/>
             </a:pPr>
             <a:r>
-              <a:rPr lang="en-US" sz="1600" dirty="0">
+              <a:rPr lang="en-US" b="1" dirty="0">
                 <a:latin typeface="Helvetica" pitchFamily="2" charset="0"/>
               </a:rPr>
-              <a:t>Scenario: Find FB resonances in e.g. </a:t>
-            </a:r>
-            <a:r>
-              <a:rPr lang="en-US" sz="1600" baseline="30000" dirty="0">
+              <a:t>Scenario: </a:t>
+            </a:r>
+            <a:r>
+              <a:rPr lang="en-US" dirty="0">
+                <a:latin typeface="Helvetica" pitchFamily="2" charset="0"/>
+              </a:rPr>
+              <a:t>Find FB resonances in e.g. </a:t>
+            </a:r>
+            <a:r>
+              <a:rPr lang="en-US" baseline="30000" dirty="0">
                 <a:latin typeface="Helvetica" pitchFamily="2" charset="0"/>
               </a:rPr>
               <a:t>23</a:t>
             </a:r>
             <a:r>
-              <a:rPr lang="en-US" sz="1600" dirty="0">
+              <a:rPr lang="en-US" dirty="0">
                 <a:latin typeface="Helvetica" pitchFamily="2" charset="0"/>
               </a:rPr>
               <a:t>Na</a:t>
             </a:r>
             <a:r>
-              <a:rPr lang="en-US" sz="1600" baseline="30000" dirty="0">
+              <a:rPr lang="en-US" baseline="30000" dirty="0">
                 <a:latin typeface="Helvetica" pitchFamily="2" charset="0"/>
               </a:rPr>
               <a:t>40</a:t>
             </a:r>
             <a:r>
-              <a:rPr lang="en-US" sz="1600" dirty="0">
+              <a:rPr lang="en-US" dirty="0">
                 <a:latin typeface="Helvetica" pitchFamily="2" charset="0"/>
               </a:rPr>
               <a:t>K, </a:t>
             </a:r>
             <a:r>
-              <a:rPr lang="en-US" sz="1600" baseline="30000" dirty="0">
+              <a:rPr lang="en-US" baseline="30000" dirty="0">
                 <a:latin typeface="Helvetica" pitchFamily="2" charset="0"/>
               </a:rPr>
               <a:t>6</a:t>
             </a:r>
             <a:r>
-              <a:rPr lang="en-US" sz="1600" dirty="0">
+              <a:rPr lang="en-US" dirty="0">
                 <a:latin typeface="Helvetica" pitchFamily="2" charset="0"/>
               </a:rPr>
               <a:t>Li</a:t>
             </a:r>
             <a:r>
-              <a:rPr lang="en-US" sz="1600" baseline="30000" dirty="0">
+              <a:rPr lang="en-US" baseline="30000" dirty="0">
                 <a:latin typeface="Helvetica" pitchFamily="2" charset="0"/>
               </a:rPr>
               <a:t>40</a:t>
             </a:r>
             <a:r>
-              <a:rPr lang="en-US" sz="1600" dirty="0">
+              <a:rPr lang="en-US" dirty="0">
                 <a:latin typeface="Helvetica" pitchFamily="2" charset="0"/>
               </a:rPr>
               <a:t>K, or </a:t>
             </a:r>
             <a:r>
-              <a:rPr lang="en-US" sz="1600" baseline="30000" dirty="0">
+              <a:rPr lang="en-US" baseline="30000" dirty="0">
                 <a:latin typeface="Helvetica" pitchFamily="2" charset="0"/>
               </a:rPr>
               <a:t>6</a:t>
             </a:r>
             <a:r>
-              <a:rPr lang="en-US" sz="1600" dirty="0">
+              <a:rPr lang="en-US" dirty="0">
                 <a:latin typeface="Helvetica" pitchFamily="2" charset="0"/>
               </a:rPr>
               <a:t>Li</a:t>
             </a:r>
             <a:r>
-              <a:rPr lang="en-US" sz="1600" baseline="-25000" dirty="0">
+              <a:rPr lang="en-US" baseline="-25000" dirty="0">
                 <a:latin typeface="Helvetica" pitchFamily="2" charset="0"/>
               </a:rPr>
               <a:t>2</a:t>
             </a:r>
             <a:r>
-              <a:rPr lang="en-US" sz="1600" dirty="0">
+              <a:rPr lang="en-US" dirty="0">
                 <a:latin typeface="Helvetica" pitchFamily="2" charset="0"/>
               </a:rPr>
               <a:t> from spectroscopic data</a:t>
-            </a:r>
-          </a:p>
-          <a:p>
-            <a:pPr lvl="1">
-              <a:lnSpc>
-                <a:spcPct val="150000"/>
-              </a:lnSpc>
-            </a:pPr>
-            <a:r>
-              <a:rPr lang="en-US" sz="1600" dirty="0">
-                <a:latin typeface="Helvetica" pitchFamily="2" charset="0"/>
-              </a:rPr>
-              <a:t>Spectroscopic data: hyperfine structure + interatomic electronic potentials</a:t>
             </a:r>
           </a:p>
           <a:p>
@@ -5287,16 +8359,6 @@
             </a:endParaRPr>
           </a:p>
           <a:p>
-            <a:pPr lvl="1">
-              <a:lnSpc>
-                <a:spcPct val="150000"/>
-              </a:lnSpc>
-            </a:pPr>
-            <a:endParaRPr lang="en-US" sz="1600" dirty="0">
-              <a:latin typeface="Helvetica" pitchFamily="2" charset="0"/>
-            </a:endParaRPr>
-          </a:p>
-          <a:p>
             <a:pPr marL="285750" indent="-285750">
               <a:lnSpc>
                 <a:spcPct val="150000"/>
@@ -5305,10 +8367,10 @@
               <a:buChar char="Ø"/>
             </a:pPr>
             <a:r>
-              <a:rPr lang="en-US" sz="1600" dirty="0">
+              <a:rPr lang="en-US" b="1" dirty="0">
                 <a:latin typeface="Helvetica" pitchFamily="2" charset="0"/>
               </a:rPr>
-              <a:t>Solutions:</a:t>
+              <a:t>Problem:</a:t>
             </a:r>
           </a:p>
           <a:p>
@@ -5320,10 +8382,10 @@
               <a:buAutoNum type="arabicPeriod"/>
             </a:pPr>
             <a:r>
-              <a:rPr lang="en-US" sz="1600" dirty="0">
+              <a:rPr lang="en-US" dirty="0">
                 <a:latin typeface="Helvetica" pitchFamily="2" charset="0"/>
               </a:rPr>
-              <a:t>Just go measure and hope to see something </a:t>
+              <a:t>Find Feshbach resonances &amp; widths</a:t>
             </a:r>
           </a:p>
           <a:p>
@@ -5335,40 +8397,34 @@
               <a:buAutoNum type="arabicPeriod"/>
             </a:pPr>
             <a:r>
-              <a:rPr lang="en-US" sz="1600" dirty="0">
+              <a:rPr lang="en-US" dirty="0">
                 <a:latin typeface="Helvetica" pitchFamily="2" charset="0"/>
               </a:rPr>
-              <a:t>Calculate, then measure	</a:t>
-            </a:r>
-          </a:p>
-          <a:p>
-            <a:pPr marL="1200150" lvl="2" indent="-285750">
-              <a:lnSpc>
-                <a:spcPct val="150000"/>
-              </a:lnSpc>
+              <a:t>Find binding energies of Feshbach molecules</a:t>
+            </a:r>
+          </a:p>
+          <a:p>
+            <a:pPr lvl="1"/>
+            <a:endParaRPr lang="en-US" dirty="0">
+              <a:latin typeface="Helvetica" pitchFamily="2" charset="0"/>
+            </a:endParaRPr>
+          </a:p>
+          <a:p>
+            <a:pPr marL="285750" indent="-285750">
               <a:buFont typeface="Wingdings" pitchFamily="2" charset="2"/>
-              <a:buChar char="q"/>
+              <a:buChar char="Ø"/>
             </a:pPr>
             <a:r>
-              <a:rPr lang="en-US" sz="1600" dirty="0">
+              <a:rPr lang="en-US" b="1" dirty="0">
                 <a:latin typeface="Helvetica" pitchFamily="2" charset="0"/>
               </a:rPr>
-              <a:t> Coupled-channel calculation</a:t>
-            </a:r>
-          </a:p>
-          <a:p>
-            <a:pPr marL="1200150" lvl="2" indent="-285750">
-              <a:lnSpc>
-                <a:spcPct val="150000"/>
-              </a:lnSpc>
-              <a:buFont typeface="Wingdings" pitchFamily="2" charset="2"/>
-              <a:buChar char="q"/>
-            </a:pPr>
-            <a:r>
-              <a:rPr lang="en-US" sz="1600" dirty="0">
+              <a:t>Solution: </a:t>
+            </a:r>
+            <a:r>
+              <a:rPr lang="en-US" dirty="0">
                 <a:latin typeface="Helvetica" pitchFamily="2" charset="0"/>
               </a:rPr>
-              <a:t>Asymptotic bound-state model</a:t>
+              <a:t>Calculate, then measure. Two existing methods:	</a:t>
             </a:r>
           </a:p>
           <a:p>
@@ -5380,155 +8436,29 @@
               <a:buAutoNum type="arabicPeriod"/>
             </a:pPr>
             <a:r>
-              <a:rPr lang="en-US" sz="1600" dirty="0">
+              <a:rPr lang="en-US" dirty="0">
                 <a:latin typeface="Helvetica" pitchFamily="2" charset="0"/>
               </a:rPr>
-              <a:t>Ask a theorist </a:t>
+              <a:t> Coupled-channel calculation</a:t>
+            </a:r>
+          </a:p>
+          <a:p>
+            <a:pPr marL="800100" lvl="1" indent="-342900">
+              <a:lnSpc>
+                <a:spcPct val="150000"/>
+              </a:lnSpc>
+              <a:buFont typeface="+mj-lt"/>
+              <a:buAutoNum type="arabicPeriod"/>
+            </a:pPr>
+            <a:r>
+              <a:rPr lang="en-US" dirty="0">
+                <a:latin typeface="Helvetica" pitchFamily="2" charset="0"/>
+              </a:rPr>
+              <a:t>Asymptotic bound-state model</a:t>
             </a:r>
           </a:p>
         </p:txBody>
       </p:sp>
-      <p:pic>
-        <p:nvPicPr>
-          <p:cNvPr id="1026" name="Picture 2" descr="Chess.com Brand Resources - Chess.com">
-            <a:extLst>
-              <a:ext uri="{FF2B5EF4-FFF2-40B4-BE49-F238E27FC236}">
-                <a16:creationId xmlns:a16="http://schemas.microsoft.com/office/drawing/2014/main" id="{52C85AA8-5CD9-B9A3-AF64-CD37C4E962E6}"/>
-              </a:ext>
-            </a:extLst>
-          </p:cNvPr>
-          <p:cNvPicPr>
-            <a:picLocks noChangeAspect="1" noChangeArrowheads="1"/>
-          </p:cNvPicPr>
-          <p:nvPr/>
-        </p:nvPicPr>
-        <p:blipFill>
-          <a:blip r:embed="rId2">
-            <a:extLst>
-              <a:ext uri="{28A0092B-C50C-407E-A947-70E740481C1C}">
-                <a14:useLocalDpi xmlns:a14="http://schemas.microsoft.com/office/drawing/2010/main" val="0"/>
-              </a:ext>
-            </a:extLst>
-          </a:blip>
-          <a:srcRect/>
-          <a:stretch>
-            <a:fillRect/>
-          </a:stretch>
-        </p:blipFill>
-        <p:spPr bwMode="auto">
-          <a:xfrm>
-            <a:off x="5449979" y="4823312"/>
-            <a:ext cx="274217" cy="281347"/>
-          </a:xfrm>
-          <a:prstGeom prst="rect">
-            <a:avLst/>
-          </a:prstGeom>
-          <a:noFill/>
-          <a:extLst>
-            <a:ext uri="{909E8E84-426E-40DD-AFC4-6F175D3DCCD1}">
-              <a14:hiddenFill xmlns:a14="http://schemas.microsoft.com/office/drawing/2010/main">
-                <a:solidFill>
-                  <a:srgbClr val="FFFFFF"/>
-                </a:solidFill>
-              </a14:hiddenFill>
-            </a:ext>
-          </a:extLst>
-        </p:spPr>
-      </p:pic>
-      <p:pic>
-        <p:nvPicPr>
-          <p:cNvPr id="1028" name="Picture 4" descr="Chess.com Brand Resources - Chess.com">
-            <a:extLst>
-              <a:ext uri="{FF2B5EF4-FFF2-40B4-BE49-F238E27FC236}">
-                <a16:creationId xmlns:a16="http://schemas.microsoft.com/office/drawing/2014/main" id="{63B8C6D8-7C3B-6DAD-A112-05BF6E160AAA}"/>
-              </a:ext>
-            </a:extLst>
-          </p:cNvPr>
-          <p:cNvPicPr>
-            <a:picLocks noChangeAspect="1" noChangeArrowheads="1"/>
-          </p:cNvPicPr>
-          <p:nvPr/>
-        </p:nvPicPr>
-        <p:blipFill>
-          <a:blip r:embed="rId3">
-            <a:extLst>
-              <a:ext uri="{28A0092B-C50C-407E-A947-70E740481C1C}">
-                <a14:useLocalDpi xmlns:a14="http://schemas.microsoft.com/office/drawing/2010/main" val="0"/>
-              </a:ext>
-            </a:extLst>
-          </a:blip>
-          <a:srcRect/>
-          <a:stretch>
-            <a:fillRect/>
-          </a:stretch>
-        </p:blipFill>
-        <p:spPr bwMode="auto">
-          <a:xfrm>
-            <a:off x="3649714" y="5188751"/>
-            <a:ext cx="274217" cy="281347"/>
-          </a:xfrm>
-          <a:prstGeom prst="rect">
-            <a:avLst/>
-          </a:prstGeom>
-          <a:noFill/>
-          <a:extLst>
-            <a:ext uri="{909E8E84-426E-40DD-AFC4-6F175D3DCCD1}">
-              <a14:hiddenFill xmlns:a14="http://schemas.microsoft.com/office/drawing/2010/main">
-                <a:solidFill>
-                  <a:srgbClr val="FFFFFF"/>
-                </a:solidFill>
-              </a14:hiddenFill>
-            </a:ext>
-          </a:extLst>
-        </p:spPr>
-      </p:pic>
-      <p:pic>
-        <p:nvPicPr>
-          <p:cNvPr id="1030" name="Picture 6" descr="Chess.com Brand Resources - Chess.com">
-            <a:extLst>
-              <a:ext uri="{FF2B5EF4-FFF2-40B4-BE49-F238E27FC236}">
-                <a16:creationId xmlns:a16="http://schemas.microsoft.com/office/drawing/2014/main" id="{A16F3511-5EB0-8265-40E6-F81679E02E7A}"/>
-              </a:ext>
-            </a:extLst>
-          </p:cNvPr>
-          <p:cNvPicPr>
-            <a:picLocks noChangeAspect="1" noChangeArrowheads="1"/>
-          </p:cNvPicPr>
-          <p:nvPr/>
-        </p:nvPicPr>
-        <p:blipFill>
-          <a:blip r:embed="rId4">
-            <a:extLst>
-              <a:ext uri="{28A0092B-C50C-407E-A947-70E740481C1C}">
-                <a14:useLocalDpi xmlns:a14="http://schemas.microsoft.com/office/drawing/2010/main" val="0"/>
-              </a:ext>
-            </a:extLst>
-          </a:blip>
-          <a:srcRect/>
-          <a:stretch>
-            <a:fillRect/>
-          </a:stretch>
-        </p:blipFill>
-        <p:spPr bwMode="auto">
-          <a:xfrm>
-            <a:off x="2669604" y="6287904"/>
-            <a:ext cx="274217" cy="281347"/>
-          </a:xfrm>
-          <a:prstGeom prst="rect">
-            <a:avLst/>
-          </a:prstGeom>
-          <a:noFill/>
-          <a:extLst>
-            <a:ext uri="{909E8E84-426E-40DD-AFC4-6F175D3DCCD1}">
-              <a14:hiddenFill xmlns:a14="http://schemas.microsoft.com/office/drawing/2010/main">
-                <a:solidFill>
-                  <a:srgbClr val="FFFFFF"/>
-                </a:solidFill>
-              </a14:hiddenFill>
-            </a:ext>
-          </a:extLst>
-        </p:spPr>
-      </p:pic>
       <p:pic>
         <p:nvPicPr>
           <p:cNvPr id="11" name="Picture 10">
@@ -5544,15 +8474,15 @@
           <p:nvPr/>
         </p:nvPicPr>
         <p:blipFill>
-          <a:blip r:embed="rId5"/>
+          <a:blip r:embed="rId2"/>
           <a:stretch>
             <a:fillRect/>
           </a:stretch>
         </p:blipFill>
         <p:spPr>
           <a:xfrm>
-            <a:off x="4112291" y="2282434"/>
-            <a:ext cx="2691422" cy="1926813"/>
+            <a:off x="4148435" y="1645110"/>
+            <a:ext cx="2517110" cy="1802022"/>
           </a:xfrm>
           <a:prstGeom prst="rect">
             <a:avLst/>
@@ -5574,15 +8504,15 @@
           <p:nvPr/>
         </p:nvPicPr>
         <p:blipFill>
-          <a:blip r:embed="rId6"/>
+          <a:blip r:embed="rId3"/>
           <a:stretch>
             <a:fillRect/>
           </a:stretch>
         </p:blipFill>
         <p:spPr>
           <a:xfrm>
-            <a:off x="1104495" y="2284240"/>
-            <a:ext cx="2685332" cy="1926813"/>
+            <a:off x="1200797" y="1646916"/>
+            <a:ext cx="2511414" cy="1802022"/>
           </a:xfrm>
           <a:prstGeom prst="rect">
             <a:avLst/>
@@ -5604,15 +8534,15 @@
           <p:nvPr/>
         </p:nvPicPr>
         <p:blipFill>
-          <a:blip r:embed="rId7"/>
+          <a:blip r:embed="rId4"/>
           <a:stretch>
             <a:fillRect/>
           </a:stretch>
         </p:blipFill>
         <p:spPr>
           <a:xfrm>
-            <a:off x="6995837" y="2282434"/>
-            <a:ext cx="4728517" cy="4185010"/>
+            <a:off x="6961407" y="1645110"/>
+            <a:ext cx="4391376" cy="3886621"/>
           </a:xfrm>
           <a:prstGeom prst="rect">
             <a:avLst/>
@@ -5667,7 +8597,7 @@
         </p:nvSpPr>
         <p:spPr>
           <a:xfrm>
-            <a:off x="628878" y="390556"/>
+            <a:off x="628878" y="270236"/>
             <a:ext cx="10123585" cy="1111134"/>
           </a:xfrm>
         </p:spPr>
@@ -5705,8 +8635,8 @@
         </p:nvSpPr>
         <p:spPr>
           <a:xfrm>
-            <a:off x="484743" y="1641332"/>
-            <a:ext cx="6222236" cy="3888372"/>
+            <a:off x="448646" y="1340540"/>
+            <a:ext cx="6835854" cy="4622612"/>
           </a:xfrm>
           <a:prstGeom prst="rect">
             <a:avLst/>
@@ -5727,10 +8657,52 @@
               <a:buChar char="Ø"/>
             </a:pPr>
             <a:r>
-              <a:rPr lang="en-US" sz="1600" dirty="0">
+              <a:rPr lang="en-US" dirty="0">
                 <a:latin typeface="Helvetica" pitchFamily="2" charset="0"/>
               </a:rPr>
-              <a:t>Dedicated program by J. M. Hutson &amp; C. R. L. Sueur</a:t>
+              <a:t>Interactions have spin + orbital degrees of freedom</a:t>
+            </a:r>
+          </a:p>
+          <a:p>
+            <a:pPr marL="742950" lvl="1" indent="-285750">
+              <a:lnSpc>
+                <a:spcPct val="150000"/>
+              </a:lnSpc>
+              <a:buFont typeface="Arial" panose="020B0604020202020204" pitchFamily="34" charset="0"/>
+              <a:buChar char="•"/>
+            </a:pPr>
+            <a:r>
+              <a:rPr lang="en-US" dirty="0">
+                <a:latin typeface="Helvetica" pitchFamily="2" charset="0"/>
+              </a:rPr>
+              <a:t>Resulting in </a:t>
+            </a:r>
+            <a:r>
+              <a:rPr lang="en-US" u="sng" dirty="0">
+                <a:latin typeface="Helvetica" pitchFamily="2" charset="0"/>
+              </a:rPr>
+              <a:t>coupled</a:t>
+            </a:r>
+            <a:r>
+              <a:rPr lang="en-US" dirty="0">
+                <a:latin typeface="Helvetica" pitchFamily="2" charset="0"/>
+              </a:rPr>
+              <a:t> radial SE’s in spin basis</a:t>
+            </a:r>
+          </a:p>
+          <a:p>
+            <a:pPr marL="742950" lvl="1" indent="-285750">
+              <a:lnSpc>
+                <a:spcPct val="150000"/>
+              </a:lnSpc>
+              <a:buFont typeface="Arial" panose="020B0604020202020204" pitchFamily="34" charset="0"/>
+              <a:buChar char="•"/>
+            </a:pPr>
+            <a:r>
+              <a:rPr lang="en-US" dirty="0">
+                <a:latin typeface="Helvetica" pitchFamily="2" charset="0"/>
+              </a:rPr>
+              <a:t>Numerically solve for scattering properties + bound states</a:t>
             </a:r>
           </a:p>
           <a:p>
@@ -5742,35 +8714,10 @@
               <a:buChar char="Ø"/>
             </a:pPr>
             <a:r>
-              <a:rPr lang="en-US" sz="1600" dirty="0">
+              <a:rPr lang="en-US" dirty="0">
                 <a:latin typeface="Helvetica" pitchFamily="2" charset="0"/>
               </a:rPr>
-              <a:t>Consists of 3 Fortran programs (code available on </a:t>
-            </a:r>
-            <a:r>
-              <a:rPr lang="en-US" sz="1600" dirty="0" err="1">
-                <a:latin typeface="Helvetica" pitchFamily="2" charset="0"/>
-              </a:rPr>
-              <a:t>Github</a:t>
-            </a:r>
-            <a:r>
-              <a:rPr lang="en-US" sz="1600" dirty="0">
-                <a:latin typeface="Helvetica" pitchFamily="2" charset="0"/>
-              </a:rPr>
-              <a:t> </a:t>
-            </a:r>
-            <a:r>
-              <a:rPr lang="en-US" sz="1600" dirty="0">
-                <a:latin typeface="Helvetica" pitchFamily="2" charset="0"/>
-                <a:hlinkClick r:id="rId2"/>
-              </a:rPr>
-              <a:t>here</a:t>
-            </a:r>
-            <a:r>
-              <a:rPr lang="en-US" sz="1600" dirty="0">
-                <a:latin typeface="Helvetica" pitchFamily="2" charset="0"/>
-              </a:rPr>
-              <a:t>): </a:t>
+              <a:t>Dedicated program by J. M. Hutson &amp; C. R. L. Sueur</a:t>
             </a:r>
           </a:p>
           <a:p>
@@ -5783,68 +8730,34 @@
             </a:pPr>
             <a:r>
               <a:rPr lang="en-US" dirty="0">
-                <a:latin typeface="Courier New" panose="02070309020205020404" pitchFamily="49" charset="0"/>
-                <a:cs typeface="Courier New" panose="02070309020205020404" pitchFamily="49" charset="0"/>
-              </a:rPr>
-              <a:t>MOLSCAT</a:t>
-            </a:r>
-            <a:r>
-              <a:rPr lang="en-US" sz="1600" dirty="0">
                 <a:latin typeface="Helvetica" pitchFamily="2" charset="0"/>
               </a:rPr>
-              <a:t> (</a:t>
-            </a:r>
-            <a:r>
-              <a:rPr lang="en-US" sz="1600" dirty="0">
-                <a:latin typeface="Helvetica" pitchFamily="2" charset="0"/>
-                <a:hlinkClick r:id="rId3"/>
-              </a:rPr>
-              <a:t>arXiv</a:t>
-            </a:r>
-            <a:r>
-              <a:rPr lang="en-US" sz="1600" dirty="0">
+              <a:t>3 Fortran programs (code available on </a:t>
+            </a:r>
+            <a:r>
+              <a:rPr lang="en-US" dirty="0" err="1">
                 <a:latin typeface="Helvetica" pitchFamily="2" charset="0"/>
               </a:rPr>
-              <a:t>), </a:t>
+              <a:t>Github</a:t>
             </a:r>
             <a:r>
               <a:rPr lang="en-US" dirty="0">
-                <a:latin typeface="Courier New" panose="02070309020205020404" pitchFamily="49" charset="0"/>
-                <a:cs typeface="Courier New" panose="02070309020205020404" pitchFamily="49" charset="0"/>
-              </a:rPr>
-              <a:t>BOUND</a:t>
-            </a:r>
-            <a:r>
-              <a:rPr lang="en-US" sz="1600" dirty="0">
                 <a:latin typeface="Helvetica" pitchFamily="2" charset="0"/>
               </a:rPr>
-              <a:t> &amp; </a:t>
+              <a:t> </a:t>
             </a:r>
             <a:r>
               <a:rPr lang="en-US" dirty="0">
-                <a:latin typeface="Courier New" panose="02070309020205020404" pitchFamily="49" charset="0"/>
-                <a:cs typeface="Courier New" panose="02070309020205020404" pitchFamily="49" charset="0"/>
+                <a:latin typeface="Helvetica" pitchFamily="2" charset="0"/>
+                <a:hlinkClick r:id="rId2"/>
               </a:rPr>
-              <a:t>FIELD</a:t>
-            </a:r>
-            <a:r>
-              <a:rPr lang="en-US" sz="1600" dirty="0">
+              <a:t>here</a:t>
+            </a:r>
+            <a:r>
+              <a:rPr lang="en-US" dirty="0">
                 <a:latin typeface="Helvetica" pitchFamily="2" charset="0"/>
               </a:rPr>
-              <a:t> (</a:t>
-            </a:r>
-            <a:r>
-              <a:rPr lang="en-US" sz="1600" dirty="0">
-                <a:latin typeface="Helvetica" pitchFamily="2" charset="0"/>
-                <a:hlinkClick r:id="rId4"/>
-              </a:rPr>
-              <a:t>arXiv</a:t>
-            </a:r>
-            <a:r>
-              <a:rPr lang="en-US" sz="1600" dirty="0">
-                <a:latin typeface="Helvetica" pitchFamily="2" charset="0"/>
-              </a:rPr>
-              <a:t>)</a:t>
+              <a:t>): </a:t>
             </a:r>
           </a:p>
           <a:p>
@@ -5863,10 +8776,77 @@
               <a:t>MOLSCAT</a:t>
             </a:r>
             <a:r>
-              <a:rPr lang="en-US" sz="1600" dirty="0">
+              <a:rPr lang="en-US" dirty="0">
                 <a:latin typeface="Helvetica" pitchFamily="2" charset="0"/>
               </a:rPr>
-              <a:t>: quantum scattering calculations</a:t>
+              <a:t> (</a:t>
+            </a:r>
+            <a:r>
+              <a:rPr lang="en-US" dirty="0">
+                <a:latin typeface="Helvetica" pitchFamily="2" charset="0"/>
+                <a:hlinkClick r:id="rId3"/>
+              </a:rPr>
+              <a:t>arXiv</a:t>
+            </a:r>
+            <a:r>
+              <a:rPr lang="en-US" dirty="0">
+                <a:latin typeface="Helvetica" pitchFamily="2" charset="0"/>
+              </a:rPr>
+              <a:t>), </a:t>
+            </a:r>
+            <a:r>
+              <a:rPr lang="en-US" dirty="0">
+                <a:latin typeface="Courier New" panose="02070309020205020404" pitchFamily="49" charset="0"/>
+                <a:cs typeface="Courier New" panose="02070309020205020404" pitchFamily="49" charset="0"/>
+              </a:rPr>
+              <a:t>BOUND</a:t>
+            </a:r>
+            <a:r>
+              <a:rPr lang="en-US" dirty="0">
+                <a:latin typeface="Helvetica" pitchFamily="2" charset="0"/>
+              </a:rPr>
+              <a:t> &amp; </a:t>
+            </a:r>
+            <a:r>
+              <a:rPr lang="en-US" dirty="0">
+                <a:latin typeface="Courier New" panose="02070309020205020404" pitchFamily="49" charset="0"/>
+                <a:cs typeface="Courier New" panose="02070309020205020404" pitchFamily="49" charset="0"/>
+              </a:rPr>
+              <a:t>FIELD</a:t>
+            </a:r>
+            <a:r>
+              <a:rPr lang="en-US" dirty="0">
+                <a:latin typeface="Helvetica" pitchFamily="2" charset="0"/>
+              </a:rPr>
+              <a:t> (</a:t>
+            </a:r>
+            <a:r>
+              <a:rPr lang="en-US" dirty="0">
+                <a:latin typeface="Helvetica" pitchFamily="2" charset="0"/>
+                <a:hlinkClick r:id="rId4"/>
+              </a:rPr>
+              <a:t>arXiv</a:t>
+            </a:r>
+            <a:r>
+              <a:rPr lang="en-US" dirty="0">
+                <a:latin typeface="Helvetica" pitchFamily="2" charset="0"/>
+              </a:rPr>
+              <a:t>)</a:t>
+            </a:r>
+          </a:p>
+          <a:p>
+            <a:pPr marL="285750" indent="-285750">
+              <a:lnSpc>
+                <a:spcPct val="150000"/>
+              </a:lnSpc>
+              <a:buFont typeface="Wingdings" pitchFamily="2" charset="2"/>
+              <a:buChar char="Ø"/>
+            </a:pPr>
+            <a:r>
+              <a:rPr lang="en-US" dirty="0">
+                <a:latin typeface="Helvetica" pitchFamily="2" charset="0"/>
+              </a:rPr>
+              <a:t>Drawbacks:</a:t>
             </a:r>
           </a:p>
           <a:p>
@@ -5879,47 +8859,9 @@
             </a:pPr>
             <a:r>
               <a:rPr lang="en-US" dirty="0">
-                <a:latin typeface="Courier New" panose="02070309020205020404" pitchFamily="49" charset="0"/>
-                <a:cs typeface="Courier New" panose="02070309020205020404" pitchFamily="49" charset="0"/>
-              </a:rPr>
-              <a:t>BOUND</a:t>
-            </a:r>
-            <a:r>
-              <a:rPr lang="en-US" sz="1600" dirty="0">
                 <a:latin typeface="Helvetica" pitchFamily="2" charset="0"/>
               </a:rPr>
-              <a:t> &amp; </a:t>
-            </a:r>
-            <a:r>
-              <a:rPr lang="en-US" dirty="0">
-                <a:latin typeface="Courier New" panose="02070309020205020404" pitchFamily="49" charset="0"/>
-                <a:cs typeface="Courier New" panose="02070309020205020404" pitchFamily="49" charset="0"/>
-              </a:rPr>
-              <a:t>FIELD</a:t>
-            </a:r>
-            <a:r>
-              <a:rPr lang="en-US" sz="1600" dirty="0">
-                <a:latin typeface="Helvetica" pitchFamily="2" charset="0"/>
-              </a:rPr>
-              <a:t>: get bound state</a:t>
-            </a:r>
-          </a:p>
-          <a:p>
-            <a:pPr marL="285750" indent="-285750">
-              <a:lnSpc>
-                <a:spcPct val="150000"/>
-              </a:lnSpc>
-              <a:buFont typeface="Wingdings" pitchFamily="2" charset="2"/>
-              <a:buChar char="Ø"/>
-            </a:pPr>
-            <a:r>
-              <a:rPr lang="en-US" sz="1600" b="1" dirty="0">
-                <a:solidFill>
-                  <a:srgbClr val="00B050"/>
-                </a:solidFill>
-                <a:latin typeface="Helvetica" pitchFamily="2" charset="0"/>
-              </a:rPr>
-              <a:t>Pros:</a:t>
+              <a:t>Interaction potentially typically not accurate enough</a:t>
             </a:r>
           </a:p>
           <a:p>
@@ -5931,10 +8873,17 @@
               <a:buChar char="•"/>
             </a:pPr>
             <a:r>
-              <a:rPr lang="en-US" sz="1600" dirty="0">
+              <a:rPr lang="en-US" dirty="0">
                 <a:latin typeface="Helvetica" pitchFamily="2" charset="0"/>
               </a:rPr>
-              <a:t>Trusted, have been used by many authors</a:t>
+              <a:t>Many degrees of freedom </a:t>
+            </a:r>
+            <a:r>
+              <a:rPr lang="en-US" dirty="0">
+                <a:latin typeface="Helvetica" pitchFamily="2" charset="0"/>
+                <a:sym typeface="Wingdings" pitchFamily="2" charset="2"/>
+              </a:rPr>
+              <a:t> time consuming</a:t>
             </a:r>
           </a:p>
           <a:p>
@@ -5946,29 +8895,15 @@
               <a:buChar char="•"/>
             </a:pPr>
             <a:r>
-              <a:rPr lang="en-US" sz="1600" dirty="0">
+              <a:rPr lang="en-US" dirty="0">
                 <a:latin typeface="Helvetica" pitchFamily="2" charset="0"/>
+                <a:sym typeface="Wingdings" pitchFamily="2" charset="2"/>
               </a:rPr>
-              <a:t>Well-managed</a:t>
-            </a:r>
-          </a:p>
-          <a:p>
-            <a:pPr marL="285750" indent="-285750">
-              <a:lnSpc>
-                <a:spcPct val="150000"/>
-              </a:lnSpc>
-              <a:buFont typeface="Wingdings" pitchFamily="2" charset="2"/>
-              <a:buChar char="Ø"/>
-            </a:pPr>
-            <a:r>
-              <a:rPr lang="en-US" sz="1600" b="1" dirty="0">
-                <a:solidFill>
-                  <a:srgbClr val="FF0000"/>
-                </a:solidFill>
-                <a:latin typeface="Helvetica" pitchFamily="2" charset="0"/>
-              </a:rPr>
-              <a:t>CONS:</a:t>
-            </a:r>
+              <a:t>Numerical issues (grid size &amp; numerical accuracy)</a:t>
+            </a:r>
+            <a:endParaRPr lang="en-US" dirty="0">
+              <a:latin typeface="Helvetica" pitchFamily="2" charset="0"/>
+            </a:endParaRPr>
           </a:p>
           <a:p>
             <a:pPr marL="742950" lvl="1" indent="-285750">
@@ -5979,10 +8914,10 @@
               <a:buChar char="•"/>
             </a:pPr>
             <a:r>
-              <a:rPr lang="en-US" sz="1600" dirty="0">
+              <a:rPr lang="en-US" dirty="0">
                 <a:latin typeface="Helvetica" pitchFamily="2" charset="0"/>
               </a:rPr>
-              <a:t>Not easy to learn how to use and implement</a:t>
+              <a:t>Not easy to learn how to use and implement!</a:t>
             </a:r>
           </a:p>
         </p:txBody>
@@ -6001,7 +8936,7 @@
         </p:nvSpPr>
         <p:spPr>
           <a:xfrm>
-            <a:off x="7023814" y="1754169"/>
+            <a:off x="7288512" y="1754169"/>
             <a:ext cx="4526505" cy="3599890"/>
           </a:xfrm>
           <a:prstGeom prst="frame">
@@ -6067,7 +9002,7 @@
         </p:blipFill>
         <p:spPr>
           <a:xfrm>
-            <a:off x="7108035" y="1893811"/>
+            <a:off x="7372733" y="1893811"/>
             <a:ext cx="4354051" cy="3359145"/>
           </a:xfrm>
           <a:prstGeom prst="rect">
@@ -6089,8 +9024,8 @@
         </p:nvSpPr>
         <p:spPr>
           <a:xfrm>
-            <a:off x="8166805" y="5493701"/>
-            <a:ext cx="2236510" cy="338554"/>
+            <a:off x="8431503" y="5493701"/>
+            <a:ext cx="2492990" cy="369332"/>
           </a:xfrm>
           <a:prstGeom prst="rect">
             <a:avLst/>
@@ -6104,7 +9039,7 @@
           <a:lstStyle/>
           <a:p>
             <a:r>
-              <a:rPr lang="en-US" sz="1600" dirty="0">
+              <a:rPr lang="en-US" dirty="0">
                 <a:solidFill>
                   <a:srgbClr val="7030A0"/>
                 </a:solidFill>
@@ -6129,6 +9064,178 @@
 </file>
 
 <file path=ppt/slides/slide6.xml><?xml version="1.0" encoding="utf-8"?>
+<p:sld xmlns:a="http://schemas.openxmlformats.org/drawingml/2006/main" xmlns:r="http://schemas.openxmlformats.org/officeDocument/2006/relationships" xmlns:p="http://schemas.openxmlformats.org/presentationml/2006/main">
+  <p:cSld>
+    <p:spTree>
+      <p:nvGrpSpPr>
+        <p:cNvPr id="1" name=""/>
+        <p:cNvGrpSpPr/>
+        <p:nvPr/>
+      </p:nvGrpSpPr>
+      <p:grpSpPr>
+        <a:xfrm>
+          <a:off x="0" y="0"/>
+          <a:ext cx="0" cy="0"/>
+          <a:chOff x="0" y="0"/>
+          <a:chExt cx="0" cy="0"/>
+        </a:xfrm>
+      </p:grpSpPr>
+      <p:sp>
+        <p:nvSpPr>
+          <p:cNvPr id="2" name="Title 1">
+            <a:extLst>
+              <a:ext uri="{FF2B5EF4-FFF2-40B4-BE49-F238E27FC236}">
+                <a16:creationId xmlns:a16="http://schemas.microsoft.com/office/drawing/2014/main" id="{A8773AD2-0C3E-28BE-5409-6C11E91D89B1}"/>
+              </a:ext>
+            </a:extLst>
+          </p:cNvPr>
+          <p:cNvSpPr>
+            <a:spLocks noGrp="1"/>
+          </p:cNvSpPr>
+          <p:nvPr>
+            <p:ph type="ctrTitle"/>
+          </p:nvPr>
+        </p:nvSpPr>
+        <p:spPr>
+          <a:xfrm>
+            <a:off x="1524000" y="881723"/>
+            <a:ext cx="9144000" cy="2387600"/>
+          </a:xfrm>
+        </p:spPr>
+        <p:txBody>
+          <a:bodyPr>
+            <a:normAutofit/>
+          </a:bodyPr>
+          <a:lstStyle/>
+          <a:p>
+            <a:r>
+              <a:rPr lang="en-US" sz="3600" dirty="0">
+                <a:solidFill>
+                  <a:schemeClr val="accent5">
+                    <a:lumMod val="50000"/>
+                  </a:schemeClr>
+                </a:solidFill>
+                <a:latin typeface="Helvetica" pitchFamily="2" charset="0"/>
+              </a:rPr>
+              <a:t>Asymptotic Bound-state Model (ABM)</a:t>
+            </a:r>
+          </a:p>
+        </p:txBody>
+      </p:sp>
+      <p:sp>
+        <p:nvSpPr>
+          <p:cNvPr id="3" name="Subtitle 2">
+            <a:extLst>
+              <a:ext uri="{FF2B5EF4-FFF2-40B4-BE49-F238E27FC236}">
+                <a16:creationId xmlns:a16="http://schemas.microsoft.com/office/drawing/2014/main" id="{EDBFE653-D194-53E4-7756-C3FDA1734109}"/>
+              </a:ext>
+            </a:extLst>
+          </p:cNvPr>
+          <p:cNvSpPr>
+            <a:spLocks noGrp="1"/>
+          </p:cNvSpPr>
+          <p:nvPr>
+            <p:ph type="subTitle" idx="1"/>
+          </p:nvPr>
+        </p:nvSpPr>
+        <p:spPr>
+          <a:xfrm>
+            <a:off x="1524000" y="3361398"/>
+            <a:ext cx="9144000" cy="548857"/>
+          </a:xfrm>
+        </p:spPr>
+        <p:txBody>
+          <a:bodyPr/>
+          <a:lstStyle/>
+          <a:p>
+            <a:r>
+              <a:rPr lang="en-US" sz="1800" dirty="0">
+                <a:solidFill>
+                  <a:schemeClr val="accent5">
+                    <a:lumMod val="50000"/>
+                  </a:schemeClr>
+                </a:solidFill>
+                <a:latin typeface="Helvetica" pitchFamily="2" charset="0"/>
+              </a:rPr>
+              <a:t>Tobias </a:t>
+            </a:r>
+            <a:r>
+              <a:rPr lang="en-US" sz="1800" dirty="0" err="1">
+                <a:solidFill>
+                  <a:schemeClr val="accent5">
+                    <a:lumMod val="50000"/>
+                  </a:schemeClr>
+                </a:solidFill>
+                <a:latin typeface="Helvetica" pitchFamily="2" charset="0"/>
+              </a:rPr>
+              <a:t>Tiecke</a:t>
+            </a:r>
+            <a:r>
+              <a:rPr lang="en-US" sz="1800" dirty="0">
+                <a:solidFill>
+                  <a:schemeClr val="accent5">
+                    <a:lumMod val="50000"/>
+                  </a:schemeClr>
+                </a:solidFill>
+                <a:latin typeface="Helvetica" pitchFamily="2" charset="0"/>
+              </a:rPr>
+              <a:t> et al (Phys. Rev. A 82, 042712)</a:t>
+            </a:r>
+          </a:p>
+          <a:p>
+            <a:endParaRPr lang="en-US" sz="1800" dirty="0">
+              <a:solidFill>
+                <a:schemeClr val="accent5">
+                  <a:lumMod val="50000"/>
+                </a:schemeClr>
+              </a:solidFill>
+              <a:latin typeface="Helvetica" pitchFamily="2" charset="0"/>
+            </a:endParaRPr>
+          </a:p>
+        </p:txBody>
+      </p:sp>
+      <p:graphicFrame>
+        <p:nvGraphicFramePr>
+          <p:cNvPr id="5" name="Diagram 4">
+            <a:extLst>
+              <a:ext uri="{FF2B5EF4-FFF2-40B4-BE49-F238E27FC236}">
+                <a16:creationId xmlns:a16="http://schemas.microsoft.com/office/drawing/2014/main" id="{2F41551F-AF25-69D9-8249-6DB5DB1D95A6}"/>
+              </a:ext>
+            </a:extLst>
+          </p:cNvPr>
+          <p:cNvGraphicFramePr/>
+          <p:nvPr>
+            <p:extLst>
+              <p:ext uri="{D42A27DB-BD31-4B8C-83A1-F6EECF244321}">
+                <p14:modId xmlns:p14="http://schemas.microsoft.com/office/powerpoint/2010/main" val="3327786825"/>
+              </p:ext>
+            </p:extLst>
+          </p:nvPr>
+        </p:nvGraphicFramePr>
+        <p:xfrm>
+          <a:off x="1914358" y="4002330"/>
+          <a:ext cx="8363284" cy="1171249"/>
+        </p:xfrm>
+        <a:graphic>
+          <a:graphicData uri="http://schemas.openxmlformats.org/drawingml/2006/diagram">
+            <dgm:relIds xmlns:dgm="http://schemas.openxmlformats.org/drawingml/2006/diagram" xmlns:r="http://schemas.openxmlformats.org/officeDocument/2006/relationships" r:dm="rId2" r:lo="rId3" r:qs="rId4" r:cs="rId5"/>
+          </a:graphicData>
+        </a:graphic>
+      </p:graphicFrame>
+    </p:spTree>
+    <p:extLst>
+      <p:ext uri="{BB962C8B-B14F-4D97-AF65-F5344CB8AC3E}">
+        <p14:creationId xmlns:p14="http://schemas.microsoft.com/office/powerpoint/2010/main" val="2212106401"/>
+      </p:ext>
+    </p:extLst>
+  </p:cSld>
+  <p:clrMapOvr>
+    <a:masterClrMapping/>
+  </p:clrMapOvr>
+</p:sld>
+</file>
+
+<file path=ppt/slides/slide7.xml><?xml version="1.0" encoding="utf-8"?>
 <p:sld xmlns:a="http://schemas.openxmlformats.org/drawingml/2006/main" xmlns:r="http://schemas.openxmlformats.org/officeDocument/2006/relationships" xmlns:p="http://schemas.openxmlformats.org/presentationml/2006/main">
   <p:cSld>
     <p:spTree>
@@ -6182,7 +9289,7 @@
                 </a:solidFill>
                 <a:latin typeface="Helvetica" pitchFamily="2" charset="0"/>
               </a:rPr>
-              <a:t>Asymptotic bound-state model</a:t>
+              <a:t>ABM description: Setup</a:t>
             </a:r>
           </a:p>
         </p:txBody>
@@ -6202,7 +9309,7 @@
         <p:spPr>
           <a:xfrm>
             <a:off x="484743" y="1641332"/>
-            <a:ext cx="9946636" cy="795218"/>
+            <a:ext cx="9946636" cy="1626214"/>
           </a:xfrm>
           <a:prstGeom prst="rect">
             <a:avLst/>
@@ -6223,22 +9330,10 @@
               <a:buChar char="Ø"/>
             </a:pPr>
             <a:r>
-              <a:rPr lang="en-US" sz="1600" dirty="0">
+              <a:rPr lang="en-US" dirty="0">
                 <a:latin typeface="Helvetica" pitchFamily="2" charset="0"/>
               </a:rPr>
-              <a:t>A model for Feshbach resonances by </a:t>
-            </a:r>
-            <a:r>
-              <a:rPr lang="en-US" sz="1600" dirty="0" err="1">
-                <a:latin typeface="Helvetica" pitchFamily="2" charset="0"/>
-              </a:rPr>
-              <a:t>Tiecke</a:t>
-            </a:r>
-            <a:r>
-              <a:rPr lang="en-US" sz="1600" dirty="0">
-                <a:latin typeface="Helvetica" pitchFamily="2" charset="0"/>
-              </a:rPr>
-              <a:t> (Phys. Rev. A 82, 042712)</a:t>
+              <a:t>Two atoms ⍺ and β in their electronic ground state</a:t>
             </a:r>
           </a:p>
           <a:p>
@@ -6250,10 +9345,1747 @@
               <a:buChar char="Ø"/>
             </a:pPr>
             <a:r>
-              <a:rPr lang="en-US" sz="1600" dirty="0">
+              <a:rPr lang="en-US" dirty="0">
                 <a:latin typeface="Helvetica" pitchFamily="2" charset="0"/>
               </a:rPr>
-              <a:t>Simple </a:t>
+              <a:t>Hamiltonian = Relative motion in COM frame + Internal energy</a:t>
+            </a:r>
+          </a:p>
+          <a:p>
+            <a:pPr>
+              <a:lnSpc>
+                <a:spcPct val="150000"/>
+              </a:lnSpc>
+            </a:pPr>
+            <a:endParaRPr lang="en-US" sz="1600" dirty="0">
+              <a:latin typeface="Helvetica" pitchFamily="2" charset="0"/>
+            </a:endParaRPr>
+          </a:p>
+          <a:p>
+            <a:pPr marL="800100" lvl="1" indent="-342900">
+              <a:lnSpc>
+                <a:spcPct val="150000"/>
+              </a:lnSpc>
+              <a:buFont typeface="+mj-lt"/>
+              <a:buAutoNum type="arabicPeriod"/>
+            </a:pPr>
+            <a:endParaRPr lang="en-US" sz="1600" dirty="0">
+              <a:latin typeface="Helvetica" pitchFamily="2" charset="0"/>
+            </a:endParaRPr>
+          </a:p>
+        </p:txBody>
+      </p:sp>
+      <p:pic>
+        <p:nvPicPr>
+          <p:cNvPr id="4" name="Picture 3">
+            <a:extLst>
+              <a:ext uri="{FF2B5EF4-FFF2-40B4-BE49-F238E27FC236}">
+                <a16:creationId xmlns:a16="http://schemas.microsoft.com/office/drawing/2014/main" id="{BAB8CCD6-CF18-1472-E992-4524C953A3CA}"/>
+              </a:ext>
+            </a:extLst>
+          </p:cNvPr>
+          <p:cNvPicPr>
+            <a:picLocks noChangeAspect="1"/>
+          </p:cNvPicPr>
+          <p:nvPr/>
+        </p:nvPicPr>
+        <p:blipFill>
+          <a:blip r:embed="rId2"/>
+          <a:stretch>
+            <a:fillRect/>
+          </a:stretch>
+        </p:blipFill>
+        <p:spPr>
+          <a:xfrm>
+            <a:off x="944202" y="3029221"/>
+            <a:ext cx="3162300" cy="520700"/>
+          </a:xfrm>
+          <a:prstGeom prst="rect">
+            <a:avLst/>
+          </a:prstGeom>
+          <a:solidFill>
+            <a:srgbClr val="FFFFFF">
+              <a:shade val="85000"/>
+            </a:srgbClr>
+          </a:solidFill>
+          <a:ln w="88900" cap="sq">
+            <a:solidFill>
+              <a:srgbClr val="FFFFFF"/>
+            </a:solidFill>
+            <a:miter lim="800000"/>
+          </a:ln>
+          <a:effectLst>
+            <a:outerShdw blurRad="55000" dist="18000" dir="5400000" algn="tl" rotWithShape="0">
+              <a:srgbClr val="000000">
+                <a:alpha val="40000"/>
+              </a:srgbClr>
+            </a:outerShdw>
+          </a:effectLst>
+          <a:scene3d>
+            <a:camera prst="orthographicFront"/>
+            <a:lightRig rig="twoPt" dir="t">
+              <a:rot lat="0" lon="0" rev="7200000"/>
+            </a:lightRig>
+          </a:scene3d>
+          <a:sp3d>
+            <a:bevelT w="25400" h="19050"/>
+            <a:contourClr>
+              <a:srgbClr val="FFFFFF"/>
+            </a:contourClr>
+          </a:sp3d>
+        </p:spPr>
+      </p:pic>
+      <p:pic>
+        <p:nvPicPr>
+          <p:cNvPr id="7" name="Picture 6">
+            <a:extLst>
+              <a:ext uri="{FF2B5EF4-FFF2-40B4-BE49-F238E27FC236}">
+                <a16:creationId xmlns:a16="http://schemas.microsoft.com/office/drawing/2014/main" id="{67B521D5-3103-FEC2-4FC8-B2FD020BEFD0}"/>
+              </a:ext>
+            </a:extLst>
+          </p:cNvPr>
+          <p:cNvPicPr>
+            <a:picLocks noChangeAspect="1"/>
+          </p:cNvPicPr>
+          <p:nvPr/>
+        </p:nvPicPr>
+        <p:blipFill>
+          <a:blip r:embed="rId3"/>
+          <a:stretch>
+            <a:fillRect/>
+          </a:stretch>
+        </p:blipFill>
+        <p:spPr>
+          <a:xfrm>
+            <a:off x="5479382" y="2777203"/>
+            <a:ext cx="5600700" cy="1600200"/>
+          </a:xfrm>
+          <a:prstGeom prst="rect">
+            <a:avLst/>
+          </a:prstGeom>
+          <a:solidFill>
+            <a:srgbClr val="FFFFFF">
+              <a:shade val="85000"/>
+            </a:srgbClr>
+          </a:solidFill>
+          <a:ln w="88900" cap="sq">
+            <a:solidFill>
+              <a:srgbClr val="FFFFFF"/>
+            </a:solidFill>
+            <a:miter lim="800000"/>
+          </a:ln>
+          <a:effectLst>
+            <a:outerShdw blurRad="55000" dist="18000" dir="5400000" algn="tl" rotWithShape="0">
+              <a:srgbClr val="000000">
+                <a:alpha val="40000"/>
+              </a:srgbClr>
+            </a:outerShdw>
+          </a:effectLst>
+          <a:scene3d>
+            <a:camera prst="orthographicFront"/>
+            <a:lightRig rig="twoPt" dir="t">
+              <a:rot lat="0" lon="0" rev="7200000"/>
+            </a:lightRig>
+          </a:scene3d>
+          <a:sp3d>
+            <a:bevelT w="25400" h="19050"/>
+            <a:contourClr>
+              <a:srgbClr val="FFFFFF"/>
+            </a:contourClr>
+          </a:sp3d>
+        </p:spPr>
+      </p:pic>
+      <p:cxnSp>
+        <p:nvCxnSpPr>
+          <p:cNvPr id="13" name="Straight Arrow Connector 12">
+            <a:extLst>
+              <a:ext uri="{FF2B5EF4-FFF2-40B4-BE49-F238E27FC236}">
+                <a16:creationId xmlns:a16="http://schemas.microsoft.com/office/drawing/2014/main" id="{C66D451C-2EC7-6905-65FF-2A7F6870CB1A}"/>
+              </a:ext>
+            </a:extLst>
+          </p:cNvPr>
+          <p:cNvCxnSpPr>
+            <a:cxnSpLocks/>
+          </p:cNvCxnSpPr>
+          <p:nvPr/>
+        </p:nvCxnSpPr>
+        <p:spPr>
+          <a:xfrm flipH="1">
+            <a:off x="1756610" y="2522629"/>
+            <a:ext cx="1012393" cy="595946"/>
+          </a:xfrm>
+          <a:prstGeom prst="straightConnector1">
+            <a:avLst/>
+          </a:prstGeom>
+          <a:ln w="12700">
+            <a:solidFill>
+              <a:schemeClr val="accent5">
+                <a:lumMod val="50000"/>
+              </a:schemeClr>
+            </a:solidFill>
+            <a:tailEnd type="triangle"/>
+          </a:ln>
+        </p:spPr>
+        <p:style>
+          <a:lnRef idx="1">
+            <a:schemeClr val="dk1"/>
+          </a:lnRef>
+          <a:fillRef idx="0">
+            <a:schemeClr val="dk1"/>
+          </a:fillRef>
+          <a:effectRef idx="0">
+            <a:schemeClr val="dk1"/>
+          </a:effectRef>
+          <a:fontRef idx="minor">
+            <a:schemeClr val="tx1"/>
+          </a:fontRef>
+        </p:style>
+      </p:cxnSp>
+      <p:cxnSp>
+        <p:nvCxnSpPr>
+          <p:cNvPr id="15" name="Straight Arrow Connector 14">
+            <a:extLst>
+              <a:ext uri="{FF2B5EF4-FFF2-40B4-BE49-F238E27FC236}">
+                <a16:creationId xmlns:a16="http://schemas.microsoft.com/office/drawing/2014/main" id="{69822A4D-F915-D181-6547-8BEC82438C28}"/>
+              </a:ext>
+            </a:extLst>
+          </p:cNvPr>
+          <p:cNvCxnSpPr>
+            <a:cxnSpLocks/>
+          </p:cNvCxnSpPr>
+          <p:nvPr/>
+        </p:nvCxnSpPr>
+        <p:spPr>
+          <a:xfrm>
+            <a:off x="5896929" y="2502090"/>
+            <a:ext cx="60158" cy="412934"/>
+          </a:xfrm>
+          <a:prstGeom prst="straightConnector1">
+            <a:avLst/>
+          </a:prstGeom>
+          <a:ln w="12700">
+            <a:solidFill>
+              <a:schemeClr val="accent5">
+                <a:lumMod val="50000"/>
+              </a:schemeClr>
+            </a:solidFill>
+            <a:tailEnd type="triangle"/>
+          </a:ln>
+        </p:spPr>
+        <p:style>
+          <a:lnRef idx="1">
+            <a:schemeClr val="dk1"/>
+          </a:lnRef>
+          <a:fillRef idx="0">
+            <a:schemeClr val="dk1"/>
+          </a:fillRef>
+          <a:effectRef idx="0">
+            <a:schemeClr val="dk1"/>
+          </a:effectRef>
+          <a:fontRef idx="minor">
+            <a:schemeClr val="tx1"/>
+          </a:fontRef>
+        </p:style>
+      </p:cxnSp>
+      <p:sp>
+        <p:nvSpPr>
+          <p:cNvPr id="18" name="TextBox 17">
+            <a:extLst>
+              <a:ext uri="{FF2B5EF4-FFF2-40B4-BE49-F238E27FC236}">
+                <a16:creationId xmlns:a16="http://schemas.microsoft.com/office/drawing/2014/main" id="{BCC03BE0-EA96-83BC-F725-0F890C243628}"/>
+              </a:ext>
+            </a:extLst>
+          </p:cNvPr>
+          <p:cNvSpPr txBox="1"/>
+          <p:nvPr/>
+        </p:nvSpPr>
+        <p:spPr>
+          <a:xfrm>
+            <a:off x="9350003" y="2915024"/>
+            <a:ext cx="1101584" cy="369332"/>
+          </a:xfrm>
+          <a:prstGeom prst="rect">
+            <a:avLst/>
+          </a:prstGeom>
+          <a:noFill/>
+        </p:spPr>
+        <p:txBody>
+          <a:bodyPr wrap="none" rtlCol="0">
+            <a:spAutoFit/>
+          </a:bodyPr>
+          <a:lstStyle/>
+          <a:p>
+            <a:r>
+              <a:rPr lang="en-US" dirty="0">
+                <a:solidFill>
+                  <a:schemeClr val="accent5">
+                    <a:lumMod val="50000"/>
+                  </a:schemeClr>
+                </a:solidFill>
+                <a:latin typeface="Helvetica" pitchFamily="2" charset="0"/>
+              </a:rPr>
+              <a:t>+ atom β</a:t>
+            </a:r>
+          </a:p>
+        </p:txBody>
+      </p:sp>
+      <mc:AlternateContent xmlns:mc="http://schemas.openxmlformats.org/markup-compatibility/2006">
+        <mc:Choice xmlns:a14="http://schemas.microsoft.com/office/drawing/2010/main" Requires="a14">
+          <p:sp>
+            <p:nvSpPr>
+              <p:cNvPr id="35" name="TextBox 34">
+                <a:extLst>
+                  <a:ext uri="{FF2B5EF4-FFF2-40B4-BE49-F238E27FC236}">
+                    <a16:creationId xmlns:a16="http://schemas.microsoft.com/office/drawing/2014/main" id="{45749CB3-3AF8-911E-3970-A8BDA8B9686B}"/>
+                  </a:ext>
+                </a:extLst>
+              </p:cNvPr>
+              <p:cNvSpPr txBox="1"/>
+              <p:nvPr/>
+            </p:nvSpPr>
+            <p:spPr>
+              <a:xfrm>
+                <a:off x="661613" y="3811700"/>
+                <a:ext cx="4401706" cy="1991123"/>
+              </a:xfrm>
+              <a:prstGeom prst="rect">
+                <a:avLst/>
+              </a:prstGeom>
+              <a:noFill/>
+            </p:spPr>
+            <p:txBody>
+              <a:bodyPr wrap="square" rtlCol="0">
+                <a:spAutoFit/>
+              </a:bodyPr>
+              <a:lstStyle/>
+              <a:p>
+                <a:pPr>
+                  <a:lnSpc>
+                    <a:spcPct val="150000"/>
+                  </a:lnSpc>
+                </a:pPr>
+                <a:r>
+                  <a:rPr lang="en-US" dirty="0">
+                    <a:latin typeface="Helvetica" pitchFamily="2" charset="0"/>
+                  </a:rPr>
+                  <a:t>Effective central potential       : </a:t>
+                </a:r>
+              </a:p>
+              <a:p>
+                <a:pPr marL="285750" indent="-285750">
+                  <a:lnSpc>
+                    <a:spcPct val="150000"/>
+                  </a:lnSpc>
+                  <a:buFontTx/>
+                  <a:buChar char="-"/>
+                </a:pPr>
+                <a:r>
+                  <a:rPr lang="en-US" dirty="0">
+                    <a:latin typeface="Helvetica" pitchFamily="2" charset="0"/>
+                  </a:rPr>
+                  <a:t>Assume diagonal in total S = S</a:t>
+                </a:r>
+                <a:r>
+                  <a:rPr lang="en-US" baseline="-25000" dirty="0">
+                    <a:latin typeface="Helvetica" pitchFamily="2" charset="0"/>
+                  </a:rPr>
+                  <a:t>⍺</a:t>
+                </a:r>
+                <a:r>
+                  <a:rPr lang="en-US" dirty="0">
+                    <a:latin typeface="Helvetica" pitchFamily="2" charset="0"/>
+                  </a:rPr>
+                  <a:t> + S</a:t>
+                </a:r>
+                <a:r>
+                  <a:rPr lang="en-US" baseline="-25000" dirty="0">
+                    <a:latin typeface="Helvetica" pitchFamily="2" charset="0"/>
+                  </a:rPr>
+                  <a:t>β</a:t>
+                </a:r>
+                <a:endParaRPr lang="en-US" dirty="0">
+                  <a:latin typeface="Helvetica" pitchFamily="2" charset="0"/>
+                </a:endParaRPr>
+              </a:p>
+              <a:p>
+                <a:r>
+                  <a:rPr lang="en-US" dirty="0">
+                    <a:latin typeface="Helvetica" pitchFamily="2" charset="0"/>
+                    <a:sym typeface="Wingdings" pitchFamily="2" charset="2"/>
+                  </a:rPr>
+                  <a:t>     (giving singlet-triplet decomposition)</a:t>
+                </a:r>
+                <a:endParaRPr lang="en-US" dirty="0">
+                  <a:latin typeface="Helvetica" pitchFamily="2" charset="0"/>
+                </a:endParaRPr>
+              </a:p>
+              <a:p>
+                <a:pPr marL="285750" indent="-285750">
+                  <a:lnSpc>
+                    <a:spcPct val="150000"/>
+                  </a:lnSpc>
+                  <a:buFontTx/>
+                  <a:buChar char="-"/>
+                </a:pPr>
+                <a:r>
+                  <a:rPr lang="en-US" dirty="0">
+                    <a:latin typeface="Helvetica" pitchFamily="2" charset="0"/>
+                  </a:rPr>
+                  <a:t>Includes centrifugal term ~ </a:t>
+                </a:r>
+                <a14:m>
+                  <m:oMath xmlns:m="http://schemas.openxmlformats.org/officeDocument/2006/math">
+                    <m:r>
+                      <a:rPr lang="en-US" b="0" i="1" smtClean="0">
+                        <a:latin typeface="Cambria Math" panose="02040503050406030204" pitchFamily="18" charset="0"/>
+                      </a:rPr>
+                      <m:t>𝑙</m:t>
+                    </m:r>
+                    <m:r>
+                      <a:rPr lang="en-US" b="0" i="1" smtClean="0">
+                        <a:latin typeface="Cambria Math" panose="02040503050406030204" pitchFamily="18" charset="0"/>
+                      </a:rPr>
+                      <m:t>(</m:t>
+                    </m:r>
+                    <m:r>
+                      <a:rPr lang="en-US" b="0" i="1" smtClean="0">
+                        <a:latin typeface="Cambria Math" panose="02040503050406030204" pitchFamily="18" charset="0"/>
+                      </a:rPr>
+                      <m:t>𝑙</m:t>
+                    </m:r>
+                    <m:r>
+                      <a:rPr lang="en-US" b="0" i="1" smtClean="0">
+                        <a:latin typeface="Cambria Math" panose="02040503050406030204" pitchFamily="18" charset="0"/>
+                      </a:rPr>
+                      <m:t>+1)/</m:t>
+                    </m:r>
+                    <m:sSup>
+                      <m:sSupPr>
+                        <m:ctrlPr>
+                          <a:rPr lang="en-US" b="0" i="1" smtClean="0">
+                            <a:latin typeface="Cambria Math" panose="02040503050406030204" pitchFamily="18" charset="0"/>
+                          </a:rPr>
+                        </m:ctrlPr>
+                      </m:sSupPr>
+                      <m:e>
+                        <m:r>
+                          <a:rPr lang="en-US" b="0" i="1" smtClean="0">
+                            <a:latin typeface="Cambria Math" panose="02040503050406030204" pitchFamily="18" charset="0"/>
+                          </a:rPr>
+                          <m:t>𝑟</m:t>
+                        </m:r>
+                      </m:e>
+                      <m:sup>
+                        <m:r>
+                          <a:rPr lang="en-US" b="0" i="1" smtClean="0">
+                            <a:latin typeface="Cambria Math" panose="02040503050406030204" pitchFamily="18" charset="0"/>
+                          </a:rPr>
+                          <m:t>2</m:t>
+                        </m:r>
+                      </m:sup>
+                    </m:sSup>
+                  </m:oMath>
+                </a14:m>
+                <a:endParaRPr lang="en-US" dirty="0">
+                  <a:latin typeface="Helvetica" pitchFamily="2" charset="0"/>
+                </a:endParaRPr>
+              </a:p>
+              <a:p>
+                <a:pPr marL="285750" indent="-285750">
+                  <a:lnSpc>
+                    <a:spcPct val="150000"/>
+                  </a:lnSpc>
+                  <a:buFontTx/>
+                  <a:buChar char="-"/>
+                </a:pPr>
+                <a:r>
+                  <a:rPr lang="en-US" dirty="0">
+                    <a:latin typeface="Helvetica" pitchFamily="2" charset="0"/>
+                  </a:rPr>
+                  <a:t>Typically given as spectroscopic data</a:t>
+                </a:r>
+              </a:p>
+            </p:txBody>
+          </p:sp>
+        </mc:Choice>
+        <mc:Fallback>
+          <p:sp>
+            <p:nvSpPr>
+              <p:cNvPr id="35" name="TextBox 34">
+                <a:extLst>
+                  <a:ext uri="{FF2B5EF4-FFF2-40B4-BE49-F238E27FC236}">
+                    <a16:creationId xmlns:a16="http://schemas.microsoft.com/office/drawing/2014/main" id="{45749CB3-3AF8-911E-3970-A8BDA8B9686B}"/>
+                  </a:ext>
+                </a:extLst>
+              </p:cNvPr>
+              <p:cNvSpPr txBox="1">
+                <a:spLocks noRot="1" noChangeAspect="1" noMove="1" noResize="1" noEditPoints="1" noAdjustHandles="1" noChangeArrowheads="1" noChangeShapeType="1" noTextEdit="1"/>
+              </p:cNvSpPr>
+              <p:nvPr/>
+            </p:nvSpPr>
+            <p:spPr>
+              <a:xfrm>
+                <a:off x="661613" y="3811700"/>
+                <a:ext cx="4401706" cy="1991123"/>
+              </a:xfrm>
+              <a:prstGeom prst="rect">
+                <a:avLst/>
+              </a:prstGeom>
+              <a:blipFill>
+                <a:blip r:embed="rId4"/>
+                <a:stretch>
+                  <a:fillRect l="-1153" b="-4459"/>
+                </a:stretch>
+              </a:blipFill>
+            </p:spPr>
+            <p:txBody>
+              <a:bodyPr/>
+              <a:lstStyle/>
+              <a:p>
+                <a:r>
+                  <a:rPr lang="en-US">
+                    <a:noFill/>
+                  </a:rPr>
+                  <a:t> </a:t>
+                </a:r>
+              </a:p>
+            </p:txBody>
+          </p:sp>
+        </mc:Fallback>
+      </mc:AlternateContent>
+      <p:sp>
+        <p:nvSpPr>
+          <p:cNvPr id="38" name="TextBox 37">
+            <a:extLst>
+              <a:ext uri="{FF2B5EF4-FFF2-40B4-BE49-F238E27FC236}">
+                <a16:creationId xmlns:a16="http://schemas.microsoft.com/office/drawing/2014/main" id="{F47C0801-2398-8DAF-477A-AFA47E2DAFAA}"/>
+              </a:ext>
+            </a:extLst>
+          </p:cNvPr>
+          <p:cNvSpPr txBox="1"/>
+          <p:nvPr/>
+        </p:nvSpPr>
+        <p:spPr>
+          <a:xfrm>
+            <a:off x="5957087" y="4543059"/>
+            <a:ext cx="4934043" cy="369332"/>
+          </a:xfrm>
+          <a:prstGeom prst="rect">
+            <a:avLst/>
+          </a:prstGeom>
+          <a:noFill/>
+        </p:spPr>
+        <p:txBody>
+          <a:bodyPr wrap="none" rtlCol="0">
+            <a:spAutoFit/>
+          </a:bodyPr>
+          <a:lstStyle/>
+          <a:p>
+            <a:r>
+              <a:rPr lang="en-US" dirty="0">
+                <a:solidFill>
+                  <a:srgbClr val="0070C0"/>
+                </a:solidFill>
+                <a:latin typeface="Helvetica" pitchFamily="2" charset="0"/>
+              </a:rPr>
+              <a:t>You may already have this part on your laptop!</a:t>
+            </a:r>
+          </a:p>
+        </p:txBody>
+      </p:sp>
+      <p:pic>
+        <p:nvPicPr>
+          <p:cNvPr id="44" name="Picture 43">
+            <a:extLst>
+              <a:ext uri="{FF2B5EF4-FFF2-40B4-BE49-F238E27FC236}">
+                <a16:creationId xmlns:a16="http://schemas.microsoft.com/office/drawing/2014/main" id="{1721CB9C-BB7D-8E7B-1DB8-0BA61F39FCCD}"/>
+              </a:ext>
+            </a:extLst>
+          </p:cNvPr>
+          <p:cNvPicPr>
+            <a:picLocks noChangeAspect="1"/>
+          </p:cNvPicPr>
+          <p:nvPr/>
+        </p:nvPicPr>
+        <p:blipFill>
+          <a:blip r:embed="rId5"/>
+          <a:stretch>
+            <a:fillRect/>
+          </a:stretch>
+        </p:blipFill>
+        <p:spPr>
+          <a:xfrm>
+            <a:off x="3365597" y="3811699"/>
+            <a:ext cx="368669" cy="438717"/>
+          </a:xfrm>
+          <a:prstGeom prst="rect">
+            <a:avLst/>
+          </a:prstGeom>
+        </p:spPr>
+      </p:pic>
+      <p:pic>
+        <p:nvPicPr>
+          <p:cNvPr id="45" name="Picture 44">
+            <a:extLst>
+              <a:ext uri="{FF2B5EF4-FFF2-40B4-BE49-F238E27FC236}">
+                <a16:creationId xmlns:a16="http://schemas.microsoft.com/office/drawing/2014/main" id="{3F0FBB27-7683-6A39-9AD5-9E29E39A7BA1}"/>
+              </a:ext>
+            </a:extLst>
+          </p:cNvPr>
+          <p:cNvPicPr>
+            <a:picLocks noChangeAspect="1"/>
+          </p:cNvPicPr>
+          <p:nvPr/>
+        </p:nvPicPr>
+        <p:blipFill>
+          <a:blip r:embed="rId6"/>
+          <a:stretch>
+            <a:fillRect/>
+          </a:stretch>
+        </p:blipFill>
+        <p:spPr>
+          <a:xfrm>
+            <a:off x="8596369" y="1300202"/>
+            <a:ext cx="2294761" cy="899734"/>
+          </a:xfrm>
+          <a:prstGeom prst="rect">
+            <a:avLst/>
+          </a:prstGeom>
+        </p:spPr>
+      </p:pic>
+      <mc:AlternateContent xmlns:mc="http://schemas.openxmlformats.org/markup-compatibility/2006">
+        <mc:Choice xmlns:a14="http://schemas.microsoft.com/office/drawing/2010/main" Requires="a14">
+          <p:sp>
+            <p:nvSpPr>
+              <p:cNvPr id="46" name="TextBox 45">
+                <a:extLst>
+                  <a:ext uri="{FF2B5EF4-FFF2-40B4-BE49-F238E27FC236}">
+                    <a16:creationId xmlns:a16="http://schemas.microsoft.com/office/drawing/2014/main" id="{AF30866E-6DDC-C975-F64F-F603532DE13E}"/>
+                  </a:ext>
+                </a:extLst>
+              </p:cNvPr>
+              <p:cNvSpPr txBox="1"/>
+              <p:nvPr/>
+            </p:nvSpPr>
+            <p:spPr>
+              <a:xfrm>
+                <a:off x="5417117" y="5178480"/>
+                <a:ext cx="6052747" cy="738664"/>
+              </a:xfrm>
+              <a:prstGeom prst="rect">
+                <a:avLst/>
+              </a:prstGeom>
+              <a:noFill/>
+            </p:spPr>
+            <p:txBody>
+              <a:bodyPr wrap="none" rtlCol="0">
+                <a:spAutoFit/>
+              </a:bodyPr>
+              <a:lstStyle/>
+              <a:p>
+                <a:pPr marL="285750" indent="-285750">
+                  <a:buFont typeface="Wingdings" pitchFamily="2" charset="2"/>
+                  <a:buChar char="Ø"/>
+                </a:pPr>
+                <a:r>
+                  <a:rPr lang="en-US" dirty="0">
+                    <a:latin typeface="Helvetica" pitchFamily="2" charset="0"/>
+                  </a:rPr>
+                  <a:t>States: eigenstates of </a:t>
+                </a:r>
+                <a14:m>
+                  <m:oMath xmlns:m="http://schemas.openxmlformats.org/officeDocument/2006/math">
+                    <m:sSub>
+                      <m:sSubPr>
+                        <m:ctrlPr>
+                          <a:rPr lang="en-US" sz="2400" b="0" i="1" smtClean="0">
+                            <a:latin typeface="Cambria Math" panose="02040503050406030204" pitchFamily="18" charset="0"/>
+                          </a:rPr>
+                        </m:ctrlPr>
+                      </m:sSubPr>
+                      <m:e>
+                        <m:r>
+                          <a:rPr lang="en-US" sz="2400" b="0" i="1" smtClean="0">
+                            <a:latin typeface="Cambria Math" panose="02040503050406030204" pitchFamily="18" charset="0"/>
+                          </a:rPr>
+                          <m:t>𝐻</m:t>
+                        </m:r>
+                      </m:e>
+                      <m:sub>
+                        <m:r>
+                          <a:rPr lang="en-US" sz="2400" b="0" i="1" smtClean="0">
+                            <a:latin typeface="Cambria Math" panose="02040503050406030204" pitchFamily="18" charset="0"/>
+                          </a:rPr>
+                          <m:t>𝑟𝑒𝑙</m:t>
+                        </m:r>
+                      </m:sub>
+                    </m:sSub>
+                    <m:r>
+                      <a:rPr lang="en-US" sz="2400" b="0" i="1" smtClean="0">
+                        <a:latin typeface="Cambria Math" panose="02040503050406030204" pitchFamily="18" charset="0"/>
+                      </a:rPr>
+                      <m:t> ⊗</m:t>
+                    </m:r>
+                  </m:oMath>
+                </a14:m>
+                <a:r>
+                  <a:rPr lang="en-US" b="0" dirty="0">
+                    <a:latin typeface="Helvetica" pitchFamily="2" charset="0"/>
+                  </a:rPr>
+                  <a:t>   eigenstates of </a:t>
+                </a:r>
+                <a14:m>
+                  <m:oMath xmlns:m="http://schemas.openxmlformats.org/officeDocument/2006/math">
+                    <m:sSub>
+                      <m:sSubPr>
+                        <m:ctrlPr>
+                          <a:rPr lang="en-US" sz="2400" i="1">
+                            <a:latin typeface="Cambria Math" panose="02040503050406030204" pitchFamily="18" charset="0"/>
+                          </a:rPr>
+                        </m:ctrlPr>
+                      </m:sSubPr>
+                      <m:e>
+                        <m:r>
+                          <a:rPr lang="en-US" sz="2400" i="1">
+                            <a:latin typeface="Cambria Math" panose="02040503050406030204" pitchFamily="18" charset="0"/>
+                          </a:rPr>
+                          <m:t>𝐻</m:t>
+                        </m:r>
+                      </m:e>
+                      <m:sub>
+                        <m:r>
+                          <a:rPr lang="en-US" sz="2400" b="0" i="1" smtClean="0">
+                            <a:latin typeface="Cambria Math" panose="02040503050406030204" pitchFamily="18" charset="0"/>
+                          </a:rPr>
+                          <m:t>𝑖𝑛𝑡</m:t>
+                        </m:r>
+                      </m:sub>
+                    </m:sSub>
+                    <m:r>
+                      <a:rPr lang="en-US" sz="2400" i="1">
+                        <a:latin typeface="Cambria Math" panose="02040503050406030204" pitchFamily="18" charset="0"/>
+                      </a:rPr>
+                      <m:t> </m:t>
+                    </m:r>
+                  </m:oMath>
+                </a14:m>
+                <a:endParaRPr lang="en-US" sz="2400" b="0" dirty="0">
+                  <a:latin typeface="Helvetica" pitchFamily="2" charset="0"/>
+                </a:endParaRPr>
+              </a:p>
+              <a:p>
+                <a:pPr marL="285750" indent="-285750">
+                  <a:buFont typeface="Wingdings" pitchFamily="2" charset="2"/>
+                  <a:buChar char="Ø"/>
+                </a:pPr>
+                <a:endParaRPr lang="en-US" dirty="0">
+                  <a:latin typeface="Helvetica" pitchFamily="2" charset="0"/>
+                </a:endParaRPr>
+              </a:p>
+            </p:txBody>
+          </p:sp>
+        </mc:Choice>
+        <mc:Fallback>
+          <p:sp>
+            <p:nvSpPr>
+              <p:cNvPr id="46" name="TextBox 45">
+                <a:extLst>
+                  <a:ext uri="{FF2B5EF4-FFF2-40B4-BE49-F238E27FC236}">
+                    <a16:creationId xmlns:a16="http://schemas.microsoft.com/office/drawing/2014/main" id="{AF30866E-6DDC-C975-F64F-F603532DE13E}"/>
+                  </a:ext>
+                </a:extLst>
+              </p:cNvPr>
+              <p:cNvSpPr txBox="1">
+                <a:spLocks noRot="1" noChangeAspect="1" noMove="1" noResize="1" noEditPoints="1" noAdjustHandles="1" noChangeArrowheads="1" noChangeShapeType="1" noTextEdit="1"/>
+              </p:cNvSpPr>
+              <p:nvPr/>
+            </p:nvSpPr>
+            <p:spPr>
+              <a:xfrm>
+                <a:off x="5417117" y="5178480"/>
+                <a:ext cx="6052747" cy="738664"/>
+              </a:xfrm>
+              <a:prstGeom prst="rect">
+                <a:avLst/>
+              </a:prstGeom>
+              <a:blipFill>
+                <a:blip r:embed="rId7"/>
+                <a:stretch>
+                  <a:fillRect l="-628"/>
+                </a:stretch>
+              </a:blipFill>
+            </p:spPr>
+            <p:txBody>
+              <a:bodyPr/>
+              <a:lstStyle/>
+              <a:p>
+                <a:r>
+                  <a:rPr lang="en-US">
+                    <a:noFill/>
+                  </a:rPr>
+                  <a:t> </a:t>
+                </a:r>
+              </a:p>
+            </p:txBody>
+          </p:sp>
+        </mc:Fallback>
+      </mc:AlternateContent>
+      <p:pic>
+        <p:nvPicPr>
+          <p:cNvPr id="48" name="Picture 47">
+            <a:extLst>
+              <a:ext uri="{FF2B5EF4-FFF2-40B4-BE49-F238E27FC236}">
+                <a16:creationId xmlns:a16="http://schemas.microsoft.com/office/drawing/2014/main" id="{F5182270-E546-D5DA-9D24-F4F15FE3649F}"/>
+              </a:ext>
+            </a:extLst>
+          </p:cNvPr>
+          <p:cNvPicPr>
+            <a:picLocks noChangeAspect="1"/>
+          </p:cNvPicPr>
+          <p:nvPr/>
+        </p:nvPicPr>
+        <p:blipFill>
+          <a:blip r:embed="rId8"/>
+          <a:stretch>
+            <a:fillRect/>
+          </a:stretch>
+        </p:blipFill>
+        <p:spPr>
+          <a:xfrm>
+            <a:off x="6826965" y="5652695"/>
+            <a:ext cx="1411823" cy="527016"/>
+          </a:xfrm>
+          <a:prstGeom prst="rect">
+            <a:avLst/>
+          </a:prstGeom>
+        </p:spPr>
+      </p:pic>
+      <p:pic>
+        <p:nvPicPr>
+          <p:cNvPr id="49" name="Picture 48">
+            <a:extLst>
+              <a:ext uri="{FF2B5EF4-FFF2-40B4-BE49-F238E27FC236}">
+                <a16:creationId xmlns:a16="http://schemas.microsoft.com/office/drawing/2014/main" id="{4AC8F680-D920-4A10-583E-C9852E2BD140}"/>
+              </a:ext>
+            </a:extLst>
+          </p:cNvPr>
+          <p:cNvPicPr>
+            <a:picLocks noChangeAspect="1"/>
+          </p:cNvPicPr>
+          <p:nvPr/>
+        </p:nvPicPr>
+        <p:blipFill>
+          <a:blip r:embed="rId9"/>
+          <a:stretch>
+            <a:fillRect/>
+          </a:stretch>
+        </p:blipFill>
+        <p:spPr>
+          <a:xfrm>
+            <a:off x="9314782" y="5652695"/>
+            <a:ext cx="776045" cy="527016"/>
+          </a:xfrm>
+          <a:prstGeom prst="rect">
+            <a:avLst/>
+          </a:prstGeom>
+        </p:spPr>
+      </p:pic>
+      <p:sp>
+        <p:nvSpPr>
+          <p:cNvPr id="50" name="TextBox 49">
+            <a:extLst>
+              <a:ext uri="{FF2B5EF4-FFF2-40B4-BE49-F238E27FC236}">
+                <a16:creationId xmlns:a16="http://schemas.microsoft.com/office/drawing/2014/main" id="{0D61B17B-293A-FD24-297D-11CC92FF91F1}"/>
+              </a:ext>
+            </a:extLst>
+          </p:cNvPr>
+          <p:cNvSpPr txBox="1"/>
+          <p:nvPr/>
+        </p:nvSpPr>
+        <p:spPr>
+          <a:xfrm>
+            <a:off x="9361545" y="6245524"/>
+            <a:ext cx="1813317" cy="369332"/>
+          </a:xfrm>
+          <a:prstGeom prst="rect">
+            <a:avLst/>
+          </a:prstGeom>
+          <a:noFill/>
+        </p:spPr>
+        <p:txBody>
+          <a:bodyPr wrap="none" rtlCol="0">
+            <a:spAutoFit/>
+          </a:bodyPr>
+          <a:lstStyle/>
+          <a:p>
+            <a:r>
+              <a:rPr lang="en-US" dirty="0" err="1">
+                <a:solidFill>
+                  <a:srgbClr val="00B050"/>
+                </a:solidFill>
+                <a:latin typeface="Helvetica" pitchFamily="2" charset="0"/>
+              </a:rPr>
+              <a:t>Breit</a:t>
+            </a:r>
+            <a:r>
+              <a:rPr lang="en-US" dirty="0">
+                <a:solidFill>
+                  <a:srgbClr val="00B050"/>
+                </a:solidFill>
+                <a:latin typeface="Helvetica" pitchFamily="2" charset="0"/>
+              </a:rPr>
+              <a:t>-Rabi basis</a:t>
+            </a:r>
+          </a:p>
+        </p:txBody>
+      </p:sp>
+      <mc:AlternateContent xmlns:mc="http://schemas.openxmlformats.org/markup-compatibility/2006">
+        <mc:Choice xmlns:a14="http://schemas.microsoft.com/office/drawing/2010/main" Requires="a14">
+          <p:sp>
+            <p:nvSpPr>
+              <p:cNvPr id="51" name="TextBox 50">
+                <a:extLst>
+                  <a:ext uri="{FF2B5EF4-FFF2-40B4-BE49-F238E27FC236}">
+                    <a16:creationId xmlns:a16="http://schemas.microsoft.com/office/drawing/2014/main" id="{777F6D90-30F6-F9C8-077B-ACBB1A1838BE}"/>
+                  </a:ext>
+                </a:extLst>
+              </p:cNvPr>
+              <p:cNvSpPr txBox="1"/>
+              <p:nvPr/>
+            </p:nvSpPr>
+            <p:spPr>
+              <a:xfrm>
+                <a:off x="5615862" y="6196088"/>
+                <a:ext cx="3170355" cy="468205"/>
+              </a:xfrm>
+              <a:prstGeom prst="rect">
+                <a:avLst/>
+              </a:prstGeom>
+              <a:noFill/>
+            </p:spPr>
+            <p:txBody>
+              <a:bodyPr wrap="none" rtlCol="0">
+                <a:spAutoFit/>
+              </a:bodyPr>
+              <a:lstStyle/>
+              <a:p>
+                <a:r>
+                  <a:rPr lang="en-US" dirty="0">
+                    <a:solidFill>
+                      <a:srgbClr val="00B050"/>
+                    </a:solidFill>
+                    <a:latin typeface="Helvetica" pitchFamily="2" charset="0"/>
+                  </a:rPr>
+                  <a:t>Bound-state </a:t>
+                </a:r>
+                <a:r>
+                  <a:rPr lang="en-US" dirty="0" err="1">
+                    <a:solidFill>
+                      <a:srgbClr val="00B050"/>
+                    </a:solidFill>
+                    <a:latin typeface="Helvetica" pitchFamily="2" charset="0"/>
+                  </a:rPr>
+                  <a:t>wfns</a:t>
+                </a:r>
+                <a:r>
+                  <a:rPr lang="en-US" dirty="0">
+                    <a:solidFill>
+                      <a:srgbClr val="00B050"/>
+                    </a:solidFill>
+                    <a:latin typeface="Helvetica" pitchFamily="2" charset="0"/>
+                  </a:rPr>
+                  <a:t> of </a:t>
+                </a:r>
+                <a14:m>
+                  <m:oMath xmlns:m="http://schemas.openxmlformats.org/officeDocument/2006/math">
+                    <m:sSup>
+                      <m:sSupPr>
+                        <m:ctrlPr>
+                          <a:rPr lang="en-US" sz="2400" b="0" i="1" smtClean="0">
+                            <a:solidFill>
+                              <a:srgbClr val="00B050"/>
+                            </a:solidFill>
+                            <a:latin typeface="Cambria Math" panose="02040503050406030204" pitchFamily="18" charset="0"/>
+                          </a:rPr>
+                        </m:ctrlPr>
+                      </m:sSupPr>
+                      <m:e>
+                        <m:r>
+                          <a:rPr lang="en-US" sz="2400" b="0" i="1" smtClean="0">
+                            <a:solidFill>
+                              <a:srgbClr val="00B050"/>
+                            </a:solidFill>
+                            <a:latin typeface="Cambria Math" panose="02040503050406030204" pitchFamily="18" charset="0"/>
+                          </a:rPr>
+                          <m:t>𝑉</m:t>
+                        </m:r>
+                      </m:e>
+                      <m:sup>
+                        <m:r>
+                          <a:rPr lang="en-US" sz="2400" b="0" i="1" smtClean="0">
+                            <a:solidFill>
+                              <a:srgbClr val="00B050"/>
+                            </a:solidFill>
+                            <a:latin typeface="Cambria Math" panose="02040503050406030204" pitchFamily="18" charset="0"/>
+                          </a:rPr>
+                          <m:t>𝑆</m:t>
+                        </m:r>
+                        <m:r>
+                          <a:rPr lang="en-US" sz="2400" b="0" i="1" smtClean="0">
+                            <a:solidFill>
+                              <a:srgbClr val="00B050"/>
+                            </a:solidFill>
+                            <a:latin typeface="Cambria Math" panose="02040503050406030204" pitchFamily="18" charset="0"/>
+                          </a:rPr>
+                          <m:t>,</m:t>
+                        </m:r>
+                        <m:r>
+                          <a:rPr lang="en-US" sz="2400" b="0" i="1" smtClean="0">
+                            <a:solidFill>
+                              <a:srgbClr val="00B050"/>
+                            </a:solidFill>
+                            <a:latin typeface="Cambria Math" panose="02040503050406030204" pitchFamily="18" charset="0"/>
+                          </a:rPr>
+                          <m:t>𝑙</m:t>
+                        </m:r>
+                      </m:sup>
+                    </m:sSup>
+                    <m:r>
+                      <a:rPr lang="en-US" sz="2400" b="0" i="1" smtClean="0">
+                        <a:solidFill>
+                          <a:srgbClr val="00B050"/>
+                        </a:solidFill>
+                        <a:latin typeface="Cambria Math" panose="02040503050406030204" pitchFamily="18" charset="0"/>
+                      </a:rPr>
+                      <m:t>(</m:t>
+                    </m:r>
+                    <m:r>
+                      <a:rPr lang="en-US" sz="2400" b="0" i="1" smtClean="0">
+                        <a:solidFill>
+                          <a:srgbClr val="00B050"/>
+                        </a:solidFill>
+                        <a:latin typeface="Cambria Math" panose="02040503050406030204" pitchFamily="18" charset="0"/>
+                      </a:rPr>
+                      <m:t>𝑟</m:t>
+                    </m:r>
+                    <m:r>
+                      <a:rPr lang="en-US" sz="2400" b="0" i="1" smtClean="0">
+                        <a:solidFill>
+                          <a:srgbClr val="00B050"/>
+                        </a:solidFill>
+                        <a:latin typeface="Cambria Math" panose="02040503050406030204" pitchFamily="18" charset="0"/>
+                      </a:rPr>
+                      <m:t>)</m:t>
+                    </m:r>
+                  </m:oMath>
+                </a14:m>
+                <a:endParaRPr lang="en-US" sz="2400" dirty="0">
+                  <a:solidFill>
+                    <a:srgbClr val="00B050"/>
+                  </a:solidFill>
+                  <a:latin typeface="Helvetica" pitchFamily="2" charset="0"/>
+                </a:endParaRPr>
+              </a:p>
+            </p:txBody>
+          </p:sp>
+        </mc:Choice>
+        <mc:Fallback>
+          <p:sp>
+            <p:nvSpPr>
+              <p:cNvPr id="51" name="TextBox 50">
+                <a:extLst>
+                  <a:ext uri="{FF2B5EF4-FFF2-40B4-BE49-F238E27FC236}">
+                    <a16:creationId xmlns:a16="http://schemas.microsoft.com/office/drawing/2014/main" id="{777F6D90-30F6-F9C8-077B-ACBB1A1838BE}"/>
+                  </a:ext>
+                </a:extLst>
+              </p:cNvPr>
+              <p:cNvSpPr txBox="1">
+                <a:spLocks noRot="1" noChangeAspect="1" noMove="1" noResize="1" noEditPoints="1" noAdjustHandles="1" noChangeArrowheads="1" noChangeShapeType="1" noTextEdit="1"/>
+              </p:cNvSpPr>
+              <p:nvPr/>
+            </p:nvSpPr>
+            <p:spPr>
+              <a:xfrm>
+                <a:off x="5615862" y="6196088"/>
+                <a:ext cx="3170355" cy="468205"/>
+              </a:xfrm>
+              <a:prstGeom prst="rect">
+                <a:avLst/>
+              </a:prstGeom>
+              <a:blipFill>
+                <a:blip r:embed="rId10"/>
+                <a:stretch>
+                  <a:fillRect l="-1600" r="-800" b="-15789"/>
+                </a:stretch>
+              </a:blipFill>
+            </p:spPr>
+            <p:txBody>
+              <a:bodyPr/>
+              <a:lstStyle/>
+              <a:p>
+                <a:r>
+                  <a:rPr lang="en-US">
+                    <a:noFill/>
+                  </a:rPr>
+                  <a:t> </a:t>
+                </a:r>
+              </a:p>
+            </p:txBody>
+          </p:sp>
+        </mc:Fallback>
+      </mc:AlternateContent>
+    </p:spTree>
+    <p:extLst>
+      <p:ext uri="{BB962C8B-B14F-4D97-AF65-F5344CB8AC3E}">
+        <p14:creationId xmlns:p14="http://schemas.microsoft.com/office/powerpoint/2010/main" val="4046323836"/>
+      </p:ext>
+    </p:extLst>
+  </p:cSld>
+  <p:clrMapOvr>
+    <a:masterClrMapping/>
+  </p:clrMapOvr>
+</p:sld>
+</file>
+
+<file path=ppt/slides/slide8.xml><?xml version="1.0" encoding="utf-8"?>
+<p:sld xmlns:a="http://schemas.openxmlformats.org/drawingml/2006/main" xmlns:r="http://schemas.openxmlformats.org/officeDocument/2006/relationships" xmlns:p="http://schemas.openxmlformats.org/presentationml/2006/main">
+  <p:cSld>
+    <p:spTree>
+      <p:nvGrpSpPr>
+        <p:cNvPr id="1" name=""/>
+        <p:cNvGrpSpPr/>
+        <p:nvPr/>
+      </p:nvGrpSpPr>
+      <p:grpSpPr>
+        <a:xfrm>
+          <a:off x="0" y="0"/>
+          <a:ext cx="0" cy="0"/>
+          <a:chOff x="0" y="0"/>
+          <a:chExt cx="0" cy="0"/>
+        </a:xfrm>
+      </p:grpSpPr>
+      <p:sp>
+        <p:nvSpPr>
+          <p:cNvPr id="2" name="Title 1">
+            <a:extLst>
+              <a:ext uri="{FF2B5EF4-FFF2-40B4-BE49-F238E27FC236}">
+                <a16:creationId xmlns:a16="http://schemas.microsoft.com/office/drawing/2014/main" id="{D044DEFE-1FD6-B265-3FF7-65D2C3600DC7}"/>
+              </a:ext>
+            </a:extLst>
+          </p:cNvPr>
+          <p:cNvSpPr>
+            <a:spLocks noGrp="1"/>
+          </p:cNvSpPr>
+          <p:nvPr>
+            <p:ph type="title"/>
+          </p:nvPr>
+        </p:nvSpPr>
+        <p:spPr>
+          <a:xfrm>
+            <a:off x="628878" y="390556"/>
+            <a:ext cx="10123585" cy="1111134"/>
+          </a:xfrm>
+        </p:spPr>
+        <p:txBody>
+          <a:bodyPr>
+            <a:normAutofit/>
+          </a:bodyPr>
+          <a:lstStyle/>
+          <a:p>
+            <a:r>
+              <a:rPr lang="en-US" sz="3200" dirty="0">
+                <a:solidFill>
+                  <a:schemeClr val="accent5">
+                    <a:lumMod val="50000"/>
+                  </a:schemeClr>
+                </a:solidFill>
+                <a:latin typeface="Helvetica" pitchFamily="2" charset="0"/>
+              </a:rPr>
+              <a:t>ABM description: Definitions</a:t>
+            </a:r>
+          </a:p>
+        </p:txBody>
+      </p:sp>
+      <p:pic>
+        <p:nvPicPr>
+          <p:cNvPr id="45" name="Picture 44">
+            <a:extLst>
+              <a:ext uri="{FF2B5EF4-FFF2-40B4-BE49-F238E27FC236}">
+                <a16:creationId xmlns:a16="http://schemas.microsoft.com/office/drawing/2014/main" id="{3F0FBB27-7683-6A39-9AD5-9E29E39A7BA1}"/>
+              </a:ext>
+            </a:extLst>
+          </p:cNvPr>
+          <p:cNvPicPr>
+            <a:picLocks noChangeAspect="1"/>
+          </p:cNvPicPr>
+          <p:nvPr/>
+        </p:nvPicPr>
+        <p:blipFill>
+          <a:blip r:embed="rId2"/>
+          <a:stretch>
+            <a:fillRect/>
+          </a:stretch>
+        </p:blipFill>
+        <p:spPr>
+          <a:xfrm>
+            <a:off x="8596369" y="1300202"/>
+            <a:ext cx="2294761" cy="899734"/>
+          </a:xfrm>
+          <a:prstGeom prst="rect">
+            <a:avLst/>
+          </a:prstGeom>
+        </p:spPr>
+      </p:pic>
+      <mc:AlternateContent xmlns:mc="http://schemas.openxmlformats.org/markup-compatibility/2006">
+        <mc:Choice xmlns:a14="http://schemas.microsoft.com/office/drawing/2010/main" Requires="a14">
+          <p:sp>
+            <p:nvSpPr>
+              <p:cNvPr id="9" name="TextBox 8">
+                <a:extLst>
+                  <a:ext uri="{FF2B5EF4-FFF2-40B4-BE49-F238E27FC236}">
+                    <a16:creationId xmlns:a16="http://schemas.microsoft.com/office/drawing/2014/main" id="{05B198E9-2FC1-1928-FF48-36D92B1FA6AC}"/>
+                  </a:ext>
+                </a:extLst>
+              </p:cNvPr>
+              <p:cNvSpPr txBox="1"/>
+              <p:nvPr/>
+            </p:nvSpPr>
+            <p:spPr>
+              <a:xfrm>
+                <a:off x="484742" y="1450072"/>
+                <a:ext cx="11078379" cy="3791679"/>
+              </a:xfrm>
+              <a:prstGeom prst="rect">
+                <a:avLst/>
+              </a:prstGeom>
+              <a:noFill/>
+            </p:spPr>
+            <p:txBody>
+              <a:bodyPr wrap="square" rtlCol="0">
+                <a:spAutoFit/>
+              </a:bodyPr>
+              <a:lstStyle/>
+              <a:p>
+                <a:pPr marL="285750" indent="-285750">
+                  <a:lnSpc>
+                    <a:spcPct val="150000"/>
+                  </a:lnSpc>
+                  <a:buFont typeface="Wingdings" pitchFamily="2" charset="2"/>
+                  <a:buChar char="Ø"/>
+                </a:pPr>
+                <a:r>
+                  <a:rPr lang="en-US" dirty="0">
+                    <a:latin typeface="Helvetica" pitchFamily="2" charset="0"/>
+                  </a:rPr>
+                  <a:t>Relative Hamiltonian is </a:t>
+                </a:r>
+                <a:r>
+                  <a:rPr lang="en-US" b="1" dirty="0">
+                    <a:latin typeface="Helvetica" pitchFamily="2" charset="0"/>
+                  </a:rPr>
+                  <a:t>not</a:t>
+                </a:r>
+                <a:r>
+                  <a:rPr lang="en-US" dirty="0">
+                    <a:latin typeface="Helvetica" pitchFamily="2" charset="0"/>
+                  </a:rPr>
+                  <a:t> diagonal in </a:t>
+                </a:r>
+                <a:r>
+                  <a:rPr lang="en-US" dirty="0" err="1">
+                    <a:latin typeface="Helvetica" pitchFamily="2" charset="0"/>
+                  </a:rPr>
+                  <a:t>Breit</a:t>
+                </a:r>
+                <a:r>
+                  <a:rPr lang="en-US" dirty="0">
+                    <a:latin typeface="Helvetica" pitchFamily="2" charset="0"/>
+                  </a:rPr>
+                  <a:t>-Rabi basis</a:t>
+                </a:r>
+              </a:p>
+              <a:p>
+                <a:pPr marL="285750" indent="-285750">
+                  <a:lnSpc>
+                    <a:spcPct val="150000"/>
+                  </a:lnSpc>
+                  <a:buFont typeface="Wingdings" pitchFamily="2" charset="2"/>
+                  <a:buChar char="Ø"/>
+                </a:pPr>
+                <a:r>
+                  <a:rPr lang="en-US" dirty="0">
+                    <a:latin typeface="Helvetica" pitchFamily="2" charset="0"/>
+                  </a:rPr>
+                  <a:t>But      can be decomposed into singlet and triplet parts</a:t>
+                </a:r>
+              </a:p>
+              <a:p>
+                <a:pPr>
+                  <a:lnSpc>
+                    <a:spcPct val="150000"/>
+                  </a:lnSpc>
+                </a:pPr>
+                <a:r>
+                  <a:rPr lang="en-US" dirty="0">
+                    <a:latin typeface="Helvetica" pitchFamily="2" charset="0"/>
+                  </a:rPr>
+                  <a:t>	</a:t>
+                </a:r>
+                <a:r>
+                  <a:rPr lang="en-US" dirty="0">
+                    <a:latin typeface="Helvetica" pitchFamily="2" charset="0"/>
+                    <a:sym typeface="Wingdings" pitchFamily="2" charset="2"/>
+                  </a:rPr>
+                  <a:t> Better</a:t>
+                </a:r>
+                <a:r>
+                  <a:rPr lang="en-US" dirty="0">
+                    <a:latin typeface="Helvetica" pitchFamily="2" charset="0"/>
+                  </a:rPr>
+                  <a:t> to go to </a:t>
+                </a:r>
+                <a:r>
+                  <a:rPr lang="en-US" dirty="0">
+                    <a:solidFill>
+                      <a:srgbClr val="00B050"/>
+                    </a:solidFill>
+                    <a:latin typeface="Helvetica" pitchFamily="2" charset="0"/>
+                  </a:rPr>
+                  <a:t>spin basis </a:t>
+                </a:r>
+                <a14:m>
+                  <m:oMath xmlns:m="http://schemas.openxmlformats.org/officeDocument/2006/math">
+                    <m:r>
+                      <a:rPr lang="en-US" b="0" i="0" smtClean="0">
+                        <a:latin typeface="Cambria Math" panose="02040503050406030204" pitchFamily="18" charset="0"/>
+                      </a:rPr>
+                      <m:t>|</m:t>
+                    </m:r>
+                    <m:r>
+                      <m:rPr>
+                        <m:nor/>
+                      </m:rPr>
+                      <a:rPr lang="en-US" dirty="0">
+                        <a:latin typeface="Helvetica" pitchFamily="2" charset="0"/>
+                      </a:rPr>
+                      <m:t>S</m:t>
+                    </m:r>
+                    <m:r>
+                      <m:rPr>
+                        <m:nor/>
+                      </m:rPr>
+                      <a:rPr lang="en-US" dirty="0">
+                        <a:latin typeface="Helvetica" pitchFamily="2" charset="0"/>
+                      </a:rPr>
+                      <m:t>, </m:t>
+                    </m:r>
+                    <m:r>
+                      <m:rPr>
+                        <m:nor/>
+                      </m:rPr>
+                      <a:rPr lang="en-US" dirty="0">
+                        <a:latin typeface="Helvetica" pitchFamily="2" charset="0"/>
+                      </a:rPr>
+                      <m:t>MS</m:t>
+                    </m:r>
+                    <m:r>
+                      <m:rPr>
+                        <m:nor/>
+                      </m:rPr>
+                      <a:rPr lang="en-US" dirty="0">
+                        <a:latin typeface="Helvetica" pitchFamily="2" charset="0"/>
+                      </a:rPr>
+                      <m:t>, </m:t>
+                    </m:r>
+                    <m:r>
+                      <m:rPr>
+                        <m:nor/>
+                      </m:rPr>
+                      <a:rPr lang="en-US" dirty="0">
+                        <a:latin typeface="Helvetica" pitchFamily="2" charset="0"/>
+                      </a:rPr>
+                      <m:t>MI</m:t>
+                    </m:r>
+                    <m:r>
+                      <m:rPr>
+                        <m:nor/>
+                      </m:rPr>
+                      <a:rPr lang="en-US" baseline="-25000" dirty="0">
+                        <a:latin typeface="Helvetica" pitchFamily="2" charset="0"/>
+                      </a:rPr>
+                      <m:t>,⍺, </m:t>
+                    </m:r>
+                    <m:r>
+                      <m:rPr>
+                        <m:nor/>
+                      </m:rPr>
+                      <a:rPr lang="en-US" dirty="0">
+                        <a:latin typeface="Helvetica" pitchFamily="2" charset="0"/>
+                      </a:rPr>
+                      <m:t>MI</m:t>
+                    </m:r>
+                    <m:r>
+                      <m:rPr>
+                        <m:nor/>
+                      </m:rPr>
+                      <a:rPr lang="en-US" baseline="-25000" dirty="0">
+                        <a:latin typeface="Helvetica" pitchFamily="2" charset="0"/>
+                      </a:rPr>
+                      <m:t>,</m:t>
+                    </m:r>
+                    <m:r>
+                      <m:rPr>
+                        <m:nor/>
+                      </m:rPr>
+                      <a:rPr lang="en-US" baseline="-25000" dirty="0">
+                        <a:latin typeface="Helvetica" pitchFamily="2" charset="0"/>
+                      </a:rPr>
+                      <m:t>β</m:t>
+                    </m:r>
+                    <m:r>
+                      <a:rPr lang="en-US" b="0" i="1" smtClean="0">
+                        <a:latin typeface="Cambria Math" panose="02040503050406030204" pitchFamily="18" charset="0"/>
+                      </a:rPr>
+                      <m:t>⟩</m:t>
+                    </m:r>
+                  </m:oMath>
+                </a14:m>
+                <a:r>
+                  <a:rPr lang="en-US" dirty="0">
+                    <a:solidFill>
+                      <a:srgbClr val="00B050"/>
+                    </a:solidFill>
+                    <a:latin typeface="Helvetica" pitchFamily="2" charset="0"/>
+                  </a:rPr>
+                  <a:t> </a:t>
+                </a:r>
+                <a:r>
+                  <a:rPr lang="en-US" dirty="0">
+                    <a:latin typeface="Helvetica" pitchFamily="2" charset="0"/>
+                  </a:rPr>
+                  <a:t>to simplify inclusion of couplings between </a:t>
+                </a:r>
+                <a:r>
+                  <a:rPr lang="en-US" i="1" dirty="0">
+                    <a:latin typeface="Helvetica" pitchFamily="2" charset="0"/>
+                  </a:rPr>
+                  <a:t>channels</a:t>
+                </a:r>
+              </a:p>
+              <a:p>
+                <a:pPr marL="285750" indent="-285750">
+                  <a:lnSpc>
+                    <a:spcPct val="150000"/>
+                  </a:lnSpc>
+                  <a:buFont typeface="Wingdings" pitchFamily="2" charset="2"/>
+                  <a:buChar char="Ø"/>
+                </a:pPr>
+                <a:r>
+                  <a:rPr lang="en-US" i="1" dirty="0">
+                    <a:latin typeface="Helvetica" pitchFamily="2" charset="0"/>
+                  </a:rPr>
+                  <a:t>Entrance channel: </a:t>
+                </a:r>
+                <a:endParaRPr lang="en-US" dirty="0">
+                  <a:latin typeface="Helvetica" pitchFamily="2" charset="0"/>
+                </a:endParaRPr>
+              </a:p>
+              <a:p>
+                <a:pPr>
+                  <a:lnSpc>
+                    <a:spcPct val="150000"/>
+                  </a:lnSpc>
+                </a:pPr>
+                <a:r>
+                  <a:rPr lang="en-US" i="1" dirty="0">
+                    <a:latin typeface="Helvetica" pitchFamily="2" charset="0"/>
+                  </a:rPr>
+                  <a:t>	</a:t>
+                </a:r>
+                <a:r>
+                  <a:rPr lang="en-US" dirty="0">
+                    <a:latin typeface="Helvetica" pitchFamily="2" charset="0"/>
+                  </a:rPr>
+                  <a:t>Experimentally, entrance channel is            an eigenstate of internal Hamiltonian, with known </a:t>
+                </a:r>
+                <a14:m>
+                  <m:oMath xmlns:m="http://schemas.openxmlformats.org/officeDocument/2006/math">
+                    <m:r>
+                      <a:rPr lang="en-US" b="0" i="1" smtClean="0">
+                        <a:latin typeface="Cambria Math" panose="02040503050406030204" pitchFamily="18" charset="0"/>
+                      </a:rPr>
+                      <m:t>𝑙</m:t>
+                    </m:r>
+                  </m:oMath>
+                </a14:m>
+                <a:endParaRPr lang="en-US" b="0" dirty="0">
+                  <a:latin typeface="Helvetica" pitchFamily="2" charset="0"/>
+                </a:endParaRPr>
+              </a:p>
+              <a:p>
+                <a:pPr>
+                  <a:lnSpc>
+                    <a:spcPct val="150000"/>
+                  </a:lnSpc>
+                </a:pPr>
+                <a:r>
+                  <a:rPr lang="en-US" dirty="0">
+                    <a:latin typeface="Helvetica" pitchFamily="2" charset="0"/>
+                  </a:rPr>
+                  <a:t>	e.g. </a:t>
+                </a:r>
+                <a:r>
+                  <a:rPr lang="en-US" baseline="30000">
+                    <a:latin typeface="Helvetica" pitchFamily="2" charset="0"/>
+                  </a:rPr>
+                  <a:t>23</a:t>
+                </a:r>
+                <a:r>
+                  <a:rPr lang="en-US">
+                    <a:latin typeface="Helvetica" pitchFamily="2" charset="0"/>
+                  </a:rPr>
+                  <a:t>Na</a:t>
+                </a:r>
+                <a:r>
+                  <a:rPr lang="en-US" baseline="30000">
+                    <a:latin typeface="Helvetica" pitchFamily="2" charset="0"/>
+                  </a:rPr>
+                  <a:t>40</a:t>
+                </a:r>
+                <a:r>
+                  <a:rPr lang="en-US">
+                    <a:latin typeface="Helvetica" pitchFamily="2" charset="0"/>
+                  </a:rPr>
+                  <a:t>K </a:t>
+                </a:r>
+                <a:r>
+                  <a:rPr lang="en-US" dirty="0">
+                    <a:latin typeface="Helvetica" pitchFamily="2" charset="0"/>
+                  </a:rPr>
+                  <a:t>Feshbach molecules of type Na(1,1) + K(9/2,-9/2)* with </a:t>
+                </a:r>
+                <a14:m>
+                  <m:oMath xmlns:m="http://schemas.openxmlformats.org/officeDocument/2006/math">
+                    <m:r>
+                      <a:rPr lang="en-US" b="0" i="1" smtClean="0">
+                        <a:latin typeface="Cambria Math" panose="02040503050406030204" pitchFamily="18" charset="0"/>
+                      </a:rPr>
+                      <m:t>𝑙</m:t>
+                    </m:r>
+                    <m:r>
+                      <a:rPr lang="en-US" b="0" i="1" smtClean="0">
+                        <a:latin typeface="Cambria Math" panose="02040503050406030204" pitchFamily="18" charset="0"/>
+                      </a:rPr>
+                      <m:t>=1</m:t>
+                    </m:r>
+                  </m:oMath>
+                </a14:m>
+                <a:endParaRPr lang="en-US" i="1" dirty="0">
+                  <a:latin typeface="Helvetica" pitchFamily="2" charset="0"/>
+                </a:endParaRPr>
+              </a:p>
+              <a:p>
+                <a:pPr marL="285750" indent="-285750">
+                  <a:lnSpc>
+                    <a:spcPct val="150000"/>
+                  </a:lnSpc>
+                  <a:buFont typeface="Wingdings" pitchFamily="2" charset="2"/>
+                  <a:buChar char="Ø"/>
+                </a:pPr>
+                <a:r>
+                  <a:rPr lang="en-US" i="1" dirty="0">
+                    <a:latin typeface="Helvetica" pitchFamily="2" charset="0"/>
+                  </a:rPr>
+                  <a:t>Threshold energy:</a:t>
+                </a:r>
+              </a:p>
+              <a:p>
+                <a:pPr lvl="1">
+                  <a:lnSpc>
+                    <a:spcPct val="150000"/>
+                  </a:lnSpc>
+                </a:pPr>
+                <a:r>
+                  <a:rPr lang="en-US" i="1" dirty="0">
+                    <a:latin typeface="Helvetica" pitchFamily="2" charset="0"/>
+                  </a:rPr>
+                  <a:t>	</a:t>
+                </a:r>
+                <a:r>
+                  <a:rPr lang="en-US" dirty="0">
+                    <a:latin typeface="Helvetica" pitchFamily="2" charset="0"/>
+                  </a:rPr>
+                  <a:t>Energy of two atoms at rest in entrance channel </a:t>
+                </a:r>
+              </a:p>
+              <a:p>
+                <a:pPr lvl="1">
+                  <a:lnSpc>
+                    <a:spcPct val="150000"/>
+                  </a:lnSpc>
+                </a:pPr>
+                <a:r>
+                  <a:rPr lang="en-US" i="1" dirty="0">
+                    <a:latin typeface="Helvetica" pitchFamily="2" charset="0"/>
+                  </a:rPr>
+                  <a:t>	</a:t>
+                </a:r>
+                <a:r>
+                  <a:rPr lang="en-US" dirty="0">
+                    <a:latin typeface="Helvetica" pitchFamily="2" charset="0"/>
+                  </a:rPr>
+                  <a:t>Separates discrete bound states from continuum of scattering states</a:t>
+                </a:r>
+                <a:endParaRPr lang="en-US" i="1" dirty="0">
+                  <a:latin typeface="Helvetica" pitchFamily="2" charset="0"/>
+                </a:endParaRPr>
+              </a:p>
+            </p:txBody>
+          </p:sp>
+        </mc:Choice>
+        <mc:Fallback>
+          <p:sp>
+            <p:nvSpPr>
+              <p:cNvPr id="9" name="TextBox 8">
+                <a:extLst>
+                  <a:ext uri="{FF2B5EF4-FFF2-40B4-BE49-F238E27FC236}">
+                    <a16:creationId xmlns:a16="http://schemas.microsoft.com/office/drawing/2014/main" id="{05B198E9-2FC1-1928-FF48-36D92B1FA6AC}"/>
+                  </a:ext>
+                </a:extLst>
+              </p:cNvPr>
+              <p:cNvSpPr txBox="1">
+                <a:spLocks noRot="1" noChangeAspect="1" noMove="1" noResize="1" noEditPoints="1" noAdjustHandles="1" noChangeArrowheads="1" noChangeShapeType="1" noTextEdit="1"/>
+              </p:cNvSpPr>
+              <p:nvPr/>
+            </p:nvSpPr>
+            <p:spPr>
+              <a:xfrm>
+                <a:off x="484742" y="1450072"/>
+                <a:ext cx="11078379" cy="3791679"/>
+              </a:xfrm>
+              <a:prstGeom prst="rect">
+                <a:avLst/>
+              </a:prstGeom>
+              <a:blipFill>
+                <a:blip r:embed="rId3"/>
+                <a:stretch>
+                  <a:fillRect l="-344" b="-2007"/>
+                </a:stretch>
+              </a:blipFill>
+            </p:spPr>
+            <p:txBody>
+              <a:bodyPr/>
+              <a:lstStyle/>
+              <a:p>
+                <a:r>
+                  <a:rPr lang="en-US">
+                    <a:noFill/>
+                  </a:rPr>
+                  <a:t> </a:t>
+                </a:r>
+              </a:p>
+            </p:txBody>
+          </p:sp>
+        </mc:Fallback>
+      </mc:AlternateContent>
+      <p:pic>
+        <p:nvPicPr>
+          <p:cNvPr id="10" name="Picture 9">
+            <a:extLst>
+              <a:ext uri="{FF2B5EF4-FFF2-40B4-BE49-F238E27FC236}">
+                <a16:creationId xmlns:a16="http://schemas.microsoft.com/office/drawing/2014/main" id="{8209C442-19E3-5DE0-DA4D-8E71C70B0BF0}"/>
+              </a:ext>
+            </a:extLst>
+          </p:cNvPr>
+          <p:cNvPicPr>
+            <a:picLocks noChangeAspect="1"/>
+          </p:cNvPicPr>
+          <p:nvPr/>
+        </p:nvPicPr>
+        <p:blipFill>
+          <a:blip r:embed="rId4"/>
+          <a:stretch>
+            <a:fillRect/>
+          </a:stretch>
+        </p:blipFill>
+        <p:spPr>
+          <a:xfrm>
+            <a:off x="1205334" y="1864891"/>
+            <a:ext cx="368669" cy="438717"/>
+          </a:xfrm>
+          <a:prstGeom prst="rect">
+            <a:avLst/>
+          </a:prstGeom>
+        </p:spPr>
+      </p:pic>
+      <p:pic>
+        <p:nvPicPr>
+          <p:cNvPr id="11" name="Picture 10">
+            <a:extLst>
+              <a:ext uri="{FF2B5EF4-FFF2-40B4-BE49-F238E27FC236}">
+                <a16:creationId xmlns:a16="http://schemas.microsoft.com/office/drawing/2014/main" id="{0D879895-2C61-ABDA-9BE0-AAF5E48068EA}"/>
+              </a:ext>
+            </a:extLst>
+          </p:cNvPr>
+          <p:cNvPicPr>
+            <a:picLocks noChangeAspect="1"/>
+          </p:cNvPicPr>
+          <p:nvPr/>
+        </p:nvPicPr>
+        <p:blipFill>
+          <a:blip r:embed="rId5"/>
+          <a:stretch>
+            <a:fillRect/>
+          </a:stretch>
+        </p:blipFill>
+        <p:spPr>
+          <a:xfrm>
+            <a:off x="5070038" y="3052742"/>
+            <a:ext cx="776045" cy="527016"/>
+          </a:xfrm>
+          <a:prstGeom prst="rect">
+            <a:avLst/>
+          </a:prstGeom>
+        </p:spPr>
+      </p:pic>
+      <p:sp>
+        <p:nvSpPr>
+          <p:cNvPr id="12" name="TextBox 11">
+            <a:extLst>
+              <a:ext uri="{FF2B5EF4-FFF2-40B4-BE49-F238E27FC236}">
+                <a16:creationId xmlns:a16="http://schemas.microsoft.com/office/drawing/2014/main" id="{B37DC41C-6EA1-6ED8-00EA-108853101733}"/>
+              </a:ext>
+            </a:extLst>
+          </p:cNvPr>
+          <p:cNvSpPr txBox="1"/>
+          <p:nvPr/>
+        </p:nvSpPr>
+        <p:spPr>
+          <a:xfrm>
+            <a:off x="10431379" y="3615509"/>
+            <a:ext cx="1717137" cy="307777"/>
+          </a:xfrm>
+          <a:prstGeom prst="rect">
+            <a:avLst/>
+          </a:prstGeom>
+          <a:noFill/>
+        </p:spPr>
+        <p:txBody>
+          <a:bodyPr wrap="none" rtlCol="0">
+            <a:spAutoFit/>
+          </a:bodyPr>
+          <a:lstStyle/>
+          <a:p>
+            <a:r>
+              <a:rPr lang="en-US" sz="1400" dirty="0">
+                <a:solidFill>
+                  <a:schemeClr val="bg1">
+                    <a:lumMod val="50000"/>
+                  </a:schemeClr>
+                </a:solidFill>
+                <a:latin typeface="Helvetica" pitchFamily="2" charset="0"/>
+              </a:rPr>
+              <a:t>(*) in zero-field limit</a:t>
             </a:r>
           </a:p>
         </p:txBody>
@@ -6261,7 +11093,767 @@
     </p:spTree>
     <p:extLst>
       <p:ext uri="{BB962C8B-B14F-4D97-AF65-F5344CB8AC3E}">
-        <p14:creationId xmlns:p14="http://schemas.microsoft.com/office/powerpoint/2010/main" val="4046323836"/>
+        <p14:creationId xmlns:p14="http://schemas.microsoft.com/office/powerpoint/2010/main" val="768732505"/>
+      </p:ext>
+    </p:extLst>
+  </p:cSld>
+  <p:clrMapOvr>
+    <a:masterClrMapping/>
+  </p:clrMapOvr>
+</p:sld>
+</file>
+
+<file path=ppt/slides/slide9.xml><?xml version="1.0" encoding="utf-8"?>
+<p:sld xmlns:a="http://schemas.openxmlformats.org/drawingml/2006/main" xmlns:r="http://schemas.openxmlformats.org/officeDocument/2006/relationships" xmlns:p="http://schemas.openxmlformats.org/presentationml/2006/main">
+  <p:cSld>
+    <p:spTree>
+      <p:nvGrpSpPr>
+        <p:cNvPr id="1" name=""/>
+        <p:cNvGrpSpPr/>
+        <p:nvPr/>
+      </p:nvGrpSpPr>
+      <p:grpSpPr>
+        <a:xfrm>
+          <a:off x="0" y="0"/>
+          <a:ext cx="0" cy="0"/>
+          <a:chOff x="0" y="0"/>
+          <a:chExt cx="0" cy="0"/>
+        </a:xfrm>
+      </p:grpSpPr>
+      <p:sp>
+        <p:nvSpPr>
+          <p:cNvPr id="2" name="Title 1">
+            <a:extLst>
+              <a:ext uri="{FF2B5EF4-FFF2-40B4-BE49-F238E27FC236}">
+                <a16:creationId xmlns:a16="http://schemas.microsoft.com/office/drawing/2014/main" id="{D044DEFE-1FD6-B265-3FF7-65D2C3600DC7}"/>
+              </a:ext>
+            </a:extLst>
+          </p:cNvPr>
+          <p:cNvSpPr>
+            <a:spLocks noGrp="1"/>
+          </p:cNvSpPr>
+          <p:nvPr>
+            <p:ph type="title"/>
+          </p:nvPr>
+        </p:nvSpPr>
+        <p:spPr>
+          <a:xfrm>
+            <a:off x="628878" y="390556"/>
+            <a:ext cx="10123585" cy="1111134"/>
+          </a:xfrm>
+        </p:spPr>
+        <p:txBody>
+          <a:bodyPr>
+            <a:normAutofit/>
+          </a:bodyPr>
+          <a:lstStyle/>
+          <a:p>
+            <a:r>
+              <a:rPr lang="en-US" sz="3200" dirty="0">
+                <a:solidFill>
+                  <a:schemeClr val="accent5">
+                    <a:lumMod val="50000"/>
+                  </a:schemeClr>
+                </a:solidFill>
+                <a:latin typeface="Helvetica" pitchFamily="2" charset="0"/>
+              </a:rPr>
+              <a:t>ABM description: Definitions</a:t>
+            </a:r>
+          </a:p>
+        </p:txBody>
+      </p:sp>
+      <p:sp>
+        <p:nvSpPr>
+          <p:cNvPr id="3" name="TextBox 2">
+            <a:extLst>
+              <a:ext uri="{FF2B5EF4-FFF2-40B4-BE49-F238E27FC236}">
+                <a16:creationId xmlns:a16="http://schemas.microsoft.com/office/drawing/2014/main" id="{84997F9F-B870-43FC-5253-BFD61CBEFD10}"/>
+              </a:ext>
+            </a:extLst>
+          </p:cNvPr>
+          <p:cNvSpPr txBox="1"/>
+          <p:nvPr/>
+        </p:nvSpPr>
+        <p:spPr>
+          <a:xfrm>
+            <a:off x="484743" y="5285288"/>
+            <a:ext cx="9946636" cy="1298625"/>
+          </a:xfrm>
+          <a:prstGeom prst="rect">
+            <a:avLst/>
+          </a:prstGeom>
+          <a:noFill/>
+        </p:spPr>
+        <p:txBody>
+          <a:bodyPr wrap="square" rtlCol="0">
+            <a:spAutoFit/>
+          </a:bodyPr>
+          <a:lstStyle/>
+          <a:p>
+            <a:pPr marL="285750" indent="-285750">
+              <a:lnSpc>
+                <a:spcPct val="150000"/>
+              </a:lnSpc>
+              <a:buFont typeface="Wingdings" pitchFamily="2" charset="2"/>
+              <a:buChar char="Ø"/>
+            </a:pPr>
+            <a:r>
+              <a:rPr lang="en-US" dirty="0">
+                <a:latin typeface="Helvetica" pitchFamily="2" charset="0"/>
+              </a:rPr>
+              <a:t>ABM involves no continuum states</a:t>
+            </a:r>
+          </a:p>
+          <a:p>
+            <a:pPr marL="285750" indent="-285750">
+              <a:lnSpc>
+                <a:spcPct val="150000"/>
+              </a:lnSpc>
+              <a:buFont typeface="Wingdings" pitchFamily="2" charset="2"/>
+              <a:buChar char="Ø"/>
+            </a:pPr>
+            <a:r>
+              <a:rPr lang="en-US" dirty="0">
+                <a:latin typeface="Helvetica" pitchFamily="2" charset="0"/>
+              </a:rPr>
+              <a:t>Treats a discrete set of                       with binding energies          as free parameters</a:t>
+            </a:r>
+          </a:p>
+          <a:p>
+            <a:pPr marL="285750" indent="-285750">
+              <a:lnSpc>
+                <a:spcPct val="150000"/>
+              </a:lnSpc>
+              <a:buFont typeface="Wingdings" pitchFamily="2" charset="2"/>
+              <a:buChar char="Ø"/>
+            </a:pPr>
+            <a:r>
+              <a:rPr lang="en-US" dirty="0">
+                <a:latin typeface="Helvetica" pitchFamily="2" charset="0"/>
+              </a:rPr>
+              <a:t>ABM solutions obtained by diagonalizing the full Hamiltonian </a:t>
+            </a:r>
+          </a:p>
+        </p:txBody>
+      </p:sp>
+      <p:pic>
+        <p:nvPicPr>
+          <p:cNvPr id="45" name="Picture 44">
+            <a:extLst>
+              <a:ext uri="{FF2B5EF4-FFF2-40B4-BE49-F238E27FC236}">
+                <a16:creationId xmlns:a16="http://schemas.microsoft.com/office/drawing/2014/main" id="{3F0FBB27-7683-6A39-9AD5-9E29E39A7BA1}"/>
+              </a:ext>
+            </a:extLst>
+          </p:cNvPr>
+          <p:cNvPicPr>
+            <a:picLocks noChangeAspect="1"/>
+          </p:cNvPicPr>
+          <p:nvPr/>
+        </p:nvPicPr>
+        <p:blipFill>
+          <a:blip r:embed="rId2"/>
+          <a:stretch>
+            <a:fillRect/>
+          </a:stretch>
+        </p:blipFill>
+        <p:spPr>
+          <a:xfrm>
+            <a:off x="8596369" y="1300202"/>
+            <a:ext cx="2294761" cy="899734"/>
+          </a:xfrm>
+          <a:prstGeom prst="rect">
+            <a:avLst/>
+          </a:prstGeom>
+        </p:spPr>
+      </p:pic>
+      <p:pic>
+        <p:nvPicPr>
+          <p:cNvPr id="5" name="Picture 4">
+            <a:extLst>
+              <a:ext uri="{FF2B5EF4-FFF2-40B4-BE49-F238E27FC236}">
+                <a16:creationId xmlns:a16="http://schemas.microsoft.com/office/drawing/2014/main" id="{1F6AA954-986A-A77B-A1EE-C93EE71ABDD3}"/>
+              </a:ext>
+            </a:extLst>
+          </p:cNvPr>
+          <p:cNvPicPr>
+            <a:picLocks noChangeAspect="1"/>
+          </p:cNvPicPr>
+          <p:nvPr/>
+        </p:nvPicPr>
+        <p:blipFill>
+          <a:blip r:embed="rId3"/>
+          <a:stretch>
+            <a:fillRect/>
+          </a:stretch>
+        </p:blipFill>
+        <p:spPr>
+          <a:xfrm>
+            <a:off x="3200800" y="5726851"/>
+            <a:ext cx="1411823" cy="527016"/>
+          </a:xfrm>
+          <a:prstGeom prst="rect">
+            <a:avLst/>
+          </a:prstGeom>
+        </p:spPr>
+      </p:pic>
+      <p:pic>
+        <p:nvPicPr>
+          <p:cNvPr id="6" name="Picture 5">
+            <a:extLst>
+              <a:ext uri="{FF2B5EF4-FFF2-40B4-BE49-F238E27FC236}">
+                <a16:creationId xmlns:a16="http://schemas.microsoft.com/office/drawing/2014/main" id="{AA126A0D-466F-1285-C046-5F39EF979AF2}"/>
+              </a:ext>
+            </a:extLst>
+          </p:cNvPr>
+          <p:cNvPicPr>
+            <a:picLocks noChangeAspect="1"/>
+          </p:cNvPicPr>
+          <p:nvPr/>
+        </p:nvPicPr>
+        <p:blipFill>
+          <a:blip r:embed="rId4"/>
+          <a:stretch>
+            <a:fillRect/>
+          </a:stretch>
+        </p:blipFill>
+        <p:spPr>
+          <a:xfrm>
+            <a:off x="6823877" y="5686175"/>
+            <a:ext cx="547995" cy="497669"/>
+          </a:xfrm>
+          <a:prstGeom prst="rect">
+            <a:avLst/>
+          </a:prstGeom>
+        </p:spPr>
+      </p:pic>
+      <mc:AlternateContent xmlns:mc="http://schemas.openxmlformats.org/markup-compatibility/2006">
+        <mc:Choice xmlns:a14="http://schemas.microsoft.com/office/drawing/2010/main" Requires="a14">
+          <p:sp>
+            <p:nvSpPr>
+              <p:cNvPr id="9" name="TextBox 8">
+                <a:extLst>
+                  <a:ext uri="{FF2B5EF4-FFF2-40B4-BE49-F238E27FC236}">
+                    <a16:creationId xmlns:a16="http://schemas.microsoft.com/office/drawing/2014/main" id="{05B198E9-2FC1-1928-FF48-36D92B1FA6AC}"/>
+                  </a:ext>
+                </a:extLst>
+              </p:cNvPr>
+              <p:cNvSpPr txBox="1"/>
+              <p:nvPr/>
+            </p:nvSpPr>
+            <p:spPr>
+              <a:xfrm>
+                <a:off x="484742" y="1450072"/>
+                <a:ext cx="11078379" cy="3791679"/>
+              </a:xfrm>
+              <a:prstGeom prst="rect">
+                <a:avLst/>
+              </a:prstGeom>
+              <a:noFill/>
+            </p:spPr>
+            <p:txBody>
+              <a:bodyPr wrap="square" rtlCol="0">
+                <a:spAutoFit/>
+              </a:bodyPr>
+              <a:lstStyle/>
+              <a:p>
+                <a:pPr marL="285750" indent="-285750">
+                  <a:lnSpc>
+                    <a:spcPct val="150000"/>
+                  </a:lnSpc>
+                  <a:buFont typeface="Wingdings" pitchFamily="2" charset="2"/>
+                  <a:buChar char="Ø"/>
+                </a:pPr>
+                <a:r>
+                  <a:rPr lang="en-US" dirty="0">
+                    <a:latin typeface="Helvetica" pitchFamily="2" charset="0"/>
+                  </a:rPr>
+                  <a:t>Relative Hamiltonian is </a:t>
+                </a:r>
+                <a:r>
+                  <a:rPr lang="en-US" b="1" dirty="0">
+                    <a:latin typeface="Helvetica" pitchFamily="2" charset="0"/>
+                  </a:rPr>
+                  <a:t>not</a:t>
+                </a:r>
+                <a:r>
+                  <a:rPr lang="en-US" dirty="0">
+                    <a:latin typeface="Helvetica" pitchFamily="2" charset="0"/>
+                  </a:rPr>
+                  <a:t> diagonal in </a:t>
+                </a:r>
+                <a:r>
+                  <a:rPr lang="en-US" dirty="0" err="1">
+                    <a:latin typeface="Helvetica" pitchFamily="2" charset="0"/>
+                  </a:rPr>
+                  <a:t>Breit</a:t>
+                </a:r>
+                <a:r>
+                  <a:rPr lang="en-US" dirty="0">
+                    <a:latin typeface="Helvetica" pitchFamily="2" charset="0"/>
+                  </a:rPr>
+                  <a:t>-Rabi basis</a:t>
+                </a:r>
+              </a:p>
+              <a:p>
+                <a:pPr marL="285750" indent="-285750">
+                  <a:lnSpc>
+                    <a:spcPct val="150000"/>
+                  </a:lnSpc>
+                  <a:buFont typeface="Wingdings" pitchFamily="2" charset="2"/>
+                  <a:buChar char="Ø"/>
+                </a:pPr>
+                <a:r>
+                  <a:rPr lang="en-US" dirty="0">
+                    <a:latin typeface="Helvetica" pitchFamily="2" charset="0"/>
+                  </a:rPr>
+                  <a:t>But      can be decomposed into singlet and triplet parts</a:t>
+                </a:r>
+              </a:p>
+              <a:p>
+                <a:pPr>
+                  <a:lnSpc>
+                    <a:spcPct val="150000"/>
+                  </a:lnSpc>
+                </a:pPr>
+                <a:r>
+                  <a:rPr lang="en-US" dirty="0">
+                    <a:latin typeface="Helvetica" pitchFamily="2" charset="0"/>
+                  </a:rPr>
+                  <a:t>	</a:t>
+                </a:r>
+                <a:r>
+                  <a:rPr lang="en-US" dirty="0">
+                    <a:latin typeface="Helvetica" pitchFamily="2" charset="0"/>
+                    <a:sym typeface="Wingdings" pitchFamily="2" charset="2"/>
+                  </a:rPr>
+                  <a:t> Better</a:t>
+                </a:r>
+                <a:r>
+                  <a:rPr lang="en-US" dirty="0">
+                    <a:latin typeface="Helvetica" pitchFamily="2" charset="0"/>
+                  </a:rPr>
+                  <a:t> to go to </a:t>
+                </a:r>
+                <a:r>
+                  <a:rPr lang="en-US" dirty="0">
+                    <a:solidFill>
+                      <a:srgbClr val="00B050"/>
+                    </a:solidFill>
+                    <a:latin typeface="Helvetica" pitchFamily="2" charset="0"/>
+                  </a:rPr>
+                  <a:t>spin basis </a:t>
+                </a:r>
+                <a14:m>
+                  <m:oMath xmlns:m="http://schemas.openxmlformats.org/officeDocument/2006/math">
+                    <m:r>
+                      <a:rPr lang="en-US" b="0" i="0" smtClean="0">
+                        <a:latin typeface="Cambria Math" panose="02040503050406030204" pitchFamily="18" charset="0"/>
+                      </a:rPr>
+                      <m:t>|</m:t>
+                    </m:r>
+                    <m:r>
+                      <m:rPr>
+                        <m:nor/>
+                      </m:rPr>
+                      <a:rPr lang="en-US" dirty="0">
+                        <a:latin typeface="Helvetica" pitchFamily="2" charset="0"/>
+                      </a:rPr>
+                      <m:t>S</m:t>
+                    </m:r>
+                    <m:r>
+                      <m:rPr>
+                        <m:nor/>
+                      </m:rPr>
+                      <a:rPr lang="en-US" dirty="0">
+                        <a:latin typeface="Helvetica" pitchFamily="2" charset="0"/>
+                      </a:rPr>
+                      <m:t>, </m:t>
+                    </m:r>
+                    <m:r>
+                      <m:rPr>
+                        <m:nor/>
+                      </m:rPr>
+                      <a:rPr lang="en-US" dirty="0">
+                        <a:latin typeface="Helvetica" pitchFamily="2" charset="0"/>
+                      </a:rPr>
+                      <m:t>MS</m:t>
+                    </m:r>
+                    <m:r>
+                      <m:rPr>
+                        <m:nor/>
+                      </m:rPr>
+                      <a:rPr lang="en-US" dirty="0">
+                        <a:latin typeface="Helvetica" pitchFamily="2" charset="0"/>
+                      </a:rPr>
+                      <m:t>, </m:t>
+                    </m:r>
+                    <m:r>
+                      <m:rPr>
+                        <m:nor/>
+                      </m:rPr>
+                      <a:rPr lang="en-US" dirty="0">
+                        <a:latin typeface="Helvetica" pitchFamily="2" charset="0"/>
+                      </a:rPr>
+                      <m:t>MI</m:t>
+                    </m:r>
+                    <m:r>
+                      <m:rPr>
+                        <m:nor/>
+                      </m:rPr>
+                      <a:rPr lang="en-US" baseline="-25000" dirty="0">
+                        <a:latin typeface="Helvetica" pitchFamily="2" charset="0"/>
+                      </a:rPr>
+                      <m:t>,⍺, </m:t>
+                    </m:r>
+                    <m:r>
+                      <m:rPr>
+                        <m:nor/>
+                      </m:rPr>
+                      <a:rPr lang="en-US" dirty="0">
+                        <a:latin typeface="Helvetica" pitchFamily="2" charset="0"/>
+                      </a:rPr>
+                      <m:t>MI</m:t>
+                    </m:r>
+                    <m:r>
+                      <m:rPr>
+                        <m:nor/>
+                      </m:rPr>
+                      <a:rPr lang="en-US" baseline="-25000" dirty="0">
+                        <a:latin typeface="Helvetica" pitchFamily="2" charset="0"/>
+                      </a:rPr>
+                      <m:t>,</m:t>
+                    </m:r>
+                    <m:r>
+                      <m:rPr>
+                        <m:nor/>
+                      </m:rPr>
+                      <a:rPr lang="en-US" baseline="-25000" dirty="0">
+                        <a:latin typeface="Helvetica" pitchFamily="2" charset="0"/>
+                      </a:rPr>
+                      <m:t>β</m:t>
+                    </m:r>
+                    <m:r>
+                      <a:rPr lang="en-US" b="0" i="1" smtClean="0">
+                        <a:latin typeface="Cambria Math" panose="02040503050406030204" pitchFamily="18" charset="0"/>
+                      </a:rPr>
+                      <m:t>⟩</m:t>
+                    </m:r>
+                  </m:oMath>
+                </a14:m>
+                <a:r>
+                  <a:rPr lang="en-US" dirty="0">
+                    <a:solidFill>
+                      <a:srgbClr val="00B050"/>
+                    </a:solidFill>
+                    <a:latin typeface="Helvetica" pitchFamily="2" charset="0"/>
+                  </a:rPr>
+                  <a:t> </a:t>
+                </a:r>
+                <a:r>
+                  <a:rPr lang="en-US" dirty="0">
+                    <a:latin typeface="Helvetica" pitchFamily="2" charset="0"/>
+                  </a:rPr>
+                  <a:t>to simplify inclusion of couplings between </a:t>
+                </a:r>
+                <a:r>
+                  <a:rPr lang="en-US" i="1" dirty="0">
+                    <a:latin typeface="Helvetica" pitchFamily="2" charset="0"/>
+                  </a:rPr>
+                  <a:t>channels</a:t>
+                </a:r>
+              </a:p>
+              <a:p>
+                <a:pPr marL="285750" indent="-285750">
+                  <a:lnSpc>
+                    <a:spcPct val="150000"/>
+                  </a:lnSpc>
+                  <a:buFont typeface="Wingdings" pitchFamily="2" charset="2"/>
+                  <a:buChar char="Ø"/>
+                </a:pPr>
+                <a:r>
+                  <a:rPr lang="en-US" i="1" dirty="0">
+                    <a:latin typeface="Helvetica" pitchFamily="2" charset="0"/>
+                  </a:rPr>
+                  <a:t>Entrance channel: </a:t>
+                </a:r>
+                <a:endParaRPr lang="en-US" dirty="0">
+                  <a:latin typeface="Helvetica" pitchFamily="2" charset="0"/>
+                </a:endParaRPr>
+              </a:p>
+              <a:p>
+                <a:pPr>
+                  <a:lnSpc>
+                    <a:spcPct val="150000"/>
+                  </a:lnSpc>
+                </a:pPr>
+                <a:r>
+                  <a:rPr lang="en-US" i="1" dirty="0">
+                    <a:latin typeface="Helvetica" pitchFamily="2" charset="0"/>
+                  </a:rPr>
+                  <a:t>	</a:t>
+                </a:r>
+                <a:r>
+                  <a:rPr lang="en-US" dirty="0">
+                    <a:latin typeface="Helvetica" pitchFamily="2" charset="0"/>
+                  </a:rPr>
+                  <a:t>Experimentally, entrance channel is            an eigenstate of internal Hamiltonian, with known </a:t>
+                </a:r>
+                <a14:m>
+                  <m:oMath xmlns:m="http://schemas.openxmlformats.org/officeDocument/2006/math">
+                    <m:r>
+                      <a:rPr lang="en-US" b="0" i="1" smtClean="0">
+                        <a:latin typeface="Cambria Math" panose="02040503050406030204" pitchFamily="18" charset="0"/>
+                      </a:rPr>
+                      <m:t>𝑙</m:t>
+                    </m:r>
+                  </m:oMath>
+                </a14:m>
+                <a:endParaRPr lang="en-US" b="0" dirty="0">
+                  <a:latin typeface="Helvetica" pitchFamily="2" charset="0"/>
+                </a:endParaRPr>
+              </a:p>
+              <a:p>
+                <a:pPr>
+                  <a:lnSpc>
+                    <a:spcPct val="150000"/>
+                  </a:lnSpc>
+                </a:pPr>
+                <a:r>
+                  <a:rPr lang="en-US" dirty="0">
+                    <a:latin typeface="Helvetica" pitchFamily="2" charset="0"/>
+                  </a:rPr>
+                  <a:t>	e.g. NaK Feshbach molecules of type Na(1,1) + K(9/2,-9/2)* with </a:t>
+                </a:r>
+                <a14:m>
+                  <m:oMath xmlns:m="http://schemas.openxmlformats.org/officeDocument/2006/math">
+                    <m:r>
+                      <a:rPr lang="en-US" b="0" i="1" smtClean="0">
+                        <a:latin typeface="Cambria Math" panose="02040503050406030204" pitchFamily="18" charset="0"/>
+                      </a:rPr>
+                      <m:t>𝑙</m:t>
+                    </m:r>
+                    <m:r>
+                      <a:rPr lang="en-US" b="0" i="1" smtClean="0">
+                        <a:latin typeface="Cambria Math" panose="02040503050406030204" pitchFamily="18" charset="0"/>
+                      </a:rPr>
+                      <m:t>=1</m:t>
+                    </m:r>
+                  </m:oMath>
+                </a14:m>
+                <a:endParaRPr lang="en-US" i="1" dirty="0">
+                  <a:latin typeface="Helvetica" pitchFamily="2" charset="0"/>
+                </a:endParaRPr>
+              </a:p>
+              <a:p>
+                <a:pPr marL="285750" indent="-285750">
+                  <a:lnSpc>
+                    <a:spcPct val="150000"/>
+                  </a:lnSpc>
+                  <a:buFont typeface="Wingdings" pitchFamily="2" charset="2"/>
+                  <a:buChar char="Ø"/>
+                </a:pPr>
+                <a:r>
+                  <a:rPr lang="en-US" i="1" dirty="0">
+                    <a:latin typeface="Helvetica" pitchFamily="2" charset="0"/>
+                  </a:rPr>
+                  <a:t>Threshold energy:</a:t>
+                </a:r>
+              </a:p>
+              <a:p>
+                <a:pPr lvl="1">
+                  <a:lnSpc>
+                    <a:spcPct val="150000"/>
+                  </a:lnSpc>
+                </a:pPr>
+                <a:r>
+                  <a:rPr lang="en-US" i="1" dirty="0">
+                    <a:latin typeface="Helvetica" pitchFamily="2" charset="0"/>
+                  </a:rPr>
+                  <a:t>	</a:t>
+                </a:r>
+                <a:r>
+                  <a:rPr lang="en-US" dirty="0">
+                    <a:latin typeface="Helvetica" pitchFamily="2" charset="0"/>
+                  </a:rPr>
+                  <a:t>Energy of two atoms at rest in entrance channel </a:t>
+                </a:r>
+              </a:p>
+              <a:p>
+                <a:pPr lvl="1">
+                  <a:lnSpc>
+                    <a:spcPct val="150000"/>
+                  </a:lnSpc>
+                </a:pPr>
+                <a:r>
+                  <a:rPr lang="en-US" i="1" dirty="0">
+                    <a:latin typeface="Helvetica" pitchFamily="2" charset="0"/>
+                  </a:rPr>
+                  <a:t>	</a:t>
+                </a:r>
+                <a:r>
+                  <a:rPr lang="en-US" dirty="0">
+                    <a:latin typeface="Helvetica" pitchFamily="2" charset="0"/>
+                  </a:rPr>
+                  <a:t>Separates discrete bound states from continuum of scattering states</a:t>
+                </a:r>
+                <a:endParaRPr lang="en-US" i="1" dirty="0">
+                  <a:latin typeface="Helvetica" pitchFamily="2" charset="0"/>
+                </a:endParaRPr>
+              </a:p>
+            </p:txBody>
+          </p:sp>
+        </mc:Choice>
+        <mc:Fallback>
+          <p:sp>
+            <p:nvSpPr>
+              <p:cNvPr id="9" name="TextBox 8">
+                <a:extLst>
+                  <a:ext uri="{FF2B5EF4-FFF2-40B4-BE49-F238E27FC236}">
+                    <a16:creationId xmlns:a16="http://schemas.microsoft.com/office/drawing/2014/main" id="{05B198E9-2FC1-1928-FF48-36D92B1FA6AC}"/>
+                  </a:ext>
+                </a:extLst>
+              </p:cNvPr>
+              <p:cNvSpPr txBox="1">
+                <a:spLocks noRot="1" noChangeAspect="1" noMove="1" noResize="1" noEditPoints="1" noAdjustHandles="1" noChangeArrowheads="1" noChangeShapeType="1" noTextEdit="1"/>
+              </p:cNvSpPr>
+              <p:nvPr/>
+            </p:nvSpPr>
+            <p:spPr>
+              <a:xfrm>
+                <a:off x="484742" y="1450072"/>
+                <a:ext cx="11078379" cy="3791679"/>
+              </a:xfrm>
+              <a:prstGeom prst="rect">
+                <a:avLst/>
+              </a:prstGeom>
+              <a:blipFill>
+                <a:blip r:embed="rId5"/>
+                <a:stretch>
+                  <a:fillRect l="-344" b="-2007"/>
+                </a:stretch>
+              </a:blipFill>
+            </p:spPr>
+            <p:txBody>
+              <a:bodyPr/>
+              <a:lstStyle/>
+              <a:p>
+                <a:r>
+                  <a:rPr lang="en-US">
+                    <a:noFill/>
+                  </a:rPr>
+                  <a:t> </a:t>
+                </a:r>
+              </a:p>
+            </p:txBody>
+          </p:sp>
+        </mc:Fallback>
+      </mc:AlternateContent>
+      <p:pic>
+        <p:nvPicPr>
+          <p:cNvPr id="10" name="Picture 9">
+            <a:extLst>
+              <a:ext uri="{FF2B5EF4-FFF2-40B4-BE49-F238E27FC236}">
+                <a16:creationId xmlns:a16="http://schemas.microsoft.com/office/drawing/2014/main" id="{8209C442-19E3-5DE0-DA4D-8E71C70B0BF0}"/>
+              </a:ext>
+            </a:extLst>
+          </p:cNvPr>
+          <p:cNvPicPr>
+            <a:picLocks noChangeAspect="1"/>
+          </p:cNvPicPr>
+          <p:nvPr/>
+        </p:nvPicPr>
+        <p:blipFill>
+          <a:blip r:embed="rId6"/>
+          <a:stretch>
+            <a:fillRect/>
+          </a:stretch>
+        </p:blipFill>
+        <p:spPr>
+          <a:xfrm>
+            <a:off x="1205334" y="1864891"/>
+            <a:ext cx="368669" cy="438717"/>
+          </a:xfrm>
+          <a:prstGeom prst="rect">
+            <a:avLst/>
+          </a:prstGeom>
+        </p:spPr>
+      </p:pic>
+      <p:pic>
+        <p:nvPicPr>
+          <p:cNvPr id="11" name="Picture 10">
+            <a:extLst>
+              <a:ext uri="{FF2B5EF4-FFF2-40B4-BE49-F238E27FC236}">
+                <a16:creationId xmlns:a16="http://schemas.microsoft.com/office/drawing/2014/main" id="{0D879895-2C61-ABDA-9BE0-AAF5E48068EA}"/>
+              </a:ext>
+            </a:extLst>
+          </p:cNvPr>
+          <p:cNvPicPr>
+            <a:picLocks noChangeAspect="1"/>
+          </p:cNvPicPr>
+          <p:nvPr/>
+        </p:nvPicPr>
+        <p:blipFill>
+          <a:blip r:embed="rId7"/>
+          <a:stretch>
+            <a:fillRect/>
+          </a:stretch>
+        </p:blipFill>
+        <p:spPr>
+          <a:xfrm>
+            <a:off x="5070038" y="3052742"/>
+            <a:ext cx="776045" cy="527016"/>
+          </a:xfrm>
+          <a:prstGeom prst="rect">
+            <a:avLst/>
+          </a:prstGeom>
+        </p:spPr>
+      </p:pic>
+      <p:sp>
+        <p:nvSpPr>
+          <p:cNvPr id="12" name="TextBox 11">
+            <a:extLst>
+              <a:ext uri="{FF2B5EF4-FFF2-40B4-BE49-F238E27FC236}">
+                <a16:creationId xmlns:a16="http://schemas.microsoft.com/office/drawing/2014/main" id="{B37DC41C-6EA1-6ED8-00EA-108853101733}"/>
+              </a:ext>
+            </a:extLst>
+          </p:cNvPr>
+          <p:cNvSpPr txBox="1"/>
+          <p:nvPr/>
+        </p:nvSpPr>
+        <p:spPr>
+          <a:xfrm>
+            <a:off x="10431379" y="3615509"/>
+            <a:ext cx="1717137" cy="307777"/>
+          </a:xfrm>
+          <a:prstGeom prst="rect">
+            <a:avLst/>
+          </a:prstGeom>
+          <a:noFill/>
+        </p:spPr>
+        <p:txBody>
+          <a:bodyPr wrap="none" rtlCol="0">
+            <a:spAutoFit/>
+          </a:bodyPr>
+          <a:lstStyle/>
+          <a:p>
+            <a:r>
+              <a:rPr lang="en-US" sz="1400" dirty="0">
+                <a:solidFill>
+                  <a:schemeClr val="bg1">
+                    <a:lumMod val="50000"/>
+                  </a:schemeClr>
+                </a:solidFill>
+                <a:latin typeface="Helvetica" pitchFamily="2" charset="0"/>
+              </a:rPr>
+              <a:t>(*) in zero-field limit</a:t>
+            </a:r>
+          </a:p>
+        </p:txBody>
+      </p:sp>
+    </p:spTree>
+    <p:extLst>
+      <p:ext uri="{BB962C8B-B14F-4D97-AF65-F5344CB8AC3E}">
+        <p14:creationId xmlns:p14="http://schemas.microsoft.com/office/powerpoint/2010/main" val="981266983"/>
       </p:ext>
     </p:extLst>
   </p:cSld>

--- a/MIT_PhD/ZGS/ZGS-Sep-01-2023/BUI_ZGS_2023_Sep_01.pptx
+++ b/MIT_PhD/ZGS/ZGS-Sep-01-2023/BUI_ZGS_2023_Sep_01.pptx
@@ -5,7 +5,7 @@
     <p:sldMasterId id="2147483648" r:id="rId1"/>
   </p:sldMasterIdLst>
   <p:notesMasterIdLst>
-    <p:notesMasterId r:id="rId11"/>
+    <p:notesMasterId r:id="rId15"/>
   </p:notesMasterIdLst>
   <p:sldIdLst>
     <p:sldId id="256" r:id="rId2"/>
@@ -15,8 +15,12 @@
     <p:sldId id="260" r:id="rId6"/>
     <p:sldId id="262" r:id="rId7"/>
     <p:sldId id="261" r:id="rId8"/>
-    <p:sldId id="263" r:id="rId9"/>
-    <p:sldId id="264" r:id="rId10"/>
+    <p:sldId id="265" r:id="rId9"/>
+    <p:sldId id="266" r:id="rId10"/>
+    <p:sldId id="263" r:id="rId11"/>
+    <p:sldId id="264" r:id="rId12"/>
+    <p:sldId id="267" r:id="rId13"/>
+    <p:sldId id="269" r:id="rId14"/>
   </p:sldIdLst>
   <p:sldSz cx="12192000" cy="6858000"/>
   <p:notesSz cx="6858000" cy="9144000"/>
@@ -6884,7 +6888,7 @@
                 </a:solidFill>
                 <a:latin typeface="Helvetica" pitchFamily="2" charset="0"/>
               </a:rPr>
-              <a:t>How to quickly find Feshbach resonances</a:t>
+              <a:t>Finding Feshbach resonances, fast</a:t>
             </a:r>
           </a:p>
         </p:txBody>
@@ -6964,6 +6968,1519 @@
     <p:extLst>
       <p:ext uri="{BB962C8B-B14F-4D97-AF65-F5344CB8AC3E}">
         <p14:creationId xmlns:p14="http://schemas.microsoft.com/office/powerpoint/2010/main" val="2241008423"/>
+      </p:ext>
+    </p:extLst>
+  </p:cSld>
+  <p:clrMapOvr>
+    <a:masterClrMapping/>
+  </p:clrMapOvr>
+</p:sld>
+</file>
+
+<file path=ppt/slides/slide10.xml><?xml version="1.0" encoding="utf-8"?>
+<p:sld xmlns:a="http://schemas.openxmlformats.org/drawingml/2006/main" xmlns:r="http://schemas.openxmlformats.org/officeDocument/2006/relationships" xmlns:p="http://schemas.openxmlformats.org/presentationml/2006/main">
+  <p:cSld>
+    <p:spTree>
+      <p:nvGrpSpPr>
+        <p:cNvPr id="1" name=""/>
+        <p:cNvGrpSpPr/>
+        <p:nvPr/>
+      </p:nvGrpSpPr>
+      <p:grpSpPr>
+        <a:xfrm>
+          <a:off x="0" y="0"/>
+          <a:ext cx="0" cy="0"/>
+          <a:chOff x="0" y="0"/>
+          <a:chExt cx="0" cy="0"/>
+        </a:xfrm>
+      </p:grpSpPr>
+      <p:sp>
+        <p:nvSpPr>
+          <p:cNvPr id="2" name="Title 1">
+            <a:extLst>
+              <a:ext uri="{FF2B5EF4-FFF2-40B4-BE49-F238E27FC236}">
+                <a16:creationId xmlns:a16="http://schemas.microsoft.com/office/drawing/2014/main" id="{D044DEFE-1FD6-B265-3FF7-65D2C3600DC7}"/>
+              </a:ext>
+            </a:extLst>
+          </p:cNvPr>
+          <p:cNvSpPr>
+            <a:spLocks noGrp="1"/>
+          </p:cNvSpPr>
+          <p:nvPr>
+            <p:ph type="title"/>
+          </p:nvPr>
+        </p:nvSpPr>
+        <p:spPr>
+          <a:xfrm>
+            <a:off x="628878" y="390556"/>
+            <a:ext cx="10123585" cy="1111134"/>
+          </a:xfrm>
+        </p:spPr>
+        <p:txBody>
+          <a:bodyPr>
+            <a:normAutofit/>
+          </a:bodyPr>
+          <a:lstStyle/>
+          <a:p>
+            <a:r>
+              <a:rPr lang="en-US" sz="3200" dirty="0">
+                <a:solidFill>
+                  <a:schemeClr val="accent5">
+                    <a:lumMod val="50000"/>
+                  </a:schemeClr>
+                </a:solidFill>
+                <a:latin typeface="Helvetica" pitchFamily="2" charset="0"/>
+              </a:rPr>
+              <a:t>ABM description: Some definitions</a:t>
+            </a:r>
+          </a:p>
+        </p:txBody>
+      </p:sp>
+      <p:pic>
+        <p:nvPicPr>
+          <p:cNvPr id="45" name="Picture 44">
+            <a:extLst>
+              <a:ext uri="{FF2B5EF4-FFF2-40B4-BE49-F238E27FC236}">
+                <a16:creationId xmlns:a16="http://schemas.microsoft.com/office/drawing/2014/main" id="{3F0FBB27-7683-6A39-9AD5-9E29E39A7BA1}"/>
+              </a:ext>
+            </a:extLst>
+          </p:cNvPr>
+          <p:cNvPicPr>
+            <a:picLocks noChangeAspect="1"/>
+          </p:cNvPicPr>
+          <p:nvPr/>
+        </p:nvPicPr>
+        <p:blipFill>
+          <a:blip r:embed="rId2"/>
+          <a:stretch>
+            <a:fillRect/>
+          </a:stretch>
+        </p:blipFill>
+        <p:spPr>
+          <a:xfrm>
+            <a:off x="8596369" y="1300202"/>
+            <a:ext cx="2294761" cy="899734"/>
+          </a:xfrm>
+          <a:prstGeom prst="rect">
+            <a:avLst/>
+          </a:prstGeom>
+        </p:spPr>
+      </p:pic>
+      <mc:AlternateContent xmlns:mc="http://schemas.openxmlformats.org/markup-compatibility/2006">
+        <mc:Choice xmlns:a14="http://schemas.microsoft.com/office/drawing/2010/main" Requires="a14">
+          <p:sp>
+            <p:nvSpPr>
+              <p:cNvPr id="9" name="TextBox 8">
+                <a:extLst>
+                  <a:ext uri="{FF2B5EF4-FFF2-40B4-BE49-F238E27FC236}">
+                    <a16:creationId xmlns:a16="http://schemas.microsoft.com/office/drawing/2014/main" id="{05B198E9-2FC1-1928-FF48-36D92B1FA6AC}"/>
+                  </a:ext>
+                </a:extLst>
+              </p:cNvPr>
+              <p:cNvSpPr txBox="1"/>
+              <p:nvPr/>
+            </p:nvSpPr>
+            <p:spPr>
+              <a:xfrm>
+                <a:off x="484742" y="1758682"/>
+                <a:ext cx="11078379" cy="3376117"/>
+              </a:xfrm>
+              <a:prstGeom prst="rect">
+                <a:avLst/>
+              </a:prstGeom>
+              <a:noFill/>
+            </p:spPr>
+            <p:txBody>
+              <a:bodyPr wrap="square" rtlCol="0">
+                <a:spAutoFit/>
+              </a:bodyPr>
+              <a:lstStyle/>
+              <a:p>
+                <a:pPr marL="285750" indent="-285750">
+                  <a:lnSpc>
+                    <a:spcPct val="150000"/>
+                  </a:lnSpc>
+                  <a:buFont typeface="Wingdings" pitchFamily="2" charset="2"/>
+                  <a:buChar char="Ø"/>
+                </a:pPr>
+                <a:r>
+                  <a:rPr lang="en-US" i="1" dirty="0">
+                    <a:latin typeface="Helvetica" pitchFamily="2" charset="0"/>
+                  </a:rPr>
+                  <a:t>Entrance channel: </a:t>
+                </a:r>
+                <a:endParaRPr lang="en-US" dirty="0">
+                  <a:latin typeface="Helvetica" pitchFamily="2" charset="0"/>
+                </a:endParaRPr>
+              </a:p>
+              <a:p>
+                <a:pPr>
+                  <a:lnSpc>
+                    <a:spcPct val="150000"/>
+                  </a:lnSpc>
+                </a:pPr>
+                <a:r>
+                  <a:rPr lang="en-US" i="1" dirty="0">
+                    <a:latin typeface="Helvetica" pitchFamily="2" charset="0"/>
+                  </a:rPr>
+                  <a:t>	</a:t>
+                </a:r>
+                <a:r>
+                  <a:rPr lang="en-US" dirty="0">
+                    <a:latin typeface="Helvetica" pitchFamily="2" charset="0"/>
+                  </a:rPr>
+                  <a:t>Experimentally, entrance channel is            an eigenstate of internal Hamiltonian, with known </a:t>
+                </a:r>
+                <a14:m>
+                  <m:oMath xmlns:m="http://schemas.openxmlformats.org/officeDocument/2006/math">
+                    <m:r>
+                      <a:rPr lang="en-US" b="0" i="1" smtClean="0">
+                        <a:latin typeface="Cambria Math" panose="02040503050406030204" pitchFamily="18" charset="0"/>
+                      </a:rPr>
+                      <m:t>𝑙</m:t>
+                    </m:r>
+                  </m:oMath>
+                </a14:m>
+                <a:endParaRPr lang="en-US" b="0" dirty="0">
+                  <a:latin typeface="Helvetica" pitchFamily="2" charset="0"/>
+                </a:endParaRPr>
+              </a:p>
+              <a:p>
+                <a:pPr>
+                  <a:lnSpc>
+                    <a:spcPct val="150000"/>
+                  </a:lnSpc>
+                </a:pPr>
+                <a:r>
+                  <a:rPr lang="en-US" dirty="0">
+                    <a:latin typeface="Helvetica" pitchFamily="2" charset="0"/>
+                  </a:rPr>
+                  <a:t>	e.g. </a:t>
+                </a:r>
+                <a:r>
+                  <a:rPr lang="en-US" baseline="30000" dirty="0">
+                    <a:latin typeface="Helvetica" pitchFamily="2" charset="0"/>
+                  </a:rPr>
+                  <a:t>23</a:t>
+                </a:r>
+                <a:r>
+                  <a:rPr lang="en-US" dirty="0">
+                    <a:latin typeface="Helvetica" pitchFamily="2" charset="0"/>
+                  </a:rPr>
+                  <a:t>Na</a:t>
+                </a:r>
+                <a:r>
+                  <a:rPr lang="en-US" baseline="30000" dirty="0">
+                    <a:latin typeface="Helvetica" pitchFamily="2" charset="0"/>
+                  </a:rPr>
+                  <a:t>40</a:t>
+                </a:r>
+                <a:r>
+                  <a:rPr lang="en-US" dirty="0">
+                    <a:latin typeface="Helvetica" pitchFamily="2" charset="0"/>
+                  </a:rPr>
+                  <a:t>K Feshbach molecules of type Na(1,1) + K(9/2,-9/2)* with </a:t>
+                </a:r>
+                <a14:m>
+                  <m:oMath xmlns:m="http://schemas.openxmlformats.org/officeDocument/2006/math">
+                    <m:r>
+                      <a:rPr lang="en-US" b="0" i="1" smtClean="0">
+                        <a:latin typeface="Cambria Math" panose="02040503050406030204" pitchFamily="18" charset="0"/>
+                      </a:rPr>
+                      <m:t>𝑙</m:t>
+                    </m:r>
+                    <m:r>
+                      <a:rPr lang="en-US" b="0" i="1" smtClean="0">
+                        <a:latin typeface="Cambria Math" panose="02040503050406030204" pitchFamily="18" charset="0"/>
+                      </a:rPr>
+                      <m:t>=1</m:t>
+                    </m:r>
+                  </m:oMath>
+                </a14:m>
+                <a:endParaRPr lang="en-US" i="1" dirty="0">
+                  <a:latin typeface="Helvetica" pitchFamily="2" charset="0"/>
+                </a:endParaRPr>
+              </a:p>
+              <a:p>
+                <a:pPr>
+                  <a:lnSpc>
+                    <a:spcPct val="150000"/>
+                  </a:lnSpc>
+                </a:pPr>
+                <a:r>
+                  <a:rPr lang="en-US" i="1" dirty="0">
+                    <a:latin typeface="Helvetica" pitchFamily="2" charset="0"/>
+                  </a:rPr>
+                  <a:t>	</a:t>
+                </a:r>
+                <a:r>
+                  <a:rPr lang="en-US" u="sng" dirty="0">
+                    <a:latin typeface="Helvetica" pitchFamily="2" charset="0"/>
+                  </a:rPr>
+                  <a:t>Entrance channel is one of the </a:t>
+                </a:r>
+                <a:r>
+                  <a:rPr lang="en-US" u="sng" dirty="0" err="1">
+                    <a:latin typeface="Helvetica" pitchFamily="2" charset="0"/>
+                  </a:rPr>
+                  <a:t>Breit</a:t>
+                </a:r>
+                <a:r>
+                  <a:rPr lang="en-US" u="sng" dirty="0">
+                    <a:latin typeface="Helvetica" pitchFamily="2" charset="0"/>
+                  </a:rPr>
+                  <a:t>-Rabi basis states</a:t>
+                </a:r>
+                <a:endParaRPr lang="en-US" i="1" u="sng" dirty="0">
+                  <a:latin typeface="Helvetica" pitchFamily="2" charset="0"/>
+                </a:endParaRPr>
+              </a:p>
+              <a:p>
+                <a:pPr marL="285750" indent="-285750">
+                  <a:lnSpc>
+                    <a:spcPct val="150000"/>
+                  </a:lnSpc>
+                  <a:buFont typeface="Wingdings" pitchFamily="2" charset="2"/>
+                  <a:buChar char="Ø"/>
+                </a:pPr>
+                <a:r>
+                  <a:rPr lang="en-US" i="1" dirty="0">
+                    <a:latin typeface="Helvetica" pitchFamily="2" charset="0"/>
+                  </a:rPr>
+                  <a:t>Threshold energy </a:t>
+                </a:r>
+                <a14:m>
+                  <m:oMath xmlns:m="http://schemas.openxmlformats.org/officeDocument/2006/math">
+                    <m:sSub>
+                      <m:sSubPr>
+                        <m:ctrlPr>
+                          <a:rPr lang="en-US" i="1" smtClean="0">
+                            <a:latin typeface="Cambria Math" panose="02040503050406030204" pitchFamily="18" charset="0"/>
+                          </a:rPr>
+                        </m:ctrlPr>
+                      </m:sSubPr>
+                      <m:e>
+                        <m:r>
+                          <a:rPr lang="en-US" i="1">
+                            <a:latin typeface="Cambria Math" panose="02040503050406030204" pitchFamily="18" charset="0"/>
+                          </a:rPr>
+                          <m:t>𝐸</m:t>
+                        </m:r>
+                      </m:e>
+                      <m:sub>
+                        <m:r>
+                          <a:rPr lang="en-US" b="0" i="1" smtClean="0">
+                            <a:latin typeface="Cambria Math" panose="02040503050406030204" pitchFamily="18" charset="0"/>
+                          </a:rPr>
+                          <m:t>𝑡h</m:t>
+                        </m:r>
+                      </m:sub>
+                    </m:sSub>
+                  </m:oMath>
+                </a14:m>
+                <a:r>
+                  <a:rPr lang="en-US" i="1" dirty="0">
+                    <a:latin typeface="Helvetica" pitchFamily="2" charset="0"/>
+                  </a:rPr>
+                  <a:t>:</a:t>
+                </a:r>
+              </a:p>
+              <a:p>
+                <a:pPr lvl="1">
+                  <a:lnSpc>
+                    <a:spcPct val="150000"/>
+                  </a:lnSpc>
+                </a:pPr>
+                <a:r>
+                  <a:rPr lang="en-US" i="1" dirty="0">
+                    <a:latin typeface="Helvetica" pitchFamily="2" charset="0"/>
+                  </a:rPr>
+                  <a:t>	</a:t>
+                </a:r>
+                <a:r>
+                  <a:rPr lang="en-US" dirty="0">
+                    <a:latin typeface="Helvetica" pitchFamily="2" charset="0"/>
+                  </a:rPr>
+                  <a:t>Energy of two atoms at rest in entrance channel: </a:t>
+                </a:r>
+                <a:r>
+                  <a:rPr lang="en-US" dirty="0" err="1">
+                    <a:latin typeface="Helvetica" pitchFamily="2" charset="0"/>
+                  </a:rPr>
+                  <a:t>hfs</a:t>
+                </a:r>
+                <a:r>
+                  <a:rPr lang="en-US" dirty="0">
+                    <a:latin typeface="Helvetica" pitchFamily="2" charset="0"/>
+                  </a:rPr>
+                  <a:t> + Zeeman + relative motion contribution</a:t>
+                </a:r>
+              </a:p>
+              <a:p>
+                <a:pPr lvl="1">
+                  <a:lnSpc>
+                    <a:spcPct val="150000"/>
+                  </a:lnSpc>
+                </a:pPr>
+                <a:r>
+                  <a:rPr lang="en-US" i="1" dirty="0">
+                    <a:latin typeface="Helvetica" pitchFamily="2" charset="0"/>
+                  </a:rPr>
+                  <a:t>	</a:t>
+                </a:r>
+                <a:r>
+                  <a:rPr lang="en-US" dirty="0">
+                    <a:latin typeface="Helvetica" pitchFamily="2" charset="0"/>
+                  </a:rPr>
+                  <a:t>Separates discrete bound states from continuum of scattering states</a:t>
+                </a:r>
+              </a:p>
+              <a:p>
+                <a:pPr lvl="1">
+                  <a:lnSpc>
+                    <a:spcPct val="150000"/>
+                  </a:lnSpc>
+                </a:pPr>
+                <a:r>
+                  <a:rPr lang="en-US" i="1" dirty="0">
+                    <a:latin typeface="Helvetica" pitchFamily="2" charset="0"/>
+                  </a:rPr>
+                  <a:t>	</a:t>
+                </a:r>
+                <a:r>
+                  <a:rPr lang="en-US" dirty="0">
+                    <a:latin typeface="Helvetica" pitchFamily="2" charset="0"/>
+                  </a:rPr>
+                  <a:t>Defines full Hamiltonian such that </a:t>
+                </a:r>
+                <a14:m>
+                  <m:oMath xmlns:m="http://schemas.openxmlformats.org/officeDocument/2006/math">
+                    <m:sSub>
+                      <m:sSubPr>
+                        <m:ctrlPr>
+                          <a:rPr lang="en-US" i="1" smtClean="0">
+                            <a:latin typeface="Cambria Math" panose="02040503050406030204" pitchFamily="18" charset="0"/>
+                          </a:rPr>
+                        </m:ctrlPr>
+                      </m:sSubPr>
+                      <m:e>
+                        <m:r>
+                          <a:rPr lang="en-US" i="1">
+                            <a:latin typeface="Cambria Math" panose="02040503050406030204" pitchFamily="18" charset="0"/>
+                          </a:rPr>
+                          <m:t>𝐸</m:t>
+                        </m:r>
+                      </m:e>
+                      <m:sub>
+                        <m:r>
+                          <a:rPr lang="en-US" b="0" i="1" smtClean="0">
+                            <a:latin typeface="Cambria Math" panose="02040503050406030204" pitchFamily="18" charset="0"/>
+                          </a:rPr>
+                          <m:t>𝑡h</m:t>
+                        </m:r>
+                      </m:sub>
+                    </m:sSub>
+                    <m:r>
+                      <a:rPr lang="en-US" b="0" i="1" smtClean="0">
+                        <a:latin typeface="Cambria Math" panose="02040503050406030204" pitchFamily="18" charset="0"/>
+                      </a:rPr>
+                      <m:t>=0</m:t>
+                    </m:r>
+                  </m:oMath>
+                </a14:m>
+                <a:r>
+                  <a:rPr lang="en-US" dirty="0">
+                    <a:latin typeface="Helvetica" pitchFamily="2" charset="0"/>
+                  </a:rPr>
+                  <a:t> at all B field</a:t>
+                </a:r>
+                <a:endParaRPr lang="en-US" i="1" dirty="0">
+                  <a:latin typeface="Helvetica" pitchFamily="2" charset="0"/>
+                </a:endParaRPr>
+              </a:p>
+            </p:txBody>
+          </p:sp>
+        </mc:Choice>
+        <mc:Fallback>
+          <p:sp>
+            <p:nvSpPr>
+              <p:cNvPr id="9" name="TextBox 8">
+                <a:extLst>
+                  <a:ext uri="{FF2B5EF4-FFF2-40B4-BE49-F238E27FC236}">
+                    <a16:creationId xmlns:a16="http://schemas.microsoft.com/office/drawing/2014/main" id="{05B198E9-2FC1-1928-FF48-36D92B1FA6AC}"/>
+                  </a:ext>
+                </a:extLst>
+              </p:cNvPr>
+              <p:cNvSpPr txBox="1">
+                <a:spLocks noRot="1" noChangeAspect="1" noMove="1" noResize="1" noEditPoints="1" noAdjustHandles="1" noChangeArrowheads="1" noChangeShapeType="1" noTextEdit="1"/>
+              </p:cNvSpPr>
+              <p:nvPr/>
+            </p:nvSpPr>
+            <p:spPr>
+              <a:xfrm>
+                <a:off x="484742" y="1758682"/>
+                <a:ext cx="11078379" cy="3376117"/>
+              </a:xfrm>
+              <a:prstGeom prst="rect">
+                <a:avLst/>
+              </a:prstGeom>
+              <a:blipFill>
+                <a:blip r:embed="rId3"/>
+                <a:stretch>
+                  <a:fillRect l="-344" b="-1873"/>
+                </a:stretch>
+              </a:blipFill>
+            </p:spPr>
+            <p:txBody>
+              <a:bodyPr/>
+              <a:lstStyle/>
+              <a:p>
+                <a:r>
+                  <a:rPr lang="en-US">
+                    <a:noFill/>
+                  </a:rPr>
+                  <a:t> </a:t>
+                </a:r>
+              </a:p>
+            </p:txBody>
+          </p:sp>
+        </mc:Fallback>
+      </mc:AlternateContent>
+      <p:pic>
+        <p:nvPicPr>
+          <p:cNvPr id="11" name="Picture 10">
+            <a:extLst>
+              <a:ext uri="{FF2B5EF4-FFF2-40B4-BE49-F238E27FC236}">
+                <a16:creationId xmlns:a16="http://schemas.microsoft.com/office/drawing/2014/main" id="{0D879895-2C61-ABDA-9BE0-AAF5E48068EA}"/>
+              </a:ext>
+            </a:extLst>
+          </p:cNvPr>
+          <p:cNvPicPr>
+            <a:picLocks noChangeAspect="1"/>
+          </p:cNvPicPr>
+          <p:nvPr/>
+        </p:nvPicPr>
+        <p:blipFill>
+          <a:blip r:embed="rId4"/>
+          <a:stretch>
+            <a:fillRect/>
+          </a:stretch>
+        </p:blipFill>
+        <p:spPr>
+          <a:xfrm>
+            <a:off x="5106472" y="2203144"/>
+            <a:ext cx="659601" cy="447938"/>
+          </a:xfrm>
+          <a:prstGeom prst="rect">
+            <a:avLst/>
+          </a:prstGeom>
+        </p:spPr>
+      </p:pic>
+      <p:sp>
+        <p:nvSpPr>
+          <p:cNvPr id="12" name="TextBox 11">
+            <a:extLst>
+              <a:ext uri="{FF2B5EF4-FFF2-40B4-BE49-F238E27FC236}">
+                <a16:creationId xmlns:a16="http://schemas.microsoft.com/office/drawing/2014/main" id="{B37DC41C-6EA1-6ED8-00EA-108853101733}"/>
+              </a:ext>
+            </a:extLst>
+          </p:cNvPr>
+          <p:cNvSpPr txBox="1"/>
+          <p:nvPr/>
+        </p:nvSpPr>
+        <p:spPr>
+          <a:xfrm>
+            <a:off x="9702711" y="2744655"/>
+            <a:ext cx="1717137" cy="307777"/>
+          </a:xfrm>
+          <a:prstGeom prst="rect">
+            <a:avLst/>
+          </a:prstGeom>
+          <a:noFill/>
+        </p:spPr>
+        <p:txBody>
+          <a:bodyPr wrap="none" rtlCol="0">
+            <a:spAutoFit/>
+          </a:bodyPr>
+          <a:lstStyle/>
+          <a:p>
+            <a:r>
+              <a:rPr lang="en-US" sz="1400" dirty="0">
+                <a:solidFill>
+                  <a:schemeClr val="bg1">
+                    <a:lumMod val="50000"/>
+                  </a:schemeClr>
+                </a:solidFill>
+                <a:latin typeface="Helvetica" pitchFamily="2" charset="0"/>
+              </a:rPr>
+              <a:t>(*) in zero-field limit</a:t>
+            </a:r>
+          </a:p>
+        </p:txBody>
+      </p:sp>
+    </p:spTree>
+    <p:extLst>
+      <p:ext uri="{BB962C8B-B14F-4D97-AF65-F5344CB8AC3E}">
+        <p14:creationId xmlns:p14="http://schemas.microsoft.com/office/powerpoint/2010/main" val="768732505"/>
+      </p:ext>
+    </p:extLst>
+  </p:cSld>
+  <p:clrMapOvr>
+    <a:masterClrMapping/>
+  </p:clrMapOvr>
+</p:sld>
+</file>
+
+<file path=ppt/slides/slide11.xml><?xml version="1.0" encoding="utf-8"?>
+<p:sld xmlns:a="http://schemas.openxmlformats.org/drawingml/2006/main" xmlns:r="http://schemas.openxmlformats.org/officeDocument/2006/relationships" xmlns:p="http://schemas.openxmlformats.org/presentationml/2006/main">
+  <p:cSld>
+    <p:spTree>
+      <p:nvGrpSpPr>
+        <p:cNvPr id="1" name=""/>
+        <p:cNvGrpSpPr/>
+        <p:nvPr/>
+      </p:nvGrpSpPr>
+      <p:grpSpPr>
+        <a:xfrm>
+          <a:off x="0" y="0"/>
+          <a:ext cx="0" cy="0"/>
+          <a:chOff x="0" y="0"/>
+          <a:chExt cx="0" cy="0"/>
+        </a:xfrm>
+      </p:grpSpPr>
+      <p:sp>
+        <p:nvSpPr>
+          <p:cNvPr id="2" name="Title 1">
+            <a:extLst>
+              <a:ext uri="{FF2B5EF4-FFF2-40B4-BE49-F238E27FC236}">
+                <a16:creationId xmlns:a16="http://schemas.microsoft.com/office/drawing/2014/main" id="{D044DEFE-1FD6-B265-3FF7-65D2C3600DC7}"/>
+              </a:ext>
+            </a:extLst>
+          </p:cNvPr>
+          <p:cNvSpPr>
+            <a:spLocks noGrp="1"/>
+          </p:cNvSpPr>
+          <p:nvPr>
+            <p:ph type="title"/>
+          </p:nvPr>
+        </p:nvSpPr>
+        <p:spPr>
+          <a:xfrm>
+            <a:off x="628878" y="390556"/>
+            <a:ext cx="10123585" cy="1111134"/>
+          </a:xfrm>
+        </p:spPr>
+        <p:txBody>
+          <a:bodyPr>
+            <a:normAutofit/>
+          </a:bodyPr>
+          <a:lstStyle/>
+          <a:p>
+            <a:r>
+              <a:rPr lang="en-US" sz="3200" dirty="0">
+                <a:solidFill>
+                  <a:schemeClr val="accent5">
+                    <a:lumMod val="50000"/>
+                  </a:schemeClr>
+                </a:solidFill>
+                <a:latin typeface="Helvetica" pitchFamily="2" charset="0"/>
+              </a:rPr>
+              <a:t>ABM description: assumptions/simplifications</a:t>
+            </a:r>
+          </a:p>
+        </p:txBody>
+      </p:sp>
+      <mc:AlternateContent xmlns:mc="http://schemas.openxmlformats.org/markup-compatibility/2006">
+        <mc:Choice xmlns:a14="http://schemas.microsoft.com/office/drawing/2010/main" Requires="a14">
+          <p:sp>
+            <p:nvSpPr>
+              <p:cNvPr id="9" name="TextBox 8">
+                <a:extLst>
+                  <a:ext uri="{FF2B5EF4-FFF2-40B4-BE49-F238E27FC236}">
+                    <a16:creationId xmlns:a16="http://schemas.microsoft.com/office/drawing/2014/main" id="{05B198E9-2FC1-1928-FF48-36D92B1FA6AC}"/>
+                  </a:ext>
+                </a:extLst>
+              </p:cNvPr>
+              <p:cNvSpPr txBox="1"/>
+              <p:nvPr/>
+            </p:nvSpPr>
+            <p:spPr>
+              <a:xfrm>
+                <a:off x="484742" y="1594090"/>
+                <a:ext cx="11276728" cy="4622612"/>
+              </a:xfrm>
+              <a:prstGeom prst="rect">
+                <a:avLst/>
+              </a:prstGeom>
+              <a:noFill/>
+            </p:spPr>
+            <p:txBody>
+              <a:bodyPr wrap="square" rtlCol="0">
+                <a:spAutoFit/>
+              </a:bodyPr>
+              <a:lstStyle/>
+              <a:p>
+                <a:pPr marL="285750" indent="-285750">
+                  <a:lnSpc>
+                    <a:spcPct val="150000"/>
+                  </a:lnSpc>
+                  <a:buFont typeface="Wingdings" pitchFamily="2" charset="2"/>
+                  <a:buChar char="Ø"/>
+                </a:pPr>
+                <a:r>
+                  <a:rPr lang="en-US" dirty="0">
+                    <a:latin typeface="Helvetica" pitchFamily="2" charset="0"/>
+                  </a:rPr>
+                  <a:t>ABM works with a small, discrete set of rovibrational states           </a:t>
+                </a:r>
+              </a:p>
+              <a:p>
+                <a:pPr marL="742950" lvl="1" indent="-285750">
+                  <a:lnSpc>
+                    <a:spcPct val="150000"/>
+                  </a:lnSpc>
+                  <a:buFont typeface="Arial" panose="020B0604020202020204" pitchFamily="34" charset="0"/>
+                  <a:buChar char="•"/>
+                </a:pPr>
+                <a:r>
+                  <a:rPr lang="en-US" u="sng" dirty="0">
+                    <a:latin typeface="Helvetica" pitchFamily="2" charset="0"/>
+                  </a:rPr>
+                  <a:t>Assumption</a:t>
+                </a:r>
+                <a:r>
+                  <a:rPr lang="en-US" dirty="0">
+                    <a:latin typeface="Helvetica" pitchFamily="2" charset="0"/>
+                  </a:rPr>
+                  <a:t>: coupling due to </a:t>
+                </a:r>
+                <a:r>
+                  <a:rPr lang="en-US" dirty="0" err="1">
+                    <a:latin typeface="Helvetica" pitchFamily="2" charset="0"/>
+                  </a:rPr>
+                  <a:t>hfs</a:t>
+                </a:r>
+                <a:r>
+                  <a:rPr lang="en-US" dirty="0">
+                    <a:latin typeface="Helvetica" pitchFamily="2" charset="0"/>
+                  </a:rPr>
+                  <a:t> &lt;&lt; separation of rovibrational levels</a:t>
+                </a:r>
+              </a:p>
+              <a:p>
+                <a:pPr marL="742950" lvl="1" indent="-285750">
+                  <a:lnSpc>
+                    <a:spcPct val="150000"/>
+                  </a:lnSpc>
+                  <a:buFont typeface="Arial" panose="020B0604020202020204" pitchFamily="34" charset="0"/>
+                  <a:buChar char="•"/>
+                </a:pPr>
+                <a:r>
+                  <a:rPr lang="en-US" dirty="0">
+                    <a:latin typeface="Helvetica" pitchFamily="2" charset="0"/>
+                  </a:rPr>
+                  <a:t>If met, then a few states suffice: the least-bound rovibrational states in each potential</a:t>
+                </a:r>
+              </a:p>
+              <a:p>
+                <a:pPr marL="742950" lvl="1" indent="-285750">
+                  <a:lnSpc>
+                    <a:spcPct val="150000"/>
+                  </a:lnSpc>
+                  <a:buFont typeface="Arial" panose="020B0604020202020204" pitchFamily="34" charset="0"/>
+                  <a:buChar char="•"/>
+                </a:pPr>
+                <a:r>
+                  <a:rPr lang="en-US" dirty="0">
+                    <a:latin typeface="Helvetica" pitchFamily="2" charset="0"/>
+                  </a:rPr>
+                  <a:t>Least-bound states (or asymptotically bound states) are </a:t>
+                </a:r>
+                <a:r>
+                  <a:rPr lang="en-US" dirty="0">
+                    <a:solidFill>
+                      <a:srgbClr val="0070C0"/>
+                    </a:solidFill>
+                    <a:latin typeface="Helvetica" pitchFamily="2" charset="0"/>
+                  </a:rPr>
+                  <a:t>nice</a:t>
+                </a:r>
+                <a:r>
+                  <a:rPr lang="en-US" dirty="0">
+                    <a:latin typeface="Helvetica" pitchFamily="2" charset="0"/>
+                  </a:rPr>
+                  <a:t>:</a:t>
+                </a:r>
+              </a:p>
+              <a:p>
+                <a:pPr lvl="2">
+                  <a:lnSpc>
+                    <a:spcPct val="150000"/>
+                  </a:lnSpc>
+                </a:pPr>
+                <a:r>
+                  <a:rPr lang="en-US" dirty="0">
+                    <a:latin typeface="Helvetica" pitchFamily="2" charset="0"/>
+                  </a:rPr>
+                  <a:t>Can estimate FC factors + binding energies based on long-range behavior of interatomic potential</a:t>
+                </a:r>
+              </a:p>
+              <a:p>
+                <a:pPr marL="285750" indent="-285750">
+                  <a:lnSpc>
+                    <a:spcPct val="150000"/>
+                  </a:lnSpc>
+                  <a:buFont typeface="Wingdings" pitchFamily="2" charset="2"/>
+                  <a:buChar char="Ø"/>
+                </a:pPr>
+                <a:r>
+                  <a:rPr lang="en-US" dirty="0">
+                    <a:latin typeface="Helvetica" pitchFamily="2" charset="0"/>
+                  </a:rPr>
+                  <a:t>No solving of radial SE equation + no need to involve many rovibrational levels</a:t>
+                </a:r>
+              </a:p>
+              <a:p>
+                <a:pPr marL="742950" lvl="1" indent="-285750">
+                  <a:lnSpc>
+                    <a:spcPct val="150000"/>
+                  </a:lnSpc>
+                  <a:buFont typeface="Wingdings" pitchFamily="2" charset="2"/>
+                  <a:buChar char="à"/>
+                </a:pPr>
+                <a:r>
+                  <a:rPr lang="en-US" dirty="0">
+                    <a:latin typeface="Helvetica" pitchFamily="2" charset="0"/>
+                    <a:sym typeface="Wingdings" pitchFamily="2" charset="2"/>
+                  </a:rPr>
+                  <a:t>Enormous simplification over CCC</a:t>
+                </a:r>
+                <a:endParaRPr lang="en-US" dirty="0">
+                  <a:latin typeface="Helvetica" pitchFamily="2" charset="0"/>
+                </a:endParaRPr>
+              </a:p>
+              <a:p>
+                <a:pPr marL="285750" indent="-285750">
+                  <a:lnSpc>
+                    <a:spcPct val="150000"/>
+                  </a:lnSpc>
+                  <a:buFont typeface="Wingdings" pitchFamily="2" charset="2"/>
+                  <a:buChar char="Ø"/>
+                </a:pPr>
+                <a:r>
+                  <a:rPr lang="en-US" dirty="0">
+                    <a:latin typeface="Helvetica" pitchFamily="2" charset="0"/>
+                  </a:rPr>
+                  <a:t>No continuum involved</a:t>
+                </a:r>
+              </a:p>
+              <a:p>
+                <a:pPr marL="285750" indent="-285750">
+                  <a:lnSpc>
+                    <a:spcPct val="150000"/>
+                  </a:lnSpc>
+                  <a:buFont typeface="Wingdings" pitchFamily="2" charset="2"/>
+                  <a:buChar char="Ø"/>
+                </a:pPr>
+                <a:r>
+                  <a:rPr lang="en-US" dirty="0">
+                    <a:latin typeface="Helvetica" pitchFamily="2" charset="0"/>
+                  </a:rPr>
+                  <a:t>For alkalis, S = 0,1. Also, the Hamiltonian conserves </a:t>
+                </a:r>
+                <a14:m>
+                  <m:oMath xmlns:m="http://schemas.openxmlformats.org/officeDocument/2006/math">
+                    <m:r>
+                      <a:rPr lang="en-US" b="0" i="1" smtClean="0">
+                        <a:latin typeface="Cambria Math" panose="02040503050406030204" pitchFamily="18" charset="0"/>
+                      </a:rPr>
+                      <m:t>𝑙</m:t>
+                    </m:r>
+                  </m:oMath>
+                </a14:m>
+                <a:r>
+                  <a:rPr lang="en-US" dirty="0">
+                    <a:latin typeface="Helvetica" pitchFamily="2" charset="0"/>
+                  </a:rPr>
+                  <a:t> and </a:t>
+                </a:r>
+                <a14:m>
+                  <m:oMath xmlns:m="http://schemas.openxmlformats.org/officeDocument/2006/math">
+                    <m:sSub>
+                      <m:sSubPr>
+                        <m:ctrlPr>
+                          <a:rPr lang="en-US" b="0" i="1" smtClean="0">
+                            <a:latin typeface="Cambria Math" panose="02040503050406030204" pitchFamily="18" charset="0"/>
+                          </a:rPr>
+                        </m:ctrlPr>
+                      </m:sSubPr>
+                      <m:e>
+                        <m:r>
+                          <a:rPr lang="en-US" b="0" i="1" smtClean="0">
+                            <a:latin typeface="Cambria Math" panose="02040503050406030204" pitchFamily="18" charset="0"/>
+                          </a:rPr>
+                          <m:t>𝑀</m:t>
+                        </m:r>
+                      </m:e>
+                      <m:sub>
+                        <m:r>
+                          <a:rPr lang="en-US" b="0" i="1" smtClean="0">
+                            <a:latin typeface="Cambria Math" panose="02040503050406030204" pitchFamily="18" charset="0"/>
+                          </a:rPr>
+                          <m:t>𝐹</m:t>
+                        </m:r>
+                      </m:sub>
+                    </m:sSub>
+                  </m:oMath>
+                </a14:m>
+                <a:endParaRPr lang="en-US" dirty="0">
+                  <a:latin typeface="Helvetica" pitchFamily="2" charset="0"/>
+                </a:endParaRPr>
+              </a:p>
+              <a:p>
+                <a:pPr marL="742950" lvl="1" indent="-285750">
+                  <a:lnSpc>
+                    <a:spcPct val="150000"/>
+                  </a:lnSpc>
+                  <a:buFont typeface="Wingdings" pitchFamily="2" charset="2"/>
+                  <a:buChar char="à"/>
+                </a:pPr>
+                <a:r>
+                  <a:rPr lang="en-US" b="0" dirty="0">
+                    <a:latin typeface="Helvetica" pitchFamily="2" charset="0"/>
+                    <a:sym typeface="Wingdings" pitchFamily="2" charset="2"/>
+                  </a:rPr>
+                  <a:t>Basis set is only a subset of all possible states                               </a:t>
+                </a:r>
+              </a:p>
+              <a:p>
+                <a:pPr marL="742950" lvl="1" indent="-285750">
+                  <a:lnSpc>
+                    <a:spcPct val="150000"/>
+                  </a:lnSpc>
+                  <a:buFont typeface="Wingdings" pitchFamily="2" charset="2"/>
+                  <a:buChar char="à"/>
+                </a:pPr>
+                <a:r>
+                  <a:rPr lang="en-US" b="0" dirty="0">
+                    <a:latin typeface="Helvetica" pitchFamily="2" charset="0"/>
+                    <a:sym typeface="Wingdings" pitchFamily="2" charset="2"/>
+                  </a:rPr>
+                  <a:t>Mor</a:t>
+                </a:r>
+                <a:r>
+                  <a:rPr lang="en-US" dirty="0">
+                    <a:latin typeface="Helvetica" pitchFamily="2" charset="0"/>
+                    <a:sym typeface="Wingdings" pitchFamily="2" charset="2"/>
+                  </a:rPr>
+                  <a:t>e reduction in complexity</a:t>
+                </a:r>
+                <a:endParaRPr lang="en-US" b="0" dirty="0">
+                  <a:latin typeface="Helvetica" pitchFamily="2" charset="0"/>
+                </a:endParaRPr>
+              </a:p>
+            </p:txBody>
+          </p:sp>
+        </mc:Choice>
+        <mc:Fallback>
+          <p:sp>
+            <p:nvSpPr>
+              <p:cNvPr id="9" name="TextBox 8">
+                <a:extLst>
+                  <a:ext uri="{FF2B5EF4-FFF2-40B4-BE49-F238E27FC236}">
+                    <a16:creationId xmlns:a16="http://schemas.microsoft.com/office/drawing/2014/main" id="{05B198E9-2FC1-1928-FF48-36D92B1FA6AC}"/>
+                  </a:ext>
+                </a:extLst>
+              </p:cNvPr>
+              <p:cNvSpPr txBox="1">
+                <a:spLocks noRot="1" noChangeAspect="1" noMove="1" noResize="1" noEditPoints="1" noAdjustHandles="1" noChangeArrowheads="1" noChangeShapeType="1" noTextEdit="1"/>
+              </p:cNvSpPr>
+              <p:nvPr/>
+            </p:nvSpPr>
+            <p:spPr>
+              <a:xfrm>
+                <a:off x="484742" y="1594090"/>
+                <a:ext cx="11276728" cy="4622612"/>
+              </a:xfrm>
+              <a:prstGeom prst="rect">
+                <a:avLst/>
+              </a:prstGeom>
+              <a:blipFill>
+                <a:blip r:embed="rId2"/>
+                <a:stretch>
+                  <a:fillRect l="-338" b="-1096"/>
+                </a:stretch>
+              </a:blipFill>
+            </p:spPr>
+            <p:txBody>
+              <a:bodyPr/>
+              <a:lstStyle/>
+              <a:p>
+                <a:r>
+                  <a:rPr lang="en-US">
+                    <a:noFill/>
+                  </a:rPr>
+                  <a:t> </a:t>
+                </a:r>
+              </a:p>
+            </p:txBody>
+          </p:sp>
+        </mc:Fallback>
+      </mc:AlternateContent>
+      <p:pic>
+        <p:nvPicPr>
+          <p:cNvPr id="4" name="Picture 3">
+            <a:extLst>
+              <a:ext uri="{FF2B5EF4-FFF2-40B4-BE49-F238E27FC236}">
+                <a16:creationId xmlns:a16="http://schemas.microsoft.com/office/drawing/2014/main" id="{86AC07F4-AE90-72CE-DBEF-83595444A395}"/>
+              </a:ext>
+            </a:extLst>
+          </p:cNvPr>
+          <p:cNvPicPr>
+            <a:picLocks noChangeAspect="1"/>
+          </p:cNvPicPr>
+          <p:nvPr/>
+        </p:nvPicPr>
+        <p:blipFill>
+          <a:blip r:embed="rId3"/>
+          <a:stretch>
+            <a:fillRect/>
+          </a:stretch>
+        </p:blipFill>
+        <p:spPr>
+          <a:xfrm>
+            <a:off x="6804660" y="1820192"/>
+            <a:ext cx="1411823" cy="527016"/>
+          </a:xfrm>
+          <a:prstGeom prst="rect">
+            <a:avLst/>
+          </a:prstGeom>
+        </p:spPr>
+      </p:pic>
+      <p:pic>
+        <p:nvPicPr>
+          <p:cNvPr id="13" name="Picture 12">
+            <a:extLst>
+              <a:ext uri="{FF2B5EF4-FFF2-40B4-BE49-F238E27FC236}">
+                <a16:creationId xmlns:a16="http://schemas.microsoft.com/office/drawing/2014/main" id="{6C07247B-96BD-A0D6-B93C-8B94DD9366F3}"/>
+              </a:ext>
+            </a:extLst>
+          </p:cNvPr>
+          <p:cNvPicPr>
+            <a:picLocks noChangeAspect="1"/>
+          </p:cNvPicPr>
+          <p:nvPr/>
+        </p:nvPicPr>
+        <p:blipFill>
+          <a:blip r:embed="rId4"/>
+          <a:stretch>
+            <a:fillRect/>
+          </a:stretch>
+        </p:blipFill>
+        <p:spPr>
+          <a:xfrm>
+            <a:off x="6135188" y="5622088"/>
+            <a:ext cx="1515474" cy="400314"/>
+          </a:xfrm>
+          <a:prstGeom prst="rect">
+            <a:avLst/>
+          </a:prstGeom>
+        </p:spPr>
+      </p:pic>
+    </p:spTree>
+    <p:extLst>
+      <p:ext uri="{BB962C8B-B14F-4D97-AF65-F5344CB8AC3E}">
+        <p14:creationId xmlns:p14="http://schemas.microsoft.com/office/powerpoint/2010/main" val="981266983"/>
+      </p:ext>
+    </p:extLst>
+  </p:cSld>
+  <p:clrMapOvr>
+    <a:masterClrMapping/>
+  </p:clrMapOvr>
+</p:sld>
+</file>
+
+<file path=ppt/slides/slide12.xml><?xml version="1.0" encoding="utf-8"?>
+<p:sld xmlns:a="http://schemas.openxmlformats.org/drawingml/2006/main" xmlns:r="http://schemas.openxmlformats.org/officeDocument/2006/relationships" xmlns:p="http://schemas.openxmlformats.org/presentationml/2006/main">
+  <p:cSld>
+    <p:spTree>
+      <p:nvGrpSpPr>
+        <p:cNvPr id="1" name=""/>
+        <p:cNvGrpSpPr/>
+        <p:nvPr/>
+      </p:nvGrpSpPr>
+      <p:grpSpPr>
+        <a:xfrm>
+          <a:off x="0" y="0"/>
+          <a:ext cx="0" cy="0"/>
+          <a:chOff x="0" y="0"/>
+          <a:chExt cx="0" cy="0"/>
+        </a:xfrm>
+      </p:grpSpPr>
+      <p:sp>
+        <p:nvSpPr>
+          <p:cNvPr id="2" name="Title 1">
+            <a:extLst>
+              <a:ext uri="{FF2B5EF4-FFF2-40B4-BE49-F238E27FC236}">
+                <a16:creationId xmlns:a16="http://schemas.microsoft.com/office/drawing/2014/main" id="{D044DEFE-1FD6-B265-3FF7-65D2C3600DC7}"/>
+              </a:ext>
+            </a:extLst>
+          </p:cNvPr>
+          <p:cNvSpPr>
+            <a:spLocks noGrp="1"/>
+          </p:cNvSpPr>
+          <p:nvPr>
+            <p:ph type="title"/>
+          </p:nvPr>
+        </p:nvSpPr>
+        <p:spPr>
+          <a:xfrm>
+            <a:off x="628878" y="390556"/>
+            <a:ext cx="10123585" cy="1111134"/>
+          </a:xfrm>
+        </p:spPr>
+        <p:txBody>
+          <a:bodyPr>
+            <a:normAutofit/>
+          </a:bodyPr>
+          <a:lstStyle/>
+          <a:p>
+            <a:r>
+              <a:rPr lang="en-US" sz="3200" dirty="0">
+                <a:solidFill>
+                  <a:schemeClr val="accent5">
+                    <a:lumMod val="50000"/>
+                  </a:schemeClr>
+                </a:solidFill>
+                <a:latin typeface="Helvetica" pitchFamily="2" charset="0"/>
+              </a:rPr>
+              <a:t>So far… we have</a:t>
+            </a:r>
+          </a:p>
+        </p:txBody>
+      </p:sp>
+      <p:sp>
+        <p:nvSpPr>
+          <p:cNvPr id="9" name="TextBox 8">
+            <a:extLst>
+              <a:ext uri="{FF2B5EF4-FFF2-40B4-BE49-F238E27FC236}">
+                <a16:creationId xmlns:a16="http://schemas.microsoft.com/office/drawing/2014/main" id="{05B198E9-2FC1-1928-FF48-36D92B1FA6AC}"/>
+              </a:ext>
+            </a:extLst>
+          </p:cNvPr>
+          <p:cNvSpPr txBox="1"/>
+          <p:nvPr/>
+        </p:nvSpPr>
+        <p:spPr>
+          <a:xfrm>
+            <a:off x="457636" y="1578551"/>
+            <a:ext cx="11276728" cy="1298625"/>
+          </a:xfrm>
+          <a:prstGeom prst="rect">
+            <a:avLst/>
+          </a:prstGeom>
+          <a:noFill/>
+        </p:spPr>
+        <p:txBody>
+          <a:bodyPr wrap="square" rtlCol="0">
+            <a:spAutoFit/>
+          </a:bodyPr>
+          <a:lstStyle/>
+          <a:p>
+            <a:pPr marL="285750" indent="-285750">
+              <a:lnSpc>
+                <a:spcPct val="150000"/>
+              </a:lnSpc>
+              <a:buFont typeface="Wingdings" pitchFamily="2" charset="2"/>
+              <a:buChar char="Ø"/>
+            </a:pPr>
+            <a:r>
+              <a:rPr lang="en-US" dirty="0">
+                <a:latin typeface="Helvetica" pitchFamily="2" charset="0"/>
+              </a:rPr>
+              <a:t>Basis states</a:t>
+            </a:r>
+          </a:p>
+          <a:p>
+            <a:pPr marL="285750" indent="-285750">
+              <a:lnSpc>
+                <a:spcPct val="150000"/>
+              </a:lnSpc>
+              <a:buFont typeface="Wingdings" pitchFamily="2" charset="2"/>
+              <a:buChar char="Ø"/>
+            </a:pPr>
+            <a:r>
+              <a:rPr lang="en-US" b="0" dirty="0">
+                <a:latin typeface="Helvetica" pitchFamily="2" charset="0"/>
+              </a:rPr>
+              <a:t>Hamiltonian</a:t>
+            </a:r>
+          </a:p>
+          <a:p>
+            <a:pPr marL="285750" indent="-285750">
+              <a:lnSpc>
+                <a:spcPct val="150000"/>
+              </a:lnSpc>
+              <a:buFont typeface="Wingdings" pitchFamily="2" charset="2"/>
+              <a:buChar char="Ø"/>
+            </a:pPr>
+            <a:r>
+              <a:rPr lang="en-US" b="0" dirty="0">
+                <a:latin typeface="Helvetica" pitchFamily="2" charset="0"/>
+              </a:rPr>
+              <a:t>Rule for getting Hamiltonian matrix elements</a:t>
+            </a:r>
+          </a:p>
+        </p:txBody>
+      </p:sp>
+      <p:pic>
+        <p:nvPicPr>
+          <p:cNvPr id="3" name="Picture 2">
+            <a:extLst>
+              <a:ext uri="{FF2B5EF4-FFF2-40B4-BE49-F238E27FC236}">
+                <a16:creationId xmlns:a16="http://schemas.microsoft.com/office/drawing/2014/main" id="{972F30A3-5DCA-8B29-E5E9-45804ABD15E1}"/>
+              </a:ext>
+            </a:extLst>
+          </p:cNvPr>
+          <p:cNvPicPr>
+            <a:picLocks noChangeAspect="1"/>
+          </p:cNvPicPr>
+          <p:nvPr/>
+        </p:nvPicPr>
+        <p:blipFill>
+          <a:blip r:embed="rId2"/>
+          <a:stretch>
+            <a:fillRect/>
+          </a:stretch>
+        </p:blipFill>
+        <p:spPr>
+          <a:xfrm>
+            <a:off x="996299" y="3106438"/>
+            <a:ext cx="6384290" cy="704621"/>
+          </a:xfrm>
+          <a:prstGeom prst="rect">
+            <a:avLst/>
+          </a:prstGeom>
+          <a:solidFill>
+            <a:srgbClr val="FFFFFF">
+              <a:shade val="85000"/>
+            </a:srgbClr>
+          </a:solidFill>
+          <a:ln w="88900" cap="sq">
+            <a:solidFill>
+              <a:srgbClr val="FFFFFF"/>
+            </a:solidFill>
+            <a:miter lim="800000"/>
+          </a:ln>
+          <a:effectLst>
+            <a:outerShdw blurRad="55000" dist="18000" dir="5400000" algn="tl" rotWithShape="0">
+              <a:srgbClr val="000000">
+                <a:alpha val="40000"/>
+              </a:srgbClr>
+            </a:outerShdw>
+          </a:effectLst>
+          <a:scene3d>
+            <a:camera prst="orthographicFront"/>
+            <a:lightRig rig="twoPt" dir="t">
+              <a:rot lat="0" lon="0" rev="7200000"/>
+            </a:lightRig>
+          </a:scene3d>
+          <a:sp3d>
+            <a:bevelT w="25400" h="19050"/>
+            <a:contourClr>
+              <a:srgbClr val="FFFFFF"/>
+            </a:contourClr>
+          </a:sp3d>
+        </p:spPr>
+      </p:pic>
+      <p:cxnSp>
+        <p:nvCxnSpPr>
+          <p:cNvPr id="8" name="Straight Arrow Connector 7">
+            <a:extLst>
+              <a:ext uri="{FF2B5EF4-FFF2-40B4-BE49-F238E27FC236}">
+                <a16:creationId xmlns:a16="http://schemas.microsoft.com/office/drawing/2014/main" id="{83690DF5-4B71-0AFA-C0E5-60EB5A7F0BE8}"/>
+              </a:ext>
+            </a:extLst>
+          </p:cNvPr>
+          <p:cNvCxnSpPr>
+            <a:cxnSpLocks/>
+          </p:cNvCxnSpPr>
+          <p:nvPr/>
+        </p:nvCxnSpPr>
+        <p:spPr>
+          <a:xfrm flipH="1" flipV="1">
+            <a:off x="1447800" y="3708400"/>
+            <a:ext cx="1003665" cy="1130300"/>
+          </a:xfrm>
+          <a:prstGeom prst="straightConnector1">
+            <a:avLst/>
+          </a:prstGeom>
+          <a:ln w="12700">
+            <a:solidFill>
+              <a:srgbClr val="FF0000"/>
+            </a:solidFill>
+            <a:tailEnd type="triangle"/>
+          </a:ln>
+        </p:spPr>
+        <p:style>
+          <a:lnRef idx="1">
+            <a:schemeClr val="dk1"/>
+          </a:lnRef>
+          <a:fillRef idx="0">
+            <a:schemeClr val="dk1"/>
+          </a:fillRef>
+          <a:effectRef idx="0">
+            <a:schemeClr val="dk1"/>
+          </a:effectRef>
+          <a:fontRef idx="minor">
+            <a:schemeClr val="tx1"/>
+          </a:fontRef>
+        </p:style>
+      </p:cxnSp>
+      <p:cxnSp>
+        <p:nvCxnSpPr>
+          <p:cNvPr id="14" name="Straight Arrow Connector 13">
+            <a:extLst>
+              <a:ext uri="{FF2B5EF4-FFF2-40B4-BE49-F238E27FC236}">
+                <a16:creationId xmlns:a16="http://schemas.microsoft.com/office/drawing/2014/main" id="{F95AC1D6-83BD-A150-8F9F-59C905CAEFF4}"/>
+              </a:ext>
+            </a:extLst>
+          </p:cNvPr>
+          <p:cNvCxnSpPr>
+            <a:cxnSpLocks/>
+          </p:cNvCxnSpPr>
+          <p:nvPr/>
+        </p:nvCxnSpPr>
+        <p:spPr>
+          <a:xfrm flipV="1">
+            <a:off x="3492135" y="3708400"/>
+            <a:ext cx="1308465" cy="1130300"/>
+          </a:xfrm>
+          <a:prstGeom prst="straightConnector1">
+            <a:avLst/>
+          </a:prstGeom>
+          <a:ln w="12700">
+            <a:solidFill>
+              <a:srgbClr val="FF0000"/>
+            </a:solidFill>
+            <a:tailEnd type="triangle"/>
+          </a:ln>
+        </p:spPr>
+        <p:style>
+          <a:lnRef idx="1">
+            <a:schemeClr val="dk1"/>
+          </a:lnRef>
+          <a:fillRef idx="0">
+            <a:schemeClr val="dk1"/>
+          </a:fillRef>
+          <a:effectRef idx="0">
+            <a:schemeClr val="dk1"/>
+          </a:effectRef>
+          <a:fontRef idx="minor">
+            <a:schemeClr val="tx1"/>
+          </a:fontRef>
+        </p:style>
+      </p:cxnSp>
+      <p:sp>
+        <p:nvSpPr>
+          <p:cNvPr id="17" name="TextBox 16">
+            <a:extLst>
+              <a:ext uri="{FF2B5EF4-FFF2-40B4-BE49-F238E27FC236}">
+                <a16:creationId xmlns:a16="http://schemas.microsoft.com/office/drawing/2014/main" id="{2E2C501F-1209-4257-52AB-A5D7DA4B57AE}"/>
+              </a:ext>
+            </a:extLst>
+          </p:cNvPr>
+          <p:cNvSpPr txBox="1"/>
+          <p:nvPr/>
+        </p:nvSpPr>
+        <p:spPr>
+          <a:xfrm>
+            <a:off x="2451465" y="4618476"/>
+            <a:ext cx="1040670" cy="707886"/>
+          </a:xfrm>
+          <a:prstGeom prst="rect">
+            <a:avLst/>
+          </a:prstGeom>
+          <a:noFill/>
+        </p:spPr>
+        <p:txBody>
+          <a:bodyPr wrap="none" rtlCol="0">
+            <a:spAutoFit/>
+          </a:bodyPr>
+          <a:lstStyle/>
+          <a:p>
+            <a:r>
+              <a:rPr lang="en-US" sz="4000" dirty="0">
+                <a:solidFill>
+                  <a:srgbClr val="FF0000"/>
+                </a:solidFill>
+                <a:latin typeface="Helvetica" pitchFamily="2" charset="0"/>
+              </a:rPr>
+              <a:t>???</a:t>
+            </a:r>
+          </a:p>
+        </p:txBody>
+      </p:sp>
+      <p:sp>
+        <p:nvSpPr>
+          <p:cNvPr id="20" name="TextBox 19">
+            <a:extLst>
+              <a:ext uri="{FF2B5EF4-FFF2-40B4-BE49-F238E27FC236}">
+                <a16:creationId xmlns:a16="http://schemas.microsoft.com/office/drawing/2014/main" id="{B9DE7B34-1379-49DC-CC0E-ECBC47EEC3A7}"/>
+              </a:ext>
+            </a:extLst>
+          </p:cNvPr>
+          <p:cNvSpPr txBox="1"/>
+          <p:nvPr/>
+        </p:nvSpPr>
+        <p:spPr>
+          <a:xfrm>
+            <a:off x="1625600" y="5276785"/>
+            <a:ext cx="2899320" cy="369332"/>
+          </a:xfrm>
+          <a:prstGeom prst="rect">
+            <a:avLst/>
+          </a:prstGeom>
+          <a:noFill/>
+        </p:spPr>
+        <p:txBody>
+          <a:bodyPr wrap="none" rtlCol="0">
+            <a:spAutoFit/>
+          </a:bodyPr>
+          <a:lstStyle/>
+          <a:p>
+            <a:r>
+              <a:rPr lang="en-US" dirty="0">
+                <a:solidFill>
+                  <a:srgbClr val="FF0000"/>
+                </a:solidFill>
+                <a:latin typeface="Helvetica" pitchFamily="2" charset="0"/>
+              </a:rPr>
+              <a:t>We need input parameters</a:t>
+            </a:r>
+          </a:p>
+        </p:txBody>
+      </p:sp>
+    </p:spTree>
+    <p:extLst>
+      <p:ext uri="{BB962C8B-B14F-4D97-AF65-F5344CB8AC3E}">
+        <p14:creationId xmlns:p14="http://schemas.microsoft.com/office/powerpoint/2010/main" val="2308511773"/>
+      </p:ext>
+    </p:extLst>
+  </p:cSld>
+  <p:clrMapOvr>
+    <a:masterClrMapping/>
+  </p:clrMapOvr>
+</p:sld>
+</file>
+
+<file path=ppt/slides/slide13.xml><?xml version="1.0" encoding="utf-8"?>
+<p:sld xmlns:a="http://schemas.openxmlformats.org/drawingml/2006/main" xmlns:r="http://schemas.openxmlformats.org/officeDocument/2006/relationships" xmlns:p="http://schemas.openxmlformats.org/presentationml/2006/main">
+  <p:cSld>
+    <p:spTree>
+      <p:nvGrpSpPr>
+        <p:cNvPr id="1" name=""/>
+        <p:cNvGrpSpPr/>
+        <p:nvPr/>
+      </p:nvGrpSpPr>
+      <p:grpSpPr>
+        <a:xfrm>
+          <a:off x="0" y="0"/>
+          <a:ext cx="0" cy="0"/>
+          <a:chOff x="0" y="0"/>
+          <a:chExt cx="0" cy="0"/>
+        </a:xfrm>
+      </p:grpSpPr>
+      <p:sp>
+        <p:nvSpPr>
+          <p:cNvPr id="2" name="Title 1">
+            <a:extLst>
+              <a:ext uri="{FF2B5EF4-FFF2-40B4-BE49-F238E27FC236}">
+                <a16:creationId xmlns:a16="http://schemas.microsoft.com/office/drawing/2014/main" id="{D044DEFE-1FD6-B265-3FF7-65D2C3600DC7}"/>
+              </a:ext>
+            </a:extLst>
+          </p:cNvPr>
+          <p:cNvSpPr>
+            <a:spLocks noGrp="1"/>
+          </p:cNvSpPr>
+          <p:nvPr>
+            <p:ph type="title"/>
+          </p:nvPr>
+        </p:nvSpPr>
+        <p:spPr>
+          <a:xfrm>
+            <a:off x="628878" y="390556"/>
+            <a:ext cx="10123585" cy="1111134"/>
+          </a:xfrm>
+        </p:spPr>
+        <p:txBody>
+          <a:bodyPr>
+            <a:normAutofit/>
+          </a:bodyPr>
+          <a:lstStyle/>
+          <a:p>
+            <a:r>
+              <a:rPr lang="en-US" sz="3200" dirty="0">
+                <a:solidFill>
+                  <a:schemeClr val="accent5">
+                    <a:lumMod val="50000"/>
+                  </a:schemeClr>
+                </a:solidFill>
+                <a:latin typeface="Helvetica" pitchFamily="2" charset="0"/>
+              </a:rPr>
+              <a:t>ABM implementation</a:t>
+            </a:r>
+          </a:p>
+        </p:txBody>
+      </p:sp>
+      <p:sp>
+        <p:nvSpPr>
+          <p:cNvPr id="9" name="TextBox 8">
+            <a:extLst>
+              <a:ext uri="{FF2B5EF4-FFF2-40B4-BE49-F238E27FC236}">
+                <a16:creationId xmlns:a16="http://schemas.microsoft.com/office/drawing/2014/main" id="{05B198E9-2FC1-1928-FF48-36D92B1FA6AC}"/>
+              </a:ext>
+            </a:extLst>
+          </p:cNvPr>
+          <p:cNvSpPr txBox="1"/>
+          <p:nvPr/>
+        </p:nvSpPr>
+        <p:spPr>
+          <a:xfrm>
+            <a:off x="484742" y="1594090"/>
+            <a:ext cx="11276728" cy="467629"/>
+          </a:xfrm>
+          <a:prstGeom prst="rect">
+            <a:avLst/>
+          </a:prstGeom>
+          <a:noFill/>
+        </p:spPr>
+        <p:txBody>
+          <a:bodyPr wrap="square" rtlCol="0">
+            <a:spAutoFit/>
+          </a:bodyPr>
+          <a:lstStyle/>
+          <a:p>
+            <a:pPr marL="285750" indent="-285750">
+              <a:lnSpc>
+                <a:spcPct val="150000"/>
+              </a:lnSpc>
+              <a:buFont typeface="Wingdings" pitchFamily="2" charset="2"/>
+              <a:buChar char="Ø"/>
+            </a:pPr>
+            <a:r>
+              <a:rPr lang="en-US" dirty="0">
+                <a:latin typeface="Helvetica" pitchFamily="2" charset="0"/>
+              </a:rPr>
+              <a:t>ABM</a:t>
+            </a:r>
+          </a:p>
+        </p:txBody>
+      </p:sp>
+    </p:spTree>
+    <p:extLst>
+      <p:ext uri="{BB962C8B-B14F-4D97-AF65-F5344CB8AC3E}">
+        <p14:creationId xmlns:p14="http://schemas.microsoft.com/office/powerpoint/2010/main" val="1503451146"/>
       </p:ext>
     </p:extLst>
   </p:cSld>
@@ -7009,7 +8526,7 @@
         <p:spPr>
           <a:xfrm>
             <a:off x="628878" y="270236"/>
-            <a:ext cx="4413175" cy="1111134"/>
+            <a:ext cx="6099468" cy="1111134"/>
           </a:xfrm>
         </p:spPr>
         <p:txBody>
@@ -7027,7 +8544,7 @@
                 </a:solidFill>
                 <a:latin typeface="Helvetica" pitchFamily="2" charset="0"/>
               </a:rPr>
-              <a:t>Feshbach resonances</a:t>
+              <a:t>Feshbach resonances revisited</a:t>
             </a:r>
           </a:p>
         </p:txBody>
@@ -8090,7 +9607,7 @@
         </p:nvSpPr>
         <p:spPr>
           <a:xfrm rot="16200000">
-            <a:off x="9829854" y="4508367"/>
+            <a:off x="10075517" y="4481071"/>
             <a:ext cx="1460656" cy="338554"/>
           </a:xfrm>
           <a:prstGeom prst="rect">
@@ -10272,7 +11789,7 @@
                 <a:r>
                   <a:rPr lang="en-US" dirty="0">
                     <a:solidFill>
-                      <a:srgbClr val="00B050"/>
+                      <a:srgbClr val="7030A0"/>
                     </a:solidFill>
                     <a:latin typeface="Helvetica" pitchFamily="2" charset="0"/>
                   </a:rPr>
@@ -10281,7 +11798,7 @@
                 <a:r>
                   <a:rPr lang="en-US" dirty="0" err="1">
                     <a:solidFill>
-                      <a:srgbClr val="00B050"/>
+                      <a:srgbClr val="7030A0"/>
                     </a:solidFill>
                     <a:latin typeface="Helvetica" pitchFamily="2" charset="0"/>
                   </a:rPr>
@@ -10290,7 +11807,7 @@
                 <a:r>
                   <a:rPr lang="en-US" dirty="0">
                     <a:solidFill>
-                      <a:srgbClr val="00B050"/>
+                      <a:srgbClr val="7030A0"/>
                     </a:solidFill>
                     <a:latin typeface="Helvetica" pitchFamily="2" charset="0"/>
                   </a:rPr>
@@ -10303,7 +11820,7 @@
                         <m:ctrlPr>
                           <a:rPr lang="en-US" sz="2400" b="0" i="1" smtClean="0">
                             <a:solidFill>
-                              <a:srgbClr val="00B050"/>
+                              <a:srgbClr val="7030A0"/>
                             </a:solidFill>
                             <a:latin typeface="Cambria Math" panose="02040503050406030204" pitchFamily="18" charset="0"/>
                           </a:rPr>
@@ -10313,7 +11830,7 @@
                         <m:r>
                           <a:rPr lang="en-US" sz="2400" b="0" i="1" smtClean="0">
                             <a:solidFill>
-                              <a:srgbClr val="00B050"/>
+                              <a:srgbClr val="7030A0"/>
                             </a:solidFill>
                             <a:latin typeface="Cambria Math" panose="02040503050406030204" pitchFamily="18" charset="0"/>
                           </a:rPr>
@@ -10324,7 +11841,7 @@
                         <m:r>
                           <a:rPr lang="en-US" sz="2400" b="0" i="1" smtClean="0">
                             <a:solidFill>
-                              <a:srgbClr val="00B050"/>
+                              <a:srgbClr val="7030A0"/>
                             </a:solidFill>
                             <a:latin typeface="Cambria Math" panose="02040503050406030204" pitchFamily="18" charset="0"/>
                           </a:rPr>
@@ -10333,7 +11850,7 @@
                         <m:r>
                           <a:rPr lang="en-US" sz="2400" b="0" i="1" smtClean="0">
                             <a:solidFill>
-                              <a:srgbClr val="00B050"/>
+                              <a:srgbClr val="7030A0"/>
                             </a:solidFill>
                             <a:latin typeface="Cambria Math" panose="02040503050406030204" pitchFamily="18" charset="0"/>
                           </a:rPr>
@@ -10342,7 +11859,7 @@
                         <m:r>
                           <a:rPr lang="en-US" sz="2400" b="0" i="1" smtClean="0">
                             <a:solidFill>
-                              <a:srgbClr val="00B050"/>
+                              <a:srgbClr val="7030A0"/>
                             </a:solidFill>
                             <a:latin typeface="Cambria Math" panose="02040503050406030204" pitchFamily="18" charset="0"/>
                           </a:rPr>
@@ -10353,7 +11870,7 @@
                     <m:r>
                       <a:rPr lang="en-US" sz="2400" b="0" i="1" smtClean="0">
                         <a:solidFill>
-                          <a:srgbClr val="00B050"/>
+                          <a:srgbClr val="7030A0"/>
                         </a:solidFill>
                         <a:latin typeface="Cambria Math" panose="02040503050406030204" pitchFamily="18" charset="0"/>
                       </a:rPr>
@@ -10362,7 +11879,7 @@
                     <m:r>
                       <a:rPr lang="en-US" sz="2400" b="0" i="1" smtClean="0">
                         <a:solidFill>
-                          <a:srgbClr val="00B050"/>
+                          <a:srgbClr val="7030A0"/>
                         </a:solidFill>
                         <a:latin typeface="Cambria Math" panose="02040503050406030204" pitchFamily="18" charset="0"/>
                       </a:rPr>
@@ -10371,7 +11888,7 @@
                     <m:r>
                       <a:rPr lang="en-US" sz="2400" b="0" i="1" smtClean="0">
                         <a:solidFill>
-                          <a:srgbClr val="00B050"/>
+                          <a:srgbClr val="7030A0"/>
                         </a:solidFill>
                         <a:latin typeface="Cambria Math" panose="02040503050406030204" pitchFamily="18" charset="0"/>
                       </a:rPr>
@@ -10381,7 +11898,7 @@
                 </a14:m>
                 <a:endParaRPr lang="en-US" sz="2400" dirty="0">
                   <a:solidFill>
-                    <a:srgbClr val="00B050"/>
+                    <a:srgbClr val="7030A0"/>
                   </a:solidFill>
                   <a:latin typeface="Helvetica" pitchFamily="2" charset="0"/>
                 </a:endParaRPr>
@@ -10501,7 +12018,7 @@
                 </a:solidFill>
                 <a:latin typeface="Helvetica" pitchFamily="2" charset="0"/>
               </a:rPr>
-              <a:t>ABM description: Definitions</a:t>
+              <a:t>ABM description: Basis states</a:t>
             </a:r>
           </a:p>
         </p:txBody>
@@ -10540,10 +12057,10 @@
         <mc:Choice xmlns:a14="http://schemas.microsoft.com/office/drawing/2010/main" Requires="a14">
           <p:sp>
             <p:nvSpPr>
-              <p:cNvPr id="9" name="TextBox 8">
+              <p:cNvPr id="46" name="TextBox 45">
                 <a:extLst>
                   <a:ext uri="{FF2B5EF4-FFF2-40B4-BE49-F238E27FC236}">
-                    <a16:creationId xmlns:a16="http://schemas.microsoft.com/office/drawing/2014/main" id="{05B198E9-2FC1-1928-FF48-36D92B1FA6AC}"/>
+                    <a16:creationId xmlns:a16="http://schemas.microsoft.com/office/drawing/2014/main" id="{AF30866E-6DDC-C975-F64F-F603532DE13E}"/>
                   </a:ext>
                 </a:extLst>
               </p:cNvPr>
@@ -10552,8 +12069,8 @@
             </p:nvSpPr>
             <p:spPr>
               <a:xfrm>
-                <a:off x="484742" y="1450072"/>
-                <a:ext cx="11078379" cy="3791679"/>
+                <a:off x="490210" y="1556282"/>
+                <a:ext cx="11431279" cy="4853445"/>
               </a:xfrm>
               <a:prstGeom prst="rect">
                 <a:avLst/>
@@ -10567,9 +12084,6 @@
               <a:lstStyle/>
               <a:p>
                 <a:pPr marL="285750" indent="-285750">
-                  <a:lnSpc>
-                    <a:spcPct val="150000"/>
-                  </a:lnSpc>
                   <a:buFont typeface="Wingdings" pitchFamily="2" charset="2"/>
                   <a:buChar char="Ø"/>
                 </a:pPr>
@@ -10577,32 +12091,110 @@
                   <a:rPr lang="en-US" dirty="0">
                     <a:latin typeface="Helvetica" pitchFamily="2" charset="0"/>
                   </a:rPr>
-                  <a:t>Relative Hamiltonian is </a:t>
+                  <a:t>States: eigenstates of </a:t>
                 </a:r>
+                <a14:m>
+                  <m:oMath xmlns:m="http://schemas.openxmlformats.org/officeDocument/2006/math">
+                    <m:sSub>
+                      <m:sSubPr>
+                        <m:ctrlPr>
+                          <a:rPr lang="en-US" sz="2400" b="0" i="1" smtClean="0">
+                            <a:latin typeface="Cambria Math" panose="02040503050406030204" pitchFamily="18" charset="0"/>
+                          </a:rPr>
+                        </m:ctrlPr>
+                      </m:sSubPr>
+                      <m:e>
+                        <m:r>
+                          <a:rPr lang="en-US" sz="2400" b="0" i="1" smtClean="0">
+                            <a:latin typeface="Cambria Math" panose="02040503050406030204" pitchFamily="18" charset="0"/>
+                          </a:rPr>
+                          <m:t>𝐻</m:t>
+                        </m:r>
+                      </m:e>
+                      <m:sub>
+                        <m:r>
+                          <a:rPr lang="en-US" sz="2400" b="0" i="1" smtClean="0">
+                            <a:latin typeface="Cambria Math" panose="02040503050406030204" pitchFamily="18" charset="0"/>
+                          </a:rPr>
+                          <m:t>𝑟𝑒𝑙</m:t>
+                        </m:r>
+                      </m:sub>
+                    </m:sSub>
+                    <m:r>
+                      <a:rPr lang="en-US" sz="2400" b="0" i="1" smtClean="0">
+                        <a:latin typeface="Cambria Math" panose="02040503050406030204" pitchFamily="18" charset="0"/>
+                      </a:rPr>
+                      <m:t> ⊗</m:t>
+                    </m:r>
+                  </m:oMath>
+                </a14:m>
                 <a:r>
-                  <a:rPr lang="en-US" b="1" dirty="0">
+                  <a:rPr lang="en-US" b="0" dirty="0">
                     <a:latin typeface="Helvetica" pitchFamily="2" charset="0"/>
                   </a:rPr>
-                  <a:t>not</a:t>
+                  <a:t>   eigenstates of </a:t>
                 </a:r>
-                <a:r>
-                  <a:rPr lang="en-US" dirty="0">
-                    <a:latin typeface="Helvetica" pitchFamily="2" charset="0"/>
-                  </a:rPr>
-                  <a:t> diagonal in </a:t>
-                </a:r>
-                <a:r>
-                  <a:rPr lang="en-US" dirty="0" err="1">
-                    <a:latin typeface="Helvetica" pitchFamily="2" charset="0"/>
-                  </a:rPr>
-                  <a:t>Breit</a:t>
-                </a:r>
-                <a:r>
-                  <a:rPr lang="en-US" dirty="0">
-                    <a:latin typeface="Helvetica" pitchFamily="2" charset="0"/>
-                  </a:rPr>
-                  <a:t>-Rabi basis</a:t>
-                </a:r>
+                <a14:m>
+                  <m:oMath xmlns:m="http://schemas.openxmlformats.org/officeDocument/2006/math">
+                    <m:sSub>
+                      <m:sSubPr>
+                        <m:ctrlPr>
+                          <a:rPr lang="en-US" sz="2400" i="1">
+                            <a:latin typeface="Cambria Math" panose="02040503050406030204" pitchFamily="18" charset="0"/>
+                          </a:rPr>
+                        </m:ctrlPr>
+                      </m:sSubPr>
+                      <m:e>
+                        <m:r>
+                          <a:rPr lang="en-US" sz="2400" i="1">
+                            <a:latin typeface="Cambria Math" panose="02040503050406030204" pitchFamily="18" charset="0"/>
+                          </a:rPr>
+                          <m:t>𝐻</m:t>
+                        </m:r>
+                      </m:e>
+                      <m:sub>
+                        <m:r>
+                          <a:rPr lang="en-US" sz="2400" b="0" i="1" smtClean="0">
+                            <a:latin typeface="Cambria Math" panose="02040503050406030204" pitchFamily="18" charset="0"/>
+                          </a:rPr>
+                          <m:t>𝑖𝑛𝑡</m:t>
+                        </m:r>
+                      </m:sub>
+                    </m:sSub>
+                    <m:r>
+                      <a:rPr lang="en-US" sz="2400" i="1">
+                        <a:latin typeface="Cambria Math" panose="02040503050406030204" pitchFamily="18" charset="0"/>
+                      </a:rPr>
+                      <m:t> </m:t>
+                    </m:r>
+                  </m:oMath>
+                </a14:m>
+                <a:endParaRPr lang="en-US" sz="2400" dirty="0">
+                  <a:latin typeface="Helvetica" pitchFamily="2" charset="0"/>
+                </a:endParaRPr>
+              </a:p>
+              <a:p>
+                <a:pPr marL="285750" indent="-285750">
+                  <a:buFont typeface="Wingdings" pitchFamily="2" charset="2"/>
+                  <a:buChar char="Ø"/>
+                </a:pPr>
+                <a:endParaRPr lang="en-US" sz="2400" b="0" dirty="0">
+                  <a:latin typeface="Helvetica" pitchFamily="2" charset="0"/>
+                </a:endParaRPr>
+              </a:p>
+              <a:p>
+                <a:pPr marL="285750" indent="-285750">
+                  <a:buFont typeface="Wingdings" pitchFamily="2" charset="2"/>
+                  <a:buChar char="Ø"/>
+                </a:pPr>
+                <a:endParaRPr lang="en-US" sz="2400" dirty="0">
+                  <a:latin typeface="Helvetica" pitchFamily="2" charset="0"/>
+                </a:endParaRPr>
+              </a:p>
+              <a:p>
+                <a:endParaRPr lang="en-US" sz="2400" b="0" dirty="0">
+                  <a:latin typeface="Helvetica" pitchFamily="2" charset="0"/>
+                </a:endParaRPr>
               </a:p>
               <a:p>
                 <a:pPr marL="285750" indent="-285750">
@@ -10616,161 +12208,25 @@
                   <a:rPr lang="en-US" dirty="0">
                     <a:latin typeface="Helvetica" pitchFamily="2" charset="0"/>
                   </a:rPr>
-                  <a:t>But      can be decomposed into singlet and triplet parts</a:t>
-                </a:r>
-              </a:p>
-              <a:p>
-                <a:pPr>
-                  <a:lnSpc>
-                    <a:spcPct val="150000"/>
-                  </a:lnSpc>
-                </a:pPr>
-                <a:r>
-                  <a:rPr lang="en-US" dirty="0">
-                    <a:latin typeface="Helvetica" pitchFamily="2" charset="0"/>
-                  </a:rPr>
-                  <a:t>	</a:t>
+                  <a:t>Some bases are more natural than others in different circumstances </a:t>
                 </a:r>
                 <a:r>
                   <a:rPr lang="en-US" dirty="0">
                     <a:latin typeface="Helvetica" pitchFamily="2" charset="0"/>
                     <a:sym typeface="Wingdings" pitchFamily="2" charset="2"/>
                   </a:rPr>
-                  <a:t> Better</a:t>
+                  <a:t> need B-field dependent </a:t>
                 </a:r>
                 <a:r>
-                  <a:rPr lang="en-US" dirty="0">
+                  <a:rPr lang="en-US" dirty="0" err="1">
                     <a:latin typeface="Helvetica" pitchFamily="2" charset="0"/>
+                    <a:sym typeface="Wingdings" pitchFamily="2" charset="2"/>
                   </a:rPr>
-                  <a:t> to go to </a:t>
+                  <a:t>untaries</a:t>
                 </a:r>
-                <a:r>
-                  <a:rPr lang="en-US" dirty="0">
-                    <a:solidFill>
-                      <a:srgbClr val="00B050"/>
-                    </a:solidFill>
-                    <a:latin typeface="Helvetica" pitchFamily="2" charset="0"/>
-                  </a:rPr>
-                  <a:t>spin basis </a:t>
-                </a:r>
-                <a14:m>
-                  <m:oMath xmlns:m="http://schemas.openxmlformats.org/officeDocument/2006/math">
-                    <m:r>
-                      <a:rPr lang="en-US" b="0" i="0" smtClean="0">
-                        <a:latin typeface="Cambria Math" panose="02040503050406030204" pitchFamily="18" charset="0"/>
-                      </a:rPr>
-                      <m:t>|</m:t>
-                    </m:r>
-                    <m:r>
-                      <m:rPr>
-                        <m:nor/>
-                      </m:rPr>
-                      <a:rPr lang="en-US" dirty="0">
-                        <a:latin typeface="Helvetica" pitchFamily="2" charset="0"/>
-                      </a:rPr>
-                      <m:t>S</m:t>
-                    </m:r>
-                    <m:r>
-                      <m:rPr>
-                        <m:nor/>
-                      </m:rPr>
-                      <a:rPr lang="en-US" dirty="0">
-                        <a:latin typeface="Helvetica" pitchFamily="2" charset="0"/>
-                      </a:rPr>
-                      <m:t>, </m:t>
-                    </m:r>
-                    <m:r>
-                      <m:rPr>
-                        <m:nor/>
-                      </m:rPr>
-                      <a:rPr lang="en-US" dirty="0">
-                        <a:latin typeface="Helvetica" pitchFamily="2" charset="0"/>
-                      </a:rPr>
-                      <m:t>MS</m:t>
-                    </m:r>
-                    <m:r>
-                      <m:rPr>
-                        <m:nor/>
-                      </m:rPr>
-                      <a:rPr lang="en-US" dirty="0">
-                        <a:latin typeface="Helvetica" pitchFamily="2" charset="0"/>
-                      </a:rPr>
-                      <m:t>, </m:t>
-                    </m:r>
-                    <m:r>
-                      <m:rPr>
-                        <m:nor/>
-                      </m:rPr>
-                      <a:rPr lang="en-US" dirty="0">
-                        <a:latin typeface="Helvetica" pitchFamily="2" charset="0"/>
-                      </a:rPr>
-                      <m:t>MI</m:t>
-                    </m:r>
-                    <m:r>
-                      <m:rPr>
-                        <m:nor/>
-                      </m:rPr>
-                      <a:rPr lang="en-US" baseline="-25000" dirty="0">
-                        <a:latin typeface="Helvetica" pitchFamily="2" charset="0"/>
-                      </a:rPr>
-                      <m:t>,⍺, </m:t>
-                    </m:r>
-                    <m:r>
-                      <m:rPr>
-                        <m:nor/>
-                      </m:rPr>
-                      <a:rPr lang="en-US" dirty="0">
-                        <a:latin typeface="Helvetica" pitchFamily="2" charset="0"/>
-                      </a:rPr>
-                      <m:t>MI</m:t>
-                    </m:r>
-                    <m:r>
-                      <m:rPr>
-                        <m:nor/>
-                      </m:rPr>
-                      <a:rPr lang="en-US" baseline="-25000" dirty="0">
-                        <a:latin typeface="Helvetica" pitchFamily="2" charset="0"/>
-                      </a:rPr>
-                      <m:t>,</m:t>
-                    </m:r>
-                    <m:r>
-                      <m:rPr>
-                        <m:nor/>
-                      </m:rPr>
-                      <a:rPr lang="en-US" baseline="-25000" dirty="0">
-                        <a:latin typeface="Helvetica" pitchFamily="2" charset="0"/>
-                      </a:rPr>
-                      <m:t>β</m:t>
-                    </m:r>
-                    <m:r>
-                      <a:rPr lang="en-US" b="0" i="1" smtClean="0">
-                        <a:latin typeface="Cambria Math" panose="02040503050406030204" pitchFamily="18" charset="0"/>
-                      </a:rPr>
-                      <m:t>⟩</m:t>
-                    </m:r>
-                  </m:oMath>
-                </a14:m>
-                <a:r>
-                  <a:rPr lang="en-US" dirty="0">
-                    <a:solidFill>
-                      <a:srgbClr val="00B050"/>
-                    </a:solidFill>
-                    <a:latin typeface="Helvetica" pitchFamily="2" charset="0"/>
-                  </a:rPr>
-                  <a:t> </a:t>
-                </a:r>
-                <a:r>
-                  <a:rPr lang="en-US" dirty="0">
-                    <a:latin typeface="Helvetica" pitchFamily="2" charset="0"/>
-                  </a:rPr>
-                  <a:t>to simplify inclusion of couplings between </a:t>
-                </a:r>
-                <a:r>
-                  <a:rPr lang="en-US" i="1" dirty="0">
-                    <a:latin typeface="Helvetica" pitchFamily="2" charset="0"/>
-                  </a:rPr>
-                  <a:t>channels</a:t>
-                </a:r>
+                <a:endParaRPr lang="en-US" dirty="0">
+                  <a:latin typeface="Helvetica" pitchFamily="2" charset="0"/>
+                </a:endParaRPr>
               </a:p>
               <a:p>
                 <a:pPr marL="285750" indent="-285750">
@@ -10780,107 +12236,67 @@
                   <a:buFont typeface="Wingdings" pitchFamily="2" charset="2"/>
                   <a:buChar char="Ø"/>
                 </a:pPr>
-                <a:r>
-                  <a:rPr lang="en-US" i="1" dirty="0">
-                    <a:latin typeface="Helvetica" pitchFamily="2" charset="0"/>
-                  </a:rPr>
-                  <a:t>Entrance channel: </a:t>
-                </a:r>
                 <a:endParaRPr lang="en-US" dirty="0">
                   <a:latin typeface="Helvetica" pitchFamily="2" charset="0"/>
                 </a:endParaRPr>
               </a:p>
               <a:p>
-                <a:pPr>
+                <a:pPr marL="285750" indent="-285750">
                   <a:lnSpc>
                     <a:spcPct val="150000"/>
                   </a:lnSpc>
+                  <a:buFont typeface="Wingdings" pitchFamily="2" charset="2"/>
+                  <a:buChar char="Ø"/>
                 </a:pPr>
-                <a:r>
-                  <a:rPr lang="en-US" i="1" dirty="0">
-                    <a:latin typeface="Helvetica" pitchFamily="2" charset="0"/>
-                  </a:rPr>
-                  <a:t>	</a:t>
-                </a:r>
-                <a:r>
-                  <a:rPr lang="en-US" dirty="0">
-                    <a:latin typeface="Helvetica" pitchFamily="2" charset="0"/>
-                  </a:rPr>
-                  <a:t>Experimentally, entrance channel is            an eigenstate of internal Hamiltonian, with known </a:t>
-                </a:r>
-                <a14:m>
-                  <m:oMath xmlns:m="http://schemas.openxmlformats.org/officeDocument/2006/math">
-                    <m:r>
-                      <a:rPr lang="en-US" b="0" i="1" smtClean="0">
-                        <a:latin typeface="Cambria Math" panose="02040503050406030204" pitchFamily="18" charset="0"/>
-                      </a:rPr>
-                      <m:t>𝑙</m:t>
-                    </m:r>
-                  </m:oMath>
-                </a14:m>
-                <a:endParaRPr lang="en-US" b="0" dirty="0">
+                <a:endParaRPr lang="en-US" dirty="0">
                   <a:latin typeface="Helvetica" pitchFamily="2" charset="0"/>
                 </a:endParaRPr>
               </a:p>
               <a:p>
-                <a:pPr>
+                <a:pPr marL="285750" indent="-285750">
                   <a:lnSpc>
                     <a:spcPct val="150000"/>
                   </a:lnSpc>
+                  <a:buFont typeface="Wingdings" pitchFamily="2" charset="2"/>
+                  <a:buChar char="Ø"/>
                 </a:pPr>
-                <a:r>
-                  <a:rPr lang="en-US" dirty="0">
-                    <a:latin typeface="Helvetica" pitchFamily="2" charset="0"/>
-                  </a:rPr>
-                  <a:t>	e.g. </a:t>
-                </a:r>
-                <a:r>
-                  <a:rPr lang="en-US" baseline="30000">
-                    <a:latin typeface="Helvetica" pitchFamily="2" charset="0"/>
-                  </a:rPr>
-                  <a:t>23</a:t>
-                </a:r>
-                <a:r>
-                  <a:rPr lang="en-US">
-                    <a:latin typeface="Helvetica" pitchFamily="2" charset="0"/>
-                  </a:rPr>
-                  <a:t>Na</a:t>
-                </a:r>
-                <a:r>
-                  <a:rPr lang="en-US" baseline="30000">
-                    <a:latin typeface="Helvetica" pitchFamily="2" charset="0"/>
-                  </a:rPr>
-                  <a:t>40</a:t>
-                </a:r>
-                <a:r>
-                  <a:rPr lang="en-US">
-                    <a:latin typeface="Helvetica" pitchFamily="2" charset="0"/>
-                  </a:rPr>
-                  <a:t>K </a:t>
-                </a:r>
-                <a:r>
-                  <a:rPr lang="en-US" dirty="0">
-                    <a:latin typeface="Helvetica" pitchFamily="2" charset="0"/>
-                  </a:rPr>
-                  <a:t>Feshbach molecules of type Na(1,1) + K(9/2,-9/2)* with </a:t>
-                </a:r>
-                <a14:m>
-                  <m:oMath xmlns:m="http://schemas.openxmlformats.org/officeDocument/2006/math">
-                    <m:r>
-                      <a:rPr lang="en-US" b="0" i="1" smtClean="0">
-                        <a:latin typeface="Cambria Math" panose="02040503050406030204" pitchFamily="18" charset="0"/>
-                      </a:rPr>
-                      <m:t>𝑙</m:t>
-                    </m:r>
-                    <m:r>
-                      <a:rPr lang="en-US" b="0" i="1" smtClean="0">
-                        <a:latin typeface="Cambria Math" panose="02040503050406030204" pitchFamily="18" charset="0"/>
-                      </a:rPr>
-                      <m:t>=1</m:t>
-                    </m:r>
-                  </m:oMath>
-                </a14:m>
-                <a:endParaRPr lang="en-US" i="1" dirty="0">
+                <a:endParaRPr lang="en-US" dirty="0">
+                  <a:latin typeface="Helvetica" pitchFamily="2" charset="0"/>
+                </a:endParaRPr>
+              </a:p>
+              <a:p>
+                <a:pPr marL="285750" indent="-285750">
+                  <a:lnSpc>
+                    <a:spcPct val="150000"/>
+                  </a:lnSpc>
+                  <a:buFont typeface="Wingdings" pitchFamily="2" charset="2"/>
+                  <a:buChar char="Ø"/>
+                </a:pPr>
+                <a:endParaRPr lang="en-US" dirty="0">
+                  <a:latin typeface="Helvetica" pitchFamily="2" charset="0"/>
+                </a:endParaRPr>
+              </a:p>
+              <a:p>
+                <a:pPr marL="285750" indent="-285750">
+                  <a:lnSpc>
+                    <a:spcPct val="150000"/>
+                  </a:lnSpc>
+                  <a:buFont typeface="Wingdings" pitchFamily="2" charset="2"/>
+                  <a:buChar char="Ø"/>
+                </a:pPr>
+                <a:endParaRPr lang="en-US" dirty="0">
+                  <a:latin typeface="Helvetica" pitchFamily="2" charset="0"/>
+                </a:endParaRPr>
+              </a:p>
+              <a:p>
+                <a:pPr marL="285750" indent="-285750">
+                  <a:lnSpc>
+                    <a:spcPct val="150000"/>
+                  </a:lnSpc>
+                  <a:buFont typeface="Wingdings" pitchFamily="2" charset="2"/>
+                  <a:buChar char="Ø"/>
+                </a:pPr>
+                <a:endParaRPr lang="en-US" dirty="0">
                   <a:latin typeface="Helvetica" pitchFamily="2" charset="0"/>
                 </a:endParaRPr>
               </a:p>
@@ -10893,50 +12309,24 @@
                   <a:buChar char="Ø"/>
                 </a:pPr>
                 <a:r>
-                  <a:rPr lang="en-US" i="1" dirty="0">
+                  <a:rPr lang="en-US" dirty="0">
+                    <a:solidFill>
+                      <a:srgbClr val="FF0000"/>
+                    </a:solidFill>
                     <a:latin typeface="Helvetica" pitchFamily="2" charset="0"/>
                   </a:rPr>
-                  <a:t>Threshold energy:</a:t>
-                </a:r>
-              </a:p>
-              <a:p>
-                <a:pPr lvl="1">
-                  <a:lnSpc>
-                    <a:spcPct val="150000"/>
-                  </a:lnSpc>
-                </a:pPr>
-                <a:r>
-                  <a:rPr lang="en-US" i="1" dirty="0">
-                    <a:latin typeface="Helvetica" pitchFamily="2" charset="0"/>
-                  </a:rPr>
-                  <a:t>	</a:t>
+                  <a:t>ABM spin basis </a:t>
                 </a:r>
                 <a:r>
                   <a:rPr lang="en-US" dirty="0">
                     <a:latin typeface="Helvetica" pitchFamily="2" charset="0"/>
                   </a:rPr>
-                  <a:t>Energy of two atoms at rest in entrance channel </a:t>
+                  <a:t>is most convenient for getting ABM Hamiltonian matrix elements</a:t>
                 </a:r>
-              </a:p>
-              <a:p>
-                <a:pPr lvl="1">
-                  <a:lnSpc>
-                    <a:spcPct val="150000"/>
-                  </a:lnSpc>
-                </a:pPr>
-                <a:r>
-                  <a:rPr lang="en-US" i="1" dirty="0">
-                    <a:latin typeface="Helvetica" pitchFamily="2" charset="0"/>
-                  </a:rPr>
-                  <a:t>	</a:t>
-                </a:r>
-                <a:r>
-                  <a:rPr lang="en-US" dirty="0">
-                    <a:latin typeface="Helvetica" pitchFamily="2" charset="0"/>
-                  </a:rPr>
-                  <a:t>Separates discrete bound states from continuum of scattering states</a:t>
-                </a:r>
-                <a:endParaRPr lang="en-US" i="1" dirty="0">
+                <a:endParaRPr lang="en-US" dirty="0">
+                  <a:solidFill>
+                    <a:srgbClr val="FF0000"/>
+                  </a:solidFill>
                   <a:latin typeface="Helvetica" pitchFamily="2" charset="0"/>
                 </a:endParaRPr>
               </a:p>
@@ -10946,10 +12336,10 @@
         <mc:Fallback>
           <p:sp>
             <p:nvSpPr>
-              <p:cNvPr id="9" name="TextBox 8">
+              <p:cNvPr id="46" name="TextBox 45">
                 <a:extLst>
                   <a:ext uri="{FF2B5EF4-FFF2-40B4-BE49-F238E27FC236}">
-                    <a16:creationId xmlns:a16="http://schemas.microsoft.com/office/drawing/2014/main" id="{05B198E9-2FC1-1928-FF48-36D92B1FA6AC}"/>
+                    <a16:creationId xmlns:a16="http://schemas.microsoft.com/office/drawing/2014/main" id="{AF30866E-6DDC-C975-F64F-F603532DE13E}"/>
                   </a:ext>
                 </a:extLst>
               </p:cNvPr>
@@ -10960,8 +12350,8 @@
             </p:nvSpPr>
             <p:spPr>
               <a:xfrm>
-                <a:off x="484742" y="1450072"/>
-                <a:ext cx="11078379" cy="3791679"/>
+                <a:off x="490210" y="1556282"/>
+                <a:ext cx="11431279" cy="4853445"/>
               </a:xfrm>
               <a:prstGeom prst="rect">
                 <a:avLst/>
@@ -10969,7 +12359,7 @@
               <a:blipFill>
                 <a:blip r:embed="rId3"/>
                 <a:stretch>
-                  <a:fillRect l="-344" b="-2007"/>
+                  <a:fillRect l="-333" b="-1044"/>
                 </a:stretch>
               </a:blipFill>
             </p:spPr>
@@ -10990,10 +12380,10 @@
       </mc:AlternateContent>
       <p:pic>
         <p:nvPicPr>
-          <p:cNvPr id="10" name="Picture 9">
+          <p:cNvPr id="48" name="Picture 47">
             <a:extLst>
               <a:ext uri="{FF2B5EF4-FFF2-40B4-BE49-F238E27FC236}">
-                <a16:creationId xmlns:a16="http://schemas.microsoft.com/office/drawing/2014/main" id="{8209C442-19E3-5DE0-DA4D-8E71C70B0BF0}"/>
+                <a16:creationId xmlns:a16="http://schemas.microsoft.com/office/drawing/2014/main" id="{F5182270-E546-D5DA-9D24-F4F15FE3649F}"/>
               </a:ext>
             </a:extLst>
           </p:cNvPr>
@@ -11010,8 +12400,8 @@
         </p:blipFill>
         <p:spPr>
           <a:xfrm>
-            <a:off x="1205334" y="1864891"/>
-            <a:ext cx="368669" cy="438717"/>
+            <a:off x="1900059" y="2030497"/>
+            <a:ext cx="1411823" cy="527016"/>
           </a:xfrm>
           <a:prstGeom prst="rect">
             <a:avLst/>
@@ -11020,10 +12410,10 @@
       </p:pic>
       <p:pic>
         <p:nvPicPr>
-          <p:cNvPr id="11" name="Picture 10">
+          <p:cNvPr id="49" name="Picture 48">
             <a:extLst>
               <a:ext uri="{FF2B5EF4-FFF2-40B4-BE49-F238E27FC236}">
-                <a16:creationId xmlns:a16="http://schemas.microsoft.com/office/drawing/2014/main" id="{0D879895-2C61-ABDA-9BE0-AAF5E48068EA}"/>
+                <a16:creationId xmlns:a16="http://schemas.microsoft.com/office/drawing/2014/main" id="{4AC8F680-D920-4A10-583E-C9852E2BD140}"/>
               </a:ext>
             </a:extLst>
           </p:cNvPr>
@@ -11040,7 +12430,7 @@
         </p:blipFill>
         <p:spPr>
           <a:xfrm>
-            <a:off x="5070038" y="3052742"/>
+            <a:off x="4387876" y="2030497"/>
             <a:ext cx="776045" cy="527016"/>
           </a:xfrm>
           <a:prstGeom prst="rect">
@@ -11050,10 +12440,10 @@
       </p:pic>
       <p:sp>
         <p:nvSpPr>
-          <p:cNvPr id="12" name="TextBox 11">
+          <p:cNvPr id="50" name="TextBox 49">
             <a:extLst>
               <a:ext uri="{FF2B5EF4-FFF2-40B4-BE49-F238E27FC236}">
-                <a16:creationId xmlns:a16="http://schemas.microsoft.com/office/drawing/2014/main" id="{B37DC41C-6EA1-6ED8-00EA-108853101733}"/>
+                <a16:creationId xmlns:a16="http://schemas.microsoft.com/office/drawing/2014/main" id="{0D61B17B-293A-FD24-297D-11CC92FF91F1}"/>
               </a:ext>
             </a:extLst>
           </p:cNvPr>
@@ -11062,8 +12452,8 @@
         </p:nvSpPr>
         <p:spPr>
           <a:xfrm>
-            <a:off x="10431379" y="3615509"/>
-            <a:ext cx="1717137" cy="307777"/>
+            <a:off x="4434639" y="2554746"/>
+            <a:ext cx="1813317" cy="369332"/>
           </a:xfrm>
           <a:prstGeom prst="rect">
             <a:avLst/>
@@ -11077,23 +12467,1191 @@
           <a:lstStyle/>
           <a:p>
             <a:r>
-              <a:rPr lang="en-US" sz="1400" dirty="0">
+              <a:rPr lang="en-US" dirty="0" err="1">
                 <a:solidFill>
-                  <a:schemeClr val="bg1">
-                    <a:lumMod val="50000"/>
-                  </a:schemeClr>
+                  <a:srgbClr val="00B050"/>
                 </a:solidFill>
                 <a:latin typeface="Helvetica" pitchFamily="2" charset="0"/>
               </a:rPr>
-              <a:t>(*) in zero-field limit</a:t>
+              <a:t>Breit</a:t>
+            </a:r>
+            <a:r>
+              <a:rPr lang="en-US" dirty="0">
+                <a:solidFill>
+                  <a:srgbClr val="00B050"/>
+                </a:solidFill>
+                <a:latin typeface="Helvetica" pitchFamily="2" charset="0"/>
+              </a:rPr>
+              <a:t>-Rabi basis</a:t>
             </a:r>
           </a:p>
         </p:txBody>
       </p:sp>
+      <mc:AlternateContent xmlns:mc="http://schemas.openxmlformats.org/markup-compatibility/2006">
+        <mc:Choice xmlns:a14="http://schemas.microsoft.com/office/drawing/2010/main" Requires="a14">
+          <p:sp>
+            <p:nvSpPr>
+              <p:cNvPr id="51" name="TextBox 50">
+                <a:extLst>
+                  <a:ext uri="{FF2B5EF4-FFF2-40B4-BE49-F238E27FC236}">
+                    <a16:creationId xmlns:a16="http://schemas.microsoft.com/office/drawing/2014/main" id="{777F6D90-30F6-F9C8-077B-ACBB1A1838BE}"/>
+                  </a:ext>
+                </a:extLst>
+              </p:cNvPr>
+              <p:cNvSpPr txBox="1"/>
+              <p:nvPr/>
+            </p:nvSpPr>
+            <p:spPr>
+              <a:xfrm>
+                <a:off x="688956" y="2516740"/>
+                <a:ext cx="3170355" cy="468205"/>
+              </a:xfrm>
+              <a:prstGeom prst="rect">
+                <a:avLst/>
+              </a:prstGeom>
+              <a:noFill/>
+            </p:spPr>
+            <p:txBody>
+              <a:bodyPr wrap="none" rtlCol="0">
+                <a:spAutoFit/>
+              </a:bodyPr>
+              <a:lstStyle/>
+              <a:p>
+                <a:r>
+                  <a:rPr lang="en-US" dirty="0">
+                    <a:solidFill>
+                      <a:srgbClr val="7030A0"/>
+                    </a:solidFill>
+                    <a:latin typeface="Helvetica" pitchFamily="2" charset="0"/>
+                  </a:rPr>
+                  <a:t>Bound-state </a:t>
+                </a:r>
+                <a:r>
+                  <a:rPr lang="en-US" dirty="0" err="1">
+                    <a:solidFill>
+                      <a:srgbClr val="7030A0"/>
+                    </a:solidFill>
+                    <a:latin typeface="Helvetica" pitchFamily="2" charset="0"/>
+                  </a:rPr>
+                  <a:t>wfns</a:t>
+                </a:r>
+                <a:r>
+                  <a:rPr lang="en-US" dirty="0">
+                    <a:solidFill>
+                      <a:srgbClr val="7030A0"/>
+                    </a:solidFill>
+                    <a:latin typeface="Helvetica" pitchFamily="2" charset="0"/>
+                  </a:rPr>
+                  <a:t> of </a:t>
+                </a:r>
+                <a14:m>
+                  <m:oMath xmlns:m="http://schemas.openxmlformats.org/officeDocument/2006/math">
+                    <m:sSup>
+                      <m:sSupPr>
+                        <m:ctrlPr>
+                          <a:rPr lang="en-US" sz="2400" b="0" i="1" smtClean="0">
+                            <a:solidFill>
+                              <a:srgbClr val="7030A0"/>
+                            </a:solidFill>
+                            <a:latin typeface="Cambria Math" panose="02040503050406030204" pitchFamily="18" charset="0"/>
+                          </a:rPr>
+                        </m:ctrlPr>
+                      </m:sSupPr>
+                      <m:e>
+                        <m:r>
+                          <a:rPr lang="en-US" sz="2400" b="0" i="1" smtClean="0">
+                            <a:solidFill>
+                              <a:srgbClr val="7030A0"/>
+                            </a:solidFill>
+                            <a:latin typeface="Cambria Math" panose="02040503050406030204" pitchFamily="18" charset="0"/>
+                          </a:rPr>
+                          <m:t>𝑉</m:t>
+                        </m:r>
+                      </m:e>
+                      <m:sup>
+                        <m:r>
+                          <a:rPr lang="en-US" sz="2400" b="0" i="1" smtClean="0">
+                            <a:solidFill>
+                              <a:srgbClr val="7030A0"/>
+                            </a:solidFill>
+                            <a:latin typeface="Cambria Math" panose="02040503050406030204" pitchFamily="18" charset="0"/>
+                          </a:rPr>
+                          <m:t>𝑆</m:t>
+                        </m:r>
+                        <m:r>
+                          <a:rPr lang="en-US" sz="2400" b="0" i="1" smtClean="0">
+                            <a:solidFill>
+                              <a:srgbClr val="7030A0"/>
+                            </a:solidFill>
+                            <a:latin typeface="Cambria Math" panose="02040503050406030204" pitchFamily="18" charset="0"/>
+                          </a:rPr>
+                          <m:t>,</m:t>
+                        </m:r>
+                        <m:r>
+                          <a:rPr lang="en-US" sz="2400" b="0" i="1" smtClean="0">
+                            <a:solidFill>
+                              <a:srgbClr val="7030A0"/>
+                            </a:solidFill>
+                            <a:latin typeface="Cambria Math" panose="02040503050406030204" pitchFamily="18" charset="0"/>
+                          </a:rPr>
+                          <m:t>𝑙</m:t>
+                        </m:r>
+                      </m:sup>
+                    </m:sSup>
+                    <m:r>
+                      <a:rPr lang="en-US" sz="2400" b="0" i="1" smtClean="0">
+                        <a:solidFill>
+                          <a:srgbClr val="7030A0"/>
+                        </a:solidFill>
+                        <a:latin typeface="Cambria Math" panose="02040503050406030204" pitchFamily="18" charset="0"/>
+                      </a:rPr>
+                      <m:t>(</m:t>
+                    </m:r>
+                    <m:r>
+                      <a:rPr lang="en-US" sz="2400" b="0" i="1" smtClean="0">
+                        <a:solidFill>
+                          <a:srgbClr val="7030A0"/>
+                        </a:solidFill>
+                        <a:latin typeface="Cambria Math" panose="02040503050406030204" pitchFamily="18" charset="0"/>
+                      </a:rPr>
+                      <m:t>𝑟</m:t>
+                    </m:r>
+                    <m:r>
+                      <a:rPr lang="en-US" sz="2400" b="0" i="1" smtClean="0">
+                        <a:solidFill>
+                          <a:srgbClr val="7030A0"/>
+                        </a:solidFill>
+                        <a:latin typeface="Cambria Math" panose="02040503050406030204" pitchFamily="18" charset="0"/>
+                      </a:rPr>
+                      <m:t>)</m:t>
+                    </m:r>
+                  </m:oMath>
+                </a14:m>
+                <a:endParaRPr lang="en-US" sz="2400" dirty="0">
+                  <a:solidFill>
+                    <a:srgbClr val="7030A0"/>
+                  </a:solidFill>
+                  <a:latin typeface="Helvetica" pitchFamily="2" charset="0"/>
+                </a:endParaRPr>
+              </a:p>
+            </p:txBody>
+          </p:sp>
+        </mc:Choice>
+        <mc:Fallback>
+          <p:sp>
+            <p:nvSpPr>
+              <p:cNvPr id="51" name="TextBox 50">
+                <a:extLst>
+                  <a:ext uri="{FF2B5EF4-FFF2-40B4-BE49-F238E27FC236}">
+                    <a16:creationId xmlns:a16="http://schemas.microsoft.com/office/drawing/2014/main" id="{777F6D90-30F6-F9C8-077B-ACBB1A1838BE}"/>
+                  </a:ext>
+                </a:extLst>
+              </p:cNvPr>
+              <p:cNvSpPr txBox="1">
+                <a:spLocks noRot="1" noChangeAspect="1" noMove="1" noResize="1" noEditPoints="1" noAdjustHandles="1" noChangeArrowheads="1" noChangeShapeType="1" noTextEdit="1"/>
+              </p:cNvSpPr>
+              <p:nvPr/>
+            </p:nvSpPr>
+            <p:spPr>
+              <a:xfrm>
+                <a:off x="688956" y="2516740"/>
+                <a:ext cx="3170355" cy="468205"/>
+              </a:xfrm>
+              <a:prstGeom prst="rect">
+                <a:avLst/>
+              </a:prstGeom>
+              <a:blipFill>
+                <a:blip r:embed="rId6"/>
+                <a:stretch>
+                  <a:fillRect l="-1600" r="-800" b="-13158"/>
+                </a:stretch>
+              </a:blipFill>
+            </p:spPr>
+            <p:txBody>
+              <a:bodyPr/>
+              <a:lstStyle/>
+              <a:p>
+                <a:r>
+                  <a:rPr lang="en-US">
+                    <a:noFill/>
+                  </a:rPr>
+                  <a:t> </a:t>
+                </a:r>
+              </a:p>
+            </p:txBody>
+          </p:sp>
+        </mc:Fallback>
+      </mc:AlternateContent>
+      <mc:AlternateContent xmlns:mc="http://schemas.openxmlformats.org/markup-compatibility/2006">
+        <mc:Choice xmlns:a14="http://schemas.microsoft.com/office/drawing/2010/main" Requires="a14">
+          <p:graphicFrame>
+            <p:nvGraphicFramePr>
+              <p:cNvPr id="9" name="Table 9">
+                <a:extLst>
+                  <a:ext uri="{FF2B5EF4-FFF2-40B4-BE49-F238E27FC236}">
+                    <a16:creationId xmlns:a16="http://schemas.microsoft.com/office/drawing/2014/main" id="{D03955C3-FF54-14A2-4F2F-398BEC0AA9EE}"/>
+                  </a:ext>
+                </a:extLst>
+              </p:cNvPr>
+              <p:cNvGraphicFramePr>
+                <a:graphicFrameLocks noGrp="1"/>
+              </p:cNvGraphicFramePr>
+              <p:nvPr>
+                <p:extLst>
+                  <p:ext uri="{D42A27DB-BD31-4B8C-83A1-F6EECF244321}">
+                    <p14:modId xmlns:p14="http://schemas.microsoft.com/office/powerpoint/2010/main" val="2772828922"/>
+                  </p:ext>
+                </p:extLst>
+              </p:nvPr>
+            </p:nvGraphicFramePr>
+            <p:xfrm>
+              <a:off x="803054" y="3575121"/>
+              <a:ext cx="10646362" cy="2277038"/>
+            </p:xfrm>
+            <a:graphic>
+              <a:graphicData uri="http://schemas.openxmlformats.org/drawingml/2006/table">
+                <a:tbl>
+                  <a:tblPr firstRow="1" bandRow="1">
+                    <a:tableStyleId>{5940675A-B579-460E-94D1-54222C63F5DA}</a:tableStyleId>
+                  </a:tblPr>
+                  <a:tblGrid>
+                    <a:gridCol w="1912850">
+                      <a:extLst>
+                        <a:ext uri="{9D8B030D-6E8A-4147-A177-3AD203B41FA5}">
+                          <a16:colId xmlns:a16="http://schemas.microsoft.com/office/drawing/2014/main" val="3244936718"/>
+                        </a:ext>
+                      </a:extLst>
+                    </a:gridCol>
+                    <a:gridCol w="2074460">
+                      <a:extLst>
+                        <a:ext uri="{9D8B030D-6E8A-4147-A177-3AD203B41FA5}">
+                          <a16:colId xmlns:a16="http://schemas.microsoft.com/office/drawing/2014/main" val="1022823167"/>
+                        </a:ext>
+                      </a:extLst>
+                    </a:gridCol>
+                    <a:gridCol w="6659052">
+                      <a:extLst>
+                        <a:ext uri="{9D8B030D-6E8A-4147-A177-3AD203B41FA5}">
+                          <a16:colId xmlns:a16="http://schemas.microsoft.com/office/drawing/2014/main" val="759121735"/>
+                        </a:ext>
+                      </a:extLst>
+                    </a:gridCol>
+                  </a:tblGrid>
+                  <a:tr h="505020">
+                    <a:tc>
+                      <a:txBody>
+                        <a:bodyPr/>
+                        <a:lstStyle/>
+                        <a:p>
+                          <a:r>
+                            <a:rPr lang="en-US" dirty="0" err="1">
+                              <a:solidFill>
+                                <a:srgbClr val="00B050"/>
+                              </a:solidFill>
+                              <a:latin typeface="Helvetica" pitchFamily="2" charset="0"/>
+                            </a:rPr>
+                            <a:t>Breit</a:t>
+                          </a:r>
+                          <a:r>
+                            <a:rPr lang="en-US" dirty="0">
+                              <a:solidFill>
+                                <a:srgbClr val="00B050"/>
+                              </a:solidFill>
+                              <a:latin typeface="Helvetica" pitchFamily="2" charset="0"/>
+                            </a:rPr>
+                            <a:t>-Rabi basis </a:t>
+                          </a:r>
+                          <a:endParaRPr lang="en-US" dirty="0"/>
+                        </a:p>
+                      </a:txBody>
+                      <a:tcPr/>
+                    </a:tc>
+                    <a:tc>
+                      <a:txBody>
+                        <a:bodyPr/>
+                        <a:lstStyle/>
+                        <a:p>
+                          <a:r>
+                            <a:rPr lang="en-US" sz="1600" b="0" dirty="0">
+                              <a:latin typeface="Helvetica" pitchFamily="2" charset="0"/>
+                            </a:rPr>
+                            <a:t>  eigenstates of </a:t>
+                          </a:r>
+                          <a14:m>
+                            <m:oMath xmlns:m="http://schemas.openxmlformats.org/officeDocument/2006/math">
+                              <m:sSub>
+                                <m:sSubPr>
+                                  <m:ctrlPr>
+                                    <a:rPr lang="en-US" sz="1600" i="1">
+                                      <a:latin typeface="Cambria Math" panose="02040503050406030204" pitchFamily="18" charset="0"/>
+                                    </a:rPr>
+                                  </m:ctrlPr>
+                                </m:sSubPr>
+                                <m:e>
+                                  <m:r>
+                                    <a:rPr lang="en-US" sz="1600" i="1">
+                                      <a:latin typeface="Cambria Math" panose="02040503050406030204" pitchFamily="18" charset="0"/>
+                                    </a:rPr>
+                                    <m:t>𝐻</m:t>
+                                  </m:r>
+                                </m:e>
+                                <m:sub>
+                                  <m:r>
+                                    <a:rPr lang="en-US" sz="1600" b="0" i="1" smtClean="0">
+                                      <a:latin typeface="Cambria Math" panose="02040503050406030204" pitchFamily="18" charset="0"/>
+                                    </a:rPr>
+                                    <m:t>𝑖𝑛𝑡</m:t>
+                                  </m:r>
+                                </m:sub>
+                              </m:sSub>
+                            </m:oMath>
+                          </a14:m>
+                          <a:endParaRPr lang="en-US" sz="1600" dirty="0"/>
+                        </a:p>
+                      </a:txBody>
+                      <a:tcPr/>
+                    </a:tc>
+                    <a:tc>
+                      <a:txBody>
+                        <a:bodyPr/>
+                        <a:lstStyle/>
+                        <a:p>
+                          <a:pPr marL="0" marR="0" lvl="0" indent="0" algn="l" defTabSz="914400" rtl="0" eaLnBrk="1" fontAlgn="auto" latinLnBrk="0" hangingPunct="1">
+                            <a:lnSpc>
+                              <a:spcPct val="100000"/>
+                            </a:lnSpc>
+                            <a:spcBef>
+                              <a:spcPts val="0"/>
+                            </a:spcBef>
+                            <a:spcAft>
+                              <a:spcPts val="0"/>
+                            </a:spcAft>
+                            <a:buClrTx/>
+                            <a:buSzTx/>
+                            <a:buFontTx/>
+                            <a:buNone/>
+                            <a:tabLst/>
+                            <a:defRPr/>
+                          </a:pPr>
+                          <a:r>
+                            <a:rPr lang="en-US" dirty="0">
+                              <a:latin typeface="Helvetica" pitchFamily="2" charset="0"/>
+                            </a:rPr>
+                            <a:t>Experimentally friendly in zero-field limit, but B-field dependent </a:t>
+                          </a:r>
+                        </a:p>
+                      </a:txBody>
+                      <a:tcPr/>
+                    </a:tc>
+                    <a:extLst>
+                      <a:ext uri="{0D108BD9-81ED-4DB2-BD59-A6C34878D82A}">
+                        <a16:rowId xmlns:a16="http://schemas.microsoft.com/office/drawing/2014/main" val="4156136515"/>
+                      </a:ext>
+                    </a:extLst>
+                  </a:tr>
+                  <a:tr h="505020">
+                    <a:tc>
+                      <a:txBody>
+                        <a:bodyPr/>
+                        <a:lstStyle/>
+                        <a:p>
+                          <a:r>
+                            <a:rPr lang="en-US" dirty="0">
+                              <a:solidFill>
+                                <a:srgbClr val="0070C0"/>
+                              </a:solidFill>
+                              <a:latin typeface="Helvetica" pitchFamily="2" charset="0"/>
+                            </a:rPr>
+                            <a:t>Product basis</a:t>
+                          </a:r>
+                          <a:endParaRPr lang="en-US" dirty="0"/>
+                        </a:p>
+                      </a:txBody>
+                      <a:tcPr/>
+                    </a:tc>
+                    <a:tc>
+                      <a:txBody>
+                        <a:bodyPr/>
+                        <a:lstStyle/>
+                        <a:p>
+                          <a:endParaRPr lang="en-US" dirty="0"/>
+                        </a:p>
+                      </a:txBody>
+                      <a:tcPr/>
+                    </a:tc>
+                    <a:tc>
+                      <a:txBody>
+                        <a:bodyPr/>
+                        <a:lstStyle/>
+                        <a:p>
+                          <a:pPr marL="0" marR="0" lvl="0" indent="0" algn="l" defTabSz="914400" rtl="0" eaLnBrk="1" fontAlgn="auto" latinLnBrk="0" hangingPunct="1">
+                            <a:lnSpc>
+                              <a:spcPct val="100000"/>
+                            </a:lnSpc>
+                            <a:spcBef>
+                              <a:spcPts val="0"/>
+                            </a:spcBef>
+                            <a:spcAft>
+                              <a:spcPts val="0"/>
+                            </a:spcAft>
+                            <a:buClrTx/>
+                            <a:buSzTx/>
+                            <a:buFontTx/>
+                            <a:buNone/>
+                            <a:tabLst/>
+                            <a:defRPr/>
+                          </a:pPr>
+                          <a:r>
+                            <a:rPr lang="en-US" dirty="0">
+                              <a:latin typeface="Helvetica" pitchFamily="2" charset="0"/>
+                            </a:rPr>
+                            <a:t>Uncoupled, nice for getting </a:t>
+                          </a:r>
+                          <a:r>
+                            <a:rPr lang="en-US" dirty="0" err="1">
+                              <a:latin typeface="Helvetica" pitchFamily="2" charset="0"/>
+                            </a:rPr>
+                            <a:t>hfs</a:t>
+                          </a:r>
+                          <a:r>
+                            <a:rPr lang="en-US" dirty="0">
+                              <a:latin typeface="Helvetica" pitchFamily="2" charset="0"/>
+                            </a:rPr>
+                            <a:t> matrix elements</a:t>
+                          </a:r>
+                          <a:endParaRPr lang="en-US" dirty="0">
+                            <a:solidFill>
+                              <a:srgbClr val="0070C0"/>
+                            </a:solidFill>
+                            <a:latin typeface="Helvetica" pitchFamily="2" charset="0"/>
+                          </a:endParaRPr>
+                        </a:p>
+                      </a:txBody>
+                      <a:tcPr/>
+                    </a:tc>
+                    <a:extLst>
+                      <a:ext uri="{0D108BD9-81ED-4DB2-BD59-A6C34878D82A}">
+                        <a16:rowId xmlns:a16="http://schemas.microsoft.com/office/drawing/2014/main" val="4186147672"/>
+                      </a:ext>
+                    </a:extLst>
+                  </a:tr>
+                  <a:tr h="1266998">
+                    <a:tc>
+                      <a:txBody>
+                        <a:bodyPr/>
+                        <a:lstStyle/>
+                        <a:p>
+                          <a:r>
+                            <a:rPr lang="en-US" dirty="0">
+                              <a:solidFill>
+                                <a:srgbClr val="FF0000"/>
+                              </a:solidFill>
+                              <a:latin typeface="Helvetica" pitchFamily="2" charset="0"/>
+                            </a:rPr>
+                            <a:t>ABM spin basis</a:t>
+                          </a:r>
+                          <a:endParaRPr lang="en-US" dirty="0"/>
+                        </a:p>
+                      </a:txBody>
+                      <a:tcPr/>
+                    </a:tc>
+                    <a:tc>
+                      <a:txBody>
+                        <a:bodyPr/>
+                        <a:lstStyle/>
+                        <a:p>
+                          <a:endParaRPr lang="en-US" dirty="0"/>
+                        </a:p>
+                      </a:txBody>
+                      <a:tcPr/>
+                    </a:tc>
+                    <a:tc>
+                      <a:txBody>
+                        <a:bodyPr/>
+                        <a:lstStyle/>
+                        <a:p>
+                          <a:pPr marL="0" marR="0" lvl="0" indent="0" algn="l" defTabSz="914400" rtl="0" eaLnBrk="1" fontAlgn="auto" latinLnBrk="0" hangingPunct="1">
+                            <a:lnSpc>
+                              <a:spcPct val="100000"/>
+                            </a:lnSpc>
+                            <a:spcBef>
+                              <a:spcPts val="0"/>
+                            </a:spcBef>
+                            <a:spcAft>
+                              <a:spcPts val="0"/>
+                            </a:spcAft>
+                            <a:buClrTx/>
+                            <a:buSzTx/>
+                            <a:buFontTx/>
+                            <a:buNone/>
+                            <a:tabLst/>
+                            <a:defRPr/>
+                          </a:pPr>
+                          <a:r>
+                            <a:rPr lang="en-US" dirty="0">
+                              <a:latin typeface="Helvetica" pitchFamily="2" charset="0"/>
+                            </a:rPr>
+                            <a:t>Most natural for getting ABM Hamiltonian matrix elements</a:t>
+                          </a:r>
+                          <a:r>
+                            <a:rPr lang="en-US" baseline="0" dirty="0">
+                              <a:latin typeface="Helvetica" pitchFamily="2" charset="0"/>
+                            </a:rPr>
+                            <a:t> since </a:t>
+                          </a:r>
+                          <a14:m>
+                            <m:oMath xmlns:m="http://schemas.openxmlformats.org/officeDocument/2006/math">
+                              <m:r>
+                                <a:rPr lang="en-US" b="0" i="1" smtClean="0">
+                                  <a:solidFill>
+                                    <a:schemeClr val="tx1"/>
+                                  </a:solidFill>
+                                  <a:latin typeface="Cambria Math" panose="02040503050406030204" pitchFamily="18" charset="0"/>
+                                </a:rPr>
+                                <m:t>𝑉</m:t>
+                              </m:r>
+                              <m:d>
+                                <m:dPr>
+                                  <m:ctrlPr>
+                                    <a:rPr lang="en-US" b="0" i="1" smtClean="0">
+                                      <a:solidFill>
+                                        <a:schemeClr val="tx1"/>
+                                      </a:solidFill>
+                                      <a:latin typeface="Cambria Math" panose="02040503050406030204" pitchFamily="18" charset="0"/>
+                                    </a:rPr>
+                                  </m:ctrlPr>
+                                </m:dPr>
+                                <m:e>
+                                  <m:r>
+                                    <a:rPr lang="en-US" b="0" i="1" smtClean="0">
+                                      <a:solidFill>
+                                        <a:schemeClr val="tx1"/>
+                                      </a:solidFill>
+                                      <a:latin typeface="Cambria Math" panose="02040503050406030204" pitchFamily="18" charset="0"/>
+                                    </a:rPr>
+                                    <m:t>𝑟</m:t>
+                                  </m:r>
+                                </m:e>
+                              </m:d>
+                            </m:oMath>
+                          </a14:m>
+                          <a:r>
+                            <a:rPr lang="en-US" dirty="0">
+                              <a:solidFill>
+                                <a:schemeClr val="tx1"/>
+                              </a:solidFill>
+                              <a:latin typeface="Helvetica" pitchFamily="2" charset="0"/>
+                            </a:rPr>
+                            <a:t> is block-diagonal: </a:t>
+                          </a:r>
+                        </a:p>
+                        <a:p>
+                          <a:pPr marL="0" marR="0" lvl="0" indent="0" algn="l" defTabSz="914400" rtl="0" eaLnBrk="1" fontAlgn="auto" latinLnBrk="0" hangingPunct="1">
+                            <a:lnSpc>
+                              <a:spcPct val="100000"/>
+                            </a:lnSpc>
+                            <a:spcBef>
+                              <a:spcPts val="0"/>
+                            </a:spcBef>
+                            <a:spcAft>
+                              <a:spcPts val="0"/>
+                            </a:spcAft>
+                            <a:buClrTx/>
+                            <a:buSzTx/>
+                            <a:buFontTx/>
+                            <a:buNone/>
+                            <a:tabLst/>
+                            <a:defRPr/>
+                          </a:pPr>
+                          <a:endParaRPr lang="en-US" b="0" i="1" dirty="0">
+                            <a:solidFill>
+                              <a:schemeClr val="tx1"/>
+                            </a:solidFill>
+                            <a:latin typeface="Helvetica" pitchFamily="2" charset="0"/>
+                          </a:endParaRPr>
+                        </a:p>
+                        <a:p>
+                          <a:pPr marL="0" marR="0" lvl="0" indent="0" algn="l" defTabSz="914400" rtl="0" eaLnBrk="1" fontAlgn="auto" latinLnBrk="0" hangingPunct="1">
+                            <a:lnSpc>
+                              <a:spcPct val="100000"/>
+                            </a:lnSpc>
+                            <a:spcBef>
+                              <a:spcPts val="0"/>
+                            </a:spcBef>
+                            <a:spcAft>
+                              <a:spcPts val="0"/>
+                            </a:spcAft>
+                            <a:buClrTx/>
+                            <a:buSzTx/>
+                            <a:buFontTx/>
+                            <a:buNone/>
+                            <a:tabLst/>
+                            <a:defRPr/>
+                          </a:pPr>
+                          <a14:m>
+                            <m:oMath xmlns:m="http://schemas.openxmlformats.org/officeDocument/2006/math">
+                              <m:r>
+                                <a:rPr lang="en-US" b="0" i="1" smtClean="0">
+                                  <a:solidFill>
+                                    <a:schemeClr val="tx1"/>
+                                  </a:solidFill>
+                                  <a:latin typeface="Cambria Math" panose="02040503050406030204" pitchFamily="18" charset="0"/>
+                                </a:rPr>
+                                <m:t>𝑉</m:t>
+                              </m:r>
+                              <m:d>
+                                <m:dPr>
+                                  <m:ctrlPr>
+                                    <a:rPr lang="en-US" b="0" i="1" smtClean="0">
+                                      <a:solidFill>
+                                        <a:schemeClr val="tx1"/>
+                                      </a:solidFill>
+                                      <a:latin typeface="Cambria Math" panose="02040503050406030204" pitchFamily="18" charset="0"/>
+                                    </a:rPr>
+                                  </m:ctrlPr>
+                                </m:dPr>
+                                <m:e>
+                                  <m:r>
+                                    <a:rPr lang="en-US" b="0" i="1" smtClean="0">
+                                      <a:solidFill>
+                                        <a:schemeClr val="tx1"/>
+                                      </a:solidFill>
+                                      <a:latin typeface="Cambria Math" panose="02040503050406030204" pitchFamily="18" charset="0"/>
+                                    </a:rPr>
+                                    <m:t>𝑟</m:t>
+                                  </m:r>
+                                </m:e>
+                              </m:d>
+                              <m:r>
+                                <a:rPr lang="en-US" b="0" i="1" smtClean="0">
+                                  <a:solidFill>
+                                    <a:schemeClr val="tx1"/>
+                                  </a:solidFill>
+                                  <a:latin typeface="Cambria Math" panose="02040503050406030204" pitchFamily="18" charset="0"/>
+                                </a:rPr>
+                                <m:t>=</m:t>
+                              </m:r>
+                              <m:sSup>
+                                <m:sSupPr>
+                                  <m:ctrlPr>
+                                    <a:rPr lang="en-US" b="0" i="1" smtClean="0">
+                                      <a:solidFill>
+                                        <a:schemeClr val="tx1"/>
+                                      </a:solidFill>
+                                      <a:latin typeface="Cambria Math" panose="02040503050406030204" pitchFamily="18" charset="0"/>
+                                    </a:rPr>
+                                  </m:ctrlPr>
+                                </m:sSupPr>
+                                <m:e>
+                                  <m:r>
+                                    <a:rPr lang="en-US" b="0" i="1" smtClean="0">
+                                      <a:solidFill>
+                                        <a:schemeClr val="tx1"/>
+                                      </a:solidFill>
+                                      <a:latin typeface="Cambria Math" panose="02040503050406030204" pitchFamily="18" charset="0"/>
+                                    </a:rPr>
+                                    <m:t>𝑉</m:t>
+                                  </m:r>
+                                </m:e>
+                                <m:sup>
+                                  <m:r>
+                                    <a:rPr lang="en-US" b="0" i="1" smtClean="0">
+                                      <a:solidFill>
+                                        <a:schemeClr val="tx1"/>
+                                      </a:solidFill>
+                                      <a:latin typeface="Cambria Math" panose="02040503050406030204" pitchFamily="18" charset="0"/>
+                                    </a:rPr>
+                                    <m:t>𝑆</m:t>
+                                  </m:r>
+                                  <m:r>
+                                    <a:rPr lang="en-US" b="0" i="1" smtClean="0">
+                                      <a:solidFill>
+                                        <a:schemeClr val="tx1"/>
+                                      </a:solidFill>
+                                      <a:latin typeface="Cambria Math" panose="02040503050406030204" pitchFamily="18" charset="0"/>
+                                    </a:rPr>
+                                    <m:t>=0</m:t>
+                                  </m:r>
+                                </m:sup>
+                              </m:sSup>
+                              <m:d>
+                                <m:dPr>
+                                  <m:ctrlPr>
+                                    <a:rPr lang="en-US" b="0" i="1" smtClean="0">
+                                      <a:solidFill>
+                                        <a:schemeClr val="tx1"/>
+                                      </a:solidFill>
+                                      <a:latin typeface="Cambria Math" panose="02040503050406030204" pitchFamily="18" charset="0"/>
+                                    </a:rPr>
+                                  </m:ctrlPr>
+                                </m:dPr>
+                                <m:e>
+                                  <m:r>
+                                    <a:rPr lang="en-US" b="0" i="1" smtClean="0">
+                                      <a:solidFill>
+                                        <a:schemeClr val="tx1"/>
+                                      </a:solidFill>
+                                      <a:latin typeface="Cambria Math" panose="02040503050406030204" pitchFamily="18" charset="0"/>
+                                    </a:rPr>
+                                    <m:t>𝑟</m:t>
+                                  </m:r>
+                                </m:e>
+                              </m:d>
+                              <m:r>
+                                <a:rPr lang="en-US" b="0" i="1" smtClean="0">
+                                  <a:solidFill>
+                                    <a:schemeClr val="tx1"/>
+                                  </a:solidFill>
+                                  <a:latin typeface="Cambria Math" panose="02040503050406030204" pitchFamily="18" charset="0"/>
+                                </a:rPr>
+                                <m:t>⊕</m:t>
+                              </m:r>
+                            </m:oMath>
+                          </a14:m>
+                          <a:r>
+                            <a:rPr lang="en-US" dirty="0">
+                              <a:solidFill>
+                                <a:schemeClr val="tx1"/>
+                              </a:solidFill>
+                              <a:latin typeface="Helvetica" pitchFamily="2" charset="0"/>
+                            </a:rPr>
+                            <a:t> </a:t>
+                          </a:r>
+                          <a14:m>
+                            <m:oMath xmlns:m="http://schemas.openxmlformats.org/officeDocument/2006/math">
+                              <m:sSup>
+                                <m:sSupPr>
+                                  <m:ctrlPr>
+                                    <a:rPr lang="en-US" i="1">
+                                      <a:solidFill>
+                                        <a:schemeClr val="tx1"/>
+                                      </a:solidFill>
+                                      <a:latin typeface="Cambria Math" panose="02040503050406030204" pitchFamily="18" charset="0"/>
+                                    </a:rPr>
+                                  </m:ctrlPr>
+                                </m:sSupPr>
+                                <m:e>
+                                  <m:r>
+                                    <a:rPr lang="en-US" i="1">
+                                      <a:solidFill>
+                                        <a:schemeClr val="tx1"/>
+                                      </a:solidFill>
+                                      <a:latin typeface="Cambria Math" panose="02040503050406030204" pitchFamily="18" charset="0"/>
+                                    </a:rPr>
+                                    <m:t>𝑉</m:t>
+                                  </m:r>
+                                </m:e>
+                                <m:sup>
+                                  <m:r>
+                                    <a:rPr lang="en-US" i="1">
+                                      <a:solidFill>
+                                        <a:schemeClr val="tx1"/>
+                                      </a:solidFill>
+                                      <a:latin typeface="Cambria Math" panose="02040503050406030204" pitchFamily="18" charset="0"/>
+                                    </a:rPr>
+                                    <m:t>𝑆</m:t>
+                                  </m:r>
+                                  <m:r>
+                                    <a:rPr lang="en-US" i="1">
+                                      <a:solidFill>
+                                        <a:schemeClr val="tx1"/>
+                                      </a:solidFill>
+                                      <a:latin typeface="Cambria Math" panose="02040503050406030204" pitchFamily="18" charset="0"/>
+                                    </a:rPr>
+                                    <m:t>=1</m:t>
+                                  </m:r>
+                                </m:sup>
+                              </m:sSup>
+                              <m:d>
+                                <m:dPr>
+                                  <m:ctrlPr>
+                                    <a:rPr lang="en-US" i="1">
+                                      <a:solidFill>
+                                        <a:schemeClr val="tx1"/>
+                                      </a:solidFill>
+                                      <a:latin typeface="Cambria Math" panose="02040503050406030204" pitchFamily="18" charset="0"/>
+                                    </a:rPr>
+                                  </m:ctrlPr>
+                                </m:dPr>
+                                <m:e>
+                                  <m:r>
+                                    <a:rPr lang="en-US" i="1">
+                                      <a:solidFill>
+                                        <a:schemeClr val="tx1"/>
+                                      </a:solidFill>
+                                      <a:latin typeface="Cambria Math" panose="02040503050406030204" pitchFamily="18" charset="0"/>
+                                    </a:rPr>
+                                    <m:t>𝑟</m:t>
+                                  </m:r>
+                                </m:e>
+                              </m:d>
+                            </m:oMath>
+                          </a14:m>
+                          <a:endParaRPr lang="en-US" dirty="0">
+                            <a:latin typeface="Helvetica" pitchFamily="2" charset="0"/>
+                          </a:endParaRPr>
+                        </a:p>
+                      </a:txBody>
+                      <a:tcPr/>
+                    </a:tc>
+                    <a:extLst>
+                      <a:ext uri="{0D108BD9-81ED-4DB2-BD59-A6C34878D82A}">
+                        <a16:rowId xmlns:a16="http://schemas.microsoft.com/office/drawing/2014/main" val="3933761300"/>
+                      </a:ext>
+                    </a:extLst>
+                  </a:tr>
+                </a:tbl>
+              </a:graphicData>
+            </a:graphic>
+          </p:graphicFrame>
+        </mc:Choice>
+        <mc:Fallback>
+          <p:graphicFrame>
+            <p:nvGraphicFramePr>
+              <p:cNvPr id="9" name="Table 9">
+                <a:extLst>
+                  <a:ext uri="{FF2B5EF4-FFF2-40B4-BE49-F238E27FC236}">
+                    <a16:creationId xmlns:a16="http://schemas.microsoft.com/office/drawing/2014/main" id="{D03955C3-FF54-14A2-4F2F-398BEC0AA9EE}"/>
+                  </a:ext>
+                </a:extLst>
+              </p:cNvPr>
+              <p:cNvGraphicFramePr>
+                <a:graphicFrameLocks noGrp="1"/>
+              </p:cNvGraphicFramePr>
+              <p:nvPr>
+                <p:extLst>
+                  <p:ext uri="{D42A27DB-BD31-4B8C-83A1-F6EECF244321}">
+                    <p14:modId xmlns:p14="http://schemas.microsoft.com/office/powerpoint/2010/main" val="2772828922"/>
+                  </p:ext>
+                </p:extLst>
+              </p:nvPr>
+            </p:nvGraphicFramePr>
+            <p:xfrm>
+              <a:off x="803054" y="3575121"/>
+              <a:ext cx="10646362" cy="2277038"/>
+            </p:xfrm>
+            <a:graphic>
+              <a:graphicData uri="http://schemas.openxmlformats.org/drawingml/2006/table">
+                <a:tbl>
+                  <a:tblPr firstRow="1" bandRow="1">
+                    <a:tableStyleId>{5940675A-B579-460E-94D1-54222C63F5DA}</a:tableStyleId>
+                  </a:tblPr>
+                  <a:tblGrid>
+                    <a:gridCol w="1912850">
+                      <a:extLst>
+                        <a:ext uri="{9D8B030D-6E8A-4147-A177-3AD203B41FA5}">
+                          <a16:colId xmlns:a16="http://schemas.microsoft.com/office/drawing/2014/main" val="3244936718"/>
+                        </a:ext>
+                      </a:extLst>
+                    </a:gridCol>
+                    <a:gridCol w="2074460">
+                      <a:extLst>
+                        <a:ext uri="{9D8B030D-6E8A-4147-A177-3AD203B41FA5}">
+                          <a16:colId xmlns:a16="http://schemas.microsoft.com/office/drawing/2014/main" val="1022823167"/>
+                        </a:ext>
+                      </a:extLst>
+                    </a:gridCol>
+                    <a:gridCol w="6659052">
+                      <a:extLst>
+                        <a:ext uri="{9D8B030D-6E8A-4147-A177-3AD203B41FA5}">
+                          <a16:colId xmlns:a16="http://schemas.microsoft.com/office/drawing/2014/main" val="759121735"/>
+                        </a:ext>
+                      </a:extLst>
+                    </a:gridCol>
+                  </a:tblGrid>
+                  <a:tr h="505020">
+                    <a:tc>
+                      <a:txBody>
+                        <a:bodyPr/>
+                        <a:lstStyle/>
+                        <a:p>
+                          <a:r>
+                            <a:rPr lang="en-US" dirty="0" err="1">
+                              <a:solidFill>
+                                <a:srgbClr val="00B050"/>
+                              </a:solidFill>
+                              <a:latin typeface="Helvetica" pitchFamily="2" charset="0"/>
+                            </a:rPr>
+                            <a:t>Breit</a:t>
+                          </a:r>
+                          <a:r>
+                            <a:rPr lang="en-US" dirty="0">
+                              <a:solidFill>
+                                <a:srgbClr val="00B050"/>
+                              </a:solidFill>
+                              <a:latin typeface="Helvetica" pitchFamily="2" charset="0"/>
+                            </a:rPr>
+                            <a:t>-Rabi basis </a:t>
+                          </a:r>
+                          <a:endParaRPr lang="en-US" dirty="0"/>
+                        </a:p>
+                      </a:txBody>
+                      <a:tcPr/>
+                    </a:tc>
+                    <a:tc>
+                      <a:txBody>
+                        <a:bodyPr/>
+                        <a:lstStyle/>
+                        <a:p>
+                          <a:endParaRPr lang="en-US"/>
+                        </a:p>
+                      </a:txBody>
+                      <a:tcPr>
+                        <a:blipFill>
+                          <a:blip r:embed="rId7"/>
+                          <a:stretch>
+                            <a:fillRect l="-93252" t="-5000" r="-322699" b="-355000"/>
+                          </a:stretch>
+                        </a:blipFill>
+                      </a:tcPr>
+                    </a:tc>
+                    <a:tc>
+                      <a:txBody>
+                        <a:bodyPr/>
+                        <a:lstStyle/>
+                        <a:p>
+                          <a:pPr marL="0" marR="0" lvl="0" indent="0" algn="l" defTabSz="914400" rtl="0" eaLnBrk="1" fontAlgn="auto" latinLnBrk="0" hangingPunct="1">
+                            <a:lnSpc>
+                              <a:spcPct val="100000"/>
+                            </a:lnSpc>
+                            <a:spcBef>
+                              <a:spcPts val="0"/>
+                            </a:spcBef>
+                            <a:spcAft>
+                              <a:spcPts val="0"/>
+                            </a:spcAft>
+                            <a:buClrTx/>
+                            <a:buSzTx/>
+                            <a:buFontTx/>
+                            <a:buNone/>
+                            <a:tabLst/>
+                            <a:defRPr/>
+                          </a:pPr>
+                          <a:r>
+                            <a:rPr lang="en-US" dirty="0">
+                              <a:latin typeface="Helvetica" pitchFamily="2" charset="0"/>
+                            </a:rPr>
+                            <a:t>Experimentally friendly in zero-field limit, but B-field dependent </a:t>
+                          </a:r>
+                        </a:p>
+                      </a:txBody>
+                      <a:tcPr/>
+                    </a:tc>
+                    <a:extLst>
+                      <a:ext uri="{0D108BD9-81ED-4DB2-BD59-A6C34878D82A}">
+                        <a16:rowId xmlns:a16="http://schemas.microsoft.com/office/drawing/2014/main" val="4156136515"/>
+                      </a:ext>
+                    </a:extLst>
+                  </a:tr>
+                  <a:tr h="505020">
+                    <a:tc>
+                      <a:txBody>
+                        <a:bodyPr/>
+                        <a:lstStyle/>
+                        <a:p>
+                          <a:r>
+                            <a:rPr lang="en-US" dirty="0">
+                              <a:solidFill>
+                                <a:srgbClr val="0070C0"/>
+                              </a:solidFill>
+                              <a:latin typeface="Helvetica" pitchFamily="2" charset="0"/>
+                            </a:rPr>
+                            <a:t>Product basis</a:t>
+                          </a:r>
+                          <a:endParaRPr lang="en-US" dirty="0"/>
+                        </a:p>
+                      </a:txBody>
+                      <a:tcPr/>
+                    </a:tc>
+                    <a:tc>
+                      <a:txBody>
+                        <a:bodyPr/>
+                        <a:lstStyle/>
+                        <a:p>
+                          <a:endParaRPr lang="en-US" dirty="0"/>
+                        </a:p>
+                      </a:txBody>
+                      <a:tcPr/>
+                    </a:tc>
+                    <a:tc>
+                      <a:txBody>
+                        <a:bodyPr/>
+                        <a:lstStyle/>
+                        <a:p>
+                          <a:pPr marL="0" marR="0" lvl="0" indent="0" algn="l" defTabSz="914400" rtl="0" eaLnBrk="1" fontAlgn="auto" latinLnBrk="0" hangingPunct="1">
+                            <a:lnSpc>
+                              <a:spcPct val="100000"/>
+                            </a:lnSpc>
+                            <a:spcBef>
+                              <a:spcPts val="0"/>
+                            </a:spcBef>
+                            <a:spcAft>
+                              <a:spcPts val="0"/>
+                            </a:spcAft>
+                            <a:buClrTx/>
+                            <a:buSzTx/>
+                            <a:buFontTx/>
+                            <a:buNone/>
+                            <a:tabLst/>
+                            <a:defRPr/>
+                          </a:pPr>
+                          <a:r>
+                            <a:rPr lang="en-US" dirty="0">
+                              <a:latin typeface="Helvetica" pitchFamily="2" charset="0"/>
+                            </a:rPr>
+                            <a:t>Uncoupled, nice for getting </a:t>
+                          </a:r>
+                          <a:r>
+                            <a:rPr lang="en-US" dirty="0" err="1">
+                              <a:latin typeface="Helvetica" pitchFamily="2" charset="0"/>
+                            </a:rPr>
+                            <a:t>hfs</a:t>
+                          </a:r>
+                          <a:r>
+                            <a:rPr lang="en-US" dirty="0">
+                              <a:latin typeface="Helvetica" pitchFamily="2" charset="0"/>
+                            </a:rPr>
+                            <a:t> matrix elements</a:t>
+                          </a:r>
+                          <a:endParaRPr lang="en-US" dirty="0">
+                            <a:solidFill>
+                              <a:srgbClr val="0070C0"/>
+                            </a:solidFill>
+                            <a:latin typeface="Helvetica" pitchFamily="2" charset="0"/>
+                          </a:endParaRPr>
+                        </a:p>
+                      </a:txBody>
+                      <a:tcPr/>
+                    </a:tc>
+                    <a:extLst>
+                      <a:ext uri="{0D108BD9-81ED-4DB2-BD59-A6C34878D82A}">
+                        <a16:rowId xmlns:a16="http://schemas.microsoft.com/office/drawing/2014/main" val="4186147672"/>
+                      </a:ext>
+                    </a:extLst>
+                  </a:tr>
+                  <a:tr h="1266998">
+                    <a:tc>
+                      <a:txBody>
+                        <a:bodyPr/>
+                        <a:lstStyle/>
+                        <a:p>
+                          <a:r>
+                            <a:rPr lang="en-US" dirty="0">
+                              <a:solidFill>
+                                <a:srgbClr val="FF0000"/>
+                              </a:solidFill>
+                              <a:latin typeface="Helvetica" pitchFamily="2" charset="0"/>
+                            </a:rPr>
+                            <a:t>ABM spin basis</a:t>
+                          </a:r>
+                          <a:endParaRPr lang="en-US" dirty="0"/>
+                        </a:p>
+                      </a:txBody>
+                      <a:tcPr/>
+                    </a:tc>
+                    <a:tc>
+                      <a:txBody>
+                        <a:bodyPr/>
+                        <a:lstStyle/>
+                        <a:p>
+                          <a:endParaRPr lang="en-US" dirty="0"/>
+                        </a:p>
+                      </a:txBody>
+                      <a:tcPr/>
+                    </a:tc>
+                    <a:tc>
+                      <a:txBody>
+                        <a:bodyPr/>
+                        <a:lstStyle/>
+                        <a:p>
+                          <a:endParaRPr lang="en-US"/>
+                        </a:p>
+                      </a:txBody>
+                      <a:tcPr>
+                        <a:blipFill>
+                          <a:blip r:embed="rId7"/>
+                          <a:stretch>
+                            <a:fillRect l="-60000" t="-82000" r="-190" b="-2000"/>
+                          </a:stretch>
+                        </a:blipFill>
+                      </a:tcPr>
+                    </a:tc>
+                    <a:extLst>
+                      <a:ext uri="{0D108BD9-81ED-4DB2-BD59-A6C34878D82A}">
+                        <a16:rowId xmlns:a16="http://schemas.microsoft.com/office/drawing/2014/main" val="3933761300"/>
+                      </a:ext>
+                    </a:extLst>
+                  </a:tr>
+                </a:tbl>
+              </a:graphicData>
+            </a:graphic>
+          </p:graphicFrame>
+        </mc:Fallback>
+      </mc:AlternateContent>
+      <p:pic>
+        <p:nvPicPr>
+          <p:cNvPr id="10" name="Picture 9">
+            <a:extLst>
+              <a:ext uri="{FF2B5EF4-FFF2-40B4-BE49-F238E27FC236}">
+                <a16:creationId xmlns:a16="http://schemas.microsoft.com/office/drawing/2014/main" id="{95D29730-17E2-B033-43F3-FE0EDF205317}"/>
+              </a:ext>
+            </a:extLst>
+          </p:cNvPr>
+          <p:cNvPicPr>
+            <a:picLocks noChangeAspect="1"/>
+          </p:cNvPicPr>
+          <p:nvPr/>
+        </p:nvPicPr>
+        <p:blipFill>
+          <a:blip r:embed="rId8"/>
+          <a:stretch>
+            <a:fillRect/>
+          </a:stretch>
+        </p:blipFill>
+        <p:spPr>
+          <a:xfrm>
+            <a:off x="2954292" y="4833573"/>
+            <a:ext cx="1590998" cy="288408"/>
+          </a:xfrm>
+          <a:prstGeom prst="rect">
+            <a:avLst/>
+          </a:prstGeom>
+        </p:spPr>
+      </p:pic>
+      <p:pic>
+        <p:nvPicPr>
+          <p:cNvPr id="11" name="Picture 10">
+            <a:extLst>
+              <a:ext uri="{FF2B5EF4-FFF2-40B4-BE49-F238E27FC236}">
+                <a16:creationId xmlns:a16="http://schemas.microsoft.com/office/drawing/2014/main" id="{5E0C5E5A-D019-C881-CC7E-AE9E33685B3A}"/>
+              </a:ext>
+            </a:extLst>
+          </p:cNvPr>
+          <p:cNvPicPr>
+            <a:picLocks noChangeAspect="1"/>
+          </p:cNvPicPr>
+          <p:nvPr/>
+        </p:nvPicPr>
+        <p:blipFill>
+          <a:blip r:embed="rId9"/>
+          <a:stretch>
+            <a:fillRect/>
+          </a:stretch>
+        </p:blipFill>
+        <p:spPr>
+          <a:xfrm>
+            <a:off x="2734559" y="4253858"/>
+            <a:ext cx="2024007" cy="250854"/>
+          </a:xfrm>
+          <a:prstGeom prst="rect">
+            <a:avLst/>
+          </a:prstGeom>
+        </p:spPr>
+      </p:pic>
     </p:spTree>
     <p:extLst>
       <p:ext uri="{BB962C8B-B14F-4D97-AF65-F5344CB8AC3E}">
-        <p14:creationId xmlns:p14="http://schemas.microsoft.com/office/powerpoint/2010/main" val="768732505"/>
+        <p14:creationId xmlns:p14="http://schemas.microsoft.com/office/powerpoint/2010/main" val="1501769517"/>
       </p:ext>
     </p:extLst>
   </p:cSld>
@@ -11157,81 +13715,7 @@
                 </a:solidFill>
                 <a:latin typeface="Helvetica" pitchFamily="2" charset="0"/>
               </a:rPr>
-              <a:t>ABM description: Definitions</a:t>
-            </a:r>
-          </a:p>
-        </p:txBody>
-      </p:sp>
-      <p:sp>
-        <p:nvSpPr>
-          <p:cNvPr id="3" name="TextBox 2">
-            <a:extLst>
-              <a:ext uri="{FF2B5EF4-FFF2-40B4-BE49-F238E27FC236}">
-                <a16:creationId xmlns:a16="http://schemas.microsoft.com/office/drawing/2014/main" id="{84997F9F-B870-43FC-5253-BFD61CBEFD10}"/>
-              </a:ext>
-            </a:extLst>
-          </p:cNvPr>
-          <p:cNvSpPr txBox="1"/>
-          <p:nvPr/>
-        </p:nvSpPr>
-        <p:spPr>
-          <a:xfrm>
-            <a:off x="484743" y="5285288"/>
-            <a:ext cx="9946636" cy="1298625"/>
-          </a:xfrm>
-          <a:prstGeom prst="rect">
-            <a:avLst/>
-          </a:prstGeom>
-          <a:noFill/>
-        </p:spPr>
-        <p:txBody>
-          <a:bodyPr wrap="square" rtlCol="0">
-            <a:spAutoFit/>
-          </a:bodyPr>
-          <a:lstStyle/>
-          <a:p>
-            <a:pPr marL="285750" indent="-285750">
-              <a:lnSpc>
-                <a:spcPct val="150000"/>
-              </a:lnSpc>
-              <a:buFont typeface="Wingdings" pitchFamily="2" charset="2"/>
-              <a:buChar char="Ø"/>
-            </a:pPr>
-            <a:r>
-              <a:rPr lang="en-US" dirty="0">
-                <a:latin typeface="Helvetica" pitchFamily="2" charset="0"/>
-              </a:rPr>
-              <a:t>ABM involves no continuum states</a:t>
-            </a:r>
-          </a:p>
-          <a:p>
-            <a:pPr marL="285750" indent="-285750">
-              <a:lnSpc>
-                <a:spcPct val="150000"/>
-              </a:lnSpc>
-              <a:buFont typeface="Wingdings" pitchFamily="2" charset="2"/>
-              <a:buChar char="Ø"/>
-            </a:pPr>
-            <a:r>
-              <a:rPr lang="en-US" dirty="0">
-                <a:latin typeface="Helvetica" pitchFamily="2" charset="0"/>
-              </a:rPr>
-              <a:t>Treats a discrete set of                       with binding energies          as free parameters</a:t>
-            </a:r>
-          </a:p>
-          <a:p>
-            <a:pPr marL="285750" indent="-285750">
-              <a:lnSpc>
-                <a:spcPct val="150000"/>
-              </a:lnSpc>
-              <a:buFont typeface="Wingdings" pitchFamily="2" charset="2"/>
-              <a:buChar char="Ø"/>
-            </a:pPr>
-            <a:r>
-              <a:rPr lang="en-US" dirty="0">
-                <a:latin typeface="Helvetica" pitchFamily="2" charset="0"/>
-              </a:rPr>
-              <a:t>ABM solutions obtained by diagonalizing the full Hamiltonian </a:t>
+              <a:t>ABM description: Hamiltonian matrix elements</a:t>
             </a:r>
           </a:p>
         </p:txBody>
@@ -11258,7 +13742,7 @@
         </p:blipFill>
         <p:spPr>
           <a:xfrm>
-            <a:off x="8596369" y="1300202"/>
+            <a:off x="8847829" y="1499085"/>
             <a:ext cx="2294761" cy="899734"/>
           </a:xfrm>
           <a:prstGeom prst="rect">
@@ -11268,10 +13752,10 @@
       </p:pic>
       <p:pic>
         <p:nvPicPr>
-          <p:cNvPr id="5" name="Picture 4">
+          <p:cNvPr id="3" name="Picture 2">
             <a:extLst>
               <a:ext uri="{FF2B5EF4-FFF2-40B4-BE49-F238E27FC236}">
-                <a16:creationId xmlns:a16="http://schemas.microsoft.com/office/drawing/2014/main" id="{1F6AA954-986A-A77B-A1EE-C93EE71ABDD3}"/>
+                <a16:creationId xmlns:a16="http://schemas.microsoft.com/office/drawing/2014/main" id="{1E58AF65-75C0-6AE4-3A24-6334115A74F4}"/>
               </a:ext>
             </a:extLst>
           </p:cNvPr>
@@ -11288,20 +13772,223 @@
         </p:blipFill>
         <p:spPr>
           <a:xfrm>
-            <a:off x="3200800" y="5726851"/>
-            <a:ext cx="1411823" cy="527016"/>
+            <a:off x="1694799" y="2128538"/>
+            <a:ext cx="6384290" cy="704621"/>
           </a:xfrm>
           <a:prstGeom prst="rect">
             <a:avLst/>
           </a:prstGeom>
+          <a:solidFill>
+            <a:srgbClr val="FFFFFF">
+              <a:shade val="85000"/>
+            </a:srgbClr>
+          </a:solidFill>
+          <a:ln w="88900" cap="sq">
+            <a:solidFill>
+              <a:srgbClr val="FFFFFF"/>
+            </a:solidFill>
+            <a:miter lim="800000"/>
+          </a:ln>
+          <a:effectLst>
+            <a:outerShdw blurRad="55000" dist="18000" dir="5400000" algn="tl" rotWithShape="0">
+              <a:srgbClr val="000000">
+                <a:alpha val="40000"/>
+              </a:srgbClr>
+            </a:outerShdw>
+          </a:effectLst>
+          <a:scene3d>
+            <a:camera prst="orthographicFront"/>
+            <a:lightRig rig="twoPt" dir="t">
+              <a:rot lat="0" lon="0" rev="7200000"/>
+            </a:lightRig>
+          </a:scene3d>
+          <a:sp3d>
+            <a:bevelT w="25400" h="19050"/>
+            <a:contourClr>
+              <a:srgbClr val="FFFFFF"/>
+            </a:contourClr>
+          </a:sp3d>
         </p:spPr>
       </p:pic>
+      <p:cxnSp>
+        <p:nvCxnSpPr>
+          <p:cNvPr id="5" name="Straight Arrow Connector 4">
+            <a:extLst>
+              <a:ext uri="{FF2B5EF4-FFF2-40B4-BE49-F238E27FC236}">
+                <a16:creationId xmlns:a16="http://schemas.microsoft.com/office/drawing/2014/main" id="{07955C80-CCAD-FF78-1B3D-6D16C5E17F0C}"/>
+              </a:ext>
+            </a:extLst>
+          </p:cNvPr>
+          <p:cNvCxnSpPr>
+            <a:cxnSpLocks/>
+          </p:cNvCxnSpPr>
+          <p:nvPr/>
+        </p:nvCxnSpPr>
+        <p:spPr>
+          <a:xfrm>
+            <a:off x="3611880" y="2782465"/>
+            <a:ext cx="137160" cy="486515"/>
+          </a:xfrm>
+          <a:prstGeom prst="straightConnector1">
+            <a:avLst/>
+          </a:prstGeom>
+          <a:ln w="12700">
+            <a:tailEnd type="triangle"/>
+          </a:ln>
+        </p:spPr>
+        <p:style>
+          <a:lnRef idx="1">
+            <a:schemeClr val="dk1"/>
+          </a:lnRef>
+          <a:fillRef idx="0">
+            <a:schemeClr val="dk1"/>
+          </a:fillRef>
+          <a:effectRef idx="0">
+            <a:schemeClr val="dk1"/>
+          </a:effectRef>
+          <a:fontRef idx="minor">
+            <a:schemeClr val="tx1"/>
+          </a:fontRef>
+        </p:style>
+      </p:cxnSp>
+      <p:sp>
+        <p:nvSpPr>
+          <p:cNvPr id="6" name="TextBox 5">
+            <a:extLst>
+              <a:ext uri="{FF2B5EF4-FFF2-40B4-BE49-F238E27FC236}">
+                <a16:creationId xmlns:a16="http://schemas.microsoft.com/office/drawing/2014/main" id="{EE5C6D88-2A85-69CF-DD51-1848E7B7396B}"/>
+              </a:ext>
+            </a:extLst>
+          </p:cNvPr>
+          <p:cNvSpPr txBox="1"/>
+          <p:nvPr/>
+        </p:nvSpPr>
+        <p:spPr>
+          <a:xfrm>
+            <a:off x="2642474" y="3276576"/>
+            <a:ext cx="3057247" cy="646331"/>
+          </a:xfrm>
+          <a:prstGeom prst="rect">
+            <a:avLst/>
+          </a:prstGeom>
+          <a:noFill/>
+        </p:spPr>
+        <p:txBody>
+          <a:bodyPr wrap="none" rtlCol="0">
+            <a:spAutoFit/>
+          </a:bodyPr>
+          <a:lstStyle/>
+          <a:p>
+            <a:r>
+              <a:rPr lang="en-US" dirty="0">
+                <a:latin typeface="Helvetica" pitchFamily="2" charset="0"/>
+              </a:rPr>
+              <a:t>Relative motion Hamiltonian</a:t>
+            </a:r>
+          </a:p>
+          <a:p>
+            <a:r>
+              <a:rPr lang="en-US" dirty="0">
+                <a:latin typeface="Helvetica" pitchFamily="2" charset="0"/>
+              </a:rPr>
+              <a:t>is diagonal in </a:t>
+            </a:r>
+            <a:r>
+              <a:rPr lang="en-US" dirty="0">
+                <a:solidFill>
+                  <a:srgbClr val="FF0000"/>
+                </a:solidFill>
+                <a:latin typeface="Helvetica" pitchFamily="2" charset="0"/>
+              </a:rPr>
+              <a:t>spin basis</a:t>
+            </a:r>
+          </a:p>
+        </p:txBody>
+      </p:sp>
+      <p:cxnSp>
+        <p:nvCxnSpPr>
+          <p:cNvPr id="15" name="Straight Arrow Connector 14">
+            <a:extLst>
+              <a:ext uri="{FF2B5EF4-FFF2-40B4-BE49-F238E27FC236}">
+                <a16:creationId xmlns:a16="http://schemas.microsoft.com/office/drawing/2014/main" id="{5DA583E3-A644-86AD-2512-84D51D5C8A43}"/>
+              </a:ext>
+            </a:extLst>
+          </p:cNvPr>
+          <p:cNvCxnSpPr>
+            <a:cxnSpLocks/>
+          </p:cNvCxnSpPr>
+          <p:nvPr/>
+        </p:nvCxnSpPr>
+        <p:spPr>
+          <a:xfrm flipH="1">
+            <a:off x="1521143" y="2808849"/>
+            <a:ext cx="347312" cy="617220"/>
+          </a:xfrm>
+          <a:prstGeom prst="straightConnector1">
+            <a:avLst/>
+          </a:prstGeom>
+          <a:ln w="12700">
+            <a:tailEnd type="triangle"/>
+          </a:ln>
+        </p:spPr>
+        <p:style>
+          <a:lnRef idx="1">
+            <a:schemeClr val="dk1"/>
+          </a:lnRef>
+          <a:fillRef idx="0">
+            <a:schemeClr val="dk1"/>
+          </a:fillRef>
+          <a:effectRef idx="0">
+            <a:schemeClr val="dk1"/>
+          </a:effectRef>
+          <a:fontRef idx="minor">
+            <a:schemeClr val="tx1"/>
+          </a:fontRef>
+        </p:style>
+      </p:cxnSp>
+      <p:sp>
+        <p:nvSpPr>
+          <p:cNvPr id="18" name="TextBox 17">
+            <a:extLst>
+              <a:ext uri="{FF2B5EF4-FFF2-40B4-BE49-F238E27FC236}">
+                <a16:creationId xmlns:a16="http://schemas.microsoft.com/office/drawing/2014/main" id="{651B13E3-158B-F267-7B7A-28A97FBFB423}"/>
+              </a:ext>
+            </a:extLst>
+          </p:cNvPr>
+          <p:cNvSpPr txBox="1"/>
+          <p:nvPr/>
+        </p:nvSpPr>
+        <p:spPr>
+          <a:xfrm>
+            <a:off x="548868" y="3413190"/>
+            <a:ext cx="1980029" cy="369332"/>
+          </a:xfrm>
+          <a:prstGeom prst="rect">
+            <a:avLst/>
+          </a:prstGeom>
+          <a:noFill/>
+        </p:spPr>
+        <p:txBody>
+          <a:bodyPr wrap="none" rtlCol="0">
+            <a:spAutoFit/>
+          </a:bodyPr>
+          <a:lstStyle/>
+          <a:p>
+            <a:r>
+              <a:rPr lang="en-US" dirty="0">
+                <a:latin typeface="Helvetica" pitchFamily="2" charset="0"/>
+              </a:rPr>
+              <a:t>Binding energy of</a:t>
+            </a:r>
+          </a:p>
+        </p:txBody>
+      </p:sp>
       <p:pic>
         <p:nvPicPr>
-          <p:cNvPr id="6" name="Picture 5">
+          <p:cNvPr id="22" name="Picture 21">
             <a:extLst>
               <a:ext uri="{FF2B5EF4-FFF2-40B4-BE49-F238E27FC236}">
-                <a16:creationId xmlns:a16="http://schemas.microsoft.com/office/drawing/2014/main" id="{AA126A0D-466F-1285-C046-5F39EF979AF2}"/>
+                <a16:creationId xmlns:a16="http://schemas.microsoft.com/office/drawing/2014/main" id="{6531911D-D76A-3555-6333-5130BAA798C9}"/>
               </a:ext>
             </a:extLst>
           </p:cNvPr>
@@ -11318,22 +14005,178 @@
         </p:blipFill>
         <p:spPr>
           <a:xfrm>
-            <a:off x="6823877" y="5686175"/>
-            <a:ext cx="547995" cy="497669"/>
+            <a:off x="832970" y="3740002"/>
+            <a:ext cx="1411823" cy="527016"/>
           </a:xfrm>
           <a:prstGeom prst="rect">
             <a:avLst/>
           </a:prstGeom>
         </p:spPr>
       </p:pic>
+      <p:cxnSp>
+        <p:nvCxnSpPr>
+          <p:cNvPr id="23" name="Straight Arrow Connector 22">
+            <a:extLst>
+              <a:ext uri="{FF2B5EF4-FFF2-40B4-BE49-F238E27FC236}">
+                <a16:creationId xmlns:a16="http://schemas.microsoft.com/office/drawing/2014/main" id="{A74155BE-6225-8100-87E8-E46A004FDE61}"/>
+              </a:ext>
+            </a:extLst>
+          </p:cNvPr>
+          <p:cNvCxnSpPr>
+            <a:cxnSpLocks/>
+          </p:cNvCxnSpPr>
+          <p:nvPr/>
+        </p:nvCxnSpPr>
+        <p:spPr>
+          <a:xfrm>
+            <a:off x="5675345" y="2746915"/>
+            <a:ext cx="569245" cy="1061667"/>
+          </a:xfrm>
+          <a:prstGeom prst="straightConnector1">
+            <a:avLst/>
+          </a:prstGeom>
+          <a:ln w="12700">
+            <a:tailEnd type="triangle"/>
+          </a:ln>
+        </p:spPr>
+        <p:style>
+          <a:lnRef idx="1">
+            <a:schemeClr val="dk1"/>
+          </a:lnRef>
+          <a:fillRef idx="0">
+            <a:schemeClr val="dk1"/>
+          </a:fillRef>
+          <a:effectRef idx="0">
+            <a:schemeClr val="dk1"/>
+          </a:effectRef>
+          <a:fontRef idx="minor">
+            <a:schemeClr val="tx1"/>
+          </a:fontRef>
+        </p:style>
+      </p:cxnSp>
+      <p:sp>
+        <p:nvSpPr>
+          <p:cNvPr id="26" name="TextBox 25">
+            <a:extLst>
+              <a:ext uri="{FF2B5EF4-FFF2-40B4-BE49-F238E27FC236}">
+                <a16:creationId xmlns:a16="http://schemas.microsoft.com/office/drawing/2014/main" id="{0DACE198-C99D-3606-F137-BE7A045B99D3}"/>
+              </a:ext>
+            </a:extLst>
+          </p:cNvPr>
+          <p:cNvSpPr txBox="1"/>
+          <p:nvPr/>
+        </p:nvSpPr>
+        <p:spPr>
+          <a:xfrm>
+            <a:off x="5458175" y="3785761"/>
+            <a:ext cx="2416046" cy="369332"/>
+          </a:xfrm>
+          <a:prstGeom prst="rect">
+            <a:avLst/>
+          </a:prstGeom>
+          <a:noFill/>
+        </p:spPr>
+        <p:txBody>
+          <a:bodyPr wrap="none" rtlCol="0">
+            <a:spAutoFit/>
+          </a:bodyPr>
+          <a:lstStyle/>
+          <a:p>
+            <a:r>
+              <a:rPr lang="en-US" dirty="0">
+                <a:latin typeface="Helvetica" pitchFamily="2" charset="0"/>
+              </a:rPr>
+              <a:t>Franck-Condon factor</a:t>
+            </a:r>
+          </a:p>
+        </p:txBody>
+      </p:sp>
+      <p:cxnSp>
+        <p:nvCxnSpPr>
+          <p:cNvPr id="29" name="Straight Arrow Connector 28">
+            <a:extLst>
+              <a:ext uri="{FF2B5EF4-FFF2-40B4-BE49-F238E27FC236}">
+                <a16:creationId xmlns:a16="http://schemas.microsoft.com/office/drawing/2014/main" id="{67271F57-87E4-B1B7-7BB0-9D894161213F}"/>
+              </a:ext>
+            </a:extLst>
+          </p:cNvPr>
+          <p:cNvCxnSpPr>
+            <a:cxnSpLocks/>
+          </p:cNvCxnSpPr>
+          <p:nvPr/>
+        </p:nvCxnSpPr>
+        <p:spPr>
+          <a:xfrm flipV="1">
+            <a:off x="6597618" y="1780515"/>
+            <a:ext cx="100362" cy="499368"/>
+          </a:xfrm>
+          <a:prstGeom prst="straightConnector1">
+            <a:avLst/>
+          </a:prstGeom>
+          <a:ln w="12700">
+            <a:tailEnd type="triangle"/>
+          </a:ln>
+        </p:spPr>
+        <p:style>
+          <a:lnRef idx="1">
+            <a:schemeClr val="dk1"/>
+          </a:lnRef>
+          <a:fillRef idx="0">
+            <a:schemeClr val="dk1"/>
+          </a:fillRef>
+          <a:effectRef idx="0">
+            <a:schemeClr val="dk1"/>
+          </a:effectRef>
+          <a:fontRef idx="minor">
+            <a:schemeClr val="tx1"/>
+          </a:fontRef>
+        </p:style>
+      </p:cxnSp>
+      <p:sp>
+        <p:nvSpPr>
+          <p:cNvPr id="35" name="TextBox 34">
+            <a:extLst>
+              <a:ext uri="{FF2B5EF4-FFF2-40B4-BE49-F238E27FC236}">
+                <a16:creationId xmlns:a16="http://schemas.microsoft.com/office/drawing/2014/main" id="{F3FD47A1-83EB-8978-195B-F26127006D50}"/>
+              </a:ext>
+            </a:extLst>
+          </p:cNvPr>
+          <p:cNvSpPr txBox="1"/>
+          <p:nvPr/>
+        </p:nvSpPr>
+        <p:spPr>
+          <a:xfrm>
+            <a:off x="5465444" y="1425616"/>
+            <a:ext cx="2595582" cy="369332"/>
+          </a:xfrm>
+          <a:prstGeom prst="rect">
+            <a:avLst/>
+          </a:prstGeom>
+          <a:noFill/>
+        </p:spPr>
+        <p:txBody>
+          <a:bodyPr wrap="none" rtlCol="0">
+            <a:spAutoFit/>
+          </a:bodyPr>
+          <a:lstStyle/>
+          <a:p>
+            <a:r>
+              <a:rPr lang="en-US" dirty="0">
+                <a:latin typeface="Helvetica" pitchFamily="2" charset="0"/>
+              </a:rPr>
+              <a:t>Spin degree of freedom</a:t>
+            </a:r>
+          </a:p>
+        </p:txBody>
+      </p:sp>
       <mc:AlternateContent xmlns:mc="http://schemas.openxmlformats.org/markup-compatibility/2006">
         <mc:Choice xmlns:a14="http://schemas.microsoft.com/office/drawing/2010/main" Requires="a14">
           <p:sp>
             <p:nvSpPr>
-              <p:cNvPr id="9" name="TextBox 8">
+              <p:cNvPr id="36" name="TextBox 35">
                 <a:extLst>
                   <a:ext uri="{FF2B5EF4-FFF2-40B4-BE49-F238E27FC236}">
-                    <a16:creationId xmlns:a16="http://schemas.microsoft.com/office/drawing/2014/main" id="{05B198E9-2FC1-1928-FF48-36D92B1FA6AC}"/>
+                    <a16:creationId xmlns:a16="http://schemas.microsoft.com/office/drawing/2014/main" id="{9E36F98E-2B92-310B-69C1-0681E955DFBC}"/>
                   </a:ext>
                 </a:extLst>
               </p:cNvPr>
@@ -11342,8 +14185,8 @@
             </p:nvSpPr>
             <p:spPr>
               <a:xfrm>
-                <a:off x="484742" y="1450072"/>
-                <a:ext cx="11078379" cy="3791679"/>
+                <a:off x="1036215" y="4442563"/>
+                <a:ext cx="9847504" cy="2128275"/>
               </a:xfrm>
               <a:prstGeom prst="rect">
                 <a:avLst/>
@@ -11351,7 +14194,7 @@
               <a:noFill/>
             </p:spPr>
             <p:txBody>
-              <a:bodyPr wrap="square" rtlCol="0">
+              <a:bodyPr wrap="none" rtlCol="0">
                 <a:spAutoFit/>
               </a:bodyPr>
               <a:lstStyle/>
@@ -11367,31 +14210,7 @@
                   <a:rPr lang="en-US" dirty="0">
                     <a:latin typeface="Helvetica" pitchFamily="2" charset="0"/>
                   </a:rPr>
-                  <a:t>Relative Hamiltonian is </a:t>
-                </a:r>
-                <a:r>
-                  <a:rPr lang="en-US" b="1" dirty="0">
-                    <a:latin typeface="Helvetica" pitchFamily="2" charset="0"/>
-                  </a:rPr>
-                  <a:t>not</a:t>
-                </a:r>
-                <a:r>
-                  <a:rPr lang="en-US" dirty="0">
-                    <a:latin typeface="Helvetica" pitchFamily="2" charset="0"/>
-                  </a:rPr>
-                  <a:t> diagonal in </a:t>
-                </a:r>
-                <a:r>
-                  <a:rPr lang="en-US" dirty="0" err="1">
-                    <a:latin typeface="Helvetica" pitchFamily="2" charset="0"/>
-                  </a:rPr>
-                  <a:t>Breit</a:t>
-                </a:r>
-                <a:r>
-                  <a:rPr lang="en-US" dirty="0">
-                    <a:latin typeface="Helvetica" pitchFamily="2" charset="0"/>
-                  </a:rPr>
-                  <a:t>-Rabi basis</a:t>
+                  <a:t>ABM solutions are obtained by diagonalizing this Hamiltonian</a:t>
                 </a:r>
               </a:p>
               <a:p>
@@ -11406,160 +14225,7 @@
                   <a:rPr lang="en-US" dirty="0">
                     <a:latin typeface="Helvetica" pitchFamily="2" charset="0"/>
                   </a:rPr>
-                  <a:t>But      can be decomposed into singlet and triplet parts</a:t>
-                </a:r>
-              </a:p>
-              <a:p>
-                <a:pPr>
-                  <a:lnSpc>
-                    <a:spcPct val="150000"/>
-                  </a:lnSpc>
-                </a:pPr>
-                <a:r>
-                  <a:rPr lang="en-US" dirty="0">
-                    <a:latin typeface="Helvetica" pitchFamily="2" charset="0"/>
-                  </a:rPr>
-                  <a:t>	</a:t>
-                </a:r>
-                <a:r>
-                  <a:rPr lang="en-US" dirty="0">
-                    <a:latin typeface="Helvetica" pitchFamily="2" charset="0"/>
-                    <a:sym typeface="Wingdings" pitchFamily="2" charset="2"/>
-                  </a:rPr>
-                  <a:t> Better</a:t>
-                </a:r>
-                <a:r>
-                  <a:rPr lang="en-US" dirty="0">
-                    <a:latin typeface="Helvetica" pitchFamily="2" charset="0"/>
-                  </a:rPr>
-                  <a:t> to go to </a:t>
-                </a:r>
-                <a:r>
-                  <a:rPr lang="en-US" dirty="0">
-                    <a:solidFill>
-                      <a:srgbClr val="00B050"/>
-                    </a:solidFill>
-                    <a:latin typeface="Helvetica" pitchFamily="2" charset="0"/>
-                  </a:rPr>
-                  <a:t>spin basis </a:t>
-                </a:r>
-                <a14:m>
-                  <m:oMath xmlns:m="http://schemas.openxmlformats.org/officeDocument/2006/math">
-                    <m:r>
-                      <a:rPr lang="en-US" b="0" i="0" smtClean="0">
-                        <a:latin typeface="Cambria Math" panose="02040503050406030204" pitchFamily="18" charset="0"/>
-                      </a:rPr>
-                      <m:t>|</m:t>
-                    </m:r>
-                    <m:r>
-                      <m:rPr>
-                        <m:nor/>
-                      </m:rPr>
-                      <a:rPr lang="en-US" dirty="0">
-                        <a:latin typeface="Helvetica" pitchFamily="2" charset="0"/>
-                      </a:rPr>
-                      <m:t>S</m:t>
-                    </m:r>
-                    <m:r>
-                      <m:rPr>
-                        <m:nor/>
-                      </m:rPr>
-                      <a:rPr lang="en-US" dirty="0">
-                        <a:latin typeface="Helvetica" pitchFamily="2" charset="0"/>
-                      </a:rPr>
-                      <m:t>, </m:t>
-                    </m:r>
-                    <m:r>
-                      <m:rPr>
-                        <m:nor/>
-                      </m:rPr>
-                      <a:rPr lang="en-US" dirty="0">
-                        <a:latin typeface="Helvetica" pitchFamily="2" charset="0"/>
-                      </a:rPr>
-                      <m:t>MS</m:t>
-                    </m:r>
-                    <m:r>
-                      <m:rPr>
-                        <m:nor/>
-                      </m:rPr>
-                      <a:rPr lang="en-US" dirty="0">
-                        <a:latin typeface="Helvetica" pitchFamily="2" charset="0"/>
-                      </a:rPr>
-                      <m:t>, </m:t>
-                    </m:r>
-                    <m:r>
-                      <m:rPr>
-                        <m:nor/>
-                      </m:rPr>
-                      <a:rPr lang="en-US" dirty="0">
-                        <a:latin typeface="Helvetica" pitchFamily="2" charset="0"/>
-                      </a:rPr>
-                      <m:t>MI</m:t>
-                    </m:r>
-                    <m:r>
-                      <m:rPr>
-                        <m:nor/>
-                      </m:rPr>
-                      <a:rPr lang="en-US" baseline="-25000" dirty="0">
-                        <a:latin typeface="Helvetica" pitchFamily="2" charset="0"/>
-                      </a:rPr>
-                      <m:t>,⍺, </m:t>
-                    </m:r>
-                    <m:r>
-                      <m:rPr>
-                        <m:nor/>
-                      </m:rPr>
-                      <a:rPr lang="en-US" dirty="0">
-                        <a:latin typeface="Helvetica" pitchFamily="2" charset="0"/>
-                      </a:rPr>
-                      <m:t>MI</m:t>
-                    </m:r>
-                    <m:r>
-                      <m:rPr>
-                        <m:nor/>
-                      </m:rPr>
-                      <a:rPr lang="en-US" baseline="-25000" dirty="0">
-                        <a:latin typeface="Helvetica" pitchFamily="2" charset="0"/>
-                      </a:rPr>
-                      <m:t>,</m:t>
-                    </m:r>
-                    <m:r>
-                      <m:rPr>
-                        <m:nor/>
-                      </m:rPr>
-                      <a:rPr lang="en-US" baseline="-25000" dirty="0">
-                        <a:latin typeface="Helvetica" pitchFamily="2" charset="0"/>
-                      </a:rPr>
-                      <m:t>β</m:t>
-                    </m:r>
-                    <m:r>
-                      <a:rPr lang="en-US" b="0" i="1" smtClean="0">
-                        <a:latin typeface="Cambria Math" panose="02040503050406030204" pitchFamily="18" charset="0"/>
-                      </a:rPr>
-                      <m:t>⟩</m:t>
-                    </m:r>
-                  </m:oMath>
-                </a14:m>
-                <a:r>
-                  <a:rPr lang="en-US" dirty="0">
-                    <a:solidFill>
-                      <a:srgbClr val="00B050"/>
-                    </a:solidFill>
-                    <a:latin typeface="Helvetica" pitchFamily="2" charset="0"/>
-                  </a:rPr>
-                  <a:t> </a:t>
-                </a:r>
-                <a:r>
-                  <a:rPr lang="en-US" dirty="0">
-                    <a:latin typeface="Helvetica" pitchFamily="2" charset="0"/>
-                  </a:rPr>
-                  <a:t>to simplify inclusion of couplings between </a:t>
-                </a:r>
-                <a:r>
-                  <a:rPr lang="en-US" i="1" dirty="0">
-                    <a:latin typeface="Helvetica" pitchFamily="2" charset="0"/>
-                  </a:rPr>
-                  <a:t>channels</a:t>
+                  <a:t>Interatomic binding energies and FC factors are input parameters</a:t>
                 </a:r>
               </a:p>
               <a:p>
@@ -11571,78 +14237,41 @@
                   <a:buChar char="Ø"/>
                 </a:pPr>
                 <a:r>
-                  <a:rPr lang="en-US" i="1" dirty="0">
-                    <a:latin typeface="Helvetica" pitchFamily="2" charset="0"/>
-                  </a:rPr>
-                  <a:t>Entrance channel: </a:t>
-                </a:r>
-                <a:endParaRPr lang="en-US" dirty="0">
-                  <a:latin typeface="Helvetica" pitchFamily="2" charset="0"/>
-                </a:endParaRPr>
-              </a:p>
-              <a:p>
-                <a:pPr>
-                  <a:lnSpc>
-                    <a:spcPct val="150000"/>
-                  </a:lnSpc>
-                </a:pPr>
-                <a:r>
-                  <a:rPr lang="en-US" i="1" dirty="0">
-                    <a:latin typeface="Helvetica" pitchFamily="2" charset="0"/>
-                  </a:rPr>
-                  <a:t>	</a:t>
-                </a:r>
-                <a:r>
                   <a:rPr lang="en-US" dirty="0">
                     <a:latin typeface="Helvetica" pitchFamily="2" charset="0"/>
                   </a:rPr>
-                  <a:t>Experimentally, entrance channel is            an eigenstate of internal Hamiltonian, with known </a:t>
+                  <a:t>Eigenvalues are FB molecule’s binding energies </a:t>
                 </a:r>
                 <a14:m>
                   <m:oMath xmlns:m="http://schemas.openxmlformats.org/officeDocument/2006/math">
-                    <m:r>
-                      <a:rPr lang="en-US" b="0" i="1" smtClean="0">
-                        <a:latin typeface="Cambria Math" panose="02040503050406030204" pitchFamily="18" charset="0"/>
-                      </a:rPr>
-                      <m:t>𝑙</m:t>
-                    </m:r>
+                    <m:sSub>
+                      <m:sSubPr>
+                        <m:ctrlPr>
+                          <a:rPr lang="en-US" b="0" i="1" smtClean="0">
+                            <a:latin typeface="Cambria Math" panose="02040503050406030204" pitchFamily="18" charset="0"/>
+                          </a:rPr>
+                        </m:ctrlPr>
+                      </m:sSubPr>
+                      <m:e>
+                        <m:r>
+                          <a:rPr lang="en-US" b="0" i="1" smtClean="0">
+                            <a:latin typeface="Cambria Math" panose="02040503050406030204" pitchFamily="18" charset="0"/>
+                          </a:rPr>
+                          <m:t>𝐸</m:t>
+                        </m:r>
+                      </m:e>
+                      <m:sub>
+                        <m:r>
+                          <a:rPr lang="en-US" b="0" i="1" smtClean="0">
+                            <a:latin typeface="Cambria Math" panose="02040503050406030204" pitchFamily="18" charset="0"/>
+                          </a:rPr>
+                          <m:t>𝑏</m:t>
+                        </m:r>
+                      </m:sub>
+                    </m:sSub>
                   </m:oMath>
                 </a14:m>
-                <a:endParaRPr lang="en-US" b="0" dirty="0">
-                  <a:latin typeface="Helvetica" pitchFamily="2" charset="0"/>
-                </a:endParaRPr>
-              </a:p>
-              <a:p>
-                <a:pPr>
-                  <a:lnSpc>
-                    <a:spcPct val="150000"/>
-                  </a:lnSpc>
-                </a:pPr>
-                <a:r>
-                  <a:rPr lang="en-US" dirty="0">
-                    <a:latin typeface="Helvetica" pitchFamily="2" charset="0"/>
-                  </a:rPr>
-                  <a:t>	e.g. NaK Feshbach molecules of type Na(1,1) + K(9/2,-9/2)* with </a:t>
-                </a:r>
-                <a14:m>
-                  <m:oMath xmlns:m="http://schemas.openxmlformats.org/officeDocument/2006/math">
-                    <m:r>
-                      <a:rPr lang="en-US" b="0" i="1" smtClean="0">
-                        <a:latin typeface="Cambria Math" panose="02040503050406030204" pitchFamily="18" charset="0"/>
-                      </a:rPr>
-                      <m:t>𝑙</m:t>
-                    </m:r>
-                    <m:r>
-                      <a:rPr lang="en-US" b="0" i="1" smtClean="0">
-                        <a:latin typeface="Cambria Math" panose="02040503050406030204" pitchFamily="18" charset="0"/>
-                      </a:rPr>
-                      <m:t>=1</m:t>
-                    </m:r>
-                  </m:oMath>
-                </a14:m>
-                <a:endParaRPr lang="en-US" i="1" dirty="0">
-                  <a:latin typeface="Helvetica" pitchFamily="2" charset="0"/>
-                </a:endParaRPr>
+                <a:endParaRPr lang="en-US" dirty="0"/>
               </a:p>
               <a:p>
                 <a:pPr marL="285750" indent="-285750">
@@ -11653,52 +14282,98 @@
                   <a:buChar char="Ø"/>
                 </a:pPr>
                 <a:r>
-                  <a:rPr lang="en-US" i="1" dirty="0">
+                  <a:rPr lang="en-US" dirty="0">
                     <a:latin typeface="Helvetica" pitchFamily="2" charset="0"/>
                   </a:rPr>
-                  <a:t>Threshold energy:</a:t>
+                  <a:t>Simplest model: </a:t>
                 </a:r>
               </a:p>
               <a:p>
-                <a:pPr lvl="1">
+                <a:pPr>
                   <a:lnSpc>
                     <a:spcPct val="150000"/>
                   </a:lnSpc>
                 </a:pPr>
                 <a:r>
-                  <a:rPr lang="en-US" i="1" dirty="0">
-                    <a:latin typeface="Helvetica" pitchFamily="2" charset="0"/>
-                  </a:rPr>
+                  <a:rPr lang="en-US" dirty="0"/>
                   <a:t>	</a:t>
                 </a:r>
                 <a:r>
                   <a:rPr lang="en-US" dirty="0">
                     <a:latin typeface="Helvetica" pitchFamily="2" charset="0"/>
                   </a:rPr>
-                  <a:t>Energy of two atoms at rest in entrance channel </a:t>
+                  <a:t>FB resonance occurs when </a:t>
                 </a:r>
-              </a:p>
-              <a:p>
-                <a:pPr lvl="1">
-                  <a:lnSpc>
-                    <a:spcPct val="150000"/>
-                  </a:lnSpc>
-                </a:pPr>
-                <a:r>
-                  <a:rPr lang="en-US" i="1" dirty="0">
-                    <a:latin typeface="Helvetica" pitchFamily="2" charset="0"/>
-                  </a:rPr>
-                  <a:t>	</a:t>
-                </a:r>
+                <a14:m>
+                  <m:oMath xmlns:m="http://schemas.openxmlformats.org/officeDocument/2006/math">
+                    <m:sSub>
+                      <m:sSubPr>
+                        <m:ctrlPr>
+                          <a:rPr lang="en-US" b="0" i="1" smtClean="0">
+                            <a:latin typeface="Cambria Math" panose="02040503050406030204" pitchFamily="18" charset="0"/>
+                          </a:rPr>
+                        </m:ctrlPr>
+                      </m:sSubPr>
+                      <m:e>
+                        <m:r>
+                          <a:rPr lang="en-US" b="0" i="1" smtClean="0">
+                            <a:latin typeface="Cambria Math" panose="02040503050406030204" pitchFamily="18" charset="0"/>
+                          </a:rPr>
+                          <m:t>𝐸</m:t>
+                        </m:r>
+                      </m:e>
+                      <m:sub>
+                        <m:r>
+                          <a:rPr lang="en-US" b="0" i="1" smtClean="0">
+                            <a:latin typeface="Cambria Math" panose="02040503050406030204" pitchFamily="18" charset="0"/>
+                          </a:rPr>
+                          <m:t>𝑏</m:t>
+                        </m:r>
+                      </m:sub>
+                    </m:sSub>
+                  </m:oMath>
+                </a14:m>
                 <a:r>
                   <a:rPr lang="en-US" dirty="0">
                     <a:latin typeface="Helvetica" pitchFamily="2" charset="0"/>
                   </a:rPr>
-                  <a:t>Separates discrete bound states from continuum of scattering states</a:t>
+                  <a:t> crosses </a:t>
                 </a:r>
-                <a:endParaRPr lang="en-US" i="1" dirty="0">
-                  <a:latin typeface="Helvetica" pitchFamily="2" charset="0"/>
-                </a:endParaRPr>
+                <a14:m>
+                  <m:oMath xmlns:m="http://schemas.openxmlformats.org/officeDocument/2006/math">
+                    <m:sSub>
+                      <m:sSubPr>
+                        <m:ctrlPr>
+                          <a:rPr lang="en-US" i="1">
+                            <a:latin typeface="Cambria Math" panose="02040503050406030204" pitchFamily="18" charset="0"/>
+                          </a:rPr>
+                        </m:ctrlPr>
+                      </m:sSubPr>
+                      <m:e>
+                        <m:r>
+                          <a:rPr lang="en-US" i="1">
+                            <a:latin typeface="Cambria Math" panose="02040503050406030204" pitchFamily="18" charset="0"/>
+                          </a:rPr>
+                          <m:t>𝐸</m:t>
+                        </m:r>
+                      </m:e>
+                      <m:sub>
+                        <m:r>
+                          <a:rPr lang="en-US" b="0" i="1" smtClean="0">
+                            <a:latin typeface="Cambria Math" panose="02040503050406030204" pitchFamily="18" charset="0"/>
+                          </a:rPr>
+                          <m:t>𝑡h</m:t>
+                        </m:r>
+                      </m:sub>
+                    </m:sSub>
+                  </m:oMath>
+                </a14:m>
+                <a:r>
+                  <a:rPr lang="en-US" dirty="0">
+                    <a:latin typeface="Helvetica" pitchFamily="2" charset="0"/>
+                  </a:rPr>
+                  <a:t>, the threshold energy of entrance channel </a:t>
+                </a:r>
               </a:p>
             </p:txBody>
           </p:sp>
@@ -11706,10 +14381,10 @@
         <mc:Fallback>
           <p:sp>
             <p:nvSpPr>
-              <p:cNvPr id="9" name="TextBox 8">
+              <p:cNvPr id="36" name="TextBox 35">
                 <a:extLst>
                   <a:ext uri="{FF2B5EF4-FFF2-40B4-BE49-F238E27FC236}">
-                    <a16:creationId xmlns:a16="http://schemas.microsoft.com/office/drawing/2014/main" id="{05B198E9-2FC1-1928-FF48-36D92B1FA6AC}"/>
+                    <a16:creationId xmlns:a16="http://schemas.microsoft.com/office/drawing/2014/main" id="{9E36F98E-2B92-310B-69C1-0681E955DFBC}"/>
                   </a:ext>
                 </a:extLst>
               </p:cNvPr>
@@ -11720,8 +14395,8 @@
             </p:nvSpPr>
             <p:spPr>
               <a:xfrm>
-                <a:off x="484742" y="1450072"/>
-                <a:ext cx="11078379" cy="3791679"/>
+                <a:off x="1036215" y="4442563"/>
+                <a:ext cx="9847504" cy="2128275"/>
               </a:xfrm>
               <a:prstGeom prst="rect">
                 <a:avLst/>
@@ -11729,7 +14404,7 @@
               <a:blipFill>
                 <a:blip r:embed="rId5"/>
                 <a:stretch>
-                  <a:fillRect l="-344" b="-2007"/>
+                  <a:fillRect l="-387" b="-3550"/>
                 </a:stretch>
               </a:blipFill>
             </p:spPr>
@@ -11748,72 +14423,12 @@
           </p:sp>
         </mc:Fallback>
       </mc:AlternateContent>
-      <p:pic>
-        <p:nvPicPr>
-          <p:cNvPr id="10" name="Picture 9">
+      <p:sp>
+        <p:nvSpPr>
+          <p:cNvPr id="37" name="TextBox 36">
             <a:extLst>
               <a:ext uri="{FF2B5EF4-FFF2-40B4-BE49-F238E27FC236}">
-                <a16:creationId xmlns:a16="http://schemas.microsoft.com/office/drawing/2014/main" id="{8209C442-19E3-5DE0-DA4D-8E71C70B0BF0}"/>
-              </a:ext>
-            </a:extLst>
-          </p:cNvPr>
-          <p:cNvPicPr>
-            <a:picLocks noChangeAspect="1"/>
-          </p:cNvPicPr>
-          <p:nvPr/>
-        </p:nvPicPr>
-        <p:blipFill>
-          <a:blip r:embed="rId6"/>
-          <a:stretch>
-            <a:fillRect/>
-          </a:stretch>
-        </p:blipFill>
-        <p:spPr>
-          <a:xfrm>
-            <a:off x="1205334" y="1864891"/>
-            <a:ext cx="368669" cy="438717"/>
-          </a:xfrm>
-          <a:prstGeom prst="rect">
-            <a:avLst/>
-          </a:prstGeom>
-        </p:spPr>
-      </p:pic>
-      <p:pic>
-        <p:nvPicPr>
-          <p:cNvPr id="11" name="Picture 10">
-            <a:extLst>
-              <a:ext uri="{FF2B5EF4-FFF2-40B4-BE49-F238E27FC236}">
-                <a16:creationId xmlns:a16="http://schemas.microsoft.com/office/drawing/2014/main" id="{0D879895-2C61-ABDA-9BE0-AAF5E48068EA}"/>
-              </a:ext>
-            </a:extLst>
-          </p:cNvPr>
-          <p:cNvPicPr>
-            <a:picLocks noChangeAspect="1"/>
-          </p:cNvPicPr>
-          <p:nvPr/>
-        </p:nvPicPr>
-        <p:blipFill>
-          <a:blip r:embed="rId7"/>
-          <a:stretch>
-            <a:fillRect/>
-          </a:stretch>
-        </p:blipFill>
-        <p:spPr>
-          <a:xfrm>
-            <a:off x="5070038" y="3052742"/>
-            <a:ext cx="776045" cy="527016"/>
-          </a:xfrm>
-          <a:prstGeom prst="rect">
-            <a:avLst/>
-          </a:prstGeom>
-        </p:spPr>
-      </p:pic>
-      <p:sp>
-        <p:nvSpPr>
-          <p:cNvPr id="12" name="TextBox 11">
-            <a:extLst>
-              <a:ext uri="{FF2B5EF4-FFF2-40B4-BE49-F238E27FC236}">
-                <a16:creationId xmlns:a16="http://schemas.microsoft.com/office/drawing/2014/main" id="{B37DC41C-6EA1-6ED8-00EA-108853101733}"/>
+                <a16:creationId xmlns:a16="http://schemas.microsoft.com/office/drawing/2014/main" id="{1FE7E6FA-F4DA-4D32-5539-AAA7A1881BBA}"/>
               </a:ext>
             </a:extLst>
           </p:cNvPr>
@@ -11822,8 +14437,8 @@
         </p:nvSpPr>
         <p:spPr>
           <a:xfrm>
-            <a:off x="10431379" y="3615509"/>
-            <a:ext cx="1717137" cy="307777"/>
+            <a:off x="770199" y="1478940"/>
+            <a:ext cx="2082814" cy="369332"/>
           </a:xfrm>
           <a:prstGeom prst="rect">
             <a:avLst/>
@@ -11837,15 +14452,10 @@
           <a:lstStyle/>
           <a:p>
             <a:r>
-              <a:rPr lang="en-US" sz="1400" dirty="0">
-                <a:solidFill>
-                  <a:schemeClr val="bg1">
-                    <a:lumMod val="50000"/>
-                  </a:schemeClr>
-                </a:solidFill>
+              <a:rPr lang="en-US" dirty="0">
                 <a:latin typeface="Helvetica" pitchFamily="2" charset="0"/>
               </a:rPr>
-              <a:t>(*) in zero-field limit</a:t>
+              <a:t>In ABM spin basis:</a:t>
             </a:r>
           </a:p>
         </p:txBody>
@@ -11853,7 +14463,7 @@
     </p:spTree>
     <p:extLst>
       <p:ext uri="{BB962C8B-B14F-4D97-AF65-F5344CB8AC3E}">
-        <p14:creationId xmlns:p14="http://schemas.microsoft.com/office/powerpoint/2010/main" val="981266983"/>
+        <p14:creationId xmlns:p14="http://schemas.microsoft.com/office/powerpoint/2010/main" val="2679544608"/>
       </p:ext>
     </p:extLst>
   </p:cSld>
